--- a/images/images.pptx
+++ b/images/images.pptx
@@ -104,6 +104,11 @@
       </a:defRPr>
     </a:lvl9pPr>
   </p:defaultTextStyle>
+  <p:extLst>
+    <p:ext uri="{EFAFB233-063F-42B5-8137-9DF3F51BA10A}">
+      <p15:sldGuideLst xmlns:p15="http://schemas.microsoft.com/office/powerpoint/2012/main"/>
+    </p:ext>
+  </p:extLst>
 </p:presentation>
 </file>
 
@@ -3321,6 +3326,42 @@
           <a:chExt cx="0" cy="0"/>
         </a:xfrm>
       </p:grpSpPr>
+      <p:sp>
+        <p:nvSpPr>
+          <p:cNvPr id="2" name="TextBox 1">
+            <a:extLst>
+              <a:ext uri="{FF2B5EF4-FFF2-40B4-BE49-F238E27FC236}">
+                <a16:creationId xmlns:a16="http://schemas.microsoft.com/office/drawing/2014/main" id="{F3F87047-D342-F346-9DD6-EAE858F82673}"/>
+              </a:ext>
+            </a:extLst>
+          </p:cNvPr>
+          <p:cNvSpPr txBox="1"/>
+          <p:nvPr/>
+        </p:nvSpPr>
+        <p:spPr>
+          <a:xfrm>
+            <a:off x="4965700" y="2870200"/>
+            <a:ext cx="502061" cy="369332"/>
+          </a:xfrm>
+          <a:prstGeom prst="rect">
+            <a:avLst/>
+          </a:prstGeom>
+          <a:noFill/>
+        </p:spPr>
+        <p:txBody>
+          <a:bodyPr wrap="none" rtlCol="0">
+            <a:spAutoFit/>
+          </a:bodyPr>
+          <a:lstStyle/>
+          <a:p>
+            <a:r>
+              <a:rPr lang="en-US" dirty="0" err="1"/>
+              <a:t>kjkj</a:t>
+            </a:r>
+            <a:endParaRPr lang="en-US" dirty="0"/>
+          </a:p>
+        </p:txBody>
+      </p:sp>
     </p:spTree>
     <p:extLst>
       <p:ext uri="{BB962C8B-B14F-4D97-AF65-F5344CB8AC3E}">

--- a/images/images.pptx
+++ b/images/images.pptx
@@ -259,7 +259,7 @@
           <a:p>
             <a:fld id="{4615358D-515A-CA45-9AD0-962FFE9407CA}" type="datetimeFigureOut">
               <a:rPr lang="en-US" smtClean="0"/>
-              <a:t>7/19/19</a:t>
+              <a:t>8/2/19</a:t>
             </a:fld>
             <a:endParaRPr lang="en-US"/>
           </a:p>
@@ -457,7 +457,7 @@
           <a:p>
             <a:fld id="{4615358D-515A-CA45-9AD0-962FFE9407CA}" type="datetimeFigureOut">
               <a:rPr lang="en-US" smtClean="0"/>
-              <a:t>7/19/19</a:t>
+              <a:t>8/2/19</a:t>
             </a:fld>
             <a:endParaRPr lang="en-US"/>
           </a:p>
@@ -665,7 +665,7 @@
           <a:p>
             <a:fld id="{4615358D-515A-CA45-9AD0-962FFE9407CA}" type="datetimeFigureOut">
               <a:rPr lang="en-US" smtClean="0"/>
-              <a:t>7/19/19</a:t>
+              <a:t>8/2/19</a:t>
             </a:fld>
             <a:endParaRPr lang="en-US"/>
           </a:p>
@@ -863,7 +863,7 @@
           <a:p>
             <a:fld id="{4615358D-515A-CA45-9AD0-962FFE9407CA}" type="datetimeFigureOut">
               <a:rPr lang="en-US" smtClean="0"/>
-              <a:t>7/19/19</a:t>
+              <a:t>8/2/19</a:t>
             </a:fld>
             <a:endParaRPr lang="en-US"/>
           </a:p>
@@ -1138,7 +1138,7 @@
           <a:p>
             <a:fld id="{4615358D-515A-CA45-9AD0-962FFE9407CA}" type="datetimeFigureOut">
               <a:rPr lang="en-US" smtClean="0"/>
-              <a:t>7/19/19</a:t>
+              <a:t>8/2/19</a:t>
             </a:fld>
             <a:endParaRPr lang="en-US"/>
           </a:p>
@@ -1403,7 +1403,7 @@
           <a:p>
             <a:fld id="{4615358D-515A-CA45-9AD0-962FFE9407CA}" type="datetimeFigureOut">
               <a:rPr lang="en-US" smtClean="0"/>
-              <a:t>7/19/19</a:t>
+              <a:t>8/2/19</a:t>
             </a:fld>
             <a:endParaRPr lang="en-US"/>
           </a:p>
@@ -1815,7 +1815,7 @@
           <a:p>
             <a:fld id="{4615358D-515A-CA45-9AD0-962FFE9407CA}" type="datetimeFigureOut">
               <a:rPr lang="en-US" smtClean="0"/>
-              <a:t>7/19/19</a:t>
+              <a:t>8/2/19</a:t>
             </a:fld>
             <a:endParaRPr lang="en-US"/>
           </a:p>
@@ -1956,7 +1956,7 @@
           <a:p>
             <a:fld id="{4615358D-515A-CA45-9AD0-962FFE9407CA}" type="datetimeFigureOut">
               <a:rPr lang="en-US" smtClean="0"/>
-              <a:t>7/19/19</a:t>
+              <a:t>8/2/19</a:t>
             </a:fld>
             <a:endParaRPr lang="en-US"/>
           </a:p>
@@ -2069,7 +2069,7 @@
           <a:p>
             <a:fld id="{4615358D-515A-CA45-9AD0-962FFE9407CA}" type="datetimeFigureOut">
               <a:rPr lang="en-US" smtClean="0"/>
-              <a:t>7/19/19</a:t>
+              <a:t>8/2/19</a:t>
             </a:fld>
             <a:endParaRPr lang="en-US"/>
           </a:p>
@@ -2380,7 +2380,7 @@
           <a:p>
             <a:fld id="{4615358D-515A-CA45-9AD0-962FFE9407CA}" type="datetimeFigureOut">
               <a:rPr lang="en-US" smtClean="0"/>
-              <a:t>7/19/19</a:t>
+              <a:t>8/2/19</a:t>
             </a:fld>
             <a:endParaRPr lang="en-US"/>
           </a:p>
@@ -2668,7 +2668,7 @@
           <a:p>
             <a:fld id="{4615358D-515A-CA45-9AD0-962FFE9407CA}" type="datetimeFigureOut">
               <a:rPr lang="en-US" smtClean="0"/>
-              <a:t>7/19/19</a:t>
+              <a:t>8/2/19</a:t>
             </a:fld>
             <a:endParaRPr lang="en-US"/>
           </a:p>
@@ -2909,7 +2909,7 @@
           <a:p>
             <a:fld id="{4615358D-515A-CA45-9AD0-962FFE9407CA}" type="datetimeFigureOut">
               <a:rPr lang="en-US" smtClean="0"/>
-              <a:t>7/19/19</a:t>
+              <a:t>8/2/19</a:t>
             </a:fld>
             <a:endParaRPr lang="en-US"/>
           </a:p>
@@ -3328,37 +3328,506 @@
       </p:grpSpPr>
       <p:sp>
         <p:nvSpPr>
-          <p:cNvPr id="2" name="TextBox 1">
-            <a:extLst>
-              <a:ext uri="{FF2B5EF4-FFF2-40B4-BE49-F238E27FC236}">
-                <a16:creationId xmlns:a16="http://schemas.microsoft.com/office/drawing/2014/main" id="{F3F87047-D342-F346-9DD6-EAE858F82673}"/>
-              </a:ext>
-            </a:extLst>
-          </p:cNvPr>
-          <p:cNvSpPr txBox="1"/>
+          <p:cNvPr id="3" name="Rounded Rectangle 2">
+            <a:extLst>
+              <a:ext uri="{FF2B5EF4-FFF2-40B4-BE49-F238E27FC236}">
+                <a16:creationId xmlns:a16="http://schemas.microsoft.com/office/drawing/2014/main" id="{40CD4826-D16E-454C-929F-85AD7BB291CE}"/>
+              </a:ext>
+            </a:extLst>
+          </p:cNvPr>
+          <p:cNvSpPr/>
           <p:nvPr/>
         </p:nvSpPr>
         <p:spPr>
           <a:xfrm>
-            <a:off x="4965700" y="2870200"/>
-            <a:ext cx="502061" cy="369332"/>
+            <a:off x="2118732" y="791737"/>
+            <a:ext cx="1828800" cy="457200"/>
           </a:xfrm>
-          <a:prstGeom prst="rect">
+          <a:prstGeom prst="roundRect">
             <a:avLst/>
           </a:prstGeom>
-          <a:noFill/>
+          <a:solidFill>
+            <a:schemeClr val="accent6">
+              <a:lumMod val="75000"/>
+            </a:schemeClr>
+          </a:solidFill>
+          <a:ln>
+            <a:noFill/>
+          </a:ln>
         </p:spPr>
-        <p:txBody>
-          <a:bodyPr wrap="none" rtlCol="0">
-            <a:spAutoFit/>
+        <p:style>
+          <a:lnRef idx="2">
+            <a:schemeClr val="accent6">
+              <a:shade val="50000"/>
+            </a:schemeClr>
+          </a:lnRef>
+          <a:fillRef idx="1">
+            <a:schemeClr val="accent6"/>
+          </a:fillRef>
+          <a:effectRef idx="0">
+            <a:schemeClr val="accent6"/>
+          </a:effectRef>
+          <a:fontRef idx="minor">
+            <a:schemeClr val="lt1"/>
+          </a:fontRef>
+        </p:style>
+        <p:txBody>
+          <a:bodyPr rtlCol="0" anchor="ctr"/>
+          <a:lstStyle/>
+          <a:p>
+            <a:pPr algn="ctr"/>
+            <a:r>
+              <a:rPr lang="en-US" sz="1600" dirty="0"/>
+              <a:t>Working Directory</a:t>
+            </a:r>
+          </a:p>
+        </p:txBody>
+      </p:sp>
+      <p:sp>
+        <p:nvSpPr>
+          <p:cNvPr id="5" name="Rounded Rectangle 4">
+            <a:extLst>
+              <a:ext uri="{FF2B5EF4-FFF2-40B4-BE49-F238E27FC236}">
+                <a16:creationId xmlns:a16="http://schemas.microsoft.com/office/drawing/2014/main" id="{5CBFD109-E574-6C49-BCEA-EB8B45E3B38A}"/>
+              </a:ext>
+            </a:extLst>
+          </p:cNvPr>
+          <p:cNvSpPr/>
+          <p:nvPr/>
+        </p:nvSpPr>
+        <p:spPr>
+          <a:xfrm>
+            <a:off x="6222380" y="791736"/>
+            <a:ext cx="1828800" cy="457200"/>
+          </a:xfrm>
+          <a:prstGeom prst="roundRect">
+            <a:avLst/>
+          </a:prstGeom>
+          <a:solidFill>
+            <a:schemeClr val="accent6">
+              <a:lumMod val="75000"/>
+            </a:schemeClr>
+          </a:solidFill>
+          <a:ln>
+            <a:noFill/>
+          </a:ln>
+        </p:spPr>
+        <p:style>
+          <a:lnRef idx="2">
+            <a:schemeClr val="accent6">
+              <a:shade val="50000"/>
+            </a:schemeClr>
+          </a:lnRef>
+          <a:fillRef idx="1">
+            <a:schemeClr val="accent6"/>
+          </a:fillRef>
+          <a:effectRef idx="0">
+            <a:schemeClr val="accent6"/>
+          </a:effectRef>
+          <a:fontRef idx="minor">
+            <a:schemeClr val="lt1"/>
+          </a:fontRef>
+        </p:style>
+        <p:txBody>
+          <a:bodyPr rtlCol="0" anchor="ctr"/>
+          <a:lstStyle/>
+          <a:p>
+            <a:pPr algn="ctr"/>
+            <a:r>
+              <a:rPr lang="en-US" sz="1600" dirty="0"/>
+              <a:t>Committed Files</a:t>
+            </a:r>
+          </a:p>
+        </p:txBody>
+      </p:sp>
+      <p:sp>
+        <p:nvSpPr>
+          <p:cNvPr id="6" name="Rounded Rectangle 5">
+            <a:extLst>
+              <a:ext uri="{FF2B5EF4-FFF2-40B4-BE49-F238E27FC236}">
+                <a16:creationId xmlns:a16="http://schemas.microsoft.com/office/drawing/2014/main" id="{58DAFCEC-26B4-844C-ADEA-FE8ECD39185E}"/>
+              </a:ext>
+            </a:extLst>
+          </p:cNvPr>
+          <p:cNvSpPr/>
+          <p:nvPr/>
+        </p:nvSpPr>
+        <p:spPr>
+          <a:xfrm>
+            <a:off x="4170556" y="791736"/>
+            <a:ext cx="1828800" cy="457200"/>
+          </a:xfrm>
+          <a:prstGeom prst="roundRect">
+            <a:avLst/>
+          </a:prstGeom>
+          <a:solidFill>
+            <a:schemeClr val="accent6">
+              <a:lumMod val="75000"/>
+            </a:schemeClr>
+          </a:solidFill>
+          <a:ln>
+            <a:noFill/>
+          </a:ln>
+        </p:spPr>
+        <p:style>
+          <a:lnRef idx="2">
+            <a:schemeClr val="accent6">
+              <a:shade val="50000"/>
+            </a:schemeClr>
+          </a:lnRef>
+          <a:fillRef idx="1">
+            <a:schemeClr val="accent6"/>
+          </a:fillRef>
+          <a:effectRef idx="0">
+            <a:schemeClr val="accent6"/>
+          </a:effectRef>
+          <a:fontRef idx="minor">
+            <a:schemeClr val="lt1"/>
+          </a:fontRef>
+        </p:style>
+        <p:txBody>
+          <a:bodyPr rtlCol="0" anchor="ctr"/>
+          <a:lstStyle/>
+          <a:p>
+            <a:pPr algn="ctr"/>
+            <a:r>
+              <a:rPr lang="en-US" sz="1600" dirty="0"/>
+              <a:t>Staged Files</a:t>
+            </a:r>
+          </a:p>
+        </p:txBody>
+      </p:sp>
+      <p:cxnSp>
+        <p:nvCxnSpPr>
+          <p:cNvPr id="8" name="Straight Connector 7">
+            <a:extLst>
+              <a:ext uri="{FF2B5EF4-FFF2-40B4-BE49-F238E27FC236}">
+                <a16:creationId xmlns:a16="http://schemas.microsoft.com/office/drawing/2014/main" id="{326E157E-A233-2E48-82A2-70158E48F4C4}"/>
+              </a:ext>
+            </a:extLst>
+          </p:cNvPr>
+          <p:cNvCxnSpPr>
+            <a:cxnSpLocks/>
+            <a:stCxn id="3" idx="2"/>
+          </p:cNvCxnSpPr>
+          <p:nvPr/>
+        </p:nvCxnSpPr>
+        <p:spPr>
+          <a:xfrm>
+            <a:off x="3033132" y="1248937"/>
+            <a:ext cx="0" cy="2285998"/>
+          </a:xfrm>
+          <a:prstGeom prst="line">
+            <a:avLst/>
+          </a:prstGeom>
+          <a:ln>
+            <a:solidFill>
+              <a:schemeClr val="accent6">
+                <a:lumMod val="75000"/>
+              </a:schemeClr>
+            </a:solidFill>
+          </a:ln>
+        </p:spPr>
+        <p:style>
+          <a:lnRef idx="3">
+            <a:schemeClr val="accent6"/>
+          </a:lnRef>
+          <a:fillRef idx="0">
+            <a:schemeClr val="accent6"/>
+          </a:fillRef>
+          <a:effectRef idx="2">
+            <a:schemeClr val="accent6"/>
+          </a:effectRef>
+          <a:fontRef idx="minor">
+            <a:schemeClr val="tx1"/>
+          </a:fontRef>
+        </p:style>
+      </p:cxnSp>
+      <p:sp>
+        <p:nvSpPr>
+          <p:cNvPr id="11" name="Right Arrow 10">
+            <a:extLst>
+              <a:ext uri="{FF2B5EF4-FFF2-40B4-BE49-F238E27FC236}">
+                <a16:creationId xmlns:a16="http://schemas.microsoft.com/office/drawing/2014/main" id="{73922CB2-B0CC-7749-93BD-C7D6EE73F3DF}"/>
+              </a:ext>
+            </a:extLst>
+          </p:cNvPr>
+          <p:cNvSpPr/>
+          <p:nvPr/>
+        </p:nvSpPr>
+        <p:spPr>
+          <a:xfrm>
+            <a:off x="3051718" y="2074127"/>
+            <a:ext cx="2022088" cy="624468"/>
+          </a:xfrm>
+          <a:prstGeom prst="rightArrow">
+            <a:avLst/>
+          </a:prstGeom>
+          <a:solidFill>
+            <a:schemeClr val="bg1">
+              <a:lumMod val="75000"/>
+            </a:schemeClr>
+          </a:solidFill>
+          <a:ln>
+            <a:noFill/>
+          </a:ln>
+        </p:spPr>
+        <p:style>
+          <a:lnRef idx="2">
+            <a:schemeClr val="accent3">
+              <a:shade val="50000"/>
+            </a:schemeClr>
+          </a:lnRef>
+          <a:fillRef idx="1">
+            <a:schemeClr val="accent3"/>
+          </a:fillRef>
+          <a:effectRef idx="0">
+            <a:schemeClr val="accent3"/>
+          </a:effectRef>
+          <a:fontRef idx="minor">
+            <a:schemeClr val="lt1"/>
+          </a:fontRef>
+        </p:style>
+        <p:txBody>
+          <a:bodyPr rot="0" spcFirstLastPara="0" vertOverflow="overflow" horzOverflow="overflow" vert="horz" wrap="square" lIns="91440" tIns="45720" rIns="91440" bIns="45720" numCol="1" spcCol="0" rtlCol="0" fromWordArt="0" anchor="ctr" anchorCtr="0" forceAA="0" compatLnSpc="1">
+            <a:prstTxWarp prst="textNoShape">
+              <a:avLst/>
+            </a:prstTxWarp>
+            <a:noAutofit/>
           </a:bodyPr>
           <a:lstStyle/>
           <a:p>
-            <a:r>
-              <a:rPr lang="en-US" dirty="0" err="1"/>
-              <a:t>kjkj</a:t>
-            </a:r>
-            <a:endParaRPr lang="en-US" dirty="0"/>
+            <a:pPr algn="ctr"/>
+            <a:r>
+              <a:rPr lang="en-US" dirty="0">
+                <a:solidFill>
+                  <a:schemeClr val="tx1"/>
+                </a:solidFill>
+                <a:latin typeface="Courier" pitchFamily="2" charset="0"/>
+              </a:rPr>
+              <a:t>add</a:t>
+            </a:r>
+          </a:p>
+        </p:txBody>
+      </p:sp>
+      <p:cxnSp>
+        <p:nvCxnSpPr>
+          <p:cNvPr id="12" name="Straight Connector 11">
+            <a:extLst>
+              <a:ext uri="{FF2B5EF4-FFF2-40B4-BE49-F238E27FC236}">
+                <a16:creationId xmlns:a16="http://schemas.microsoft.com/office/drawing/2014/main" id="{16933E39-C452-3647-914B-E749FE409415}"/>
+              </a:ext>
+            </a:extLst>
+          </p:cNvPr>
+          <p:cNvCxnSpPr>
+            <a:cxnSpLocks/>
+            <a:stCxn id="6" idx="2"/>
+          </p:cNvCxnSpPr>
+          <p:nvPr/>
+        </p:nvCxnSpPr>
+        <p:spPr>
+          <a:xfrm flipH="1">
+            <a:off x="5073806" y="1248936"/>
+            <a:ext cx="11150" cy="2286001"/>
+          </a:xfrm>
+          <a:prstGeom prst="line">
+            <a:avLst/>
+          </a:prstGeom>
+          <a:ln>
+            <a:solidFill>
+              <a:schemeClr val="accent6">
+                <a:lumMod val="75000"/>
+              </a:schemeClr>
+            </a:solidFill>
+          </a:ln>
+        </p:spPr>
+        <p:style>
+          <a:lnRef idx="3">
+            <a:schemeClr val="accent6"/>
+          </a:lnRef>
+          <a:fillRef idx="0">
+            <a:schemeClr val="accent6"/>
+          </a:fillRef>
+          <a:effectRef idx="2">
+            <a:schemeClr val="accent6"/>
+          </a:effectRef>
+          <a:fontRef idx="minor">
+            <a:schemeClr val="tx1"/>
+          </a:fontRef>
+        </p:style>
+      </p:cxnSp>
+      <p:cxnSp>
+        <p:nvCxnSpPr>
+          <p:cNvPr id="17" name="Straight Connector 16">
+            <a:extLst>
+              <a:ext uri="{FF2B5EF4-FFF2-40B4-BE49-F238E27FC236}">
+                <a16:creationId xmlns:a16="http://schemas.microsoft.com/office/drawing/2014/main" id="{2280086B-B663-8C49-911E-CF30D1A42506}"/>
+              </a:ext>
+            </a:extLst>
+          </p:cNvPr>
+          <p:cNvCxnSpPr>
+            <a:cxnSpLocks/>
+            <a:stCxn id="5" idx="2"/>
+          </p:cNvCxnSpPr>
+          <p:nvPr/>
+        </p:nvCxnSpPr>
+        <p:spPr>
+          <a:xfrm>
+            <a:off x="7136780" y="1248936"/>
+            <a:ext cx="0" cy="2285999"/>
+          </a:xfrm>
+          <a:prstGeom prst="line">
+            <a:avLst/>
+          </a:prstGeom>
+          <a:ln>
+            <a:solidFill>
+              <a:schemeClr val="accent6">
+                <a:lumMod val="75000"/>
+              </a:schemeClr>
+            </a:solidFill>
+          </a:ln>
+        </p:spPr>
+        <p:style>
+          <a:lnRef idx="3">
+            <a:schemeClr val="accent6"/>
+          </a:lnRef>
+          <a:fillRef idx="0">
+            <a:schemeClr val="accent6"/>
+          </a:fillRef>
+          <a:effectRef idx="2">
+            <a:schemeClr val="accent6"/>
+          </a:effectRef>
+          <a:fontRef idx="minor">
+            <a:schemeClr val="tx1"/>
+          </a:fontRef>
+        </p:style>
+      </p:cxnSp>
+      <p:sp>
+        <p:nvSpPr>
+          <p:cNvPr id="20" name="Right Arrow 19">
+            <a:extLst>
+              <a:ext uri="{FF2B5EF4-FFF2-40B4-BE49-F238E27FC236}">
+                <a16:creationId xmlns:a16="http://schemas.microsoft.com/office/drawing/2014/main" id="{750A18E1-60F7-1A4C-96ED-5778D2D279C9}"/>
+              </a:ext>
+            </a:extLst>
+          </p:cNvPr>
+          <p:cNvSpPr/>
+          <p:nvPr/>
+        </p:nvSpPr>
+        <p:spPr>
+          <a:xfrm>
+            <a:off x="5119344" y="2754353"/>
+            <a:ext cx="1995135" cy="624468"/>
+          </a:xfrm>
+          <a:prstGeom prst="rightArrow">
+            <a:avLst/>
+          </a:prstGeom>
+          <a:solidFill>
+            <a:schemeClr val="bg1">
+              <a:lumMod val="75000"/>
+            </a:schemeClr>
+          </a:solidFill>
+          <a:ln>
+            <a:noFill/>
+          </a:ln>
+        </p:spPr>
+        <p:style>
+          <a:lnRef idx="2">
+            <a:schemeClr val="accent3">
+              <a:shade val="50000"/>
+            </a:schemeClr>
+          </a:lnRef>
+          <a:fillRef idx="1">
+            <a:schemeClr val="accent3"/>
+          </a:fillRef>
+          <a:effectRef idx="0">
+            <a:schemeClr val="accent3"/>
+          </a:effectRef>
+          <a:fontRef idx="minor">
+            <a:schemeClr val="lt1"/>
+          </a:fontRef>
+        </p:style>
+        <p:txBody>
+          <a:bodyPr rot="0" spcFirstLastPara="0" vertOverflow="overflow" horzOverflow="overflow" vert="horz" wrap="square" lIns="91440" tIns="45720" rIns="91440" bIns="45720" numCol="1" spcCol="0" rtlCol="0" fromWordArt="0" anchor="ctr" anchorCtr="0" forceAA="0" compatLnSpc="1">
+            <a:prstTxWarp prst="textNoShape">
+              <a:avLst/>
+            </a:prstTxWarp>
+            <a:noAutofit/>
+          </a:bodyPr>
+          <a:lstStyle/>
+          <a:p>
+            <a:pPr algn="ctr"/>
+            <a:r>
+              <a:rPr lang="en-US" dirty="0">
+                <a:solidFill>
+                  <a:schemeClr val="tx1"/>
+                </a:solidFill>
+                <a:latin typeface="Courier" pitchFamily="2" charset="0"/>
+              </a:rPr>
+              <a:t>commit</a:t>
+            </a:r>
+          </a:p>
+        </p:txBody>
+      </p:sp>
+      <p:sp>
+        <p:nvSpPr>
+          <p:cNvPr id="23" name="Right Arrow 22">
+            <a:extLst>
+              <a:ext uri="{FF2B5EF4-FFF2-40B4-BE49-F238E27FC236}">
+                <a16:creationId xmlns:a16="http://schemas.microsoft.com/office/drawing/2014/main" id="{72360DB1-1105-C944-AE45-79201332B6B0}"/>
+              </a:ext>
+            </a:extLst>
+          </p:cNvPr>
+          <p:cNvSpPr/>
+          <p:nvPr/>
+        </p:nvSpPr>
+        <p:spPr>
+          <a:xfrm flipH="1">
+            <a:off x="3044283" y="1393902"/>
+            <a:ext cx="4073913" cy="624468"/>
+          </a:xfrm>
+          <a:prstGeom prst="rightArrow">
+            <a:avLst/>
+          </a:prstGeom>
+          <a:solidFill>
+            <a:schemeClr val="bg1">
+              <a:lumMod val="75000"/>
+            </a:schemeClr>
+          </a:solidFill>
+          <a:ln>
+            <a:noFill/>
+          </a:ln>
+        </p:spPr>
+        <p:style>
+          <a:lnRef idx="2">
+            <a:schemeClr val="accent3">
+              <a:shade val="50000"/>
+            </a:schemeClr>
+          </a:lnRef>
+          <a:fillRef idx="1">
+            <a:schemeClr val="accent3"/>
+          </a:fillRef>
+          <a:effectRef idx="0">
+            <a:schemeClr val="accent3"/>
+          </a:effectRef>
+          <a:fontRef idx="minor">
+            <a:schemeClr val="lt1"/>
+          </a:fontRef>
+        </p:style>
+        <p:txBody>
+          <a:bodyPr rtlCol="0" anchor="ctr"/>
+          <a:lstStyle/>
+          <a:p>
+            <a:pPr algn="ctr"/>
+            <a:r>
+              <a:rPr lang="en-US" dirty="0">
+                <a:solidFill>
+                  <a:schemeClr val="tx1"/>
+                </a:solidFill>
+                <a:latin typeface="Courier" pitchFamily="2" charset="0"/>
+              </a:rPr>
+              <a:t>checkout</a:t>
+            </a:r>
           </a:p>
         </p:txBody>
       </p:sp>

--- a/images/images.pptx
+++ b/images/images.pptx
@@ -3558,7 +3558,7 @@
         <p:spPr>
           <a:xfrm>
             <a:off x="3051718" y="2074127"/>
-            <a:ext cx="2022088" cy="624468"/>
+            <a:ext cx="2003503" cy="624468"/>
           </a:xfrm>
           <a:prstGeom prst="rightArrow">
             <a:avLst/>
@@ -3716,8 +3716,8 @@
         </p:nvSpPr>
         <p:spPr>
           <a:xfrm>
-            <a:off x="5119344" y="2754353"/>
-            <a:ext cx="1995135" cy="624468"/>
+            <a:off x="5103540" y="2754353"/>
+            <a:ext cx="2010939" cy="624468"/>
           </a:xfrm>
           <a:prstGeom prst="rightArrow">
             <a:avLst/>
@@ -3783,8 +3783,8 @@
         </p:nvSpPr>
         <p:spPr>
           <a:xfrm flipH="1">
-            <a:off x="3044283" y="1393902"/>
-            <a:ext cx="4073913" cy="624468"/>
+            <a:off x="3051717" y="1393902"/>
+            <a:ext cx="4066478" cy="624468"/>
           </a:xfrm>
           <a:prstGeom prst="rightArrow">
             <a:avLst/>

--- a/images/images.pptx
+++ b/images/images.pptx
@@ -6,6 +6,7 @@
   </p:sldMasterIdLst>
   <p:sldIdLst>
     <p:sldId id="256" r:id="rId2"/>
+    <p:sldId id="257" r:id="rId3"/>
   </p:sldIdLst>
   <p:sldSz cx="12192000" cy="6858000"/>
   <p:notesSz cx="6858000" cy="9144000"/>
@@ -3844,6 +3845,1847 @@
 </p:sld>
 </file>
 
+<file path=ppt/slides/slide2.xml><?xml version="1.0" encoding="utf-8"?>
+<p:sld xmlns:a="http://schemas.openxmlformats.org/drawingml/2006/main" xmlns:r="http://schemas.openxmlformats.org/officeDocument/2006/relationships" xmlns:p="http://schemas.openxmlformats.org/presentationml/2006/main">
+  <p:cSld>
+    <p:spTree>
+      <p:nvGrpSpPr>
+        <p:cNvPr id="1" name=""/>
+        <p:cNvGrpSpPr/>
+        <p:nvPr/>
+      </p:nvGrpSpPr>
+      <p:grpSpPr>
+        <a:xfrm>
+          <a:off x="0" y="0"/>
+          <a:ext cx="0" cy="0"/>
+          <a:chOff x="0" y="0"/>
+          <a:chExt cx="0" cy="0"/>
+        </a:xfrm>
+      </p:grpSpPr>
+      <p:grpSp>
+        <p:nvGrpSpPr>
+          <p:cNvPr id="69" name="Group 68">
+            <a:extLst>
+              <a:ext uri="{FF2B5EF4-FFF2-40B4-BE49-F238E27FC236}">
+                <a16:creationId xmlns:a16="http://schemas.microsoft.com/office/drawing/2014/main" id="{2B5CA100-9F69-7245-8241-14F75E6366B4}"/>
+              </a:ext>
+            </a:extLst>
+          </p:cNvPr>
+          <p:cNvGrpSpPr/>
+          <p:nvPr/>
+        </p:nvGrpSpPr>
+        <p:grpSpPr>
+          <a:xfrm>
+            <a:off x="101600" y="199172"/>
+            <a:ext cx="3606800" cy="1845528"/>
+            <a:chOff x="101600" y="199172"/>
+            <a:chExt cx="3606800" cy="1845528"/>
+          </a:xfrm>
+        </p:grpSpPr>
+        <p:sp>
+          <p:nvSpPr>
+            <p:cNvPr id="4" name="Rounded Rectangle 3">
+              <a:extLst>
+                <a:ext uri="{FF2B5EF4-FFF2-40B4-BE49-F238E27FC236}">
+                  <a16:creationId xmlns:a16="http://schemas.microsoft.com/office/drawing/2014/main" id="{9C395CDC-5530-6942-BAD2-D96BC97A5301}"/>
+                </a:ext>
+              </a:extLst>
+            </p:cNvPr>
+            <p:cNvSpPr/>
+            <p:nvPr/>
+          </p:nvSpPr>
+          <p:spPr>
+            <a:xfrm>
+              <a:off x="2336800" y="893336"/>
+              <a:ext cx="1371600" cy="457200"/>
+            </a:xfrm>
+            <a:prstGeom prst="roundRect">
+              <a:avLst/>
+            </a:prstGeom>
+            <a:solidFill>
+              <a:schemeClr val="accent6">
+                <a:lumMod val="75000"/>
+              </a:schemeClr>
+            </a:solidFill>
+            <a:ln>
+              <a:noFill/>
+            </a:ln>
+          </p:spPr>
+          <p:style>
+            <a:lnRef idx="2">
+              <a:schemeClr val="accent6">
+                <a:shade val="50000"/>
+              </a:schemeClr>
+            </a:lnRef>
+            <a:fillRef idx="1">
+              <a:schemeClr val="accent6"/>
+            </a:fillRef>
+            <a:effectRef idx="0">
+              <a:schemeClr val="accent6"/>
+            </a:effectRef>
+            <a:fontRef idx="minor">
+              <a:schemeClr val="lt1"/>
+            </a:fontRef>
+          </p:style>
+          <p:txBody>
+            <a:bodyPr rtlCol="0" anchor="ctr"/>
+            <a:lstStyle/>
+            <a:p>
+              <a:pPr algn="ctr"/>
+              <a:r>
+                <a:rPr lang="en-US" sz="1600" dirty="0"/>
+                <a:t>master</a:t>
+              </a:r>
+            </a:p>
+          </p:txBody>
+        </p:sp>
+        <p:sp>
+          <p:nvSpPr>
+            <p:cNvPr id="13" name="Rounded Rectangle 12">
+              <a:extLst>
+                <a:ext uri="{FF2B5EF4-FFF2-40B4-BE49-F238E27FC236}">
+                  <a16:creationId xmlns:a16="http://schemas.microsoft.com/office/drawing/2014/main" id="{8B16F727-FAB0-AD4C-B041-C61F177CF4CE}"/>
+                </a:ext>
+              </a:extLst>
+            </p:cNvPr>
+            <p:cNvSpPr/>
+            <p:nvPr/>
+          </p:nvSpPr>
+          <p:spPr>
+            <a:xfrm>
+              <a:off x="101600" y="1587500"/>
+              <a:ext cx="914400" cy="457200"/>
+            </a:xfrm>
+            <a:prstGeom prst="roundRect">
+              <a:avLst/>
+            </a:prstGeom>
+            <a:solidFill>
+              <a:schemeClr val="accent4">
+                <a:lumMod val="75000"/>
+              </a:schemeClr>
+            </a:solidFill>
+            <a:ln>
+              <a:solidFill>
+                <a:schemeClr val="accent4">
+                  <a:lumMod val="75000"/>
+                </a:schemeClr>
+              </a:solidFill>
+            </a:ln>
+          </p:spPr>
+          <p:style>
+            <a:lnRef idx="2">
+              <a:schemeClr val="accent6">
+                <a:shade val="50000"/>
+              </a:schemeClr>
+            </a:lnRef>
+            <a:fillRef idx="1">
+              <a:schemeClr val="accent6"/>
+            </a:fillRef>
+            <a:effectRef idx="0">
+              <a:schemeClr val="accent6"/>
+            </a:effectRef>
+            <a:fontRef idx="minor">
+              <a:schemeClr val="lt1"/>
+            </a:fontRef>
+          </p:style>
+          <p:txBody>
+            <a:bodyPr rtlCol="0" anchor="ctr"/>
+            <a:lstStyle/>
+            <a:p>
+              <a:pPr algn="ctr"/>
+              <a:r>
+                <a:rPr lang="en-US" sz="1600" dirty="0"/>
+                <a:t>C1</a:t>
+              </a:r>
+            </a:p>
+          </p:txBody>
+        </p:sp>
+        <p:sp>
+          <p:nvSpPr>
+            <p:cNvPr id="14" name="Rounded Rectangle 13">
+              <a:extLst>
+                <a:ext uri="{FF2B5EF4-FFF2-40B4-BE49-F238E27FC236}">
+                  <a16:creationId xmlns:a16="http://schemas.microsoft.com/office/drawing/2014/main" id="{CFAB1606-47C3-E349-8FD6-B8E53F8BA79B}"/>
+                </a:ext>
+              </a:extLst>
+            </p:cNvPr>
+            <p:cNvSpPr/>
+            <p:nvPr/>
+          </p:nvSpPr>
+          <p:spPr>
+            <a:xfrm>
+              <a:off x="1333500" y="1587500"/>
+              <a:ext cx="914400" cy="457200"/>
+            </a:xfrm>
+            <a:prstGeom prst="roundRect">
+              <a:avLst/>
+            </a:prstGeom>
+            <a:solidFill>
+              <a:schemeClr val="accent4">
+                <a:lumMod val="75000"/>
+              </a:schemeClr>
+            </a:solidFill>
+            <a:ln>
+              <a:solidFill>
+                <a:schemeClr val="accent4">
+                  <a:lumMod val="75000"/>
+                </a:schemeClr>
+              </a:solidFill>
+            </a:ln>
+          </p:spPr>
+          <p:style>
+            <a:lnRef idx="2">
+              <a:schemeClr val="accent6">
+                <a:shade val="50000"/>
+              </a:schemeClr>
+            </a:lnRef>
+            <a:fillRef idx="1">
+              <a:schemeClr val="accent6"/>
+            </a:fillRef>
+            <a:effectRef idx="0">
+              <a:schemeClr val="accent6"/>
+            </a:effectRef>
+            <a:fontRef idx="minor">
+              <a:schemeClr val="lt1"/>
+            </a:fontRef>
+          </p:style>
+          <p:txBody>
+            <a:bodyPr rtlCol="0" anchor="ctr"/>
+            <a:lstStyle/>
+            <a:p>
+              <a:pPr algn="ctr"/>
+              <a:r>
+                <a:rPr lang="en-US" sz="1600" dirty="0"/>
+                <a:t>C2</a:t>
+              </a:r>
+            </a:p>
+          </p:txBody>
+        </p:sp>
+        <p:sp>
+          <p:nvSpPr>
+            <p:cNvPr id="15" name="Rounded Rectangle 14">
+              <a:extLst>
+                <a:ext uri="{FF2B5EF4-FFF2-40B4-BE49-F238E27FC236}">
+                  <a16:creationId xmlns:a16="http://schemas.microsoft.com/office/drawing/2014/main" id="{281893ED-8ACB-AE4D-8994-34AFAFE6D33D}"/>
+                </a:ext>
+              </a:extLst>
+            </p:cNvPr>
+            <p:cNvSpPr/>
+            <p:nvPr/>
+          </p:nvSpPr>
+          <p:spPr>
+            <a:xfrm>
+              <a:off x="2565400" y="1587500"/>
+              <a:ext cx="914400" cy="457200"/>
+            </a:xfrm>
+            <a:prstGeom prst="roundRect">
+              <a:avLst/>
+            </a:prstGeom>
+            <a:solidFill>
+              <a:schemeClr val="accent4">
+                <a:lumMod val="75000"/>
+              </a:schemeClr>
+            </a:solidFill>
+            <a:ln>
+              <a:solidFill>
+                <a:schemeClr val="accent4">
+                  <a:lumMod val="75000"/>
+                </a:schemeClr>
+              </a:solidFill>
+            </a:ln>
+          </p:spPr>
+          <p:style>
+            <a:lnRef idx="2">
+              <a:schemeClr val="accent6">
+                <a:shade val="50000"/>
+              </a:schemeClr>
+            </a:lnRef>
+            <a:fillRef idx="1">
+              <a:schemeClr val="accent6"/>
+            </a:fillRef>
+            <a:effectRef idx="0">
+              <a:schemeClr val="accent6"/>
+            </a:effectRef>
+            <a:fontRef idx="minor">
+              <a:schemeClr val="lt1"/>
+            </a:fontRef>
+          </p:style>
+          <p:txBody>
+            <a:bodyPr rtlCol="0" anchor="ctr"/>
+            <a:lstStyle/>
+            <a:p>
+              <a:pPr algn="ctr"/>
+              <a:r>
+                <a:rPr lang="en-US" sz="1600" dirty="0"/>
+                <a:t>C3</a:t>
+              </a:r>
+            </a:p>
+          </p:txBody>
+        </p:sp>
+        <p:cxnSp>
+          <p:nvCxnSpPr>
+            <p:cNvPr id="17" name="Straight Arrow Connector 16">
+              <a:extLst>
+                <a:ext uri="{FF2B5EF4-FFF2-40B4-BE49-F238E27FC236}">
+                  <a16:creationId xmlns:a16="http://schemas.microsoft.com/office/drawing/2014/main" id="{28246398-F551-DD4D-B5C6-4D2D76DD21D5}"/>
+                </a:ext>
+              </a:extLst>
+            </p:cNvPr>
+            <p:cNvCxnSpPr>
+              <a:stCxn id="14" idx="1"/>
+              <a:endCxn id="13" idx="3"/>
+            </p:cNvCxnSpPr>
+            <p:nvPr/>
+          </p:nvCxnSpPr>
+          <p:spPr>
+            <a:xfrm flipH="1">
+              <a:off x="1016000" y="1816100"/>
+              <a:ext cx="317500" cy="0"/>
+            </a:xfrm>
+            <a:prstGeom prst="straightConnector1">
+              <a:avLst/>
+            </a:prstGeom>
+            <a:ln>
+              <a:solidFill>
+                <a:schemeClr val="accent4">
+                  <a:lumMod val="75000"/>
+                </a:schemeClr>
+              </a:solidFill>
+              <a:tailEnd type="triangle"/>
+            </a:ln>
+          </p:spPr>
+          <p:style>
+            <a:lnRef idx="1">
+              <a:schemeClr val="accent1"/>
+            </a:lnRef>
+            <a:fillRef idx="0">
+              <a:schemeClr val="accent1"/>
+            </a:fillRef>
+            <a:effectRef idx="0">
+              <a:schemeClr val="accent1"/>
+            </a:effectRef>
+            <a:fontRef idx="minor">
+              <a:schemeClr val="tx1"/>
+            </a:fontRef>
+          </p:style>
+        </p:cxnSp>
+        <p:cxnSp>
+          <p:nvCxnSpPr>
+            <p:cNvPr id="19" name="Straight Arrow Connector 18">
+              <a:extLst>
+                <a:ext uri="{FF2B5EF4-FFF2-40B4-BE49-F238E27FC236}">
+                  <a16:creationId xmlns:a16="http://schemas.microsoft.com/office/drawing/2014/main" id="{52AE0479-D642-0F4B-ADE1-1315732AA826}"/>
+                </a:ext>
+              </a:extLst>
+            </p:cNvPr>
+            <p:cNvCxnSpPr>
+              <a:cxnSpLocks/>
+              <a:stCxn id="15" idx="1"/>
+              <a:endCxn id="14" idx="3"/>
+            </p:cNvCxnSpPr>
+            <p:nvPr/>
+          </p:nvCxnSpPr>
+          <p:spPr>
+            <a:xfrm flipH="1">
+              <a:off x="2247900" y="1816100"/>
+              <a:ext cx="317500" cy="0"/>
+            </a:xfrm>
+            <a:prstGeom prst="straightConnector1">
+              <a:avLst/>
+            </a:prstGeom>
+            <a:ln>
+              <a:solidFill>
+                <a:schemeClr val="accent4">
+                  <a:lumMod val="75000"/>
+                </a:schemeClr>
+              </a:solidFill>
+              <a:tailEnd type="triangle"/>
+            </a:ln>
+          </p:spPr>
+          <p:style>
+            <a:lnRef idx="1">
+              <a:schemeClr val="accent1"/>
+            </a:lnRef>
+            <a:fillRef idx="0">
+              <a:schemeClr val="accent1"/>
+            </a:fillRef>
+            <a:effectRef idx="0">
+              <a:schemeClr val="accent1"/>
+            </a:effectRef>
+            <a:fontRef idx="minor">
+              <a:schemeClr val="tx1"/>
+            </a:fontRef>
+          </p:style>
+        </p:cxnSp>
+        <p:cxnSp>
+          <p:nvCxnSpPr>
+            <p:cNvPr id="22" name="Straight Arrow Connector 21">
+              <a:extLst>
+                <a:ext uri="{FF2B5EF4-FFF2-40B4-BE49-F238E27FC236}">
+                  <a16:creationId xmlns:a16="http://schemas.microsoft.com/office/drawing/2014/main" id="{CD6D1252-B530-9D4B-BED0-6C7647EAA056}"/>
+                </a:ext>
+              </a:extLst>
+            </p:cNvPr>
+            <p:cNvCxnSpPr>
+              <a:cxnSpLocks/>
+              <a:stCxn id="4" idx="2"/>
+              <a:endCxn id="15" idx="0"/>
+            </p:cNvCxnSpPr>
+            <p:nvPr/>
+          </p:nvCxnSpPr>
+          <p:spPr>
+            <a:xfrm>
+              <a:off x="3022600" y="1350536"/>
+              <a:ext cx="0" cy="236964"/>
+            </a:xfrm>
+            <a:prstGeom prst="straightConnector1">
+              <a:avLst/>
+            </a:prstGeom>
+            <a:ln>
+              <a:solidFill>
+                <a:schemeClr val="accent6">
+                  <a:lumMod val="75000"/>
+                </a:schemeClr>
+              </a:solidFill>
+              <a:tailEnd type="triangle"/>
+            </a:ln>
+          </p:spPr>
+          <p:style>
+            <a:lnRef idx="1">
+              <a:schemeClr val="accent1"/>
+            </a:lnRef>
+            <a:fillRef idx="0">
+              <a:schemeClr val="accent1"/>
+            </a:fillRef>
+            <a:effectRef idx="0">
+              <a:schemeClr val="accent1"/>
+            </a:effectRef>
+            <a:fontRef idx="minor">
+              <a:schemeClr val="tx1"/>
+            </a:fontRef>
+          </p:style>
+        </p:cxnSp>
+        <p:sp>
+          <p:nvSpPr>
+            <p:cNvPr id="39" name="Rounded Rectangle 38">
+              <a:extLst>
+                <a:ext uri="{FF2B5EF4-FFF2-40B4-BE49-F238E27FC236}">
+                  <a16:creationId xmlns:a16="http://schemas.microsoft.com/office/drawing/2014/main" id="{3E4B5853-9471-B643-B913-5608B2ABA636}"/>
+                </a:ext>
+              </a:extLst>
+            </p:cNvPr>
+            <p:cNvSpPr/>
+            <p:nvPr/>
+          </p:nvSpPr>
+          <p:spPr>
+            <a:xfrm>
+              <a:off x="2336800" y="199172"/>
+              <a:ext cx="1371600" cy="457200"/>
+            </a:xfrm>
+            <a:prstGeom prst="roundRect">
+              <a:avLst/>
+            </a:prstGeom>
+            <a:solidFill>
+              <a:schemeClr val="accent6">
+                <a:lumMod val="75000"/>
+              </a:schemeClr>
+            </a:solidFill>
+            <a:ln>
+              <a:noFill/>
+            </a:ln>
+          </p:spPr>
+          <p:style>
+            <a:lnRef idx="2">
+              <a:schemeClr val="accent6">
+                <a:shade val="50000"/>
+              </a:schemeClr>
+            </a:lnRef>
+            <a:fillRef idx="1">
+              <a:schemeClr val="accent6"/>
+            </a:fillRef>
+            <a:effectRef idx="0">
+              <a:schemeClr val="accent6"/>
+            </a:effectRef>
+            <a:fontRef idx="minor">
+              <a:schemeClr val="lt1"/>
+            </a:fontRef>
+          </p:style>
+          <p:txBody>
+            <a:bodyPr rtlCol="0" anchor="ctr"/>
+            <a:lstStyle/>
+            <a:p>
+              <a:pPr algn="ctr"/>
+              <a:r>
+                <a:rPr lang="en-US" sz="1600" dirty="0"/>
+                <a:t>HEAD</a:t>
+              </a:r>
+            </a:p>
+          </p:txBody>
+        </p:sp>
+        <p:cxnSp>
+          <p:nvCxnSpPr>
+            <p:cNvPr id="40" name="Straight Arrow Connector 39">
+              <a:extLst>
+                <a:ext uri="{FF2B5EF4-FFF2-40B4-BE49-F238E27FC236}">
+                  <a16:creationId xmlns:a16="http://schemas.microsoft.com/office/drawing/2014/main" id="{812C214F-CDA5-9A4D-8457-8947731D948B}"/>
+                </a:ext>
+              </a:extLst>
+            </p:cNvPr>
+            <p:cNvCxnSpPr>
+              <a:cxnSpLocks/>
+              <a:stCxn id="39" idx="2"/>
+              <a:endCxn id="4" idx="0"/>
+            </p:cNvCxnSpPr>
+            <p:nvPr/>
+          </p:nvCxnSpPr>
+          <p:spPr>
+            <a:xfrm>
+              <a:off x="3022600" y="656372"/>
+              <a:ext cx="0" cy="236964"/>
+            </a:xfrm>
+            <a:prstGeom prst="straightConnector1">
+              <a:avLst/>
+            </a:prstGeom>
+            <a:ln>
+              <a:solidFill>
+                <a:schemeClr val="accent6">
+                  <a:lumMod val="75000"/>
+                </a:schemeClr>
+              </a:solidFill>
+              <a:tailEnd type="triangle"/>
+            </a:ln>
+          </p:spPr>
+          <p:style>
+            <a:lnRef idx="1">
+              <a:schemeClr val="accent1"/>
+            </a:lnRef>
+            <a:fillRef idx="0">
+              <a:schemeClr val="accent1"/>
+            </a:fillRef>
+            <a:effectRef idx="0">
+              <a:schemeClr val="accent1"/>
+            </a:effectRef>
+            <a:fontRef idx="minor">
+              <a:schemeClr val="tx1"/>
+            </a:fontRef>
+          </p:style>
+        </p:cxnSp>
+      </p:grpSp>
+      <p:grpSp>
+        <p:nvGrpSpPr>
+          <p:cNvPr id="68" name="Group 67">
+            <a:extLst>
+              <a:ext uri="{FF2B5EF4-FFF2-40B4-BE49-F238E27FC236}">
+                <a16:creationId xmlns:a16="http://schemas.microsoft.com/office/drawing/2014/main" id="{E2725DBD-A69C-A849-BD6E-5BAE4EC2E98A}"/>
+              </a:ext>
+            </a:extLst>
+          </p:cNvPr>
+          <p:cNvGrpSpPr/>
+          <p:nvPr/>
+        </p:nvGrpSpPr>
+        <p:grpSpPr>
+          <a:xfrm>
+            <a:off x="4235450" y="199172"/>
+            <a:ext cx="3606800" cy="2539692"/>
+            <a:chOff x="3937000" y="199172"/>
+            <a:chExt cx="3606800" cy="2539692"/>
+          </a:xfrm>
+        </p:grpSpPr>
+        <p:sp>
+          <p:nvSpPr>
+            <p:cNvPr id="43" name="Rounded Rectangle 42">
+              <a:extLst>
+                <a:ext uri="{FF2B5EF4-FFF2-40B4-BE49-F238E27FC236}">
+                  <a16:creationId xmlns:a16="http://schemas.microsoft.com/office/drawing/2014/main" id="{F6FD1518-EC3F-F341-9962-3B7EF4662E70}"/>
+                </a:ext>
+              </a:extLst>
+            </p:cNvPr>
+            <p:cNvSpPr/>
+            <p:nvPr/>
+          </p:nvSpPr>
+          <p:spPr>
+            <a:xfrm>
+              <a:off x="6172200" y="893336"/>
+              <a:ext cx="1371600" cy="457200"/>
+            </a:xfrm>
+            <a:prstGeom prst="roundRect">
+              <a:avLst/>
+            </a:prstGeom>
+            <a:solidFill>
+              <a:schemeClr val="accent6">
+                <a:lumMod val="75000"/>
+              </a:schemeClr>
+            </a:solidFill>
+            <a:ln>
+              <a:noFill/>
+            </a:ln>
+          </p:spPr>
+          <p:style>
+            <a:lnRef idx="2">
+              <a:schemeClr val="accent6">
+                <a:shade val="50000"/>
+              </a:schemeClr>
+            </a:lnRef>
+            <a:fillRef idx="1">
+              <a:schemeClr val="accent6"/>
+            </a:fillRef>
+            <a:effectRef idx="0">
+              <a:schemeClr val="accent6"/>
+            </a:effectRef>
+            <a:fontRef idx="minor">
+              <a:schemeClr val="lt1"/>
+            </a:fontRef>
+          </p:style>
+          <p:txBody>
+            <a:bodyPr rtlCol="0" anchor="ctr"/>
+            <a:lstStyle/>
+            <a:p>
+              <a:pPr algn="ctr"/>
+              <a:r>
+                <a:rPr lang="en-US" sz="1600" dirty="0"/>
+                <a:t>master</a:t>
+              </a:r>
+            </a:p>
+          </p:txBody>
+        </p:sp>
+        <p:sp>
+          <p:nvSpPr>
+            <p:cNvPr id="44" name="Rounded Rectangle 43">
+              <a:extLst>
+                <a:ext uri="{FF2B5EF4-FFF2-40B4-BE49-F238E27FC236}">
+                  <a16:creationId xmlns:a16="http://schemas.microsoft.com/office/drawing/2014/main" id="{207BE6DB-D34D-7E49-99F0-BBAA4FBD0E1F}"/>
+                </a:ext>
+              </a:extLst>
+            </p:cNvPr>
+            <p:cNvSpPr/>
+            <p:nvPr/>
+          </p:nvSpPr>
+          <p:spPr>
+            <a:xfrm>
+              <a:off x="3937000" y="1587500"/>
+              <a:ext cx="914400" cy="457200"/>
+            </a:xfrm>
+            <a:prstGeom prst="roundRect">
+              <a:avLst/>
+            </a:prstGeom>
+            <a:solidFill>
+              <a:schemeClr val="accent4">
+                <a:lumMod val="75000"/>
+              </a:schemeClr>
+            </a:solidFill>
+            <a:ln>
+              <a:solidFill>
+                <a:schemeClr val="accent4">
+                  <a:lumMod val="75000"/>
+                </a:schemeClr>
+              </a:solidFill>
+            </a:ln>
+          </p:spPr>
+          <p:style>
+            <a:lnRef idx="2">
+              <a:schemeClr val="accent6">
+                <a:shade val="50000"/>
+              </a:schemeClr>
+            </a:lnRef>
+            <a:fillRef idx="1">
+              <a:schemeClr val="accent6"/>
+            </a:fillRef>
+            <a:effectRef idx="0">
+              <a:schemeClr val="accent6"/>
+            </a:effectRef>
+            <a:fontRef idx="minor">
+              <a:schemeClr val="lt1"/>
+            </a:fontRef>
+          </p:style>
+          <p:txBody>
+            <a:bodyPr rtlCol="0" anchor="ctr"/>
+            <a:lstStyle/>
+            <a:p>
+              <a:pPr algn="ctr"/>
+              <a:r>
+                <a:rPr lang="en-US" sz="1600" dirty="0"/>
+                <a:t>C1</a:t>
+              </a:r>
+            </a:p>
+          </p:txBody>
+        </p:sp>
+        <p:sp>
+          <p:nvSpPr>
+            <p:cNvPr id="45" name="Rounded Rectangle 44">
+              <a:extLst>
+                <a:ext uri="{FF2B5EF4-FFF2-40B4-BE49-F238E27FC236}">
+                  <a16:creationId xmlns:a16="http://schemas.microsoft.com/office/drawing/2014/main" id="{B7AB6A2D-DE6A-0649-83FF-1DB2DA5277AC}"/>
+                </a:ext>
+              </a:extLst>
+            </p:cNvPr>
+            <p:cNvSpPr/>
+            <p:nvPr/>
+          </p:nvSpPr>
+          <p:spPr>
+            <a:xfrm>
+              <a:off x="5168900" y="1587500"/>
+              <a:ext cx="914400" cy="457200"/>
+            </a:xfrm>
+            <a:prstGeom prst="roundRect">
+              <a:avLst/>
+            </a:prstGeom>
+            <a:solidFill>
+              <a:schemeClr val="accent4">
+                <a:lumMod val="75000"/>
+              </a:schemeClr>
+            </a:solidFill>
+            <a:ln>
+              <a:solidFill>
+                <a:schemeClr val="accent4">
+                  <a:lumMod val="75000"/>
+                </a:schemeClr>
+              </a:solidFill>
+            </a:ln>
+          </p:spPr>
+          <p:style>
+            <a:lnRef idx="2">
+              <a:schemeClr val="accent6">
+                <a:shade val="50000"/>
+              </a:schemeClr>
+            </a:lnRef>
+            <a:fillRef idx="1">
+              <a:schemeClr val="accent6"/>
+            </a:fillRef>
+            <a:effectRef idx="0">
+              <a:schemeClr val="accent6"/>
+            </a:effectRef>
+            <a:fontRef idx="minor">
+              <a:schemeClr val="lt1"/>
+            </a:fontRef>
+          </p:style>
+          <p:txBody>
+            <a:bodyPr rtlCol="0" anchor="ctr"/>
+            <a:lstStyle/>
+            <a:p>
+              <a:pPr algn="ctr"/>
+              <a:r>
+                <a:rPr lang="en-US" sz="1600" dirty="0"/>
+                <a:t>C2</a:t>
+              </a:r>
+            </a:p>
+          </p:txBody>
+        </p:sp>
+        <p:sp>
+          <p:nvSpPr>
+            <p:cNvPr id="46" name="Rounded Rectangle 45">
+              <a:extLst>
+                <a:ext uri="{FF2B5EF4-FFF2-40B4-BE49-F238E27FC236}">
+                  <a16:creationId xmlns:a16="http://schemas.microsoft.com/office/drawing/2014/main" id="{E7E7BD10-80A7-9B48-8E8E-1DE54FA3B892}"/>
+                </a:ext>
+              </a:extLst>
+            </p:cNvPr>
+            <p:cNvSpPr/>
+            <p:nvPr/>
+          </p:nvSpPr>
+          <p:spPr>
+            <a:xfrm>
+              <a:off x="6400800" y="1587500"/>
+              <a:ext cx="914400" cy="457200"/>
+            </a:xfrm>
+            <a:prstGeom prst="roundRect">
+              <a:avLst/>
+            </a:prstGeom>
+            <a:solidFill>
+              <a:schemeClr val="accent4">
+                <a:lumMod val="75000"/>
+              </a:schemeClr>
+            </a:solidFill>
+            <a:ln>
+              <a:solidFill>
+                <a:schemeClr val="accent4">
+                  <a:lumMod val="75000"/>
+                </a:schemeClr>
+              </a:solidFill>
+            </a:ln>
+          </p:spPr>
+          <p:style>
+            <a:lnRef idx="2">
+              <a:schemeClr val="accent6">
+                <a:shade val="50000"/>
+              </a:schemeClr>
+            </a:lnRef>
+            <a:fillRef idx="1">
+              <a:schemeClr val="accent6"/>
+            </a:fillRef>
+            <a:effectRef idx="0">
+              <a:schemeClr val="accent6"/>
+            </a:effectRef>
+            <a:fontRef idx="minor">
+              <a:schemeClr val="lt1"/>
+            </a:fontRef>
+          </p:style>
+          <p:txBody>
+            <a:bodyPr rtlCol="0" anchor="ctr"/>
+            <a:lstStyle/>
+            <a:p>
+              <a:pPr algn="ctr"/>
+              <a:r>
+                <a:rPr lang="en-US" sz="1600" dirty="0"/>
+                <a:t>C3</a:t>
+              </a:r>
+            </a:p>
+          </p:txBody>
+        </p:sp>
+        <p:cxnSp>
+          <p:nvCxnSpPr>
+            <p:cNvPr id="47" name="Straight Arrow Connector 46">
+              <a:extLst>
+                <a:ext uri="{FF2B5EF4-FFF2-40B4-BE49-F238E27FC236}">
+                  <a16:creationId xmlns:a16="http://schemas.microsoft.com/office/drawing/2014/main" id="{6C3E8C91-5EF6-E640-A7DF-9D1D4E935238}"/>
+                </a:ext>
+              </a:extLst>
+            </p:cNvPr>
+            <p:cNvCxnSpPr>
+              <a:stCxn id="45" idx="1"/>
+              <a:endCxn id="44" idx="3"/>
+            </p:cNvCxnSpPr>
+            <p:nvPr/>
+          </p:nvCxnSpPr>
+          <p:spPr>
+            <a:xfrm flipH="1">
+              <a:off x="4851400" y="1816100"/>
+              <a:ext cx="317500" cy="0"/>
+            </a:xfrm>
+            <a:prstGeom prst="straightConnector1">
+              <a:avLst/>
+            </a:prstGeom>
+            <a:ln>
+              <a:solidFill>
+                <a:schemeClr val="accent4">
+                  <a:lumMod val="75000"/>
+                </a:schemeClr>
+              </a:solidFill>
+              <a:tailEnd type="triangle"/>
+            </a:ln>
+          </p:spPr>
+          <p:style>
+            <a:lnRef idx="1">
+              <a:schemeClr val="accent1"/>
+            </a:lnRef>
+            <a:fillRef idx="0">
+              <a:schemeClr val="accent1"/>
+            </a:fillRef>
+            <a:effectRef idx="0">
+              <a:schemeClr val="accent1"/>
+            </a:effectRef>
+            <a:fontRef idx="minor">
+              <a:schemeClr val="tx1"/>
+            </a:fontRef>
+          </p:style>
+        </p:cxnSp>
+        <p:cxnSp>
+          <p:nvCxnSpPr>
+            <p:cNvPr id="48" name="Straight Arrow Connector 47">
+              <a:extLst>
+                <a:ext uri="{FF2B5EF4-FFF2-40B4-BE49-F238E27FC236}">
+                  <a16:creationId xmlns:a16="http://schemas.microsoft.com/office/drawing/2014/main" id="{255B6767-BCA6-214F-B4F5-5DB004545E99}"/>
+                </a:ext>
+              </a:extLst>
+            </p:cNvPr>
+            <p:cNvCxnSpPr>
+              <a:cxnSpLocks/>
+              <a:stCxn id="46" idx="1"/>
+              <a:endCxn id="45" idx="3"/>
+            </p:cNvCxnSpPr>
+            <p:nvPr/>
+          </p:nvCxnSpPr>
+          <p:spPr>
+            <a:xfrm flipH="1">
+              <a:off x="6083300" y="1816100"/>
+              <a:ext cx="317500" cy="0"/>
+            </a:xfrm>
+            <a:prstGeom prst="straightConnector1">
+              <a:avLst/>
+            </a:prstGeom>
+            <a:ln>
+              <a:solidFill>
+                <a:schemeClr val="accent4">
+                  <a:lumMod val="75000"/>
+                </a:schemeClr>
+              </a:solidFill>
+              <a:tailEnd type="triangle"/>
+            </a:ln>
+          </p:spPr>
+          <p:style>
+            <a:lnRef idx="1">
+              <a:schemeClr val="accent1"/>
+            </a:lnRef>
+            <a:fillRef idx="0">
+              <a:schemeClr val="accent1"/>
+            </a:fillRef>
+            <a:effectRef idx="0">
+              <a:schemeClr val="accent1"/>
+            </a:effectRef>
+            <a:fontRef idx="minor">
+              <a:schemeClr val="tx1"/>
+            </a:fontRef>
+          </p:style>
+        </p:cxnSp>
+        <p:cxnSp>
+          <p:nvCxnSpPr>
+            <p:cNvPr id="49" name="Straight Arrow Connector 48">
+              <a:extLst>
+                <a:ext uri="{FF2B5EF4-FFF2-40B4-BE49-F238E27FC236}">
+                  <a16:creationId xmlns:a16="http://schemas.microsoft.com/office/drawing/2014/main" id="{23B5EC73-2123-3C4A-A0F1-7534807430F5}"/>
+                </a:ext>
+              </a:extLst>
+            </p:cNvPr>
+            <p:cNvCxnSpPr>
+              <a:cxnSpLocks/>
+              <a:stCxn id="43" idx="2"/>
+              <a:endCxn id="46" idx="0"/>
+            </p:cNvCxnSpPr>
+            <p:nvPr/>
+          </p:nvCxnSpPr>
+          <p:spPr>
+            <a:xfrm>
+              <a:off x="6858000" y="1350536"/>
+              <a:ext cx="0" cy="236964"/>
+            </a:xfrm>
+            <a:prstGeom prst="straightConnector1">
+              <a:avLst/>
+            </a:prstGeom>
+            <a:ln>
+              <a:solidFill>
+                <a:schemeClr val="accent6">
+                  <a:lumMod val="75000"/>
+                </a:schemeClr>
+              </a:solidFill>
+              <a:tailEnd type="triangle"/>
+            </a:ln>
+          </p:spPr>
+          <p:style>
+            <a:lnRef idx="1">
+              <a:schemeClr val="accent1"/>
+            </a:lnRef>
+            <a:fillRef idx="0">
+              <a:schemeClr val="accent1"/>
+            </a:fillRef>
+            <a:effectRef idx="0">
+              <a:schemeClr val="accent1"/>
+            </a:effectRef>
+            <a:fontRef idx="minor">
+              <a:schemeClr val="tx1"/>
+            </a:fontRef>
+          </p:style>
+        </p:cxnSp>
+        <p:sp>
+          <p:nvSpPr>
+            <p:cNvPr id="50" name="Rounded Rectangle 49">
+              <a:extLst>
+                <a:ext uri="{FF2B5EF4-FFF2-40B4-BE49-F238E27FC236}">
+                  <a16:creationId xmlns:a16="http://schemas.microsoft.com/office/drawing/2014/main" id="{93836D26-FCE5-7549-914D-41754BEB88C4}"/>
+                </a:ext>
+              </a:extLst>
+            </p:cNvPr>
+            <p:cNvSpPr/>
+            <p:nvPr/>
+          </p:nvSpPr>
+          <p:spPr>
+            <a:xfrm>
+              <a:off x="6172200" y="199172"/>
+              <a:ext cx="1371600" cy="457200"/>
+            </a:xfrm>
+            <a:prstGeom prst="roundRect">
+              <a:avLst/>
+            </a:prstGeom>
+            <a:solidFill>
+              <a:schemeClr val="accent6">
+                <a:lumMod val="75000"/>
+              </a:schemeClr>
+            </a:solidFill>
+            <a:ln>
+              <a:noFill/>
+            </a:ln>
+          </p:spPr>
+          <p:style>
+            <a:lnRef idx="2">
+              <a:schemeClr val="accent6">
+                <a:shade val="50000"/>
+              </a:schemeClr>
+            </a:lnRef>
+            <a:fillRef idx="1">
+              <a:schemeClr val="accent6"/>
+            </a:fillRef>
+            <a:effectRef idx="0">
+              <a:schemeClr val="accent6"/>
+            </a:effectRef>
+            <a:fontRef idx="minor">
+              <a:schemeClr val="lt1"/>
+            </a:fontRef>
+          </p:style>
+          <p:txBody>
+            <a:bodyPr rtlCol="0" anchor="ctr"/>
+            <a:lstStyle/>
+            <a:p>
+              <a:pPr algn="ctr"/>
+              <a:r>
+                <a:rPr lang="en-US" sz="1600" dirty="0"/>
+                <a:t>HEAD</a:t>
+              </a:r>
+            </a:p>
+          </p:txBody>
+        </p:sp>
+        <p:cxnSp>
+          <p:nvCxnSpPr>
+            <p:cNvPr id="51" name="Straight Arrow Connector 50">
+              <a:extLst>
+                <a:ext uri="{FF2B5EF4-FFF2-40B4-BE49-F238E27FC236}">
+                  <a16:creationId xmlns:a16="http://schemas.microsoft.com/office/drawing/2014/main" id="{FF63B32A-C826-CB4E-B3EA-2D41D4BB05FD}"/>
+                </a:ext>
+              </a:extLst>
+            </p:cNvPr>
+            <p:cNvCxnSpPr>
+              <a:cxnSpLocks/>
+              <a:stCxn id="50" idx="2"/>
+              <a:endCxn id="43" idx="0"/>
+            </p:cNvCxnSpPr>
+            <p:nvPr/>
+          </p:nvCxnSpPr>
+          <p:spPr>
+            <a:xfrm>
+              <a:off x="6858000" y="656372"/>
+              <a:ext cx="0" cy="236964"/>
+            </a:xfrm>
+            <a:prstGeom prst="straightConnector1">
+              <a:avLst/>
+            </a:prstGeom>
+            <a:ln>
+              <a:solidFill>
+                <a:schemeClr val="accent6">
+                  <a:lumMod val="75000"/>
+                </a:schemeClr>
+              </a:solidFill>
+              <a:tailEnd type="triangle"/>
+            </a:ln>
+          </p:spPr>
+          <p:style>
+            <a:lnRef idx="1">
+              <a:schemeClr val="accent1"/>
+            </a:lnRef>
+            <a:fillRef idx="0">
+              <a:schemeClr val="accent1"/>
+            </a:fillRef>
+            <a:effectRef idx="0">
+              <a:schemeClr val="accent1"/>
+            </a:effectRef>
+            <a:fontRef idx="minor">
+              <a:schemeClr val="tx1"/>
+            </a:fontRef>
+          </p:style>
+        </p:cxnSp>
+        <p:sp>
+          <p:nvSpPr>
+            <p:cNvPr id="52" name="Rounded Rectangle 51">
+              <a:extLst>
+                <a:ext uri="{FF2B5EF4-FFF2-40B4-BE49-F238E27FC236}">
+                  <a16:creationId xmlns:a16="http://schemas.microsoft.com/office/drawing/2014/main" id="{AC8EC983-F97B-AC4E-9838-0DC59F42FECF}"/>
+                </a:ext>
+              </a:extLst>
+            </p:cNvPr>
+            <p:cNvSpPr/>
+            <p:nvPr/>
+          </p:nvSpPr>
+          <p:spPr>
+            <a:xfrm>
+              <a:off x="6172200" y="2281664"/>
+              <a:ext cx="1371600" cy="457200"/>
+            </a:xfrm>
+            <a:prstGeom prst="roundRect">
+              <a:avLst/>
+            </a:prstGeom>
+            <a:solidFill>
+              <a:schemeClr val="accent6">
+                <a:lumMod val="75000"/>
+              </a:schemeClr>
+            </a:solidFill>
+            <a:ln>
+              <a:noFill/>
+            </a:ln>
+          </p:spPr>
+          <p:style>
+            <a:lnRef idx="2">
+              <a:schemeClr val="accent6">
+                <a:shade val="50000"/>
+              </a:schemeClr>
+            </a:lnRef>
+            <a:fillRef idx="1">
+              <a:schemeClr val="accent6"/>
+            </a:fillRef>
+            <a:effectRef idx="0">
+              <a:schemeClr val="accent6"/>
+            </a:effectRef>
+            <a:fontRef idx="minor">
+              <a:schemeClr val="lt1"/>
+            </a:fontRef>
+          </p:style>
+          <p:txBody>
+            <a:bodyPr rtlCol="0" anchor="ctr"/>
+            <a:lstStyle/>
+            <a:p>
+              <a:pPr algn="ctr"/>
+              <a:r>
+                <a:rPr lang="en-US" sz="1600" dirty="0"/>
+                <a:t>branch1</a:t>
+              </a:r>
+            </a:p>
+          </p:txBody>
+        </p:sp>
+        <p:cxnSp>
+          <p:nvCxnSpPr>
+            <p:cNvPr id="53" name="Straight Arrow Connector 52">
+              <a:extLst>
+                <a:ext uri="{FF2B5EF4-FFF2-40B4-BE49-F238E27FC236}">
+                  <a16:creationId xmlns:a16="http://schemas.microsoft.com/office/drawing/2014/main" id="{24C6C51B-B9D3-BD4B-9140-3417854BDA01}"/>
+                </a:ext>
+              </a:extLst>
+            </p:cNvPr>
+            <p:cNvCxnSpPr>
+              <a:cxnSpLocks/>
+              <a:stCxn id="52" idx="0"/>
+              <a:endCxn id="46" idx="2"/>
+            </p:cNvCxnSpPr>
+            <p:nvPr/>
+          </p:nvCxnSpPr>
+          <p:spPr>
+            <a:xfrm flipV="1">
+              <a:off x="6858000" y="2044700"/>
+              <a:ext cx="0" cy="236964"/>
+            </a:xfrm>
+            <a:prstGeom prst="straightConnector1">
+              <a:avLst/>
+            </a:prstGeom>
+            <a:ln>
+              <a:solidFill>
+                <a:schemeClr val="accent6">
+                  <a:lumMod val="75000"/>
+                </a:schemeClr>
+              </a:solidFill>
+              <a:tailEnd type="triangle"/>
+            </a:ln>
+          </p:spPr>
+          <p:style>
+            <a:lnRef idx="1">
+              <a:schemeClr val="accent1"/>
+            </a:lnRef>
+            <a:fillRef idx="0">
+              <a:schemeClr val="accent1"/>
+            </a:fillRef>
+            <a:effectRef idx="0">
+              <a:schemeClr val="accent1"/>
+            </a:effectRef>
+            <a:fontRef idx="minor">
+              <a:schemeClr val="tx1"/>
+            </a:fontRef>
+          </p:style>
+        </p:cxnSp>
+      </p:grpSp>
+      <p:grpSp>
+        <p:nvGrpSpPr>
+          <p:cNvPr id="73" name="Group 72">
+            <a:extLst>
+              <a:ext uri="{FF2B5EF4-FFF2-40B4-BE49-F238E27FC236}">
+                <a16:creationId xmlns:a16="http://schemas.microsoft.com/office/drawing/2014/main" id="{BC7ADA37-2B0B-4043-8ADC-61B42A6DDF91}"/>
+              </a:ext>
+            </a:extLst>
+          </p:cNvPr>
+          <p:cNvGrpSpPr/>
+          <p:nvPr/>
+        </p:nvGrpSpPr>
+        <p:grpSpPr>
+          <a:xfrm>
+            <a:off x="8369300" y="893336"/>
+            <a:ext cx="3606800" cy="2539691"/>
+            <a:chOff x="8255000" y="872272"/>
+            <a:chExt cx="3606800" cy="2539691"/>
+          </a:xfrm>
+        </p:grpSpPr>
+        <p:sp>
+          <p:nvSpPr>
+            <p:cNvPr id="56" name="Rounded Rectangle 55">
+              <a:extLst>
+                <a:ext uri="{FF2B5EF4-FFF2-40B4-BE49-F238E27FC236}">
+                  <a16:creationId xmlns:a16="http://schemas.microsoft.com/office/drawing/2014/main" id="{9530AB8D-AE10-AA47-9A13-1A7C2E08924F}"/>
+                </a:ext>
+              </a:extLst>
+            </p:cNvPr>
+            <p:cNvSpPr/>
+            <p:nvPr/>
+          </p:nvSpPr>
+          <p:spPr>
+            <a:xfrm>
+              <a:off x="10490200" y="872272"/>
+              <a:ext cx="1371600" cy="457200"/>
+            </a:xfrm>
+            <a:prstGeom prst="roundRect">
+              <a:avLst/>
+            </a:prstGeom>
+            <a:solidFill>
+              <a:schemeClr val="accent6">
+                <a:lumMod val="75000"/>
+              </a:schemeClr>
+            </a:solidFill>
+            <a:ln>
+              <a:noFill/>
+            </a:ln>
+          </p:spPr>
+          <p:style>
+            <a:lnRef idx="2">
+              <a:schemeClr val="accent6">
+                <a:shade val="50000"/>
+              </a:schemeClr>
+            </a:lnRef>
+            <a:fillRef idx="1">
+              <a:schemeClr val="accent6"/>
+            </a:fillRef>
+            <a:effectRef idx="0">
+              <a:schemeClr val="accent6"/>
+            </a:effectRef>
+            <a:fontRef idx="minor">
+              <a:schemeClr val="lt1"/>
+            </a:fontRef>
+          </p:style>
+          <p:txBody>
+            <a:bodyPr rtlCol="0" anchor="ctr"/>
+            <a:lstStyle/>
+            <a:p>
+              <a:pPr algn="ctr"/>
+              <a:r>
+                <a:rPr lang="en-US" sz="1600" dirty="0"/>
+                <a:t>master</a:t>
+              </a:r>
+            </a:p>
+          </p:txBody>
+        </p:sp>
+        <p:sp>
+          <p:nvSpPr>
+            <p:cNvPr id="57" name="Rounded Rectangle 56">
+              <a:extLst>
+                <a:ext uri="{FF2B5EF4-FFF2-40B4-BE49-F238E27FC236}">
+                  <a16:creationId xmlns:a16="http://schemas.microsoft.com/office/drawing/2014/main" id="{54DB42C4-E1EF-8846-8665-C0EBB878CDDA}"/>
+                </a:ext>
+              </a:extLst>
+            </p:cNvPr>
+            <p:cNvSpPr/>
+            <p:nvPr/>
+          </p:nvSpPr>
+          <p:spPr>
+            <a:xfrm>
+              <a:off x="8255000" y="1566436"/>
+              <a:ext cx="914400" cy="457200"/>
+            </a:xfrm>
+            <a:prstGeom prst="roundRect">
+              <a:avLst/>
+            </a:prstGeom>
+            <a:solidFill>
+              <a:schemeClr val="accent4">
+                <a:lumMod val="75000"/>
+              </a:schemeClr>
+            </a:solidFill>
+            <a:ln>
+              <a:solidFill>
+                <a:schemeClr val="accent4">
+                  <a:lumMod val="75000"/>
+                </a:schemeClr>
+              </a:solidFill>
+            </a:ln>
+          </p:spPr>
+          <p:style>
+            <a:lnRef idx="2">
+              <a:schemeClr val="accent6">
+                <a:shade val="50000"/>
+              </a:schemeClr>
+            </a:lnRef>
+            <a:fillRef idx="1">
+              <a:schemeClr val="accent6"/>
+            </a:fillRef>
+            <a:effectRef idx="0">
+              <a:schemeClr val="accent6"/>
+            </a:effectRef>
+            <a:fontRef idx="minor">
+              <a:schemeClr val="lt1"/>
+            </a:fontRef>
+          </p:style>
+          <p:txBody>
+            <a:bodyPr rtlCol="0" anchor="ctr"/>
+            <a:lstStyle/>
+            <a:p>
+              <a:pPr algn="ctr"/>
+              <a:r>
+                <a:rPr lang="en-US" sz="1600" dirty="0"/>
+                <a:t>C1</a:t>
+              </a:r>
+            </a:p>
+          </p:txBody>
+        </p:sp>
+        <p:sp>
+          <p:nvSpPr>
+            <p:cNvPr id="58" name="Rounded Rectangle 57">
+              <a:extLst>
+                <a:ext uri="{FF2B5EF4-FFF2-40B4-BE49-F238E27FC236}">
+                  <a16:creationId xmlns:a16="http://schemas.microsoft.com/office/drawing/2014/main" id="{DA5665E7-9AB1-A54A-B996-43F719A743F2}"/>
+                </a:ext>
+              </a:extLst>
+            </p:cNvPr>
+            <p:cNvSpPr/>
+            <p:nvPr/>
+          </p:nvSpPr>
+          <p:spPr>
+            <a:xfrm>
+              <a:off x="9486900" y="1566436"/>
+              <a:ext cx="914400" cy="457200"/>
+            </a:xfrm>
+            <a:prstGeom prst="roundRect">
+              <a:avLst/>
+            </a:prstGeom>
+            <a:solidFill>
+              <a:schemeClr val="accent4">
+                <a:lumMod val="75000"/>
+              </a:schemeClr>
+            </a:solidFill>
+            <a:ln>
+              <a:solidFill>
+                <a:schemeClr val="accent4">
+                  <a:lumMod val="75000"/>
+                </a:schemeClr>
+              </a:solidFill>
+            </a:ln>
+          </p:spPr>
+          <p:style>
+            <a:lnRef idx="2">
+              <a:schemeClr val="accent6">
+                <a:shade val="50000"/>
+              </a:schemeClr>
+            </a:lnRef>
+            <a:fillRef idx="1">
+              <a:schemeClr val="accent6"/>
+            </a:fillRef>
+            <a:effectRef idx="0">
+              <a:schemeClr val="accent6"/>
+            </a:effectRef>
+            <a:fontRef idx="minor">
+              <a:schemeClr val="lt1"/>
+            </a:fontRef>
+          </p:style>
+          <p:txBody>
+            <a:bodyPr rtlCol="0" anchor="ctr"/>
+            <a:lstStyle/>
+            <a:p>
+              <a:pPr algn="ctr"/>
+              <a:r>
+                <a:rPr lang="en-US" sz="1600" dirty="0"/>
+                <a:t>C2</a:t>
+              </a:r>
+            </a:p>
+          </p:txBody>
+        </p:sp>
+        <p:sp>
+          <p:nvSpPr>
+            <p:cNvPr id="59" name="Rounded Rectangle 58">
+              <a:extLst>
+                <a:ext uri="{FF2B5EF4-FFF2-40B4-BE49-F238E27FC236}">
+                  <a16:creationId xmlns:a16="http://schemas.microsoft.com/office/drawing/2014/main" id="{34A1FD9B-4549-3B40-891B-F9F049AD5F1D}"/>
+                </a:ext>
+              </a:extLst>
+            </p:cNvPr>
+            <p:cNvSpPr/>
+            <p:nvPr/>
+          </p:nvSpPr>
+          <p:spPr>
+            <a:xfrm>
+              <a:off x="10718800" y="1566436"/>
+              <a:ext cx="914400" cy="457200"/>
+            </a:xfrm>
+            <a:prstGeom prst="roundRect">
+              <a:avLst/>
+            </a:prstGeom>
+            <a:solidFill>
+              <a:schemeClr val="accent4">
+                <a:lumMod val="75000"/>
+              </a:schemeClr>
+            </a:solidFill>
+            <a:ln>
+              <a:solidFill>
+                <a:schemeClr val="accent4">
+                  <a:lumMod val="75000"/>
+                </a:schemeClr>
+              </a:solidFill>
+            </a:ln>
+          </p:spPr>
+          <p:style>
+            <a:lnRef idx="2">
+              <a:schemeClr val="accent6">
+                <a:shade val="50000"/>
+              </a:schemeClr>
+            </a:lnRef>
+            <a:fillRef idx="1">
+              <a:schemeClr val="accent6"/>
+            </a:fillRef>
+            <a:effectRef idx="0">
+              <a:schemeClr val="accent6"/>
+            </a:effectRef>
+            <a:fontRef idx="minor">
+              <a:schemeClr val="lt1"/>
+            </a:fontRef>
+          </p:style>
+          <p:txBody>
+            <a:bodyPr rtlCol="0" anchor="ctr"/>
+            <a:lstStyle/>
+            <a:p>
+              <a:pPr algn="ctr"/>
+              <a:r>
+                <a:rPr lang="en-US" sz="1600" dirty="0"/>
+                <a:t>C3</a:t>
+              </a:r>
+            </a:p>
+          </p:txBody>
+        </p:sp>
+        <p:cxnSp>
+          <p:nvCxnSpPr>
+            <p:cNvPr id="60" name="Straight Arrow Connector 59">
+              <a:extLst>
+                <a:ext uri="{FF2B5EF4-FFF2-40B4-BE49-F238E27FC236}">
+                  <a16:creationId xmlns:a16="http://schemas.microsoft.com/office/drawing/2014/main" id="{B47917F6-944C-8149-99CB-777B7EC71AA3}"/>
+                </a:ext>
+              </a:extLst>
+            </p:cNvPr>
+            <p:cNvCxnSpPr>
+              <a:stCxn id="58" idx="1"/>
+              <a:endCxn id="57" idx="3"/>
+            </p:cNvCxnSpPr>
+            <p:nvPr/>
+          </p:nvCxnSpPr>
+          <p:spPr>
+            <a:xfrm flipH="1">
+              <a:off x="9169400" y="1795036"/>
+              <a:ext cx="317500" cy="0"/>
+            </a:xfrm>
+            <a:prstGeom prst="straightConnector1">
+              <a:avLst/>
+            </a:prstGeom>
+            <a:ln>
+              <a:solidFill>
+                <a:schemeClr val="accent4">
+                  <a:lumMod val="75000"/>
+                </a:schemeClr>
+              </a:solidFill>
+              <a:tailEnd type="triangle"/>
+            </a:ln>
+          </p:spPr>
+          <p:style>
+            <a:lnRef idx="1">
+              <a:schemeClr val="accent1"/>
+            </a:lnRef>
+            <a:fillRef idx="0">
+              <a:schemeClr val="accent1"/>
+            </a:fillRef>
+            <a:effectRef idx="0">
+              <a:schemeClr val="accent1"/>
+            </a:effectRef>
+            <a:fontRef idx="minor">
+              <a:schemeClr val="tx1"/>
+            </a:fontRef>
+          </p:style>
+        </p:cxnSp>
+        <p:cxnSp>
+          <p:nvCxnSpPr>
+            <p:cNvPr id="61" name="Straight Arrow Connector 60">
+              <a:extLst>
+                <a:ext uri="{FF2B5EF4-FFF2-40B4-BE49-F238E27FC236}">
+                  <a16:creationId xmlns:a16="http://schemas.microsoft.com/office/drawing/2014/main" id="{5ADAE7AA-3B83-5E4D-9D47-07E0761C0235}"/>
+                </a:ext>
+              </a:extLst>
+            </p:cNvPr>
+            <p:cNvCxnSpPr>
+              <a:cxnSpLocks/>
+              <a:stCxn id="59" idx="1"/>
+              <a:endCxn id="58" idx="3"/>
+            </p:cNvCxnSpPr>
+            <p:nvPr/>
+          </p:nvCxnSpPr>
+          <p:spPr>
+            <a:xfrm flipH="1">
+              <a:off x="10401300" y="1795036"/>
+              <a:ext cx="317500" cy="0"/>
+            </a:xfrm>
+            <a:prstGeom prst="straightConnector1">
+              <a:avLst/>
+            </a:prstGeom>
+            <a:ln>
+              <a:solidFill>
+                <a:schemeClr val="accent4">
+                  <a:lumMod val="75000"/>
+                </a:schemeClr>
+              </a:solidFill>
+              <a:tailEnd type="triangle"/>
+            </a:ln>
+          </p:spPr>
+          <p:style>
+            <a:lnRef idx="1">
+              <a:schemeClr val="accent1"/>
+            </a:lnRef>
+            <a:fillRef idx="0">
+              <a:schemeClr val="accent1"/>
+            </a:fillRef>
+            <a:effectRef idx="0">
+              <a:schemeClr val="accent1"/>
+            </a:effectRef>
+            <a:fontRef idx="minor">
+              <a:schemeClr val="tx1"/>
+            </a:fontRef>
+          </p:style>
+        </p:cxnSp>
+        <p:cxnSp>
+          <p:nvCxnSpPr>
+            <p:cNvPr id="62" name="Straight Arrow Connector 61">
+              <a:extLst>
+                <a:ext uri="{FF2B5EF4-FFF2-40B4-BE49-F238E27FC236}">
+                  <a16:creationId xmlns:a16="http://schemas.microsoft.com/office/drawing/2014/main" id="{7CD4714C-5D98-4C4E-8A21-9DF11D0E525B}"/>
+                </a:ext>
+              </a:extLst>
+            </p:cNvPr>
+            <p:cNvCxnSpPr>
+              <a:cxnSpLocks/>
+              <a:stCxn id="56" idx="2"/>
+              <a:endCxn id="59" idx="0"/>
+            </p:cNvCxnSpPr>
+            <p:nvPr/>
+          </p:nvCxnSpPr>
+          <p:spPr>
+            <a:xfrm>
+              <a:off x="11176000" y="1329472"/>
+              <a:ext cx="0" cy="236964"/>
+            </a:xfrm>
+            <a:prstGeom prst="straightConnector1">
+              <a:avLst/>
+            </a:prstGeom>
+            <a:ln>
+              <a:solidFill>
+                <a:schemeClr val="accent6">
+                  <a:lumMod val="75000"/>
+                </a:schemeClr>
+              </a:solidFill>
+              <a:tailEnd type="triangle"/>
+            </a:ln>
+          </p:spPr>
+          <p:style>
+            <a:lnRef idx="1">
+              <a:schemeClr val="accent1"/>
+            </a:lnRef>
+            <a:fillRef idx="0">
+              <a:schemeClr val="accent1"/>
+            </a:fillRef>
+            <a:effectRef idx="0">
+              <a:schemeClr val="accent1"/>
+            </a:effectRef>
+            <a:fontRef idx="minor">
+              <a:schemeClr val="tx1"/>
+            </a:fontRef>
+          </p:style>
+        </p:cxnSp>
+        <p:sp>
+          <p:nvSpPr>
+            <p:cNvPr id="63" name="Rounded Rectangle 62">
+              <a:extLst>
+                <a:ext uri="{FF2B5EF4-FFF2-40B4-BE49-F238E27FC236}">
+                  <a16:creationId xmlns:a16="http://schemas.microsoft.com/office/drawing/2014/main" id="{AFAB86EE-FCEE-194C-B444-6E9C80515910}"/>
+                </a:ext>
+              </a:extLst>
+            </p:cNvPr>
+            <p:cNvSpPr/>
+            <p:nvPr/>
+          </p:nvSpPr>
+          <p:spPr>
+            <a:xfrm>
+              <a:off x="10490200" y="2954763"/>
+              <a:ext cx="1371600" cy="457200"/>
+            </a:xfrm>
+            <a:prstGeom prst="roundRect">
+              <a:avLst/>
+            </a:prstGeom>
+            <a:solidFill>
+              <a:schemeClr val="accent6">
+                <a:lumMod val="75000"/>
+              </a:schemeClr>
+            </a:solidFill>
+            <a:ln>
+              <a:noFill/>
+            </a:ln>
+          </p:spPr>
+          <p:style>
+            <a:lnRef idx="2">
+              <a:schemeClr val="accent6">
+                <a:shade val="50000"/>
+              </a:schemeClr>
+            </a:lnRef>
+            <a:fillRef idx="1">
+              <a:schemeClr val="accent6"/>
+            </a:fillRef>
+            <a:effectRef idx="0">
+              <a:schemeClr val="accent6"/>
+            </a:effectRef>
+            <a:fontRef idx="minor">
+              <a:schemeClr val="lt1"/>
+            </a:fontRef>
+          </p:style>
+          <p:txBody>
+            <a:bodyPr rtlCol="0" anchor="ctr"/>
+            <a:lstStyle/>
+            <a:p>
+              <a:pPr algn="ctr"/>
+              <a:r>
+                <a:rPr lang="en-US" sz="1600" dirty="0"/>
+                <a:t>HEAD</a:t>
+              </a:r>
+            </a:p>
+          </p:txBody>
+        </p:sp>
+        <p:cxnSp>
+          <p:nvCxnSpPr>
+            <p:cNvPr id="64" name="Straight Arrow Connector 63">
+              <a:extLst>
+                <a:ext uri="{FF2B5EF4-FFF2-40B4-BE49-F238E27FC236}">
+                  <a16:creationId xmlns:a16="http://schemas.microsoft.com/office/drawing/2014/main" id="{B00C4CFB-0F32-7C43-A9D6-D0C2DE48630B}"/>
+                </a:ext>
+              </a:extLst>
+            </p:cNvPr>
+            <p:cNvCxnSpPr>
+              <a:cxnSpLocks/>
+              <a:stCxn id="63" idx="0"/>
+              <a:endCxn id="65" idx="2"/>
+            </p:cNvCxnSpPr>
+            <p:nvPr/>
+          </p:nvCxnSpPr>
+          <p:spPr>
+            <a:xfrm flipV="1">
+              <a:off x="11176000" y="2717800"/>
+              <a:ext cx="0" cy="236963"/>
+            </a:xfrm>
+            <a:prstGeom prst="straightConnector1">
+              <a:avLst/>
+            </a:prstGeom>
+            <a:ln>
+              <a:solidFill>
+                <a:schemeClr val="accent6">
+                  <a:lumMod val="75000"/>
+                </a:schemeClr>
+              </a:solidFill>
+              <a:tailEnd type="triangle"/>
+            </a:ln>
+          </p:spPr>
+          <p:style>
+            <a:lnRef idx="1">
+              <a:schemeClr val="accent1"/>
+            </a:lnRef>
+            <a:fillRef idx="0">
+              <a:schemeClr val="accent1"/>
+            </a:fillRef>
+            <a:effectRef idx="0">
+              <a:schemeClr val="accent1"/>
+            </a:effectRef>
+            <a:fontRef idx="minor">
+              <a:schemeClr val="tx1"/>
+            </a:fontRef>
+          </p:style>
+        </p:cxnSp>
+        <p:sp>
+          <p:nvSpPr>
+            <p:cNvPr id="65" name="Rounded Rectangle 64">
+              <a:extLst>
+                <a:ext uri="{FF2B5EF4-FFF2-40B4-BE49-F238E27FC236}">
+                  <a16:creationId xmlns:a16="http://schemas.microsoft.com/office/drawing/2014/main" id="{ED7D7352-16C5-BD43-8098-4B209103E483}"/>
+                </a:ext>
+              </a:extLst>
+            </p:cNvPr>
+            <p:cNvSpPr/>
+            <p:nvPr/>
+          </p:nvSpPr>
+          <p:spPr>
+            <a:xfrm>
+              <a:off x="10490200" y="2260600"/>
+              <a:ext cx="1371600" cy="457200"/>
+            </a:xfrm>
+            <a:prstGeom prst="roundRect">
+              <a:avLst/>
+            </a:prstGeom>
+            <a:solidFill>
+              <a:schemeClr val="accent6">
+                <a:lumMod val="75000"/>
+              </a:schemeClr>
+            </a:solidFill>
+            <a:ln>
+              <a:noFill/>
+            </a:ln>
+          </p:spPr>
+          <p:style>
+            <a:lnRef idx="2">
+              <a:schemeClr val="accent6">
+                <a:shade val="50000"/>
+              </a:schemeClr>
+            </a:lnRef>
+            <a:fillRef idx="1">
+              <a:schemeClr val="accent6"/>
+            </a:fillRef>
+            <a:effectRef idx="0">
+              <a:schemeClr val="accent6"/>
+            </a:effectRef>
+            <a:fontRef idx="minor">
+              <a:schemeClr val="lt1"/>
+            </a:fontRef>
+          </p:style>
+          <p:txBody>
+            <a:bodyPr rtlCol="0" anchor="ctr"/>
+            <a:lstStyle/>
+            <a:p>
+              <a:pPr algn="ctr"/>
+              <a:r>
+                <a:rPr lang="en-US" sz="1600" dirty="0"/>
+                <a:t>branch1</a:t>
+              </a:r>
+            </a:p>
+          </p:txBody>
+        </p:sp>
+        <p:cxnSp>
+          <p:nvCxnSpPr>
+            <p:cNvPr id="66" name="Straight Arrow Connector 65">
+              <a:extLst>
+                <a:ext uri="{FF2B5EF4-FFF2-40B4-BE49-F238E27FC236}">
+                  <a16:creationId xmlns:a16="http://schemas.microsoft.com/office/drawing/2014/main" id="{C3A93E69-23B9-C747-83E5-BA6AA04D0DB7}"/>
+                </a:ext>
+              </a:extLst>
+            </p:cNvPr>
+            <p:cNvCxnSpPr>
+              <a:cxnSpLocks/>
+              <a:stCxn id="65" idx="0"/>
+              <a:endCxn id="59" idx="2"/>
+            </p:cNvCxnSpPr>
+            <p:nvPr/>
+          </p:nvCxnSpPr>
+          <p:spPr>
+            <a:xfrm flipV="1">
+              <a:off x="11176000" y="2023636"/>
+              <a:ext cx="0" cy="236964"/>
+            </a:xfrm>
+            <a:prstGeom prst="straightConnector1">
+              <a:avLst/>
+            </a:prstGeom>
+            <a:ln>
+              <a:solidFill>
+                <a:schemeClr val="accent6">
+                  <a:lumMod val="75000"/>
+                </a:schemeClr>
+              </a:solidFill>
+              <a:tailEnd type="triangle"/>
+            </a:ln>
+          </p:spPr>
+          <p:style>
+            <a:lnRef idx="1">
+              <a:schemeClr val="accent1"/>
+            </a:lnRef>
+            <a:fillRef idx="0">
+              <a:schemeClr val="accent1"/>
+            </a:fillRef>
+            <a:effectRef idx="0">
+              <a:schemeClr val="accent1"/>
+            </a:effectRef>
+            <a:fontRef idx="minor">
+              <a:schemeClr val="tx1"/>
+            </a:fontRef>
+          </p:style>
+        </p:cxnSp>
+      </p:grpSp>
+      <p:sp>
+        <p:nvSpPr>
+          <p:cNvPr id="74" name="TextBox 73">
+            <a:extLst>
+              <a:ext uri="{FF2B5EF4-FFF2-40B4-BE49-F238E27FC236}">
+                <a16:creationId xmlns:a16="http://schemas.microsoft.com/office/drawing/2014/main" id="{B1984F8F-D6C1-384A-BC87-246447C18CCE}"/>
+              </a:ext>
+            </a:extLst>
+          </p:cNvPr>
+          <p:cNvSpPr txBox="1"/>
+          <p:nvPr/>
+        </p:nvSpPr>
+        <p:spPr>
+          <a:xfrm>
+            <a:off x="4556155" y="3749805"/>
+            <a:ext cx="3079689" cy="369332"/>
+          </a:xfrm>
+          <a:prstGeom prst="rect">
+            <a:avLst/>
+          </a:prstGeom>
+          <a:noFill/>
+        </p:spPr>
+        <p:txBody>
+          <a:bodyPr wrap="none" rtlCol="0">
+            <a:spAutoFit/>
+          </a:bodyPr>
+          <a:lstStyle/>
+          <a:p>
+            <a:r>
+              <a:rPr lang="en-US" dirty="0">
+                <a:latin typeface="Courier" pitchFamily="2" charset="0"/>
+              </a:rPr>
+              <a:t>$ git branch branch1 </a:t>
+            </a:r>
+          </a:p>
+        </p:txBody>
+      </p:sp>
+      <p:sp>
+        <p:nvSpPr>
+          <p:cNvPr id="75" name="TextBox 74">
+            <a:extLst>
+              <a:ext uri="{FF2B5EF4-FFF2-40B4-BE49-F238E27FC236}">
+                <a16:creationId xmlns:a16="http://schemas.microsoft.com/office/drawing/2014/main" id="{59F9E2EA-CD6F-184C-A350-AF6D9E3CF8AF}"/>
+              </a:ext>
+            </a:extLst>
+          </p:cNvPr>
+          <p:cNvSpPr txBox="1"/>
+          <p:nvPr/>
+        </p:nvSpPr>
+        <p:spPr>
+          <a:xfrm>
+            <a:off x="8718610" y="3749805"/>
+            <a:ext cx="3355406" cy="369332"/>
+          </a:xfrm>
+          <a:prstGeom prst="rect">
+            <a:avLst/>
+          </a:prstGeom>
+          <a:noFill/>
+        </p:spPr>
+        <p:txBody>
+          <a:bodyPr wrap="none" rtlCol="0">
+            <a:spAutoFit/>
+          </a:bodyPr>
+          <a:lstStyle/>
+          <a:p>
+            <a:r>
+              <a:rPr lang="en-US" dirty="0">
+                <a:latin typeface="Courier" pitchFamily="2" charset="0"/>
+              </a:rPr>
+              <a:t>$ git checkout branch1 </a:t>
+            </a:r>
+          </a:p>
+        </p:txBody>
+      </p:sp>
+    </p:spTree>
+    <p:extLst>
+      <p:ext uri="{BB962C8B-B14F-4D97-AF65-F5344CB8AC3E}">
+        <p14:creationId xmlns:p14="http://schemas.microsoft.com/office/powerpoint/2010/main" val="2665963053"/>
+      </p:ext>
+    </p:extLst>
+  </p:cSld>
+  <p:clrMapOvr>
+    <a:masterClrMapping/>
+  </p:clrMapOvr>
+</p:sld>
+</file>
+
 <file path=ppt/theme/theme1.xml><?xml version="1.0" encoding="utf-8"?>
 <a:theme xmlns:a="http://schemas.openxmlformats.org/drawingml/2006/main" name="Office Theme">
   <a:themeElements>

--- a/images/images.pptx
+++ b/images/images.pptx
@@ -7,6 +7,7 @@
   <p:sldIdLst>
     <p:sldId id="256" r:id="rId2"/>
     <p:sldId id="257" r:id="rId3"/>
+    <p:sldId id="258" r:id="rId4"/>
   </p:sldIdLst>
   <p:sldSz cx="12192000" cy="6858000"/>
   <p:notesSz cx="6858000" cy="9144000"/>
@@ -260,7 +261,7 @@
           <a:p>
             <a:fld id="{4615358D-515A-CA45-9AD0-962FFE9407CA}" type="datetimeFigureOut">
               <a:rPr lang="en-US" smtClean="0"/>
-              <a:t>8/2/19</a:t>
+              <a:t>8/6/19</a:t>
             </a:fld>
             <a:endParaRPr lang="en-US"/>
           </a:p>
@@ -458,7 +459,7 @@
           <a:p>
             <a:fld id="{4615358D-515A-CA45-9AD0-962FFE9407CA}" type="datetimeFigureOut">
               <a:rPr lang="en-US" smtClean="0"/>
-              <a:t>8/2/19</a:t>
+              <a:t>8/6/19</a:t>
             </a:fld>
             <a:endParaRPr lang="en-US"/>
           </a:p>
@@ -666,7 +667,7 @@
           <a:p>
             <a:fld id="{4615358D-515A-CA45-9AD0-962FFE9407CA}" type="datetimeFigureOut">
               <a:rPr lang="en-US" smtClean="0"/>
-              <a:t>8/2/19</a:t>
+              <a:t>8/6/19</a:t>
             </a:fld>
             <a:endParaRPr lang="en-US"/>
           </a:p>
@@ -864,7 +865,7 @@
           <a:p>
             <a:fld id="{4615358D-515A-CA45-9AD0-962FFE9407CA}" type="datetimeFigureOut">
               <a:rPr lang="en-US" smtClean="0"/>
-              <a:t>8/2/19</a:t>
+              <a:t>8/6/19</a:t>
             </a:fld>
             <a:endParaRPr lang="en-US"/>
           </a:p>
@@ -1139,7 +1140,7 @@
           <a:p>
             <a:fld id="{4615358D-515A-CA45-9AD0-962FFE9407CA}" type="datetimeFigureOut">
               <a:rPr lang="en-US" smtClean="0"/>
-              <a:t>8/2/19</a:t>
+              <a:t>8/6/19</a:t>
             </a:fld>
             <a:endParaRPr lang="en-US"/>
           </a:p>
@@ -1404,7 +1405,7 @@
           <a:p>
             <a:fld id="{4615358D-515A-CA45-9AD0-962FFE9407CA}" type="datetimeFigureOut">
               <a:rPr lang="en-US" smtClean="0"/>
-              <a:t>8/2/19</a:t>
+              <a:t>8/6/19</a:t>
             </a:fld>
             <a:endParaRPr lang="en-US"/>
           </a:p>
@@ -1816,7 +1817,7 @@
           <a:p>
             <a:fld id="{4615358D-515A-CA45-9AD0-962FFE9407CA}" type="datetimeFigureOut">
               <a:rPr lang="en-US" smtClean="0"/>
-              <a:t>8/2/19</a:t>
+              <a:t>8/6/19</a:t>
             </a:fld>
             <a:endParaRPr lang="en-US"/>
           </a:p>
@@ -1957,7 +1958,7 @@
           <a:p>
             <a:fld id="{4615358D-515A-CA45-9AD0-962FFE9407CA}" type="datetimeFigureOut">
               <a:rPr lang="en-US" smtClean="0"/>
-              <a:t>8/2/19</a:t>
+              <a:t>8/6/19</a:t>
             </a:fld>
             <a:endParaRPr lang="en-US"/>
           </a:p>
@@ -2070,7 +2071,7 @@
           <a:p>
             <a:fld id="{4615358D-515A-CA45-9AD0-962FFE9407CA}" type="datetimeFigureOut">
               <a:rPr lang="en-US" smtClean="0"/>
-              <a:t>8/2/19</a:t>
+              <a:t>8/6/19</a:t>
             </a:fld>
             <a:endParaRPr lang="en-US"/>
           </a:p>
@@ -2381,7 +2382,7 @@
           <a:p>
             <a:fld id="{4615358D-515A-CA45-9AD0-962FFE9407CA}" type="datetimeFigureOut">
               <a:rPr lang="en-US" smtClean="0"/>
-              <a:t>8/2/19</a:t>
+              <a:t>8/6/19</a:t>
             </a:fld>
             <a:endParaRPr lang="en-US"/>
           </a:p>
@@ -2669,7 +2670,7 @@
           <a:p>
             <a:fld id="{4615358D-515A-CA45-9AD0-962FFE9407CA}" type="datetimeFigureOut">
               <a:rPr lang="en-US" smtClean="0"/>
-              <a:t>8/2/19</a:t>
+              <a:t>8/6/19</a:t>
             </a:fld>
             <a:endParaRPr lang="en-US"/>
           </a:p>
@@ -2910,7 +2911,7 @@
           <a:p>
             <a:fld id="{4615358D-515A-CA45-9AD0-962FFE9407CA}" type="datetimeFigureOut">
               <a:rPr lang="en-US" smtClean="0"/>
-              <a:t>8/2/19</a:t>
+              <a:t>8/6/19</a:t>
             </a:fld>
             <a:endParaRPr lang="en-US"/>
           </a:p>
@@ -3864,10 +3865,10 @@
       </p:grpSpPr>
       <p:grpSp>
         <p:nvGrpSpPr>
-          <p:cNvPr id="69" name="Group 68">
+          <p:cNvPr id="143" name="Group 142">
             <a:extLst>
               <a:ext uri="{FF2B5EF4-FFF2-40B4-BE49-F238E27FC236}">
-                <a16:creationId xmlns:a16="http://schemas.microsoft.com/office/drawing/2014/main" id="{2B5CA100-9F69-7245-8241-14F75E6366B4}"/>
+                <a16:creationId xmlns:a16="http://schemas.microsoft.com/office/drawing/2014/main" id="{51D2A3FB-AE79-5948-BB43-996355D366B7}"/>
               </a:ext>
             </a:extLst>
           </p:cNvPr>
@@ -3876,10 +3877,10 @@
         </p:nvGrpSpPr>
         <p:grpSpPr>
           <a:xfrm>
-            <a:off x="101600" y="199172"/>
-            <a:ext cx="3606800" cy="1845528"/>
-            <a:chOff x="101600" y="199172"/>
-            <a:chExt cx="3606800" cy="1845528"/>
+            <a:off x="39962" y="59488"/>
+            <a:ext cx="2374900" cy="1606078"/>
+            <a:chOff x="39962" y="59488"/>
+            <a:chExt cx="2374900" cy="1606078"/>
           </a:xfrm>
         </p:grpSpPr>
         <p:sp>
@@ -3896,7 +3897,7 @@
           </p:nvSpPr>
           <p:spPr>
             <a:xfrm>
-              <a:off x="2336800" y="893336"/>
+              <a:off x="1043262" y="636866"/>
               <a:ext cx="1371600" cy="457200"/>
             </a:xfrm>
             <a:prstGeom prst="roundRect">
@@ -3933,69 +3934,8 @@
             <a:p>
               <a:pPr algn="ctr"/>
               <a:r>
-                <a:rPr lang="en-US" sz="1600" dirty="0"/>
+                <a:rPr lang="en-US" sz="1400" dirty="0"/>
                 <a:t>master</a:t>
-              </a:r>
-            </a:p>
-          </p:txBody>
-        </p:sp>
-        <p:sp>
-          <p:nvSpPr>
-            <p:cNvPr id="13" name="Rounded Rectangle 12">
-              <a:extLst>
-                <a:ext uri="{FF2B5EF4-FFF2-40B4-BE49-F238E27FC236}">
-                  <a16:creationId xmlns:a16="http://schemas.microsoft.com/office/drawing/2014/main" id="{8B16F727-FAB0-AD4C-B041-C61F177CF4CE}"/>
-                </a:ext>
-              </a:extLst>
-            </p:cNvPr>
-            <p:cNvSpPr/>
-            <p:nvPr/>
-          </p:nvSpPr>
-          <p:spPr>
-            <a:xfrm>
-              <a:off x="101600" y="1587500"/>
-              <a:ext cx="914400" cy="457200"/>
-            </a:xfrm>
-            <a:prstGeom prst="roundRect">
-              <a:avLst/>
-            </a:prstGeom>
-            <a:solidFill>
-              <a:schemeClr val="accent4">
-                <a:lumMod val="75000"/>
-              </a:schemeClr>
-            </a:solidFill>
-            <a:ln>
-              <a:solidFill>
-                <a:schemeClr val="accent4">
-                  <a:lumMod val="75000"/>
-                </a:schemeClr>
-              </a:solidFill>
-            </a:ln>
-          </p:spPr>
-          <p:style>
-            <a:lnRef idx="2">
-              <a:schemeClr val="accent6">
-                <a:shade val="50000"/>
-              </a:schemeClr>
-            </a:lnRef>
-            <a:fillRef idx="1">
-              <a:schemeClr val="accent6"/>
-            </a:fillRef>
-            <a:effectRef idx="0">
-              <a:schemeClr val="accent6"/>
-            </a:effectRef>
-            <a:fontRef idx="minor">
-              <a:schemeClr val="lt1"/>
-            </a:fontRef>
-          </p:style>
-          <p:txBody>
-            <a:bodyPr rtlCol="0" anchor="ctr"/>
-            <a:lstStyle/>
-            <a:p>
-              <a:pPr algn="ctr"/>
-              <a:r>
-                <a:rPr lang="en-US" sz="1600" dirty="0"/>
-                <a:t>C1</a:t>
               </a:r>
             </a:p>
           </p:txBody>
@@ -4014,7 +3954,7 @@
           </p:nvSpPr>
           <p:spPr>
             <a:xfrm>
-              <a:off x="1333500" y="1587500"/>
+              <a:off x="39962" y="1208366"/>
               <a:ext cx="914400" cy="457200"/>
             </a:xfrm>
             <a:prstGeom prst="roundRect">
@@ -4055,8 +3995,8 @@
             <a:p>
               <a:pPr algn="ctr"/>
               <a:r>
-                <a:rPr lang="en-US" sz="1600" dirty="0"/>
-                <a:t>C2</a:t>
+                <a:rPr lang="en-US" sz="1400" dirty="0"/>
+                <a:t>C1</a:t>
               </a:r>
             </a:p>
           </p:txBody>
@@ -4075,7 +4015,7 @@
           </p:nvSpPr>
           <p:spPr>
             <a:xfrm>
-              <a:off x="2565400" y="1587500"/>
+              <a:off x="1271862" y="1208366"/>
               <a:ext cx="914400" cy="457200"/>
             </a:xfrm>
             <a:prstGeom prst="roundRect">
@@ -4116,59 +4056,12 @@
             <a:p>
               <a:pPr algn="ctr"/>
               <a:r>
-                <a:rPr lang="en-US" sz="1600" dirty="0"/>
-                <a:t>C3</a:t>
+                <a:rPr lang="en-US" sz="1400" dirty="0"/>
+                <a:t>C2</a:t>
               </a:r>
             </a:p>
           </p:txBody>
         </p:sp>
-        <p:cxnSp>
-          <p:nvCxnSpPr>
-            <p:cNvPr id="17" name="Straight Arrow Connector 16">
-              <a:extLst>
-                <a:ext uri="{FF2B5EF4-FFF2-40B4-BE49-F238E27FC236}">
-                  <a16:creationId xmlns:a16="http://schemas.microsoft.com/office/drawing/2014/main" id="{28246398-F551-DD4D-B5C6-4D2D76DD21D5}"/>
-                </a:ext>
-              </a:extLst>
-            </p:cNvPr>
-            <p:cNvCxnSpPr>
-              <a:stCxn id="14" idx="1"/>
-              <a:endCxn id="13" idx="3"/>
-            </p:cNvCxnSpPr>
-            <p:nvPr/>
-          </p:nvCxnSpPr>
-          <p:spPr>
-            <a:xfrm flipH="1">
-              <a:off x="1016000" y="1816100"/>
-              <a:ext cx="317500" cy="0"/>
-            </a:xfrm>
-            <a:prstGeom prst="straightConnector1">
-              <a:avLst/>
-            </a:prstGeom>
-            <a:ln>
-              <a:solidFill>
-                <a:schemeClr val="accent4">
-                  <a:lumMod val="75000"/>
-                </a:schemeClr>
-              </a:solidFill>
-              <a:tailEnd type="triangle"/>
-            </a:ln>
-          </p:spPr>
-          <p:style>
-            <a:lnRef idx="1">
-              <a:schemeClr val="accent1"/>
-            </a:lnRef>
-            <a:fillRef idx="0">
-              <a:schemeClr val="accent1"/>
-            </a:fillRef>
-            <a:effectRef idx="0">
-              <a:schemeClr val="accent1"/>
-            </a:effectRef>
-            <a:fontRef idx="minor">
-              <a:schemeClr val="tx1"/>
-            </a:fontRef>
-          </p:style>
-        </p:cxnSp>
         <p:cxnSp>
           <p:nvCxnSpPr>
             <p:cNvPr id="19" name="Straight Arrow Connector 18">
@@ -4187,7 +4080,7 @@
           </p:nvCxnSpPr>
           <p:spPr>
             <a:xfrm flipH="1">
-              <a:off x="2247900" y="1816100"/>
+              <a:off x="954362" y="1436966"/>
               <a:ext cx="317500" cy="0"/>
             </a:xfrm>
             <a:prstGeom prst="straightConnector1">
@@ -4235,8 +4128,8 @@
           </p:nvCxnSpPr>
           <p:spPr>
             <a:xfrm>
-              <a:off x="3022600" y="1350536"/>
-              <a:ext cx="0" cy="236964"/>
+              <a:off x="1729062" y="1094066"/>
+              <a:ext cx="0" cy="114300"/>
             </a:xfrm>
             <a:prstGeom prst="straightConnector1">
               <a:avLst/>
@@ -4279,7 +4172,7 @@
           </p:nvSpPr>
           <p:spPr>
             <a:xfrm>
-              <a:off x="2336800" y="199172"/>
+              <a:off x="1043262" y="59488"/>
               <a:ext cx="1371600" cy="457200"/>
             </a:xfrm>
             <a:prstGeom prst="roundRect">
@@ -4316,7 +4209,7 @@
             <a:p>
               <a:pPr algn="ctr"/>
               <a:r>
-                <a:rPr lang="en-US" sz="1600" dirty="0"/>
+                <a:rPr lang="en-US" sz="1400" dirty="0"/>
                 <a:t>HEAD</a:t>
               </a:r>
             </a:p>
@@ -4340,8 +4233,8 @@
           </p:nvCxnSpPr>
           <p:spPr>
             <a:xfrm>
-              <a:off x="3022600" y="656372"/>
-              <a:ext cx="0" cy="236964"/>
+              <a:off x="1729062" y="516688"/>
+              <a:ext cx="0" cy="120178"/>
             </a:xfrm>
             <a:prstGeom prst="straightConnector1">
               <a:avLst/>
@@ -4373,10 +4266,10 @@
       </p:grpSp>
       <p:grpSp>
         <p:nvGrpSpPr>
-          <p:cNvPr id="68" name="Group 67">
+          <p:cNvPr id="150" name="Group 149">
             <a:extLst>
               <a:ext uri="{FF2B5EF4-FFF2-40B4-BE49-F238E27FC236}">
-                <a16:creationId xmlns:a16="http://schemas.microsoft.com/office/drawing/2014/main" id="{E2725DBD-A69C-A849-BD6E-5BAE4EC2E98A}"/>
+                <a16:creationId xmlns:a16="http://schemas.microsoft.com/office/drawing/2014/main" id="{9D253594-BA28-6E44-80B6-4169F6CAAEBE}"/>
               </a:ext>
             </a:extLst>
           </p:cNvPr>
@@ -4385,10 +4278,10 @@
         </p:nvGrpSpPr>
         <p:grpSpPr>
           <a:xfrm>
-            <a:off x="4235450" y="199172"/>
-            <a:ext cx="3606800" cy="2539692"/>
-            <a:chOff x="3937000" y="199172"/>
-            <a:chExt cx="3606800" cy="2539692"/>
+            <a:off x="2872414" y="59488"/>
+            <a:ext cx="2374900" cy="2182928"/>
+            <a:chOff x="2913724" y="59488"/>
+            <a:chExt cx="2374900" cy="2182928"/>
           </a:xfrm>
         </p:grpSpPr>
         <p:sp>
@@ -4405,7 +4298,7 @@
           </p:nvSpPr>
           <p:spPr>
             <a:xfrm>
-              <a:off x="6172200" y="893336"/>
+              <a:off x="3917024" y="635812"/>
               <a:ext cx="1371600" cy="457200"/>
             </a:xfrm>
             <a:prstGeom prst="roundRect">
@@ -4442,69 +4335,8 @@
             <a:p>
               <a:pPr algn="ctr"/>
               <a:r>
-                <a:rPr lang="en-US" sz="1600" dirty="0"/>
+                <a:rPr lang="en-US" sz="1400" dirty="0"/>
                 <a:t>master</a:t>
-              </a:r>
-            </a:p>
-          </p:txBody>
-        </p:sp>
-        <p:sp>
-          <p:nvSpPr>
-            <p:cNvPr id="44" name="Rounded Rectangle 43">
-              <a:extLst>
-                <a:ext uri="{FF2B5EF4-FFF2-40B4-BE49-F238E27FC236}">
-                  <a16:creationId xmlns:a16="http://schemas.microsoft.com/office/drawing/2014/main" id="{207BE6DB-D34D-7E49-99F0-BBAA4FBD0E1F}"/>
-                </a:ext>
-              </a:extLst>
-            </p:cNvPr>
-            <p:cNvSpPr/>
-            <p:nvPr/>
-          </p:nvSpPr>
-          <p:spPr>
-            <a:xfrm>
-              <a:off x="3937000" y="1587500"/>
-              <a:ext cx="914400" cy="457200"/>
-            </a:xfrm>
-            <a:prstGeom prst="roundRect">
-              <a:avLst/>
-            </a:prstGeom>
-            <a:solidFill>
-              <a:schemeClr val="accent4">
-                <a:lumMod val="75000"/>
-              </a:schemeClr>
-            </a:solidFill>
-            <a:ln>
-              <a:solidFill>
-                <a:schemeClr val="accent4">
-                  <a:lumMod val="75000"/>
-                </a:schemeClr>
-              </a:solidFill>
-            </a:ln>
-          </p:spPr>
-          <p:style>
-            <a:lnRef idx="2">
-              <a:schemeClr val="accent6">
-                <a:shade val="50000"/>
-              </a:schemeClr>
-            </a:lnRef>
-            <a:fillRef idx="1">
-              <a:schemeClr val="accent6"/>
-            </a:fillRef>
-            <a:effectRef idx="0">
-              <a:schemeClr val="accent6"/>
-            </a:effectRef>
-            <a:fontRef idx="minor">
-              <a:schemeClr val="lt1"/>
-            </a:fontRef>
-          </p:style>
-          <p:txBody>
-            <a:bodyPr rtlCol="0" anchor="ctr"/>
-            <a:lstStyle/>
-            <a:p>
-              <a:pPr algn="ctr"/>
-              <a:r>
-                <a:rPr lang="en-US" sz="1600" dirty="0"/>
-                <a:t>C1</a:t>
               </a:r>
             </a:p>
           </p:txBody>
@@ -4523,7 +4355,7 @@
           </p:nvSpPr>
           <p:spPr>
             <a:xfrm>
-              <a:off x="5168900" y="1587500"/>
+              <a:off x="2913724" y="1208366"/>
               <a:ext cx="914400" cy="457200"/>
             </a:xfrm>
             <a:prstGeom prst="roundRect">
@@ -4564,8 +4396,8 @@
             <a:p>
               <a:pPr algn="ctr"/>
               <a:r>
-                <a:rPr lang="en-US" sz="1600" dirty="0"/>
-                <a:t>C2</a:t>
+                <a:rPr lang="en-US" sz="1400" dirty="0"/>
+                <a:t>C1</a:t>
               </a:r>
             </a:p>
           </p:txBody>
@@ -4584,7 +4416,7 @@
           </p:nvSpPr>
           <p:spPr>
             <a:xfrm>
-              <a:off x="6400800" y="1587500"/>
+              <a:off x="4145624" y="1208366"/>
               <a:ext cx="914400" cy="457200"/>
             </a:xfrm>
             <a:prstGeom prst="roundRect">
@@ -4625,59 +4457,12 @@
             <a:p>
               <a:pPr algn="ctr"/>
               <a:r>
-                <a:rPr lang="en-US" sz="1600" dirty="0"/>
-                <a:t>C3</a:t>
+                <a:rPr lang="en-US" sz="1400" dirty="0"/>
+                <a:t>C2</a:t>
               </a:r>
             </a:p>
           </p:txBody>
         </p:sp>
-        <p:cxnSp>
-          <p:nvCxnSpPr>
-            <p:cNvPr id="47" name="Straight Arrow Connector 46">
-              <a:extLst>
-                <a:ext uri="{FF2B5EF4-FFF2-40B4-BE49-F238E27FC236}">
-                  <a16:creationId xmlns:a16="http://schemas.microsoft.com/office/drawing/2014/main" id="{6C3E8C91-5EF6-E640-A7DF-9D1D4E935238}"/>
-                </a:ext>
-              </a:extLst>
-            </p:cNvPr>
-            <p:cNvCxnSpPr>
-              <a:stCxn id="45" idx="1"/>
-              <a:endCxn id="44" idx="3"/>
-            </p:cNvCxnSpPr>
-            <p:nvPr/>
-          </p:nvCxnSpPr>
-          <p:spPr>
-            <a:xfrm flipH="1">
-              <a:off x="4851400" y="1816100"/>
-              <a:ext cx="317500" cy="0"/>
-            </a:xfrm>
-            <a:prstGeom prst="straightConnector1">
-              <a:avLst/>
-            </a:prstGeom>
-            <a:ln>
-              <a:solidFill>
-                <a:schemeClr val="accent4">
-                  <a:lumMod val="75000"/>
-                </a:schemeClr>
-              </a:solidFill>
-              <a:tailEnd type="triangle"/>
-            </a:ln>
-          </p:spPr>
-          <p:style>
-            <a:lnRef idx="1">
-              <a:schemeClr val="accent1"/>
-            </a:lnRef>
-            <a:fillRef idx="0">
-              <a:schemeClr val="accent1"/>
-            </a:fillRef>
-            <a:effectRef idx="0">
-              <a:schemeClr val="accent1"/>
-            </a:effectRef>
-            <a:fontRef idx="minor">
-              <a:schemeClr val="tx1"/>
-            </a:fontRef>
-          </p:style>
-        </p:cxnSp>
         <p:cxnSp>
           <p:nvCxnSpPr>
             <p:cNvPr id="48" name="Straight Arrow Connector 47">
@@ -4696,7 +4481,7 @@
           </p:nvCxnSpPr>
           <p:spPr>
             <a:xfrm flipH="1">
-              <a:off x="6083300" y="1816100"/>
+              <a:off x="3828124" y="1436966"/>
               <a:ext cx="317500" cy="0"/>
             </a:xfrm>
             <a:prstGeom prst="straightConnector1">
@@ -4744,8 +4529,8 @@
           </p:nvCxnSpPr>
           <p:spPr>
             <a:xfrm>
-              <a:off x="6858000" y="1350536"/>
-              <a:ext cx="0" cy="236964"/>
+              <a:off x="4602824" y="1093012"/>
+              <a:ext cx="0" cy="115354"/>
             </a:xfrm>
             <a:prstGeom prst="straightConnector1">
               <a:avLst/>
@@ -4788,7 +4573,7 @@
           </p:nvSpPr>
           <p:spPr>
             <a:xfrm>
-              <a:off x="6172200" y="199172"/>
+              <a:off x="3917024" y="59488"/>
               <a:ext cx="1371600" cy="457200"/>
             </a:xfrm>
             <a:prstGeom prst="roundRect">
@@ -4825,7 +4610,7 @@
             <a:p>
               <a:pPr algn="ctr"/>
               <a:r>
-                <a:rPr lang="en-US" sz="1600" dirty="0"/>
+                <a:rPr lang="en-US" sz="1400" dirty="0"/>
                 <a:t>HEAD</a:t>
               </a:r>
             </a:p>
@@ -4849,8 +4634,8 @@
           </p:nvCxnSpPr>
           <p:spPr>
             <a:xfrm>
-              <a:off x="6858000" y="656372"/>
-              <a:ext cx="0" cy="236964"/>
+              <a:off x="4602824" y="516688"/>
+              <a:ext cx="0" cy="119124"/>
             </a:xfrm>
             <a:prstGeom prst="straightConnector1">
               <a:avLst/>
@@ -4893,7 +4678,7 @@
           </p:nvSpPr>
           <p:spPr>
             <a:xfrm>
-              <a:off x="6172200" y="2281664"/>
+              <a:off x="3917024" y="1785216"/>
               <a:ext cx="1371600" cy="457200"/>
             </a:xfrm>
             <a:prstGeom prst="roundRect">
@@ -4930,7 +4715,7 @@
             <a:p>
               <a:pPr algn="ctr"/>
               <a:r>
-                <a:rPr lang="en-US" sz="1600" dirty="0"/>
+                <a:rPr lang="en-US" sz="1400" dirty="0"/>
                 <a:t>branch1</a:t>
               </a:r>
             </a:p>
@@ -4954,8 +4739,8 @@
           </p:nvCxnSpPr>
           <p:spPr>
             <a:xfrm flipV="1">
-              <a:off x="6858000" y="2044700"/>
-              <a:ext cx="0" cy="236964"/>
+              <a:off x="4602824" y="1665566"/>
+              <a:ext cx="0" cy="119650"/>
             </a:xfrm>
             <a:prstGeom prst="straightConnector1">
               <a:avLst/>
@@ -4987,10 +4772,10 @@
       </p:grpSp>
       <p:grpSp>
         <p:nvGrpSpPr>
-          <p:cNvPr id="73" name="Group 72">
+          <p:cNvPr id="151" name="Group 150">
             <a:extLst>
               <a:ext uri="{FF2B5EF4-FFF2-40B4-BE49-F238E27FC236}">
-                <a16:creationId xmlns:a16="http://schemas.microsoft.com/office/drawing/2014/main" id="{BC7ADA37-2B0B-4043-8ADC-61B42A6DDF91}"/>
+                <a16:creationId xmlns:a16="http://schemas.microsoft.com/office/drawing/2014/main" id="{0B23ACF9-3025-BF43-8A44-8F33989406FF}"/>
               </a:ext>
             </a:extLst>
           </p:cNvPr>
@@ -4999,10 +4784,10 @@
         </p:nvGrpSpPr>
         <p:grpSpPr>
           <a:xfrm>
-            <a:off x="8369300" y="893336"/>
-            <a:ext cx="3606800" cy="2539691"/>
-            <a:chOff x="8255000" y="872272"/>
-            <a:chExt cx="3606800" cy="2539691"/>
+            <a:off x="5704866" y="630711"/>
+            <a:ext cx="2374900" cy="2184403"/>
+            <a:chOff x="5803844" y="630711"/>
+            <a:chExt cx="2374900" cy="2184403"/>
           </a:xfrm>
         </p:grpSpPr>
         <p:sp>
@@ -5019,7 +4804,7 @@
           </p:nvSpPr>
           <p:spPr>
             <a:xfrm>
-              <a:off x="10490200" y="872272"/>
+              <a:off x="6807144" y="630711"/>
               <a:ext cx="1371600" cy="457200"/>
             </a:xfrm>
             <a:prstGeom prst="roundRect">
@@ -5056,69 +4841,8 @@
             <a:p>
               <a:pPr algn="ctr"/>
               <a:r>
-                <a:rPr lang="en-US" sz="1600" dirty="0"/>
+                <a:rPr lang="en-US" sz="1400" dirty="0"/>
                 <a:t>master</a:t>
-              </a:r>
-            </a:p>
-          </p:txBody>
-        </p:sp>
-        <p:sp>
-          <p:nvSpPr>
-            <p:cNvPr id="57" name="Rounded Rectangle 56">
-              <a:extLst>
-                <a:ext uri="{FF2B5EF4-FFF2-40B4-BE49-F238E27FC236}">
-                  <a16:creationId xmlns:a16="http://schemas.microsoft.com/office/drawing/2014/main" id="{54DB42C4-E1EF-8846-8665-C0EBB878CDDA}"/>
-                </a:ext>
-              </a:extLst>
-            </p:cNvPr>
-            <p:cNvSpPr/>
-            <p:nvPr/>
-          </p:nvSpPr>
-          <p:spPr>
-            <a:xfrm>
-              <a:off x="8255000" y="1566436"/>
-              <a:ext cx="914400" cy="457200"/>
-            </a:xfrm>
-            <a:prstGeom prst="roundRect">
-              <a:avLst/>
-            </a:prstGeom>
-            <a:solidFill>
-              <a:schemeClr val="accent4">
-                <a:lumMod val="75000"/>
-              </a:schemeClr>
-            </a:solidFill>
-            <a:ln>
-              <a:solidFill>
-                <a:schemeClr val="accent4">
-                  <a:lumMod val="75000"/>
-                </a:schemeClr>
-              </a:solidFill>
-            </a:ln>
-          </p:spPr>
-          <p:style>
-            <a:lnRef idx="2">
-              <a:schemeClr val="accent6">
-                <a:shade val="50000"/>
-              </a:schemeClr>
-            </a:lnRef>
-            <a:fillRef idx="1">
-              <a:schemeClr val="accent6"/>
-            </a:fillRef>
-            <a:effectRef idx="0">
-              <a:schemeClr val="accent6"/>
-            </a:effectRef>
-            <a:fontRef idx="minor">
-              <a:schemeClr val="lt1"/>
-            </a:fontRef>
-          </p:style>
-          <p:txBody>
-            <a:bodyPr rtlCol="0" anchor="ctr"/>
-            <a:lstStyle/>
-            <a:p>
-              <a:pPr algn="ctr"/>
-              <a:r>
-                <a:rPr lang="en-US" sz="1600" dirty="0"/>
-                <a:t>C1</a:t>
               </a:r>
             </a:p>
           </p:txBody>
@@ -5137,7 +4861,7 @@
           </p:nvSpPr>
           <p:spPr>
             <a:xfrm>
-              <a:off x="9486900" y="1566436"/>
+              <a:off x="5803844" y="1208366"/>
               <a:ext cx="914400" cy="457200"/>
             </a:xfrm>
             <a:prstGeom prst="roundRect">
@@ -5178,8 +4902,8 @@
             <a:p>
               <a:pPr algn="ctr"/>
               <a:r>
-                <a:rPr lang="en-US" sz="1600" dirty="0"/>
-                <a:t>C2</a:t>
+                <a:rPr lang="en-US" sz="1400" dirty="0"/>
+                <a:t>C1</a:t>
               </a:r>
             </a:p>
           </p:txBody>
@@ -5198,7 +4922,7 @@
           </p:nvSpPr>
           <p:spPr>
             <a:xfrm>
-              <a:off x="10718800" y="1566436"/>
+              <a:off x="7035744" y="1205822"/>
               <a:ext cx="914400" cy="457200"/>
             </a:xfrm>
             <a:prstGeom prst="roundRect">
@@ -5239,59 +4963,12 @@
             <a:p>
               <a:pPr algn="ctr"/>
               <a:r>
-                <a:rPr lang="en-US" sz="1600" dirty="0"/>
-                <a:t>C3</a:t>
+                <a:rPr lang="en-US" sz="1400" dirty="0"/>
+                <a:t>C2</a:t>
               </a:r>
             </a:p>
           </p:txBody>
         </p:sp>
-        <p:cxnSp>
-          <p:nvCxnSpPr>
-            <p:cNvPr id="60" name="Straight Arrow Connector 59">
-              <a:extLst>
-                <a:ext uri="{FF2B5EF4-FFF2-40B4-BE49-F238E27FC236}">
-                  <a16:creationId xmlns:a16="http://schemas.microsoft.com/office/drawing/2014/main" id="{B47917F6-944C-8149-99CB-777B7EC71AA3}"/>
-                </a:ext>
-              </a:extLst>
-            </p:cNvPr>
-            <p:cNvCxnSpPr>
-              <a:stCxn id="58" idx="1"/>
-              <a:endCxn id="57" idx="3"/>
-            </p:cNvCxnSpPr>
-            <p:nvPr/>
-          </p:nvCxnSpPr>
-          <p:spPr>
-            <a:xfrm flipH="1">
-              <a:off x="9169400" y="1795036"/>
-              <a:ext cx="317500" cy="0"/>
-            </a:xfrm>
-            <a:prstGeom prst="straightConnector1">
-              <a:avLst/>
-            </a:prstGeom>
-            <a:ln>
-              <a:solidFill>
-                <a:schemeClr val="accent4">
-                  <a:lumMod val="75000"/>
-                </a:schemeClr>
-              </a:solidFill>
-              <a:tailEnd type="triangle"/>
-            </a:ln>
-          </p:spPr>
-          <p:style>
-            <a:lnRef idx="1">
-              <a:schemeClr val="accent1"/>
-            </a:lnRef>
-            <a:fillRef idx="0">
-              <a:schemeClr val="accent1"/>
-            </a:fillRef>
-            <a:effectRef idx="0">
-              <a:schemeClr val="accent1"/>
-            </a:effectRef>
-            <a:fontRef idx="minor">
-              <a:schemeClr val="tx1"/>
-            </a:fontRef>
-          </p:style>
-        </p:cxnSp>
         <p:cxnSp>
           <p:nvCxnSpPr>
             <p:cNvPr id="61" name="Straight Arrow Connector 60">
@@ -5310,8 +4987,8 @@
           </p:nvCxnSpPr>
           <p:spPr>
             <a:xfrm flipH="1">
-              <a:off x="10401300" y="1795036"/>
-              <a:ext cx="317500" cy="0"/>
+              <a:off x="6718244" y="1434422"/>
+              <a:ext cx="317500" cy="2544"/>
             </a:xfrm>
             <a:prstGeom prst="straightConnector1">
               <a:avLst/>
@@ -5358,8 +5035,8 @@
           </p:nvCxnSpPr>
           <p:spPr>
             <a:xfrm>
-              <a:off x="11176000" y="1329472"/>
-              <a:ext cx="0" cy="236964"/>
+              <a:off x="7492944" y="1087911"/>
+              <a:ext cx="0" cy="117911"/>
             </a:xfrm>
             <a:prstGeom prst="straightConnector1">
               <a:avLst/>
@@ -5402,7 +5079,7 @@
           </p:nvSpPr>
           <p:spPr>
             <a:xfrm>
-              <a:off x="10490200" y="2954763"/>
+              <a:off x="6807144" y="2357914"/>
               <a:ext cx="1371600" cy="457200"/>
             </a:xfrm>
             <a:prstGeom prst="roundRect">
@@ -5439,7 +5116,7 @@
             <a:p>
               <a:pPr algn="ctr"/>
               <a:r>
-                <a:rPr lang="en-US" sz="1600" dirty="0"/>
+                <a:rPr lang="en-US" sz="1400" dirty="0"/>
                 <a:t>HEAD</a:t>
               </a:r>
             </a:p>
@@ -5463,8 +5140,8 @@
           </p:nvCxnSpPr>
           <p:spPr>
             <a:xfrm flipV="1">
-              <a:off x="11176000" y="2717800"/>
-              <a:ext cx="0" cy="236963"/>
+              <a:off x="7492944" y="2236698"/>
+              <a:ext cx="0" cy="121216"/>
             </a:xfrm>
             <a:prstGeom prst="straightConnector1">
               <a:avLst/>
@@ -5507,7 +5184,7 @@
           </p:nvSpPr>
           <p:spPr>
             <a:xfrm>
-              <a:off x="10490200" y="2260600"/>
+              <a:off x="6807144" y="1779498"/>
               <a:ext cx="1371600" cy="457200"/>
             </a:xfrm>
             <a:prstGeom prst="roundRect">
@@ -5544,7 +5221,7 @@
             <a:p>
               <a:pPr algn="ctr"/>
               <a:r>
-                <a:rPr lang="en-US" sz="1600" dirty="0"/>
+                <a:rPr lang="en-US" sz="1400" dirty="0"/>
                 <a:t>branch1</a:t>
               </a:r>
             </a:p>
@@ -5568,8 +5245,8 @@
           </p:nvCxnSpPr>
           <p:spPr>
             <a:xfrm flipV="1">
-              <a:off x="11176000" y="2023636"/>
-              <a:ext cx="0" cy="236964"/>
+              <a:off x="7492944" y="1663022"/>
+              <a:ext cx="0" cy="116476"/>
             </a:xfrm>
             <a:prstGeom prst="straightConnector1">
               <a:avLst/>
@@ -5613,8 +5290,8 @@
         </p:nvSpPr>
         <p:spPr>
           <a:xfrm>
-            <a:off x="4556155" y="3749805"/>
-            <a:ext cx="3079689" cy="369332"/>
+            <a:off x="3025901" y="2891521"/>
+            <a:ext cx="2440091" cy="307777"/>
           </a:xfrm>
           <a:prstGeom prst="rect">
             <a:avLst/>
@@ -5627,8 +5304,9 @@
           </a:bodyPr>
           <a:lstStyle/>
           <a:p>
+            <a:pPr algn="ctr"/>
             <a:r>
-              <a:rPr lang="en-US" dirty="0">
+              <a:rPr lang="en-US" sz="1400" dirty="0">
                 <a:latin typeface="Courier" pitchFamily="2" charset="0"/>
               </a:rPr>
               <a:t>$ git branch branch1 </a:t>
@@ -5650,8 +5328,8 @@
         </p:nvSpPr>
         <p:spPr>
           <a:xfrm>
-            <a:off x="8718610" y="3749805"/>
-            <a:ext cx="3355406" cy="369332"/>
+            <a:off x="5811935" y="2891521"/>
+            <a:ext cx="2654894" cy="307777"/>
           </a:xfrm>
           <a:prstGeom prst="rect">
             <a:avLst/>
@@ -5665,11 +5343,2321 @@
           <a:lstStyle/>
           <a:p>
             <a:r>
-              <a:rPr lang="en-US" dirty="0">
+              <a:rPr lang="en-US" sz="1400" dirty="0">
                 <a:latin typeface="Courier" pitchFamily="2" charset="0"/>
               </a:rPr>
               <a:t>$ git checkout branch1 </a:t>
             </a:r>
+          </a:p>
+        </p:txBody>
+      </p:sp>
+      <p:grpSp>
+        <p:nvGrpSpPr>
+          <p:cNvPr id="152" name="Group 151">
+            <a:extLst>
+              <a:ext uri="{FF2B5EF4-FFF2-40B4-BE49-F238E27FC236}">
+                <a16:creationId xmlns:a16="http://schemas.microsoft.com/office/drawing/2014/main" id="{E4FFCC67-AB75-8E41-B286-0371EAA02181}"/>
+              </a:ext>
+            </a:extLst>
+          </p:cNvPr>
+          <p:cNvGrpSpPr/>
+          <p:nvPr/>
+        </p:nvGrpSpPr>
+        <p:grpSpPr>
+          <a:xfrm>
+            <a:off x="8537319" y="630711"/>
+            <a:ext cx="3606800" cy="2179662"/>
+            <a:chOff x="8537319" y="630711"/>
+            <a:chExt cx="3606800" cy="2179662"/>
+          </a:xfrm>
+        </p:grpSpPr>
+        <p:sp>
+          <p:nvSpPr>
+            <p:cNvPr id="87" name="Rounded Rectangle 86">
+              <a:extLst>
+                <a:ext uri="{FF2B5EF4-FFF2-40B4-BE49-F238E27FC236}">
+                  <a16:creationId xmlns:a16="http://schemas.microsoft.com/office/drawing/2014/main" id="{4B889F75-93FC-DE4E-93E0-B95E33E108DD}"/>
+                </a:ext>
+              </a:extLst>
+            </p:cNvPr>
+            <p:cNvSpPr/>
+            <p:nvPr/>
+          </p:nvSpPr>
+          <p:spPr>
+            <a:xfrm>
+              <a:off x="9540619" y="630711"/>
+              <a:ext cx="1371600" cy="457200"/>
+            </a:xfrm>
+            <a:prstGeom prst="roundRect">
+              <a:avLst/>
+            </a:prstGeom>
+            <a:solidFill>
+              <a:schemeClr val="accent6">
+                <a:lumMod val="75000"/>
+              </a:schemeClr>
+            </a:solidFill>
+            <a:ln>
+              <a:noFill/>
+            </a:ln>
+          </p:spPr>
+          <p:style>
+            <a:lnRef idx="2">
+              <a:schemeClr val="accent6">
+                <a:shade val="50000"/>
+              </a:schemeClr>
+            </a:lnRef>
+            <a:fillRef idx="1">
+              <a:schemeClr val="accent6"/>
+            </a:fillRef>
+            <a:effectRef idx="0">
+              <a:schemeClr val="accent6"/>
+            </a:effectRef>
+            <a:fontRef idx="minor">
+              <a:schemeClr val="lt1"/>
+            </a:fontRef>
+          </p:style>
+          <p:txBody>
+            <a:bodyPr rtlCol="0" anchor="ctr"/>
+            <a:lstStyle/>
+            <a:p>
+              <a:pPr algn="ctr"/>
+              <a:r>
+                <a:rPr lang="en-US" sz="1400" dirty="0"/>
+                <a:t>master</a:t>
+              </a:r>
+            </a:p>
+          </p:txBody>
+        </p:sp>
+        <p:sp>
+          <p:nvSpPr>
+            <p:cNvPr id="89" name="Rounded Rectangle 88">
+              <a:extLst>
+                <a:ext uri="{FF2B5EF4-FFF2-40B4-BE49-F238E27FC236}">
+                  <a16:creationId xmlns:a16="http://schemas.microsoft.com/office/drawing/2014/main" id="{1E801691-BACC-864E-8A0F-24A7BA07813D}"/>
+                </a:ext>
+              </a:extLst>
+            </p:cNvPr>
+            <p:cNvSpPr/>
+            <p:nvPr/>
+          </p:nvSpPr>
+          <p:spPr>
+            <a:xfrm>
+              <a:off x="8537319" y="1205822"/>
+              <a:ext cx="914400" cy="457200"/>
+            </a:xfrm>
+            <a:prstGeom prst="roundRect">
+              <a:avLst/>
+            </a:prstGeom>
+            <a:solidFill>
+              <a:schemeClr val="accent4">
+                <a:lumMod val="75000"/>
+              </a:schemeClr>
+            </a:solidFill>
+            <a:ln>
+              <a:solidFill>
+                <a:schemeClr val="accent4">
+                  <a:lumMod val="75000"/>
+                </a:schemeClr>
+              </a:solidFill>
+            </a:ln>
+          </p:spPr>
+          <p:style>
+            <a:lnRef idx="2">
+              <a:schemeClr val="accent6">
+                <a:shade val="50000"/>
+              </a:schemeClr>
+            </a:lnRef>
+            <a:fillRef idx="1">
+              <a:schemeClr val="accent6"/>
+            </a:fillRef>
+            <a:effectRef idx="0">
+              <a:schemeClr val="accent6"/>
+            </a:effectRef>
+            <a:fontRef idx="minor">
+              <a:schemeClr val="lt1"/>
+            </a:fontRef>
+          </p:style>
+          <p:txBody>
+            <a:bodyPr rtlCol="0" anchor="ctr"/>
+            <a:lstStyle/>
+            <a:p>
+              <a:pPr algn="ctr"/>
+              <a:r>
+                <a:rPr lang="en-US" sz="1400" dirty="0"/>
+                <a:t>C1</a:t>
+              </a:r>
+            </a:p>
+          </p:txBody>
+        </p:sp>
+        <p:sp>
+          <p:nvSpPr>
+            <p:cNvPr id="90" name="Rounded Rectangle 89">
+              <a:extLst>
+                <a:ext uri="{FF2B5EF4-FFF2-40B4-BE49-F238E27FC236}">
+                  <a16:creationId xmlns:a16="http://schemas.microsoft.com/office/drawing/2014/main" id="{11A595FA-8932-F245-975A-B2E91E43ECFB}"/>
+                </a:ext>
+              </a:extLst>
+            </p:cNvPr>
+            <p:cNvSpPr/>
+            <p:nvPr/>
+          </p:nvSpPr>
+          <p:spPr>
+            <a:xfrm>
+              <a:off x="9769219" y="1205822"/>
+              <a:ext cx="914400" cy="457200"/>
+            </a:xfrm>
+            <a:prstGeom prst="roundRect">
+              <a:avLst/>
+            </a:prstGeom>
+            <a:solidFill>
+              <a:schemeClr val="accent4">
+                <a:lumMod val="75000"/>
+              </a:schemeClr>
+            </a:solidFill>
+            <a:ln>
+              <a:solidFill>
+                <a:schemeClr val="accent4">
+                  <a:lumMod val="75000"/>
+                </a:schemeClr>
+              </a:solidFill>
+            </a:ln>
+          </p:spPr>
+          <p:style>
+            <a:lnRef idx="2">
+              <a:schemeClr val="accent6">
+                <a:shade val="50000"/>
+              </a:schemeClr>
+            </a:lnRef>
+            <a:fillRef idx="1">
+              <a:schemeClr val="accent6"/>
+            </a:fillRef>
+            <a:effectRef idx="0">
+              <a:schemeClr val="accent6"/>
+            </a:effectRef>
+            <a:fontRef idx="minor">
+              <a:schemeClr val="lt1"/>
+            </a:fontRef>
+          </p:style>
+          <p:txBody>
+            <a:bodyPr rtlCol="0" anchor="ctr"/>
+            <a:lstStyle/>
+            <a:p>
+              <a:pPr algn="ctr"/>
+              <a:r>
+                <a:rPr lang="en-US" sz="1400" dirty="0"/>
+                <a:t>C2</a:t>
+              </a:r>
+            </a:p>
+          </p:txBody>
+        </p:sp>
+        <p:cxnSp>
+          <p:nvCxnSpPr>
+            <p:cNvPr id="92" name="Straight Arrow Connector 91">
+              <a:extLst>
+                <a:ext uri="{FF2B5EF4-FFF2-40B4-BE49-F238E27FC236}">
+                  <a16:creationId xmlns:a16="http://schemas.microsoft.com/office/drawing/2014/main" id="{43D866C4-7558-CF46-92D5-00470898B9F4}"/>
+                </a:ext>
+              </a:extLst>
+            </p:cNvPr>
+            <p:cNvCxnSpPr>
+              <a:cxnSpLocks/>
+              <a:stCxn id="90" idx="1"/>
+              <a:endCxn id="89" idx="3"/>
+            </p:cNvCxnSpPr>
+            <p:nvPr/>
+          </p:nvCxnSpPr>
+          <p:spPr>
+            <a:xfrm flipH="1">
+              <a:off x="9451719" y="1434422"/>
+              <a:ext cx="317500" cy="0"/>
+            </a:xfrm>
+            <a:prstGeom prst="straightConnector1">
+              <a:avLst/>
+            </a:prstGeom>
+            <a:ln>
+              <a:solidFill>
+                <a:schemeClr val="accent4">
+                  <a:lumMod val="75000"/>
+                </a:schemeClr>
+              </a:solidFill>
+              <a:tailEnd type="triangle"/>
+            </a:ln>
+          </p:spPr>
+          <p:style>
+            <a:lnRef idx="1">
+              <a:schemeClr val="accent1"/>
+            </a:lnRef>
+            <a:fillRef idx="0">
+              <a:schemeClr val="accent1"/>
+            </a:fillRef>
+            <a:effectRef idx="0">
+              <a:schemeClr val="accent1"/>
+            </a:effectRef>
+            <a:fontRef idx="minor">
+              <a:schemeClr val="tx1"/>
+            </a:fontRef>
+          </p:style>
+        </p:cxnSp>
+        <p:cxnSp>
+          <p:nvCxnSpPr>
+            <p:cNvPr id="93" name="Straight Arrow Connector 92">
+              <a:extLst>
+                <a:ext uri="{FF2B5EF4-FFF2-40B4-BE49-F238E27FC236}">
+                  <a16:creationId xmlns:a16="http://schemas.microsoft.com/office/drawing/2014/main" id="{6F59AAAE-99CC-2B46-97E4-71E6140C2A72}"/>
+                </a:ext>
+              </a:extLst>
+            </p:cNvPr>
+            <p:cNvCxnSpPr>
+              <a:cxnSpLocks/>
+              <a:stCxn id="87" idx="2"/>
+              <a:endCxn id="90" idx="0"/>
+            </p:cNvCxnSpPr>
+            <p:nvPr/>
+          </p:nvCxnSpPr>
+          <p:spPr>
+            <a:xfrm>
+              <a:off x="10226419" y="1087911"/>
+              <a:ext cx="0" cy="117911"/>
+            </a:xfrm>
+            <a:prstGeom prst="straightConnector1">
+              <a:avLst/>
+            </a:prstGeom>
+            <a:ln>
+              <a:solidFill>
+                <a:schemeClr val="accent6">
+                  <a:lumMod val="75000"/>
+                </a:schemeClr>
+              </a:solidFill>
+              <a:tailEnd type="triangle"/>
+            </a:ln>
+          </p:spPr>
+          <p:style>
+            <a:lnRef idx="1">
+              <a:schemeClr val="accent1"/>
+            </a:lnRef>
+            <a:fillRef idx="0">
+              <a:schemeClr val="accent1"/>
+            </a:fillRef>
+            <a:effectRef idx="0">
+              <a:schemeClr val="accent1"/>
+            </a:effectRef>
+            <a:fontRef idx="minor">
+              <a:schemeClr val="tx1"/>
+            </a:fontRef>
+          </p:style>
+        </p:cxnSp>
+        <p:sp>
+          <p:nvSpPr>
+            <p:cNvPr id="94" name="Rounded Rectangle 93">
+              <a:extLst>
+                <a:ext uri="{FF2B5EF4-FFF2-40B4-BE49-F238E27FC236}">
+                  <a16:creationId xmlns:a16="http://schemas.microsoft.com/office/drawing/2014/main" id="{FA486EC9-506C-094E-BB47-CE4949EF7B8A}"/>
+                </a:ext>
+              </a:extLst>
+            </p:cNvPr>
+            <p:cNvSpPr/>
+            <p:nvPr/>
+          </p:nvSpPr>
+          <p:spPr>
+            <a:xfrm>
+              <a:off x="10772519" y="2353173"/>
+              <a:ext cx="1371600" cy="457200"/>
+            </a:xfrm>
+            <a:prstGeom prst="roundRect">
+              <a:avLst/>
+            </a:prstGeom>
+            <a:solidFill>
+              <a:schemeClr val="accent6">
+                <a:lumMod val="75000"/>
+              </a:schemeClr>
+            </a:solidFill>
+            <a:ln>
+              <a:noFill/>
+            </a:ln>
+          </p:spPr>
+          <p:style>
+            <a:lnRef idx="2">
+              <a:schemeClr val="accent6">
+                <a:shade val="50000"/>
+              </a:schemeClr>
+            </a:lnRef>
+            <a:fillRef idx="1">
+              <a:schemeClr val="accent6"/>
+            </a:fillRef>
+            <a:effectRef idx="0">
+              <a:schemeClr val="accent6"/>
+            </a:effectRef>
+            <a:fontRef idx="minor">
+              <a:schemeClr val="lt1"/>
+            </a:fontRef>
+          </p:style>
+          <p:txBody>
+            <a:bodyPr rtlCol="0" anchor="ctr"/>
+            <a:lstStyle/>
+            <a:p>
+              <a:pPr algn="ctr"/>
+              <a:r>
+                <a:rPr lang="en-US" sz="1400" dirty="0"/>
+                <a:t>HEAD</a:t>
+              </a:r>
+            </a:p>
+          </p:txBody>
+        </p:sp>
+        <p:cxnSp>
+          <p:nvCxnSpPr>
+            <p:cNvPr id="95" name="Straight Arrow Connector 94">
+              <a:extLst>
+                <a:ext uri="{FF2B5EF4-FFF2-40B4-BE49-F238E27FC236}">
+                  <a16:creationId xmlns:a16="http://schemas.microsoft.com/office/drawing/2014/main" id="{88C25371-078C-0946-AADA-D7048B556DFC}"/>
+                </a:ext>
+              </a:extLst>
+            </p:cNvPr>
+            <p:cNvCxnSpPr>
+              <a:cxnSpLocks/>
+              <a:stCxn id="94" idx="0"/>
+              <a:endCxn id="96" idx="2"/>
+            </p:cNvCxnSpPr>
+            <p:nvPr/>
+          </p:nvCxnSpPr>
+          <p:spPr>
+            <a:xfrm flipV="1">
+              <a:off x="11458319" y="2236698"/>
+              <a:ext cx="0" cy="116475"/>
+            </a:xfrm>
+            <a:prstGeom prst="straightConnector1">
+              <a:avLst/>
+            </a:prstGeom>
+            <a:ln>
+              <a:solidFill>
+                <a:schemeClr val="accent6">
+                  <a:lumMod val="75000"/>
+                </a:schemeClr>
+              </a:solidFill>
+              <a:tailEnd type="triangle"/>
+            </a:ln>
+          </p:spPr>
+          <p:style>
+            <a:lnRef idx="1">
+              <a:schemeClr val="accent1"/>
+            </a:lnRef>
+            <a:fillRef idx="0">
+              <a:schemeClr val="accent1"/>
+            </a:fillRef>
+            <a:effectRef idx="0">
+              <a:schemeClr val="accent1"/>
+            </a:effectRef>
+            <a:fontRef idx="minor">
+              <a:schemeClr val="tx1"/>
+            </a:fontRef>
+          </p:style>
+        </p:cxnSp>
+        <p:sp>
+          <p:nvSpPr>
+            <p:cNvPr id="96" name="Rounded Rectangle 95">
+              <a:extLst>
+                <a:ext uri="{FF2B5EF4-FFF2-40B4-BE49-F238E27FC236}">
+                  <a16:creationId xmlns:a16="http://schemas.microsoft.com/office/drawing/2014/main" id="{0EE05B22-15A0-0C45-95FA-5C9FA1C23B3D}"/>
+                </a:ext>
+              </a:extLst>
+            </p:cNvPr>
+            <p:cNvSpPr/>
+            <p:nvPr/>
+          </p:nvSpPr>
+          <p:spPr>
+            <a:xfrm>
+              <a:off x="10772519" y="1779498"/>
+              <a:ext cx="1371600" cy="457200"/>
+            </a:xfrm>
+            <a:prstGeom prst="roundRect">
+              <a:avLst/>
+            </a:prstGeom>
+            <a:solidFill>
+              <a:schemeClr val="accent6">
+                <a:lumMod val="75000"/>
+              </a:schemeClr>
+            </a:solidFill>
+            <a:ln>
+              <a:noFill/>
+            </a:ln>
+          </p:spPr>
+          <p:style>
+            <a:lnRef idx="2">
+              <a:schemeClr val="accent6">
+                <a:shade val="50000"/>
+              </a:schemeClr>
+            </a:lnRef>
+            <a:fillRef idx="1">
+              <a:schemeClr val="accent6"/>
+            </a:fillRef>
+            <a:effectRef idx="0">
+              <a:schemeClr val="accent6"/>
+            </a:effectRef>
+            <a:fontRef idx="minor">
+              <a:schemeClr val="lt1"/>
+            </a:fontRef>
+          </p:style>
+          <p:txBody>
+            <a:bodyPr rtlCol="0" anchor="ctr"/>
+            <a:lstStyle/>
+            <a:p>
+              <a:pPr algn="ctr"/>
+              <a:r>
+                <a:rPr lang="en-US" sz="1400" dirty="0"/>
+                <a:t>branch1</a:t>
+              </a:r>
+            </a:p>
+          </p:txBody>
+        </p:sp>
+        <p:cxnSp>
+          <p:nvCxnSpPr>
+            <p:cNvPr id="97" name="Straight Arrow Connector 96">
+              <a:extLst>
+                <a:ext uri="{FF2B5EF4-FFF2-40B4-BE49-F238E27FC236}">
+                  <a16:creationId xmlns:a16="http://schemas.microsoft.com/office/drawing/2014/main" id="{EF7726BE-7A53-B644-8224-93902A5AC98D}"/>
+                </a:ext>
+              </a:extLst>
+            </p:cNvPr>
+            <p:cNvCxnSpPr>
+              <a:cxnSpLocks/>
+              <a:stCxn id="96" idx="0"/>
+              <a:endCxn id="99" idx="2"/>
+            </p:cNvCxnSpPr>
+            <p:nvPr/>
+          </p:nvCxnSpPr>
+          <p:spPr>
+            <a:xfrm flipV="1">
+              <a:off x="11458319" y="1663022"/>
+              <a:ext cx="0" cy="116476"/>
+            </a:xfrm>
+            <a:prstGeom prst="straightConnector1">
+              <a:avLst/>
+            </a:prstGeom>
+            <a:ln>
+              <a:solidFill>
+                <a:schemeClr val="accent6">
+                  <a:lumMod val="75000"/>
+                </a:schemeClr>
+              </a:solidFill>
+              <a:tailEnd type="triangle"/>
+            </a:ln>
+          </p:spPr>
+          <p:style>
+            <a:lnRef idx="1">
+              <a:schemeClr val="accent1"/>
+            </a:lnRef>
+            <a:fillRef idx="0">
+              <a:schemeClr val="accent1"/>
+            </a:fillRef>
+            <a:effectRef idx="0">
+              <a:schemeClr val="accent1"/>
+            </a:effectRef>
+            <a:fontRef idx="minor">
+              <a:schemeClr val="tx1"/>
+            </a:fontRef>
+          </p:style>
+        </p:cxnSp>
+        <p:sp>
+          <p:nvSpPr>
+            <p:cNvPr id="99" name="Rounded Rectangle 98">
+              <a:extLst>
+                <a:ext uri="{FF2B5EF4-FFF2-40B4-BE49-F238E27FC236}">
+                  <a16:creationId xmlns:a16="http://schemas.microsoft.com/office/drawing/2014/main" id="{BA786C57-105F-FE4C-A57B-3068B242AE5A}"/>
+                </a:ext>
+              </a:extLst>
+            </p:cNvPr>
+            <p:cNvSpPr/>
+            <p:nvPr/>
+          </p:nvSpPr>
+          <p:spPr>
+            <a:xfrm>
+              <a:off x="11001119" y="1205822"/>
+              <a:ext cx="914400" cy="457200"/>
+            </a:xfrm>
+            <a:prstGeom prst="roundRect">
+              <a:avLst/>
+            </a:prstGeom>
+            <a:solidFill>
+              <a:schemeClr val="accent4">
+                <a:lumMod val="75000"/>
+              </a:schemeClr>
+            </a:solidFill>
+            <a:ln>
+              <a:solidFill>
+                <a:schemeClr val="accent4">
+                  <a:lumMod val="75000"/>
+                </a:schemeClr>
+              </a:solidFill>
+            </a:ln>
+          </p:spPr>
+          <p:style>
+            <a:lnRef idx="2">
+              <a:schemeClr val="accent6">
+                <a:shade val="50000"/>
+              </a:schemeClr>
+            </a:lnRef>
+            <a:fillRef idx="1">
+              <a:schemeClr val="accent6"/>
+            </a:fillRef>
+            <a:effectRef idx="0">
+              <a:schemeClr val="accent6"/>
+            </a:effectRef>
+            <a:fontRef idx="minor">
+              <a:schemeClr val="lt1"/>
+            </a:fontRef>
+          </p:style>
+          <p:txBody>
+            <a:bodyPr rtlCol="0" anchor="ctr"/>
+            <a:lstStyle/>
+            <a:p>
+              <a:pPr algn="ctr"/>
+              <a:r>
+                <a:rPr lang="en-US" sz="1400" dirty="0"/>
+                <a:t>C3</a:t>
+              </a:r>
+            </a:p>
+          </p:txBody>
+        </p:sp>
+        <p:cxnSp>
+          <p:nvCxnSpPr>
+            <p:cNvPr id="100" name="Straight Arrow Connector 99">
+              <a:extLst>
+                <a:ext uri="{FF2B5EF4-FFF2-40B4-BE49-F238E27FC236}">
+                  <a16:creationId xmlns:a16="http://schemas.microsoft.com/office/drawing/2014/main" id="{B76030C2-AD29-C049-AA58-C8C479DCB5E2}"/>
+                </a:ext>
+              </a:extLst>
+            </p:cNvPr>
+            <p:cNvCxnSpPr>
+              <a:cxnSpLocks/>
+              <a:stCxn id="99" idx="1"/>
+              <a:endCxn id="90" idx="3"/>
+            </p:cNvCxnSpPr>
+            <p:nvPr/>
+          </p:nvCxnSpPr>
+          <p:spPr>
+            <a:xfrm flipH="1">
+              <a:off x="10683619" y="1434422"/>
+              <a:ext cx="317500" cy="0"/>
+            </a:xfrm>
+            <a:prstGeom prst="straightConnector1">
+              <a:avLst/>
+            </a:prstGeom>
+            <a:ln>
+              <a:solidFill>
+                <a:schemeClr val="accent4">
+                  <a:lumMod val="75000"/>
+                </a:schemeClr>
+              </a:solidFill>
+              <a:tailEnd type="triangle"/>
+            </a:ln>
+          </p:spPr>
+          <p:style>
+            <a:lnRef idx="1">
+              <a:schemeClr val="accent1"/>
+            </a:lnRef>
+            <a:fillRef idx="0">
+              <a:schemeClr val="accent1"/>
+            </a:fillRef>
+            <a:effectRef idx="0">
+              <a:schemeClr val="accent1"/>
+            </a:effectRef>
+            <a:fontRef idx="minor">
+              <a:schemeClr val="tx1"/>
+            </a:fontRef>
+          </p:style>
+        </p:cxnSp>
+      </p:grpSp>
+      <p:sp>
+        <p:nvSpPr>
+          <p:cNvPr id="149" name="TextBox 148">
+            <a:extLst>
+              <a:ext uri="{FF2B5EF4-FFF2-40B4-BE49-F238E27FC236}">
+                <a16:creationId xmlns:a16="http://schemas.microsoft.com/office/drawing/2014/main" id="{FD57D2F3-6DF9-AD45-BFFC-249DD4F7FA88}"/>
+              </a:ext>
+            </a:extLst>
+          </p:cNvPr>
+          <p:cNvSpPr txBox="1"/>
+          <p:nvPr/>
+        </p:nvSpPr>
+        <p:spPr>
+          <a:xfrm>
+            <a:off x="8942912" y="2891521"/>
+            <a:ext cx="2977097" cy="307777"/>
+          </a:xfrm>
+          <a:prstGeom prst="rect">
+            <a:avLst/>
+          </a:prstGeom>
+          <a:noFill/>
+        </p:spPr>
+        <p:txBody>
+          <a:bodyPr wrap="none" rtlCol="0">
+            <a:spAutoFit/>
+          </a:bodyPr>
+          <a:lstStyle/>
+          <a:p>
+            <a:r>
+              <a:rPr lang="en-US" sz="1400" dirty="0">
+                <a:latin typeface="Courier" pitchFamily="2" charset="0"/>
+              </a:rPr>
+              <a:t>$ git commit -m “message” </a:t>
+            </a:r>
+          </a:p>
+        </p:txBody>
+      </p:sp>
+      <p:grpSp>
+        <p:nvGrpSpPr>
+          <p:cNvPr id="190" name="Group 189">
+            <a:extLst>
+              <a:ext uri="{FF2B5EF4-FFF2-40B4-BE49-F238E27FC236}">
+                <a16:creationId xmlns:a16="http://schemas.microsoft.com/office/drawing/2014/main" id="{900BF2E9-A7CC-6548-AA20-A39A92B3CF5A}"/>
+              </a:ext>
+            </a:extLst>
+          </p:cNvPr>
+          <p:cNvGrpSpPr/>
+          <p:nvPr/>
+        </p:nvGrpSpPr>
+        <p:grpSpPr>
+          <a:xfrm>
+            <a:off x="39962" y="3680170"/>
+            <a:ext cx="3606800" cy="2181098"/>
+            <a:chOff x="39962" y="3680170"/>
+            <a:chExt cx="3606800" cy="2181098"/>
+          </a:xfrm>
+        </p:grpSpPr>
+        <p:sp>
+          <p:nvSpPr>
+            <p:cNvPr id="154" name="Rounded Rectangle 153">
+              <a:extLst>
+                <a:ext uri="{FF2B5EF4-FFF2-40B4-BE49-F238E27FC236}">
+                  <a16:creationId xmlns:a16="http://schemas.microsoft.com/office/drawing/2014/main" id="{82EF1D5C-FCE9-AF45-B1DA-B35248C93724}"/>
+                </a:ext>
+              </a:extLst>
+            </p:cNvPr>
+            <p:cNvSpPr/>
+            <p:nvPr/>
+          </p:nvSpPr>
+          <p:spPr>
+            <a:xfrm>
+              <a:off x="1043262" y="4255281"/>
+              <a:ext cx="1371600" cy="457200"/>
+            </a:xfrm>
+            <a:prstGeom prst="roundRect">
+              <a:avLst/>
+            </a:prstGeom>
+            <a:solidFill>
+              <a:schemeClr val="accent6">
+                <a:lumMod val="75000"/>
+              </a:schemeClr>
+            </a:solidFill>
+            <a:ln>
+              <a:noFill/>
+            </a:ln>
+          </p:spPr>
+          <p:style>
+            <a:lnRef idx="2">
+              <a:schemeClr val="accent6">
+                <a:shade val="50000"/>
+              </a:schemeClr>
+            </a:lnRef>
+            <a:fillRef idx="1">
+              <a:schemeClr val="accent6"/>
+            </a:fillRef>
+            <a:effectRef idx="0">
+              <a:schemeClr val="accent6"/>
+            </a:effectRef>
+            <a:fontRef idx="minor">
+              <a:schemeClr val="lt1"/>
+            </a:fontRef>
+          </p:style>
+          <p:txBody>
+            <a:bodyPr rtlCol="0" anchor="ctr"/>
+            <a:lstStyle/>
+            <a:p>
+              <a:pPr algn="ctr"/>
+              <a:r>
+                <a:rPr lang="en-US" sz="1400" dirty="0"/>
+                <a:t>master</a:t>
+              </a:r>
+            </a:p>
+          </p:txBody>
+        </p:sp>
+        <p:sp>
+          <p:nvSpPr>
+            <p:cNvPr id="155" name="Rounded Rectangle 154">
+              <a:extLst>
+                <a:ext uri="{FF2B5EF4-FFF2-40B4-BE49-F238E27FC236}">
+                  <a16:creationId xmlns:a16="http://schemas.microsoft.com/office/drawing/2014/main" id="{20ACD7C2-F543-DA40-9709-347278C49887}"/>
+                </a:ext>
+              </a:extLst>
+            </p:cNvPr>
+            <p:cNvSpPr/>
+            <p:nvPr/>
+          </p:nvSpPr>
+          <p:spPr>
+            <a:xfrm>
+              <a:off x="39962" y="4830392"/>
+              <a:ext cx="914400" cy="457200"/>
+            </a:xfrm>
+            <a:prstGeom prst="roundRect">
+              <a:avLst/>
+            </a:prstGeom>
+            <a:solidFill>
+              <a:schemeClr val="accent4">
+                <a:lumMod val="75000"/>
+              </a:schemeClr>
+            </a:solidFill>
+            <a:ln>
+              <a:solidFill>
+                <a:schemeClr val="accent4">
+                  <a:lumMod val="75000"/>
+                </a:schemeClr>
+              </a:solidFill>
+            </a:ln>
+          </p:spPr>
+          <p:style>
+            <a:lnRef idx="2">
+              <a:schemeClr val="accent6">
+                <a:shade val="50000"/>
+              </a:schemeClr>
+            </a:lnRef>
+            <a:fillRef idx="1">
+              <a:schemeClr val="accent6"/>
+            </a:fillRef>
+            <a:effectRef idx="0">
+              <a:schemeClr val="accent6"/>
+            </a:effectRef>
+            <a:fontRef idx="minor">
+              <a:schemeClr val="lt1"/>
+            </a:fontRef>
+          </p:style>
+          <p:txBody>
+            <a:bodyPr rtlCol="0" anchor="ctr"/>
+            <a:lstStyle/>
+            <a:p>
+              <a:pPr algn="ctr"/>
+              <a:r>
+                <a:rPr lang="en-US" sz="1400" dirty="0"/>
+                <a:t>C1</a:t>
+              </a:r>
+            </a:p>
+          </p:txBody>
+        </p:sp>
+        <p:sp>
+          <p:nvSpPr>
+            <p:cNvPr id="156" name="Rounded Rectangle 155">
+              <a:extLst>
+                <a:ext uri="{FF2B5EF4-FFF2-40B4-BE49-F238E27FC236}">
+                  <a16:creationId xmlns:a16="http://schemas.microsoft.com/office/drawing/2014/main" id="{B5D8CE09-A783-2E4F-ACE7-04A798F2CE28}"/>
+                </a:ext>
+              </a:extLst>
+            </p:cNvPr>
+            <p:cNvSpPr/>
+            <p:nvPr/>
+          </p:nvSpPr>
+          <p:spPr>
+            <a:xfrm>
+              <a:off x="1271862" y="4830392"/>
+              <a:ext cx="914400" cy="457200"/>
+            </a:xfrm>
+            <a:prstGeom prst="roundRect">
+              <a:avLst/>
+            </a:prstGeom>
+            <a:solidFill>
+              <a:schemeClr val="accent4">
+                <a:lumMod val="75000"/>
+              </a:schemeClr>
+            </a:solidFill>
+            <a:ln>
+              <a:solidFill>
+                <a:schemeClr val="accent4">
+                  <a:lumMod val="75000"/>
+                </a:schemeClr>
+              </a:solidFill>
+            </a:ln>
+          </p:spPr>
+          <p:style>
+            <a:lnRef idx="2">
+              <a:schemeClr val="accent6">
+                <a:shade val="50000"/>
+              </a:schemeClr>
+            </a:lnRef>
+            <a:fillRef idx="1">
+              <a:schemeClr val="accent6"/>
+            </a:fillRef>
+            <a:effectRef idx="0">
+              <a:schemeClr val="accent6"/>
+            </a:effectRef>
+            <a:fontRef idx="minor">
+              <a:schemeClr val="lt1"/>
+            </a:fontRef>
+          </p:style>
+          <p:txBody>
+            <a:bodyPr rtlCol="0" anchor="ctr"/>
+            <a:lstStyle/>
+            <a:p>
+              <a:pPr algn="ctr"/>
+              <a:r>
+                <a:rPr lang="en-US" sz="1400" dirty="0"/>
+                <a:t>C2</a:t>
+              </a:r>
+            </a:p>
+          </p:txBody>
+        </p:sp>
+        <p:cxnSp>
+          <p:nvCxnSpPr>
+            <p:cNvPr id="157" name="Straight Arrow Connector 156">
+              <a:extLst>
+                <a:ext uri="{FF2B5EF4-FFF2-40B4-BE49-F238E27FC236}">
+                  <a16:creationId xmlns:a16="http://schemas.microsoft.com/office/drawing/2014/main" id="{71BEDDEE-B06E-E241-ADC3-4DE11408F4C4}"/>
+                </a:ext>
+              </a:extLst>
+            </p:cNvPr>
+            <p:cNvCxnSpPr>
+              <a:cxnSpLocks/>
+              <a:stCxn id="156" idx="1"/>
+              <a:endCxn id="155" idx="3"/>
+            </p:cNvCxnSpPr>
+            <p:nvPr/>
+          </p:nvCxnSpPr>
+          <p:spPr>
+            <a:xfrm flipH="1">
+              <a:off x="954362" y="5058992"/>
+              <a:ext cx="317500" cy="0"/>
+            </a:xfrm>
+            <a:prstGeom prst="straightConnector1">
+              <a:avLst/>
+            </a:prstGeom>
+            <a:ln>
+              <a:solidFill>
+                <a:schemeClr val="accent4">
+                  <a:lumMod val="75000"/>
+                </a:schemeClr>
+              </a:solidFill>
+              <a:tailEnd type="triangle"/>
+            </a:ln>
+          </p:spPr>
+          <p:style>
+            <a:lnRef idx="1">
+              <a:schemeClr val="accent1"/>
+            </a:lnRef>
+            <a:fillRef idx="0">
+              <a:schemeClr val="accent1"/>
+            </a:fillRef>
+            <a:effectRef idx="0">
+              <a:schemeClr val="accent1"/>
+            </a:effectRef>
+            <a:fontRef idx="minor">
+              <a:schemeClr val="tx1"/>
+            </a:fontRef>
+          </p:style>
+        </p:cxnSp>
+        <p:cxnSp>
+          <p:nvCxnSpPr>
+            <p:cNvPr id="158" name="Straight Arrow Connector 157">
+              <a:extLst>
+                <a:ext uri="{FF2B5EF4-FFF2-40B4-BE49-F238E27FC236}">
+                  <a16:creationId xmlns:a16="http://schemas.microsoft.com/office/drawing/2014/main" id="{1428F600-482D-4949-A9DA-FF30132F85C7}"/>
+                </a:ext>
+              </a:extLst>
+            </p:cNvPr>
+            <p:cNvCxnSpPr>
+              <a:cxnSpLocks/>
+              <a:stCxn id="154" idx="2"/>
+              <a:endCxn id="156" idx="0"/>
+            </p:cNvCxnSpPr>
+            <p:nvPr/>
+          </p:nvCxnSpPr>
+          <p:spPr>
+            <a:xfrm>
+              <a:off x="1729062" y="4712481"/>
+              <a:ext cx="0" cy="117911"/>
+            </a:xfrm>
+            <a:prstGeom prst="straightConnector1">
+              <a:avLst/>
+            </a:prstGeom>
+            <a:ln>
+              <a:solidFill>
+                <a:schemeClr val="accent6">
+                  <a:lumMod val="75000"/>
+                </a:schemeClr>
+              </a:solidFill>
+              <a:tailEnd type="triangle"/>
+            </a:ln>
+          </p:spPr>
+          <p:style>
+            <a:lnRef idx="1">
+              <a:schemeClr val="accent1"/>
+            </a:lnRef>
+            <a:fillRef idx="0">
+              <a:schemeClr val="accent1"/>
+            </a:fillRef>
+            <a:effectRef idx="0">
+              <a:schemeClr val="accent1"/>
+            </a:effectRef>
+            <a:fontRef idx="minor">
+              <a:schemeClr val="tx1"/>
+            </a:fontRef>
+          </p:style>
+        </p:cxnSp>
+        <p:sp>
+          <p:nvSpPr>
+            <p:cNvPr id="159" name="Rounded Rectangle 158">
+              <a:extLst>
+                <a:ext uri="{FF2B5EF4-FFF2-40B4-BE49-F238E27FC236}">
+                  <a16:creationId xmlns:a16="http://schemas.microsoft.com/office/drawing/2014/main" id="{F81F8B48-ADC7-A246-8895-6CAF565305FC}"/>
+                </a:ext>
+              </a:extLst>
+            </p:cNvPr>
+            <p:cNvSpPr/>
+            <p:nvPr/>
+          </p:nvSpPr>
+          <p:spPr>
+            <a:xfrm>
+              <a:off x="1043262" y="3680170"/>
+              <a:ext cx="1371600" cy="457200"/>
+            </a:xfrm>
+            <a:prstGeom prst="roundRect">
+              <a:avLst/>
+            </a:prstGeom>
+            <a:solidFill>
+              <a:schemeClr val="accent6">
+                <a:lumMod val="75000"/>
+              </a:schemeClr>
+            </a:solidFill>
+            <a:ln>
+              <a:noFill/>
+            </a:ln>
+          </p:spPr>
+          <p:style>
+            <a:lnRef idx="2">
+              <a:schemeClr val="accent6">
+                <a:shade val="50000"/>
+              </a:schemeClr>
+            </a:lnRef>
+            <a:fillRef idx="1">
+              <a:schemeClr val="accent6"/>
+            </a:fillRef>
+            <a:effectRef idx="0">
+              <a:schemeClr val="accent6"/>
+            </a:effectRef>
+            <a:fontRef idx="minor">
+              <a:schemeClr val="lt1"/>
+            </a:fontRef>
+          </p:style>
+          <p:txBody>
+            <a:bodyPr rtlCol="0" anchor="ctr"/>
+            <a:lstStyle/>
+            <a:p>
+              <a:pPr algn="ctr"/>
+              <a:r>
+                <a:rPr lang="en-US" sz="1400" dirty="0"/>
+                <a:t>HEAD</a:t>
+              </a:r>
+            </a:p>
+          </p:txBody>
+        </p:sp>
+        <p:cxnSp>
+          <p:nvCxnSpPr>
+            <p:cNvPr id="160" name="Straight Arrow Connector 159">
+              <a:extLst>
+                <a:ext uri="{FF2B5EF4-FFF2-40B4-BE49-F238E27FC236}">
+                  <a16:creationId xmlns:a16="http://schemas.microsoft.com/office/drawing/2014/main" id="{B7030B5A-E3AA-4D4B-959D-274F194A4579}"/>
+                </a:ext>
+              </a:extLst>
+            </p:cNvPr>
+            <p:cNvCxnSpPr>
+              <a:cxnSpLocks/>
+              <a:stCxn id="159" idx="2"/>
+              <a:endCxn id="154" idx="0"/>
+            </p:cNvCxnSpPr>
+            <p:nvPr/>
+          </p:nvCxnSpPr>
+          <p:spPr>
+            <a:xfrm>
+              <a:off x="1729062" y="4137370"/>
+              <a:ext cx="0" cy="117911"/>
+            </a:xfrm>
+            <a:prstGeom prst="straightConnector1">
+              <a:avLst/>
+            </a:prstGeom>
+            <a:ln>
+              <a:solidFill>
+                <a:schemeClr val="accent6">
+                  <a:lumMod val="75000"/>
+                </a:schemeClr>
+              </a:solidFill>
+              <a:tailEnd type="triangle"/>
+            </a:ln>
+          </p:spPr>
+          <p:style>
+            <a:lnRef idx="1">
+              <a:schemeClr val="accent1"/>
+            </a:lnRef>
+            <a:fillRef idx="0">
+              <a:schemeClr val="accent1"/>
+            </a:fillRef>
+            <a:effectRef idx="0">
+              <a:schemeClr val="accent1"/>
+            </a:effectRef>
+            <a:fontRef idx="minor">
+              <a:schemeClr val="tx1"/>
+            </a:fontRef>
+          </p:style>
+        </p:cxnSp>
+        <p:sp>
+          <p:nvSpPr>
+            <p:cNvPr id="161" name="Rounded Rectangle 160">
+              <a:extLst>
+                <a:ext uri="{FF2B5EF4-FFF2-40B4-BE49-F238E27FC236}">
+                  <a16:creationId xmlns:a16="http://schemas.microsoft.com/office/drawing/2014/main" id="{73AF5619-17D9-ED4F-93F3-572683BFB8D2}"/>
+                </a:ext>
+              </a:extLst>
+            </p:cNvPr>
+            <p:cNvSpPr/>
+            <p:nvPr/>
+          </p:nvSpPr>
+          <p:spPr>
+            <a:xfrm>
+              <a:off x="2275162" y="5404068"/>
+              <a:ext cx="1371600" cy="457200"/>
+            </a:xfrm>
+            <a:prstGeom prst="roundRect">
+              <a:avLst/>
+            </a:prstGeom>
+            <a:solidFill>
+              <a:schemeClr val="accent6">
+                <a:lumMod val="75000"/>
+              </a:schemeClr>
+            </a:solidFill>
+            <a:ln>
+              <a:noFill/>
+            </a:ln>
+          </p:spPr>
+          <p:style>
+            <a:lnRef idx="2">
+              <a:schemeClr val="accent6">
+                <a:shade val="50000"/>
+              </a:schemeClr>
+            </a:lnRef>
+            <a:fillRef idx="1">
+              <a:schemeClr val="accent6"/>
+            </a:fillRef>
+            <a:effectRef idx="0">
+              <a:schemeClr val="accent6"/>
+            </a:effectRef>
+            <a:fontRef idx="minor">
+              <a:schemeClr val="lt1"/>
+            </a:fontRef>
+          </p:style>
+          <p:txBody>
+            <a:bodyPr rtlCol="0" anchor="ctr"/>
+            <a:lstStyle/>
+            <a:p>
+              <a:pPr algn="ctr"/>
+              <a:r>
+                <a:rPr lang="en-US" sz="1400" dirty="0"/>
+                <a:t>branch1</a:t>
+              </a:r>
+            </a:p>
+          </p:txBody>
+        </p:sp>
+        <p:cxnSp>
+          <p:nvCxnSpPr>
+            <p:cNvPr id="162" name="Straight Arrow Connector 161">
+              <a:extLst>
+                <a:ext uri="{FF2B5EF4-FFF2-40B4-BE49-F238E27FC236}">
+                  <a16:creationId xmlns:a16="http://schemas.microsoft.com/office/drawing/2014/main" id="{BA7C67E1-B89C-2847-9FB6-87CC6F85E05B}"/>
+                </a:ext>
+              </a:extLst>
+            </p:cNvPr>
+            <p:cNvCxnSpPr>
+              <a:cxnSpLocks/>
+              <a:stCxn id="161" idx="0"/>
+              <a:endCxn id="163" idx="2"/>
+            </p:cNvCxnSpPr>
+            <p:nvPr/>
+          </p:nvCxnSpPr>
+          <p:spPr>
+            <a:xfrm flipV="1">
+              <a:off x="2960962" y="5287592"/>
+              <a:ext cx="0" cy="116476"/>
+            </a:xfrm>
+            <a:prstGeom prst="straightConnector1">
+              <a:avLst/>
+            </a:prstGeom>
+            <a:ln>
+              <a:solidFill>
+                <a:schemeClr val="accent6">
+                  <a:lumMod val="75000"/>
+                </a:schemeClr>
+              </a:solidFill>
+              <a:tailEnd type="triangle"/>
+            </a:ln>
+          </p:spPr>
+          <p:style>
+            <a:lnRef idx="1">
+              <a:schemeClr val="accent1"/>
+            </a:lnRef>
+            <a:fillRef idx="0">
+              <a:schemeClr val="accent1"/>
+            </a:fillRef>
+            <a:effectRef idx="0">
+              <a:schemeClr val="accent1"/>
+            </a:effectRef>
+            <a:fontRef idx="minor">
+              <a:schemeClr val="tx1"/>
+            </a:fontRef>
+          </p:style>
+        </p:cxnSp>
+        <p:sp>
+          <p:nvSpPr>
+            <p:cNvPr id="163" name="Rounded Rectangle 162">
+              <a:extLst>
+                <a:ext uri="{FF2B5EF4-FFF2-40B4-BE49-F238E27FC236}">
+                  <a16:creationId xmlns:a16="http://schemas.microsoft.com/office/drawing/2014/main" id="{8F34AD3B-FFF2-0E40-B7B5-545934120654}"/>
+                </a:ext>
+              </a:extLst>
+            </p:cNvPr>
+            <p:cNvSpPr/>
+            <p:nvPr/>
+          </p:nvSpPr>
+          <p:spPr>
+            <a:xfrm>
+              <a:off x="2503762" y="4830392"/>
+              <a:ext cx="914400" cy="457200"/>
+            </a:xfrm>
+            <a:prstGeom prst="roundRect">
+              <a:avLst/>
+            </a:prstGeom>
+            <a:solidFill>
+              <a:schemeClr val="accent4">
+                <a:lumMod val="75000"/>
+              </a:schemeClr>
+            </a:solidFill>
+            <a:ln>
+              <a:solidFill>
+                <a:schemeClr val="accent4">
+                  <a:lumMod val="75000"/>
+                </a:schemeClr>
+              </a:solidFill>
+            </a:ln>
+          </p:spPr>
+          <p:style>
+            <a:lnRef idx="2">
+              <a:schemeClr val="accent6">
+                <a:shade val="50000"/>
+              </a:schemeClr>
+            </a:lnRef>
+            <a:fillRef idx="1">
+              <a:schemeClr val="accent6"/>
+            </a:fillRef>
+            <a:effectRef idx="0">
+              <a:schemeClr val="accent6"/>
+            </a:effectRef>
+            <a:fontRef idx="minor">
+              <a:schemeClr val="lt1"/>
+            </a:fontRef>
+          </p:style>
+          <p:txBody>
+            <a:bodyPr rtlCol="0" anchor="ctr"/>
+            <a:lstStyle/>
+            <a:p>
+              <a:pPr algn="ctr"/>
+              <a:r>
+                <a:rPr lang="en-US" sz="1400" dirty="0"/>
+                <a:t>C3</a:t>
+              </a:r>
+            </a:p>
+          </p:txBody>
+        </p:sp>
+        <p:cxnSp>
+          <p:nvCxnSpPr>
+            <p:cNvPr id="164" name="Straight Arrow Connector 163">
+              <a:extLst>
+                <a:ext uri="{FF2B5EF4-FFF2-40B4-BE49-F238E27FC236}">
+                  <a16:creationId xmlns:a16="http://schemas.microsoft.com/office/drawing/2014/main" id="{04E62D19-E885-D049-BDCD-77C578C7CC7F}"/>
+                </a:ext>
+              </a:extLst>
+            </p:cNvPr>
+            <p:cNvCxnSpPr>
+              <a:cxnSpLocks/>
+              <a:stCxn id="163" idx="1"/>
+              <a:endCxn id="156" idx="3"/>
+            </p:cNvCxnSpPr>
+            <p:nvPr/>
+          </p:nvCxnSpPr>
+          <p:spPr>
+            <a:xfrm flipH="1">
+              <a:off x="2186262" y="5058992"/>
+              <a:ext cx="317500" cy="0"/>
+            </a:xfrm>
+            <a:prstGeom prst="straightConnector1">
+              <a:avLst/>
+            </a:prstGeom>
+            <a:ln>
+              <a:solidFill>
+                <a:schemeClr val="accent4">
+                  <a:lumMod val="75000"/>
+                </a:schemeClr>
+              </a:solidFill>
+              <a:tailEnd type="triangle"/>
+            </a:ln>
+          </p:spPr>
+          <p:style>
+            <a:lnRef idx="1">
+              <a:schemeClr val="accent1"/>
+            </a:lnRef>
+            <a:fillRef idx="0">
+              <a:schemeClr val="accent1"/>
+            </a:fillRef>
+            <a:effectRef idx="0">
+              <a:schemeClr val="accent1"/>
+            </a:effectRef>
+            <a:fontRef idx="minor">
+              <a:schemeClr val="tx1"/>
+            </a:fontRef>
+          </p:style>
+        </p:cxnSp>
+      </p:grpSp>
+      <p:sp>
+        <p:nvSpPr>
+          <p:cNvPr id="165" name="TextBox 164">
+            <a:extLst>
+              <a:ext uri="{FF2B5EF4-FFF2-40B4-BE49-F238E27FC236}">
+                <a16:creationId xmlns:a16="http://schemas.microsoft.com/office/drawing/2014/main" id="{4AE50DC7-9392-0548-A448-6A2658400306}"/>
+              </a:ext>
+            </a:extLst>
+          </p:cNvPr>
+          <p:cNvSpPr txBox="1"/>
+          <p:nvPr/>
+        </p:nvSpPr>
+        <p:spPr>
+          <a:xfrm>
+            <a:off x="367498" y="6519446"/>
+            <a:ext cx="2547492" cy="307777"/>
+          </a:xfrm>
+          <a:prstGeom prst="rect">
+            <a:avLst/>
+          </a:prstGeom>
+          <a:noFill/>
+        </p:spPr>
+        <p:txBody>
+          <a:bodyPr wrap="none" rtlCol="0">
+            <a:spAutoFit/>
+          </a:bodyPr>
+          <a:lstStyle/>
+          <a:p>
+            <a:r>
+              <a:rPr lang="en-US" sz="1400" dirty="0">
+                <a:latin typeface="Courier" pitchFamily="2" charset="0"/>
+              </a:rPr>
+              <a:t>$ git checkout master </a:t>
+            </a:r>
+          </a:p>
+        </p:txBody>
+      </p:sp>
+      <p:sp>
+        <p:nvSpPr>
+          <p:cNvPr id="181" name="TextBox 180">
+            <a:extLst>
+              <a:ext uri="{FF2B5EF4-FFF2-40B4-BE49-F238E27FC236}">
+                <a16:creationId xmlns:a16="http://schemas.microsoft.com/office/drawing/2014/main" id="{B04A1276-AB25-F241-A25D-35D245CFC6CA}"/>
+              </a:ext>
+            </a:extLst>
+          </p:cNvPr>
+          <p:cNvSpPr txBox="1"/>
+          <p:nvPr/>
+        </p:nvSpPr>
+        <p:spPr>
+          <a:xfrm>
+            <a:off x="4773290" y="6519446"/>
+            <a:ext cx="2977097" cy="307777"/>
+          </a:xfrm>
+          <a:prstGeom prst="rect">
+            <a:avLst/>
+          </a:prstGeom>
+          <a:noFill/>
+        </p:spPr>
+        <p:txBody>
+          <a:bodyPr wrap="none" rtlCol="0">
+            <a:spAutoFit/>
+          </a:bodyPr>
+          <a:lstStyle/>
+          <a:p>
+            <a:r>
+              <a:rPr lang="en-US" sz="1400" dirty="0">
+                <a:latin typeface="Courier" pitchFamily="2" charset="0"/>
+              </a:rPr>
+              <a:t>$ git commit -m “message” </a:t>
+            </a:r>
+          </a:p>
+        </p:txBody>
+      </p:sp>
+      <p:grpSp>
+        <p:nvGrpSpPr>
+          <p:cNvPr id="191" name="Group 190">
+            <a:extLst>
+              <a:ext uri="{FF2B5EF4-FFF2-40B4-BE49-F238E27FC236}">
+                <a16:creationId xmlns:a16="http://schemas.microsoft.com/office/drawing/2014/main" id="{81956E18-A9DD-7D4F-9D41-FEFFF6FA3598}"/>
+              </a:ext>
+            </a:extLst>
+          </p:cNvPr>
+          <p:cNvGrpSpPr/>
+          <p:nvPr/>
+        </p:nvGrpSpPr>
+        <p:grpSpPr>
+          <a:xfrm>
+            <a:off x="4315128" y="3405986"/>
+            <a:ext cx="3606800" cy="2767514"/>
+            <a:chOff x="4561866" y="3405986"/>
+            <a:chExt cx="3606800" cy="2767514"/>
+          </a:xfrm>
+        </p:grpSpPr>
+        <p:sp>
+          <p:nvSpPr>
+            <p:cNvPr id="170" name="Rounded Rectangle 169">
+              <a:extLst>
+                <a:ext uri="{FF2B5EF4-FFF2-40B4-BE49-F238E27FC236}">
+                  <a16:creationId xmlns:a16="http://schemas.microsoft.com/office/drawing/2014/main" id="{6D063626-168F-A940-BE10-291F19172DF1}"/>
+                </a:ext>
+              </a:extLst>
+            </p:cNvPr>
+            <p:cNvSpPr/>
+            <p:nvPr/>
+          </p:nvSpPr>
+          <p:spPr>
+            <a:xfrm>
+              <a:off x="6797066" y="3981097"/>
+              <a:ext cx="1371600" cy="457200"/>
+            </a:xfrm>
+            <a:prstGeom prst="roundRect">
+              <a:avLst/>
+            </a:prstGeom>
+            <a:solidFill>
+              <a:schemeClr val="accent6">
+                <a:lumMod val="75000"/>
+              </a:schemeClr>
+            </a:solidFill>
+            <a:ln>
+              <a:noFill/>
+            </a:ln>
+          </p:spPr>
+          <p:style>
+            <a:lnRef idx="2">
+              <a:schemeClr val="accent6">
+                <a:shade val="50000"/>
+              </a:schemeClr>
+            </a:lnRef>
+            <a:fillRef idx="1">
+              <a:schemeClr val="accent6"/>
+            </a:fillRef>
+            <a:effectRef idx="0">
+              <a:schemeClr val="accent6"/>
+            </a:effectRef>
+            <a:fontRef idx="minor">
+              <a:schemeClr val="lt1"/>
+            </a:fontRef>
+          </p:style>
+          <p:txBody>
+            <a:bodyPr rtlCol="0" anchor="ctr"/>
+            <a:lstStyle/>
+            <a:p>
+              <a:pPr algn="ctr"/>
+              <a:r>
+                <a:rPr lang="en-US" sz="1400" dirty="0"/>
+                <a:t>master</a:t>
+              </a:r>
+            </a:p>
+          </p:txBody>
+        </p:sp>
+        <p:sp>
+          <p:nvSpPr>
+            <p:cNvPr id="171" name="Rounded Rectangle 170">
+              <a:extLst>
+                <a:ext uri="{FF2B5EF4-FFF2-40B4-BE49-F238E27FC236}">
+                  <a16:creationId xmlns:a16="http://schemas.microsoft.com/office/drawing/2014/main" id="{375E85BA-ACA4-E141-B6EC-AED9A9DBB5CC}"/>
+                </a:ext>
+              </a:extLst>
+            </p:cNvPr>
+            <p:cNvSpPr/>
+            <p:nvPr/>
+          </p:nvSpPr>
+          <p:spPr>
+            <a:xfrm>
+              <a:off x="4561866" y="4830392"/>
+              <a:ext cx="914400" cy="457200"/>
+            </a:xfrm>
+            <a:prstGeom prst="roundRect">
+              <a:avLst/>
+            </a:prstGeom>
+            <a:solidFill>
+              <a:schemeClr val="accent4">
+                <a:lumMod val="75000"/>
+              </a:schemeClr>
+            </a:solidFill>
+            <a:ln>
+              <a:solidFill>
+                <a:schemeClr val="accent4">
+                  <a:lumMod val="75000"/>
+                </a:schemeClr>
+              </a:solidFill>
+            </a:ln>
+          </p:spPr>
+          <p:style>
+            <a:lnRef idx="2">
+              <a:schemeClr val="accent6">
+                <a:shade val="50000"/>
+              </a:schemeClr>
+            </a:lnRef>
+            <a:fillRef idx="1">
+              <a:schemeClr val="accent6"/>
+            </a:fillRef>
+            <a:effectRef idx="0">
+              <a:schemeClr val="accent6"/>
+            </a:effectRef>
+            <a:fontRef idx="minor">
+              <a:schemeClr val="lt1"/>
+            </a:fontRef>
+          </p:style>
+          <p:txBody>
+            <a:bodyPr rtlCol="0" anchor="ctr"/>
+            <a:lstStyle/>
+            <a:p>
+              <a:pPr algn="ctr"/>
+              <a:r>
+                <a:rPr lang="en-US" sz="1400" dirty="0"/>
+                <a:t>C1</a:t>
+              </a:r>
+            </a:p>
+          </p:txBody>
+        </p:sp>
+        <p:sp>
+          <p:nvSpPr>
+            <p:cNvPr id="172" name="Rounded Rectangle 171">
+              <a:extLst>
+                <a:ext uri="{FF2B5EF4-FFF2-40B4-BE49-F238E27FC236}">
+                  <a16:creationId xmlns:a16="http://schemas.microsoft.com/office/drawing/2014/main" id="{9116E448-0B72-204A-B359-F1048ECEA09E}"/>
+                </a:ext>
+              </a:extLst>
+            </p:cNvPr>
+            <p:cNvSpPr/>
+            <p:nvPr/>
+          </p:nvSpPr>
+          <p:spPr>
+            <a:xfrm>
+              <a:off x="5793766" y="4830392"/>
+              <a:ext cx="914400" cy="457200"/>
+            </a:xfrm>
+            <a:prstGeom prst="roundRect">
+              <a:avLst/>
+            </a:prstGeom>
+            <a:solidFill>
+              <a:schemeClr val="accent4">
+                <a:lumMod val="75000"/>
+              </a:schemeClr>
+            </a:solidFill>
+            <a:ln>
+              <a:solidFill>
+                <a:schemeClr val="accent4">
+                  <a:lumMod val="75000"/>
+                </a:schemeClr>
+              </a:solidFill>
+            </a:ln>
+          </p:spPr>
+          <p:style>
+            <a:lnRef idx="2">
+              <a:schemeClr val="accent6">
+                <a:shade val="50000"/>
+              </a:schemeClr>
+            </a:lnRef>
+            <a:fillRef idx="1">
+              <a:schemeClr val="accent6"/>
+            </a:fillRef>
+            <a:effectRef idx="0">
+              <a:schemeClr val="accent6"/>
+            </a:effectRef>
+            <a:fontRef idx="minor">
+              <a:schemeClr val="lt1"/>
+            </a:fontRef>
+          </p:style>
+          <p:txBody>
+            <a:bodyPr rtlCol="0" anchor="ctr"/>
+            <a:lstStyle/>
+            <a:p>
+              <a:pPr algn="ctr"/>
+              <a:r>
+                <a:rPr lang="en-US" sz="1400" dirty="0"/>
+                <a:t>C2</a:t>
+              </a:r>
+            </a:p>
+          </p:txBody>
+        </p:sp>
+        <p:cxnSp>
+          <p:nvCxnSpPr>
+            <p:cNvPr id="173" name="Straight Arrow Connector 172">
+              <a:extLst>
+                <a:ext uri="{FF2B5EF4-FFF2-40B4-BE49-F238E27FC236}">
+                  <a16:creationId xmlns:a16="http://schemas.microsoft.com/office/drawing/2014/main" id="{8476A91F-D40A-F941-A5D8-D163AFC931BD}"/>
+                </a:ext>
+              </a:extLst>
+            </p:cNvPr>
+            <p:cNvCxnSpPr>
+              <a:cxnSpLocks/>
+              <a:stCxn id="172" idx="1"/>
+              <a:endCxn id="171" idx="3"/>
+            </p:cNvCxnSpPr>
+            <p:nvPr/>
+          </p:nvCxnSpPr>
+          <p:spPr>
+            <a:xfrm flipH="1">
+              <a:off x="5476266" y="5058992"/>
+              <a:ext cx="317500" cy="0"/>
+            </a:xfrm>
+            <a:prstGeom prst="straightConnector1">
+              <a:avLst/>
+            </a:prstGeom>
+            <a:ln>
+              <a:solidFill>
+                <a:schemeClr val="accent4">
+                  <a:lumMod val="75000"/>
+                </a:schemeClr>
+              </a:solidFill>
+              <a:tailEnd type="triangle"/>
+            </a:ln>
+          </p:spPr>
+          <p:style>
+            <a:lnRef idx="1">
+              <a:schemeClr val="accent1"/>
+            </a:lnRef>
+            <a:fillRef idx="0">
+              <a:schemeClr val="accent1"/>
+            </a:fillRef>
+            <a:effectRef idx="0">
+              <a:schemeClr val="accent1"/>
+            </a:effectRef>
+            <a:fontRef idx="minor">
+              <a:schemeClr val="tx1"/>
+            </a:fontRef>
+          </p:style>
+        </p:cxnSp>
+        <p:cxnSp>
+          <p:nvCxnSpPr>
+            <p:cNvPr id="174" name="Straight Arrow Connector 173">
+              <a:extLst>
+                <a:ext uri="{FF2B5EF4-FFF2-40B4-BE49-F238E27FC236}">
+                  <a16:creationId xmlns:a16="http://schemas.microsoft.com/office/drawing/2014/main" id="{B5EA6DAA-36DD-244C-9148-7261CE3F2806}"/>
+                </a:ext>
+              </a:extLst>
+            </p:cNvPr>
+            <p:cNvCxnSpPr>
+              <a:cxnSpLocks/>
+              <a:stCxn id="170" idx="2"/>
+              <a:endCxn id="182" idx="0"/>
+            </p:cNvCxnSpPr>
+            <p:nvPr/>
+          </p:nvCxnSpPr>
+          <p:spPr>
+            <a:xfrm>
+              <a:off x="7482866" y="4438297"/>
+              <a:ext cx="0" cy="121679"/>
+            </a:xfrm>
+            <a:prstGeom prst="straightConnector1">
+              <a:avLst/>
+            </a:prstGeom>
+            <a:ln>
+              <a:solidFill>
+                <a:schemeClr val="accent6">
+                  <a:lumMod val="75000"/>
+                </a:schemeClr>
+              </a:solidFill>
+              <a:tailEnd type="triangle"/>
+            </a:ln>
+          </p:spPr>
+          <p:style>
+            <a:lnRef idx="1">
+              <a:schemeClr val="accent1"/>
+            </a:lnRef>
+            <a:fillRef idx="0">
+              <a:schemeClr val="accent1"/>
+            </a:fillRef>
+            <a:effectRef idx="0">
+              <a:schemeClr val="accent1"/>
+            </a:effectRef>
+            <a:fontRef idx="minor">
+              <a:schemeClr val="tx1"/>
+            </a:fontRef>
+          </p:style>
+        </p:cxnSp>
+        <p:sp>
+          <p:nvSpPr>
+            <p:cNvPr id="175" name="Rounded Rectangle 174">
+              <a:extLst>
+                <a:ext uri="{FF2B5EF4-FFF2-40B4-BE49-F238E27FC236}">
+                  <a16:creationId xmlns:a16="http://schemas.microsoft.com/office/drawing/2014/main" id="{8668B734-B231-1742-A427-B14E5432D058}"/>
+                </a:ext>
+              </a:extLst>
+            </p:cNvPr>
+            <p:cNvSpPr/>
+            <p:nvPr/>
+          </p:nvSpPr>
+          <p:spPr>
+            <a:xfrm>
+              <a:off x="6797066" y="3405986"/>
+              <a:ext cx="1371600" cy="457200"/>
+            </a:xfrm>
+            <a:prstGeom prst="roundRect">
+              <a:avLst/>
+            </a:prstGeom>
+            <a:solidFill>
+              <a:schemeClr val="accent6">
+                <a:lumMod val="75000"/>
+              </a:schemeClr>
+            </a:solidFill>
+            <a:ln>
+              <a:noFill/>
+            </a:ln>
+          </p:spPr>
+          <p:style>
+            <a:lnRef idx="2">
+              <a:schemeClr val="accent6">
+                <a:shade val="50000"/>
+              </a:schemeClr>
+            </a:lnRef>
+            <a:fillRef idx="1">
+              <a:schemeClr val="accent6"/>
+            </a:fillRef>
+            <a:effectRef idx="0">
+              <a:schemeClr val="accent6"/>
+            </a:effectRef>
+            <a:fontRef idx="minor">
+              <a:schemeClr val="lt1"/>
+            </a:fontRef>
+          </p:style>
+          <p:txBody>
+            <a:bodyPr rtlCol="0" anchor="ctr"/>
+            <a:lstStyle/>
+            <a:p>
+              <a:pPr algn="ctr"/>
+              <a:r>
+                <a:rPr lang="en-US" sz="1400" dirty="0"/>
+                <a:t>HEAD</a:t>
+              </a:r>
+            </a:p>
+          </p:txBody>
+        </p:sp>
+        <p:cxnSp>
+          <p:nvCxnSpPr>
+            <p:cNvPr id="176" name="Straight Arrow Connector 175">
+              <a:extLst>
+                <a:ext uri="{FF2B5EF4-FFF2-40B4-BE49-F238E27FC236}">
+                  <a16:creationId xmlns:a16="http://schemas.microsoft.com/office/drawing/2014/main" id="{E9D9F69B-4858-FD41-B2A5-D20219090234}"/>
+                </a:ext>
+              </a:extLst>
+            </p:cNvPr>
+            <p:cNvCxnSpPr>
+              <a:cxnSpLocks/>
+              <a:stCxn id="175" idx="2"/>
+              <a:endCxn id="170" idx="0"/>
+            </p:cNvCxnSpPr>
+            <p:nvPr/>
+          </p:nvCxnSpPr>
+          <p:spPr>
+            <a:xfrm>
+              <a:off x="7482866" y="3863186"/>
+              <a:ext cx="0" cy="117911"/>
+            </a:xfrm>
+            <a:prstGeom prst="straightConnector1">
+              <a:avLst/>
+            </a:prstGeom>
+            <a:ln>
+              <a:solidFill>
+                <a:schemeClr val="accent6">
+                  <a:lumMod val="75000"/>
+                </a:schemeClr>
+              </a:solidFill>
+              <a:tailEnd type="triangle"/>
+            </a:ln>
+          </p:spPr>
+          <p:style>
+            <a:lnRef idx="1">
+              <a:schemeClr val="accent1"/>
+            </a:lnRef>
+            <a:fillRef idx="0">
+              <a:schemeClr val="accent1"/>
+            </a:fillRef>
+            <a:effectRef idx="0">
+              <a:schemeClr val="accent1"/>
+            </a:effectRef>
+            <a:fontRef idx="minor">
+              <a:schemeClr val="tx1"/>
+            </a:fontRef>
+          </p:style>
+        </p:cxnSp>
+        <p:sp>
+          <p:nvSpPr>
+            <p:cNvPr id="177" name="Rounded Rectangle 176">
+              <a:extLst>
+                <a:ext uri="{FF2B5EF4-FFF2-40B4-BE49-F238E27FC236}">
+                  <a16:creationId xmlns:a16="http://schemas.microsoft.com/office/drawing/2014/main" id="{B1644627-6F07-594F-97FB-EA016D37A122}"/>
+                </a:ext>
+              </a:extLst>
+            </p:cNvPr>
+            <p:cNvSpPr/>
+            <p:nvPr/>
+          </p:nvSpPr>
+          <p:spPr>
+            <a:xfrm>
+              <a:off x="6797066" y="5716300"/>
+              <a:ext cx="1371600" cy="457200"/>
+            </a:xfrm>
+            <a:prstGeom prst="roundRect">
+              <a:avLst/>
+            </a:prstGeom>
+            <a:solidFill>
+              <a:schemeClr val="accent6">
+                <a:lumMod val="75000"/>
+              </a:schemeClr>
+            </a:solidFill>
+            <a:ln>
+              <a:noFill/>
+            </a:ln>
+          </p:spPr>
+          <p:style>
+            <a:lnRef idx="2">
+              <a:schemeClr val="accent6">
+                <a:shade val="50000"/>
+              </a:schemeClr>
+            </a:lnRef>
+            <a:fillRef idx="1">
+              <a:schemeClr val="accent6"/>
+            </a:fillRef>
+            <a:effectRef idx="0">
+              <a:schemeClr val="accent6"/>
+            </a:effectRef>
+            <a:fontRef idx="minor">
+              <a:schemeClr val="lt1"/>
+            </a:fontRef>
+          </p:style>
+          <p:txBody>
+            <a:bodyPr rtlCol="0" anchor="ctr"/>
+            <a:lstStyle/>
+            <a:p>
+              <a:pPr algn="ctr"/>
+              <a:r>
+                <a:rPr lang="en-US" sz="1400" dirty="0"/>
+                <a:t>branch1</a:t>
+              </a:r>
+            </a:p>
+          </p:txBody>
+        </p:sp>
+        <p:cxnSp>
+          <p:nvCxnSpPr>
+            <p:cNvPr id="178" name="Straight Arrow Connector 177">
+              <a:extLst>
+                <a:ext uri="{FF2B5EF4-FFF2-40B4-BE49-F238E27FC236}">
+                  <a16:creationId xmlns:a16="http://schemas.microsoft.com/office/drawing/2014/main" id="{150E5E83-E7A6-1F48-AE0E-2563C6A876B2}"/>
+                </a:ext>
+              </a:extLst>
+            </p:cNvPr>
+            <p:cNvCxnSpPr>
+              <a:cxnSpLocks/>
+              <a:stCxn id="177" idx="0"/>
+              <a:endCxn id="179" idx="2"/>
+            </p:cNvCxnSpPr>
+            <p:nvPr/>
+          </p:nvCxnSpPr>
+          <p:spPr>
+            <a:xfrm flipV="1">
+              <a:off x="7482866" y="5599824"/>
+              <a:ext cx="0" cy="116476"/>
+            </a:xfrm>
+            <a:prstGeom prst="straightConnector1">
+              <a:avLst/>
+            </a:prstGeom>
+            <a:ln>
+              <a:solidFill>
+                <a:schemeClr val="accent6">
+                  <a:lumMod val="75000"/>
+                </a:schemeClr>
+              </a:solidFill>
+              <a:tailEnd type="triangle"/>
+            </a:ln>
+          </p:spPr>
+          <p:style>
+            <a:lnRef idx="1">
+              <a:schemeClr val="accent1"/>
+            </a:lnRef>
+            <a:fillRef idx="0">
+              <a:schemeClr val="accent1"/>
+            </a:fillRef>
+            <a:effectRef idx="0">
+              <a:schemeClr val="accent1"/>
+            </a:effectRef>
+            <a:fontRef idx="minor">
+              <a:schemeClr val="tx1"/>
+            </a:fontRef>
+          </p:style>
+        </p:cxnSp>
+        <p:sp>
+          <p:nvSpPr>
+            <p:cNvPr id="179" name="Rounded Rectangle 178">
+              <a:extLst>
+                <a:ext uri="{FF2B5EF4-FFF2-40B4-BE49-F238E27FC236}">
+                  <a16:creationId xmlns:a16="http://schemas.microsoft.com/office/drawing/2014/main" id="{1AAA0108-69D4-624C-BECE-07DD75215C75}"/>
+                </a:ext>
+              </a:extLst>
+            </p:cNvPr>
+            <p:cNvSpPr/>
+            <p:nvPr/>
+          </p:nvSpPr>
+          <p:spPr>
+            <a:xfrm>
+              <a:off x="7025666" y="5142624"/>
+              <a:ext cx="914400" cy="457200"/>
+            </a:xfrm>
+            <a:prstGeom prst="roundRect">
+              <a:avLst/>
+            </a:prstGeom>
+            <a:solidFill>
+              <a:schemeClr val="accent4">
+                <a:lumMod val="75000"/>
+              </a:schemeClr>
+            </a:solidFill>
+            <a:ln>
+              <a:solidFill>
+                <a:schemeClr val="accent4">
+                  <a:lumMod val="75000"/>
+                </a:schemeClr>
+              </a:solidFill>
+            </a:ln>
+          </p:spPr>
+          <p:style>
+            <a:lnRef idx="2">
+              <a:schemeClr val="accent6">
+                <a:shade val="50000"/>
+              </a:schemeClr>
+            </a:lnRef>
+            <a:fillRef idx="1">
+              <a:schemeClr val="accent6"/>
+            </a:fillRef>
+            <a:effectRef idx="0">
+              <a:schemeClr val="accent6"/>
+            </a:effectRef>
+            <a:fontRef idx="minor">
+              <a:schemeClr val="lt1"/>
+            </a:fontRef>
+          </p:style>
+          <p:txBody>
+            <a:bodyPr rtlCol="0" anchor="ctr"/>
+            <a:lstStyle/>
+            <a:p>
+              <a:pPr algn="ctr"/>
+              <a:r>
+                <a:rPr lang="en-US" sz="1400" dirty="0"/>
+                <a:t>C3</a:t>
+              </a:r>
+            </a:p>
+          </p:txBody>
+        </p:sp>
+        <p:cxnSp>
+          <p:nvCxnSpPr>
+            <p:cNvPr id="180" name="Straight Arrow Connector 179">
+              <a:extLst>
+                <a:ext uri="{FF2B5EF4-FFF2-40B4-BE49-F238E27FC236}">
+                  <a16:creationId xmlns:a16="http://schemas.microsoft.com/office/drawing/2014/main" id="{F9CD69EC-BB8E-1D47-9EE9-3711B76A353A}"/>
+                </a:ext>
+              </a:extLst>
+            </p:cNvPr>
+            <p:cNvCxnSpPr>
+              <a:cxnSpLocks/>
+              <a:stCxn id="179" idx="1"/>
+              <a:endCxn id="172" idx="3"/>
+            </p:cNvCxnSpPr>
+            <p:nvPr/>
+          </p:nvCxnSpPr>
+          <p:spPr>
+            <a:xfrm flipH="1" flipV="1">
+              <a:off x="6708166" y="5058992"/>
+              <a:ext cx="317500" cy="312232"/>
+            </a:xfrm>
+            <a:prstGeom prst="straightConnector1">
+              <a:avLst/>
+            </a:prstGeom>
+            <a:ln>
+              <a:solidFill>
+                <a:schemeClr val="accent4">
+                  <a:lumMod val="75000"/>
+                </a:schemeClr>
+              </a:solidFill>
+              <a:tailEnd type="triangle"/>
+            </a:ln>
+          </p:spPr>
+          <p:style>
+            <a:lnRef idx="1">
+              <a:schemeClr val="accent1"/>
+            </a:lnRef>
+            <a:fillRef idx="0">
+              <a:schemeClr val="accent1"/>
+            </a:fillRef>
+            <a:effectRef idx="0">
+              <a:schemeClr val="accent1"/>
+            </a:effectRef>
+            <a:fontRef idx="minor">
+              <a:schemeClr val="tx1"/>
+            </a:fontRef>
+          </p:style>
+        </p:cxnSp>
+        <p:sp>
+          <p:nvSpPr>
+            <p:cNvPr id="182" name="Rounded Rectangle 181">
+              <a:extLst>
+                <a:ext uri="{FF2B5EF4-FFF2-40B4-BE49-F238E27FC236}">
+                  <a16:creationId xmlns:a16="http://schemas.microsoft.com/office/drawing/2014/main" id="{419382A3-E156-964A-8317-BACF6BB7C337}"/>
+                </a:ext>
+              </a:extLst>
+            </p:cNvPr>
+            <p:cNvSpPr/>
+            <p:nvPr/>
+          </p:nvSpPr>
+          <p:spPr>
+            <a:xfrm>
+              <a:off x="7025666" y="4559976"/>
+              <a:ext cx="914400" cy="457200"/>
+            </a:xfrm>
+            <a:prstGeom prst="roundRect">
+              <a:avLst/>
+            </a:prstGeom>
+            <a:solidFill>
+              <a:schemeClr val="accent4">
+                <a:lumMod val="75000"/>
+              </a:schemeClr>
+            </a:solidFill>
+            <a:ln>
+              <a:solidFill>
+                <a:schemeClr val="accent4">
+                  <a:lumMod val="75000"/>
+                </a:schemeClr>
+              </a:solidFill>
+            </a:ln>
+          </p:spPr>
+          <p:style>
+            <a:lnRef idx="2">
+              <a:schemeClr val="accent6">
+                <a:shade val="50000"/>
+              </a:schemeClr>
+            </a:lnRef>
+            <a:fillRef idx="1">
+              <a:schemeClr val="accent6"/>
+            </a:fillRef>
+            <a:effectRef idx="0">
+              <a:schemeClr val="accent6"/>
+            </a:effectRef>
+            <a:fontRef idx="minor">
+              <a:schemeClr val="lt1"/>
+            </a:fontRef>
+          </p:style>
+          <p:txBody>
+            <a:bodyPr rtlCol="0" anchor="ctr"/>
+            <a:lstStyle/>
+            <a:p>
+              <a:pPr algn="ctr"/>
+              <a:r>
+                <a:rPr lang="en-US" sz="1400" dirty="0"/>
+                <a:t>C4</a:t>
+              </a:r>
+            </a:p>
+          </p:txBody>
+        </p:sp>
+        <p:cxnSp>
+          <p:nvCxnSpPr>
+            <p:cNvPr id="183" name="Straight Arrow Connector 182">
+              <a:extLst>
+                <a:ext uri="{FF2B5EF4-FFF2-40B4-BE49-F238E27FC236}">
+                  <a16:creationId xmlns:a16="http://schemas.microsoft.com/office/drawing/2014/main" id="{F07BC876-6D19-AC4A-9A8C-512BF8A2445E}"/>
+                </a:ext>
+              </a:extLst>
+            </p:cNvPr>
+            <p:cNvCxnSpPr>
+              <a:cxnSpLocks/>
+              <a:stCxn id="182" idx="1"/>
+              <a:endCxn id="172" idx="3"/>
+            </p:cNvCxnSpPr>
+            <p:nvPr/>
+          </p:nvCxnSpPr>
+          <p:spPr>
+            <a:xfrm flipH="1">
+              <a:off x="6708166" y="4788576"/>
+              <a:ext cx="317500" cy="270416"/>
+            </a:xfrm>
+            <a:prstGeom prst="straightConnector1">
+              <a:avLst/>
+            </a:prstGeom>
+            <a:ln>
+              <a:solidFill>
+                <a:schemeClr val="accent4">
+                  <a:lumMod val="75000"/>
+                </a:schemeClr>
+              </a:solidFill>
+              <a:tailEnd type="triangle"/>
+            </a:ln>
+          </p:spPr>
+          <p:style>
+            <a:lnRef idx="1">
+              <a:schemeClr val="accent1"/>
+            </a:lnRef>
+            <a:fillRef idx="0">
+              <a:schemeClr val="accent1"/>
+            </a:fillRef>
+            <a:effectRef idx="0">
+              <a:schemeClr val="accent1"/>
+            </a:effectRef>
+            <a:fontRef idx="minor">
+              <a:schemeClr val="tx1"/>
+            </a:fontRef>
+          </p:style>
+        </p:cxnSp>
+      </p:grpSp>
+      <p:sp>
+        <p:nvSpPr>
+          <p:cNvPr id="188" name="TextBox 187">
+            <a:extLst>
+              <a:ext uri="{FF2B5EF4-FFF2-40B4-BE49-F238E27FC236}">
+                <a16:creationId xmlns:a16="http://schemas.microsoft.com/office/drawing/2014/main" id="{9F312AC2-DF27-B54F-8F55-B8F951676903}"/>
+              </a:ext>
+            </a:extLst>
+          </p:cNvPr>
+          <p:cNvSpPr txBox="1"/>
+          <p:nvPr/>
+        </p:nvSpPr>
+        <p:spPr>
+          <a:xfrm>
+            <a:off x="-62107" y="2891521"/>
+            <a:ext cx="2977097" cy="307777"/>
+          </a:xfrm>
+          <a:prstGeom prst="rect">
+            <a:avLst/>
+          </a:prstGeom>
+          <a:noFill/>
+        </p:spPr>
+        <p:txBody>
+          <a:bodyPr wrap="none" rtlCol="0">
+            <a:spAutoFit/>
+          </a:bodyPr>
+          <a:lstStyle/>
+          <a:p>
+            <a:r>
+              <a:rPr lang="en-US" sz="1400" dirty="0">
+                <a:latin typeface="Courier" pitchFamily="2" charset="0"/>
+              </a:rPr>
+              <a:t>$ git commit -m “message” </a:t>
+            </a:r>
+          </a:p>
+        </p:txBody>
+      </p:sp>
+      <p:sp>
+        <p:nvSpPr>
+          <p:cNvPr id="192" name="Right Arrow 191">
+            <a:extLst>
+              <a:ext uri="{FF2B5EF4-FFF2-40B4-BE49-F238E27FC236}">
+                <a16:creationId xmlns:a16="http://schemas.microsoft.com/office/drawing/2014/main" id="{68803C82-D016-F74E-80F5-2BDF798D11EE}"/>
+              </a:ext>
+            </a:extLst>
+          </p:cNvPr>
+          <p:cNvSpPr/>
+          <p:nvPr/>
+        </p:nvSpPr>
+        <p:spPr>
+          <a:xfrm>
+            <a:off x="2554914" y="1320122"/>
+            <a:ext cx="158750" cy="228600"/>
+          </a:xfrm>
+          <a:prstGeom prst="rightArrow">
+            <a:avLst/>
+          </a:prstGeom>
+          <a:noFill/>
+          <a:ln>
+            <a:solidFill>
+              <a:srgbClr val="FF0000"/>
+            </a:solidFill>
+          </a:ln>
+        </p:spPr>
+        <p:style>
+          <a:lnRef idx="2">
+            <a:schemeClr val="accent1">
+              <a:shade val="50000"/>
+            </a:schemeClr>
+          </a:lnRef>
+          <a:fillRef idx="1">
+            <a:schemeClr val="accent1"/>
+          </a:fillRef>
+          <a:effectRef idx="0">
+            <a:schemeClr val="accent1"/>
+          </a:effectRef>
+          <a:fontRef idx="minor">
+            <a:schemeClr val="lt1"/>
+          </a:fontRef>
+        </p:style>
+        <p:txBody>
+          <a:bodyPr rtlCol="0" anchor="ctr"/>
+          <a:lstStyle/>
+          <a:p>
+            <a:pPr algn="ctr"/>
+            <a:endParaRPr lang="en-US"/>
+          </a:p>
+        </p:txBody>
+      </p:sp>
+      <p:sp>
+        <p:nvSpPr>
+          <p:cNvPr id="193" name="Right Arrow 192">
+            <a:extLst>
+              <a:ext uri="{FF2B5EF4-FFF2-40B4-BE49-F238E27FC236}">
+                <a16:creationId xmlns:a16="http://schemas.microsoft.com/office/drawing/2014/main" id="{A376E6F3-6C35-204B-A33C-29DDB29C9F59}"/>
+              </a:ext>
+            </a:extLst>
+          </p:cNvPr>
+          <p:cNvSpPr/>
+          <p:nvPr/>
+        </p:nvSpPr>
+        <p:spPr>
+          <a:xfrm>
+            <a:off x="5422115" y="1324094"/>
+            <a:ext cx="158750" cy="228600"/>
+          </a:xfrm>
+          <a:prstGeom prst="rightArrow">
+            <a:avLst/>
+          </a:prstGeom>
+          <a:noFill/>
+          <a:ln>
+            <a:solidFill>
+              <a:srgbClr val="FF0000"/>
+            </a:solidFill>
+          </a:ln>
+        </p:spPr>
+        <p:style>
+          <a:lnRef idx="2">
+            <a:schemeClr val="accent1">
+              <a:shade val="50000"/>
+            </a:schemeClr>
+          </a:lnRef>
+          <a:fillRef idx="1">
+            <a:schemeClr val="accent1"/>
+          </a:fillRef>
+          <a:effectRef idx="0">
+            <a:schemeClr val="accent1"/>
+          </a:effectRef>
+          <a:fontRef idx="minor">
+            <a:schemeClr val="lt1"/>
+          </a:fontRef>
+        </p:style>
+        <p:txBody>
+          <a:bodyPr rtlCol="0" anchor="ctr"/>
+          <a:lstStyle/>
+          <a:p>
+            <a:pPr algn="ctr"/>
+            <a:endParaRPr lang="en-US"/>
+          </a:p>
+        </p:txBody>
+      </p:sp>
+      <p:sp>
+        <p:nvSpPr>
+          <p:cNvPr id="194" name="Right Arrow 193">
+            <a:extLst>
+              <a:ext uri="{FF2B5EF4-FFF2-40B4-BE49-F238E27FC236}">
+                <a16:creationId xmlns:a16="http://schemas.microsoft.com/office/drawing/2014/main" id="{197EEFCD-BCFB-1246-9480-06CA4944C9D7}"/>
+              </a:ext>
+            </a:extLst>
+          </p:cNvPr>
+          <p:cNvSpPr/>
+          <p:nvPr/>
+        </p:nvSpPr>
+        <p:spPr>
+          <a:xfrm>
+            <a:off x="8228991" y="1324094"/>
+            <a:ext cx="158750" cy="228600"/>
+          </a:xfrm>
+          <a:prstGeom prst="rightArrow">
+            <a:avLst/>
+          </a:prstGeom>
+          <a:noFill/>
+          <a:ln>
+            <a:solidFill>
+              <a:srgbClr val="FF0000"/>
+            </a:solidFill>
+          </a:ln>
+        </p:spPr>
+        <p:style>
+          <a:lnRef idx="2">
+            <a:schemeClr val="accent1">
+              <a:shade val="50000"/>
+            </a:schemeClr>
+          </a:lnRef>
+          <a:fillRef idx="1">
+            <a:schemeClr val="accent1"/>
+          </a:fillRef>
+          <a:effectRef idx="0">
+            <a:schemeClr val="accent1"/>
+          </a:effectRef>
+          <a:fontRef idx="minor">
+            <a:schemeClr val="lt1"/>
+          </a:fontRef>
+        </p:style>
+        <p:txBody>
+          <a:bodyPr rtlCol="0" anchor="ctr"/>
+          <a:lstStyle/>
+          <a:p>
+            <a:pPr algn="ctr"/>
+            <a:endParaRPr lang="en-US"/>
+          </a:p>
+        </p:txBody>
+      </p:sp>
+      <p:sp>
+        <p:nvSpPr>
+          <p:cNvPr id="195" name="Right Arrow 194">
+            <a:extLst>
+              <a:ext uri="{FF2B5EF4-FFF2-40B4-BE49-F238E27FC236}">
+                <a16:creationId xmlns:a16="http://schemas.microsoft.com/office/drawing/2014/main" id="{55FABE4E-9FF1-3048-8EE0-12A733E4D19E}"/>
+              </a:ext>
+            </a:extLst>
+          </p:cNvPr>
+          <p:cNvSpPr/>
+          <p:nvPr/>
+        </p:nvSpPr>
+        <p:spPr>
+          <a:xfrm>
+            <a:off x="3943753" y="4940638"/>
+            <a:ext cx="158750" cy="228600"/>
+          </a:xfrm>
+          <a:prstGeom prst="rightArrow">
+            <a:avLst/>
+          </a:prstGeom>
+          <a:noFill/>
+          <a:ln>
+            <a:solidFill>
+              <a:srgbClr val="FF0000"/>
+            </a:solidFill>
+          </a:ln>
+        </p:spPr>
+        <p:style>
+          <a:lnRef idx="2">
+            <a:schemeClr val="accent1">
+              <a:shade val="50000"/>
+            </a:schemeClr>
+          </a:lnRef>
+          <a:fillRef idx="1">
+            <a:schemeClr val="accent1"/>
+          </a:fillRef>
+          <a:effectRef idx="0">
+            <a:schemeClr val="accent1"/>
+          </a:effectRef>
+          <a:fontRef idx="minor">
+            <a:schemeClr val="lt1"/>
+          </a:fontRef>
+        </p:style>
+        <p:txBody>
+          <a:bodyPr rtlCol="0" anchor="ctr"/>
+          <a:lstStyle/>
+          <a:p>
+            <a:pPr algn="ctr"/>
+            <a:endParaRPr lang="en-US"/>
           </a:p>
         </p:txBody>
       </p:sp>
@@ -5677,6 +7665,4222 @@
     <p:extLst>
       <p:ext uri="{BB962C8B-B14F-4D97-AF65-F5344CB8AC3E}">
         <p14:creationId xmlns:p14="http://schemas.microsoft.com/office/powerpoint/2010/main" val="2665963053"/>
+      </p:ext>
+    </p:extLst>
+  </p:cSld>
+  <p:clrMapOvr>
+    <a:masterClrMapping/>
+  </p:clrMapOvr>
+</p:sld>
+</file>
+
+<file path=ppt/slides/slide3.xml><?xml version="1.0" encoding="utf-8"?>
+<p:sld xmlns:a="http://schemas.openxmlformats.org/drawingml/2006/main" xmlns:r="http://schemas.openxmlformats.org/officeDocument/2006/relationships" xmlns:p="http://schemas.openxmlformats.org/presentationml/2006/main">
+  <p:cSld>
+    <p:spTree>
+      <p:nvGrpSpPr>
+        <p:cNvPr id="1" name=""/>
+        <p:cNvGrpSpPr/>
+        <p:nvPr/>
+      </p:nvGrpSpPr>
+      <p:grpSpPr>
+        <a:xfrm>
+          <a:off x="0" y="0"/>
+          <a:ext cx="0" cy="0"/>
+          <a:chOff x="0" y="0"/>
+          <a:chExt cx="0" cy="0"/>
+        </a:xfrm>
+      </p:grpSpPr>
+      <p:grpSp>
+        <p:nvGrpSpPr>
+          <p:cNvPr id="152" name="Group 151">
+            <a:extLst>
+              <a:ext uri="{FF2B5EF4-FFF2-40B4-BE49-F238E27FC236}">
+                <a16:creationId xmlns:a16="http://schemas.microsoft.com/office/drawing/2014/main" id="{E4FFCC67-AB75-8E41-B286-0371EAA02181}"/>
+              </a:ext>
+            </a:extLst>
+          </p:cNvPr>
+          <p:cNvGrpSpPr/>
+          <p:nvPr/>
+        </p:nvGrpSpPr>
+        <p:grpSpPr>
+          <a:xfrm>
+            <a:off x="39962" y="630711"/>
+            <a:ext cx="3606800" cy="2179662"/>
+            <a:chOff x="8537319" y="630711"/>
+            <a:chExt cx="3606800" cy="2179662"/>
+          </a:xfrm>
+        </p:grpSpPr>
+        <p:sp>
+          <p:nvSpPr>
+            <p:cNvPr id="87" name="Rounded Rectangle 86">
+              <a:extLst>
+                <a:ext uri="{FF2B5EF4-FFF2-40B4-BE49-F238E27FC236}">
+                  <a16:creationId xmlns:a16="http://schemas.microsoft.com/office/drawing/2014/main" id="{4B889F75-93FC-DE4E-93E0-B95E33E108DD}"/>
+                </a:ext>
+              </a:extLst>
+            </p:cNvPr>
+            <p:cNvSpPr/>
+            <p:nvPr/>
+          </p:nvSpPr>
+          <p:spPr>
+            <a:xfrm>
+              <a:off x="9540619" y="630711"/>
+              <a:ext cx="1371600" cy="457200"/>
+            </a:xfrm>
+            <a:prstGeom prst="roundRect">
+              <a:avLst/>
+            </a:prstGeom>
+            <a:solidFill>
+              <a:schemeClr val="accent6">
+                <a:lumMod val="75000"/>
+              </a:schemeClr>
+            </a:solidFill>
+            <a:ln>
+              <a:noFill/>
+            </a:ln>
+          </p:spPr>
+          <p:style>
+            <a:lnRef idx="2">
+              <a:schemeClr val="accent6">
+                <a:shade val="50000"/>
+              </a:schemeClr>
+            </a:lnRef>
+            <a:fillRef idx="1">
+              <a:schemeClr val="accent6"/>
+            </a:fillRef>
+            <a:effectRef idx="0">
+              <a:schemeClr val="accent6"/>
+            </a:effectRef>
+            <a:fontRef idx="minor">
+              <a:schemeClr val="lt1"/>
+            </a:fontRef>
+          </p:style>
+          <p:txBody>
+            <a:bodyPr rtlCol="0" anchor="ctr"/>
+            <a:lstStyle/>
+            <a:p>
+              <a:pPr algn="ctr"/>
+              <a:r>
+                <a:rPr lang="en-US" sz="1400" dirty="0"/>
+                <a:t>master</a:t>
+              </a:r>
+            </a:p>
+          </p:txBody>
+        </p:sp>
+        <p:sp>
+          <p:nvSpPr>
+            <p:cNvPr id="89" name="Rounded Rectangle 88">
+              <a:extLst>
+                <a:ext uri="{FF2B5EF4-FFF2-40B4-BE49-F238E27FC236}">
+                  <a16:creationId xmlns:a16="http://schemas.microsoft.com/office/drawing/2014/main" id="{1E801691-BACC-864E-8A0F-24A7BA07813D}"/>
+                </a:ext>
+              </a:extLst>
+            </p:cNvPr>
+            <p:cNvSpPr/>
+            <p:nvPr/>
+          </p:nvSpPr>
+          <p:spPr>
+            <a:xfrm>
+              <a:off x="8537319" y="1205822"/>
+              <a:ext cx="914400" cy="457200"/>
+            </a:xfrm>
+            <a:prstGeom prst="roundRect">
+              <a:avLst/>
+            </a:prstGeom>
+            <a:solidFill>
+              <a:schemeClr val="accent4">
+                <a:lumMod val="75000"/>
+              </a:schemeClr>
+            </a:solidFill>
+            <a:ln>
+              <a:solidFill>
+                <a:schemeClr val="accent4">
+                  <a:lumMod val="75000"/>
+                </a:schemeClr>
+              </a:solidFill>
+            </a:ln>
+          </p:spPr>
+          <p:style>
+            <a:lnRef idx="2">
+              <a:schemeClr val="accent6">
+                <a:shade val="50000"/>
+              </a:schemeClr>
+            </a:lnRef>
+            <a:fillRef idx="1">
+              <a:schemeClr val="accent6"/>
+            </a:fillRef>
+            <a:effectRef idx="0">
+              <a:schemeClr val="accent6"/>
+            </a:effectRef>
+            <a:fontRef idx="minor">
+              <a:schemeClr val="lt1"/>
+            </a:fontRef>
+          </p:style>
+          <p:txBody>
+            <a:bodyPr rtlCol="0" anchor="ctr"/>
+            <a:lstStyle/>
+            <a:p>
+              <a:pPr algn="ctr"/>
+              <a:r>
+                <a:rPr lang="en-US" sz="1400" dirty="0"/>
+                <a:t>C1</a:t>
+              </a:r>
+            </a:p>
+          </p:txBody>
+        </p:sp>
+        <p:sp>
+          <p:nvSpPr>
+            <p:cNvPr id="90" name="Rounded Rectangle 89">
+              <a:extLst>
+                <a:ext uri="{FF2B5EF4-FFF2-40B4-BE49-F238E27FC236}">
+                  <a16:creationId xmlns:a16="http://schemas.microsoft.com/office/drawing/2014/main" id="{11A595FA-8932-F245-975A-B2E91E43ECFB}"/>
+                </a:ext>
+              </a:extLst>
+            </p:cNvPr>
+            <p:cNvSpPr/>
+            <p:nvPr/>
+          </p:nvSpPr>
+          <p:spPr>
+            <a:xfrm>
+              <a:off x="9769219" y="1205822"/>
+              <a:ext cx="914400" cy="457200"/>
+            </a:xfrm>
+            <a:prstGeom prst="roundRect">
+              <a:avLst/>
+            </a:prstGeom>
+            <a:solidFill>
+              <a:schemeClr val="accent4">
+                <a:lumMod val="75000"/>
+              </a:schemeClr>
+            </a:solidFill>
+            <a:ln>
+              <a:solidFill>
+                <a:schemeClr val="accent4">
+                  <a:lumMod val="75000"/>
+                </a:schemeClr>
+              </a:solidFill>
+            </a:ln>
+          </p:spPr>
+          <p:style>
+            <a:lnRef idx="2">
+              <a:schemeClr val="accent6">
+                <a:shade val="50000"/>
+              </a:schemeClr>
+            </a:lnRef>
+            <a:fillRef idx="1">
+              <a:schemeClr val="accent6"/>
+            </a:fillRef>
+            <a:effectRef idx="0">
+              <a:schemeClr val="accent6"/>
+            </a:effectRef>
+            <a:fontRef idx="minor">
+              <a:schemeClr val="lt1"/>
+            </a:fontRef>
+          </p:style>
+          <p:txBody>
+            <a:bodyPr rtlCol="0" anchor="ctr"/>
+            <a:lstStyle/>
+            <a:p>
+              <a:pPr algn="ctr"/>
+              <a:r>
+                <a:rPr lang="en-US" sz="1400" dirty="0"/>
+                <a:t>C2</a:t>
+              </a:r>
+            </a:p>
+          </p:txBody>
+        </p:sp>
+        <p:cxnSp>
+          <p:nvCxnSpPr>
+            <p:cNvPr id="92" name="Straight Arrow Connector 91">
+              <a:extLst>
+                <a:ext uri="{FF2B5EF4-FFF2-40B4-BE49-F238E27FC236}">
+                  <a16:creationId xmlns:a16="http://schemas.microsoft.com/office/drawing/2014/main" id="{43D866C4-7558-CF46-92D5-00470898B9F4}"/>
+                </a:ext>
+              </a:extLst>
+            </p:cNvPr>
+            <p:cNvCxnSpPr>
+              <a:cxnSpLocks/>
+              <a:stCxn id="90" idx="1"/>
+              <a:endCxn id="89" idx="3"/>
+            </p:cNvCxnSpPr>
+            <p:nvPr/>
+          </p:nvCxnSpPr>
+          <p:spPr>
+            <a:xfrm flipH="1">
+              <a:off x="9451719" y="1434422"/>
+              <a:ext cx="317500" cy="0"/>
+            </a:xfrm>
+            <a:prstGeom prst="straightConnector1">
+              <a:avLst/>
+            </a:prstGeom>
+            <a:ln>
+              <a:solidFill>
+                <a:schemeClr val="accent4">
+                  <a:lumMod val="75000"/>
+                </a:schemeClr>
+              </a:solidFill>
+              <a:tailEnd type="triangle"/>
+            </a:ln>
+          </p:spPr>
+          <p:style>
+            <a:lnRef idx="1">
+              <a:schemeClr val="accent1"/>
+            </a:lnRef>
+            <a:fillRef idx="0">
+              <a:schemeClr val="accent1"/>
+            </a:fillRef>
+            <a:effectRef idx="0">
+              <a:schemeClr val="accent1"/>
+            </a:effectRef>
+            <a:fontRef idx="minor">
+              <a:schemeClr val="tx1"/>
+            </a:fontRef>
+          </p:style>
+        </p:cxnSp>
+        <p:cxnSp>
+          <p:nvCxnSpPr>
+            <p:cNvPr id="93" name="Straight Arrow Connector 92">
+              <a:extLst>
+                <a:ext uri="{FF2B5EF4-FFF2-40B4-BE49-F238E27FC236}">
+                  <a16:creationId xmlns:a16="http://schemas.microsoft.com/office/drawing/2014/main" id="{6F59AAAE-99CC-2B46-97E4-71E6140C2A72}"/>
+                </a:ext>
+              </a:extLst>
+            </p:cNvPr>
+            <p:cNvCxnSpPr>
+              <a:cxnSpLocks/>
+              <a:stCxn id="87" idx="2"/>
+              <a:endCxn id="90" idx="0"/>
+            </p:cNvCxnSpPr>
+            <p:nvPr/>
+          </p:nvCxnSpPr>
+          <p:spPr>
+            <a:xfrm>
+              <a:off x="10226419" y="1087911"/>
+              <a:ext cx="0" cy="117911"/>
+            </a:xfrm>
+            <a:prstGeom prst="straightConnector1">
+              <a:avLst/>
+            </a:prstGeom>
+            <a:ln>
+              <a:solidFill>
+                <a:schemeClr val="accent6">
+                  <a:lumMod val="75000"/>
+                </a:schemeClr>
+              </a:solidFill>
+              <a:tailEnd type="triangle"/>
+            </a:ln>
+          </p:spPr>
+          <p:style>
+            <a:lnRef idx="1">
+              <a:schemeClr val="accent1"/>
+            </a:lnRef>
+            <a:fillRef idx="0">
+              <a:schemeClr val="accent1"/>
+            </a:fillRef>
+            <a:effectRef idx="0">
+              <a:schemeClr val="accent1"/>
+            </a:effectRef>
+            <a:fontRef idx="minor">
+              <a:schemeClr val="tx1"/>
+            </a:fontRef>
+          </p:style>
+        </p:cxnSp>
+        <p:sp>
+          <p:nvSpPr>
+            <p:cNvPr id="94" name="Rounded Rectangle 93">
+              <a:extLst>
+                <a:ext uri="{FF2B5EF4-FFF2-40B4-BE49-F238E27FC236}">
+                  <a16:creationId xmlns:a16="http://schemas.microsoft.com/office/drawing/2014/main" id="{FA486EC9-506C-094E-BB47-CE4949EF7B8A}"/>
+                </a:ext>
+              </a:extLst>
+            </p:cNvPr>
+            <p:cNvSpPr/>
+            <p:nvPr/>
+          </p:nvSpPr>
+          <p:spPr>
+            <a:xfrm>
+              <a:off x="10772519" y="2353173"/>
+              <a:ext cx="1371600" cy="457200"/>
+            </a:xfrm>
+            <a:prstGeom prst="roundRect">
+              <a:avLst/>
+            </a:prstGeom>
+            <a:solidFill>
+              <a:schemeClr val="accent6">
+                <a:lumMod val="75000"/>
+              </a:schemeClr>
+            </a:solidFill>
+            <a:ln>
+              <a:noFill/>
+            </a:ln>
+          </p:spPr>
+          <p:style>
+            <a:lnRef idx="2">
+              <a:schemeClr val="accent6">
+                <a:shade val="50000"/>
+              </a:schemeClr>
+            </a:lnRef>
+            <a:fillRef idx="1">
+              <a:schemeClr val="accent6"/>
+            </a:fillRef>
+            <a:effectRef idx="0">
+              <a:schemeClr val="accent6"/>
+            </a:effectRef>
+            <a:fontRef idx="minor">
+              <a:schemeClr val="lt1"/>
+            </a:fontRef>
+          </p:style>
+          <p:txBody>
+            <a:bodyPr rtlCol="0" anchor="ctr"/>
+            <a:lstStyle/>
+            <a:p>
+              <a:pPr algn="ctr"/>
+              <a:r>
+                <a:rPr lang="en-US" sz="1400" dirty="0"/>
+                <a:t>HEAD</a:t>
+              </a:r>
+            </a:p>
+          </p:txBody>
+        </p:sp>
+        <p:cxnSp>
+          <p:nvCxnSpPr>
+            <p:cNvPr id="95" name="Straight Arrow Connector 94">
+              <a:extLst>
+                <a:ext uri="{FF2B5EF4-FFF2-40B4-BE49-F238E27FC236}">
+                  <a16:creationId xmlns:a16="http://schemas.microsoft.com/office/drawing/2014/main" id="{88C25371-078C-0946-AADA-D7048B556DFC}"/>
+                </a:ext>
+              </a:extLst>
+            </p:cNvPr>
+            <p:cNvCxnSpPr>
+              <a:cxnSpLocks/>
+              <a:stCxn id="94" idx="0"/>
+              <a:endCxn id="96" idx="2"/>
+            </p:cNvCxnSpPr>
+            <p:nvPr/>
+          </p:nvCxnSpPr>
+          <p:spPr>
+            <a:xfrm flipV="1">
+              <a:off x="11458319" y="2236698"/>
+              <a:ext cx="0" cy="116475"/>
+            </a:xfrm>
+            <a:prstGeom prst="straightConnector1">
+              <a:avLst/>
+            </a:prstGeom>
+            <a:ln>
+              <a:solidFill>
+                <a:schemeClr val="accent6">
+                  <a:lumMod val="75000"/>
+                </a:schemeClr>
+              </a:solidFill>
+              <a:tailEnd type="triangle"/>
+            </a:ln>
+          </p:spPr>
+          <p:style>
+            <a:lnRef idx="1">
+              <a:schemeClr val="accent1"/>
+            </a:lnRef>
+            <a:fillRef idx="0">
+              <a:schemeClr val="accent1"/>
+            </a:fillRef>
+            <a:effectRef idx="0">
+              <a:schemeClr val="accent1"/>
+            </a:effectRef>
+            <a:fontRef idx="minor">
+              <a:schemeClr val="tx1"/>
+            </a:fontRef>
+          </p:style>
+        </p:cxnSp>
+        <p:sp>
+          <p:nvSpPr>
+            <p:cNvPr id="96" name="Rounded Rectangle 95">
+              <a:extLst>
+                <a:ext uri="{FF2B5EF4-FFF2-40B4-BE49-F238E27FC236}">
+                  <a16:creationId xmlns:a16="http://schemas.microsoft.com/office/drawing/2014/main" id="{0EE05B22-15A0-0C45-95FA-5C9FA1C23B3D}"/>
+                </a:ext>
+              </a:extLst>
+            </p:cNvPr>
+            <p:cNvSpPr/>
+            <p:nvPr/>
+          </p:nvSpPr>
+          <p:spPr>
+            <a:xfrm>
+              <a:off x="10772519" y="1779498"/>
+              <a:ext cx="1371600" cy="457200"/>
+            </a:xfrm>
+            <a:prstGeom prst="roundRect">
+              <a:avLst/>
+            </a:prstGeom>
+            <a:solidFill>
+              <a:schemeClr val="accent6">
+                <a:lumMod val="75000"/>
+              </a:schemeClr>
+            </a:solidFill>
+            <a:ln>
+              <a:noFill/>
+            </a:ln>
+          </p:spPr>
+          <p:style>
+            <a:lnRef idx="2">
+              <a:schemeClr val="accent6">
+                <a:shade val="50000"/>
+              </a:schemeClr>
+            </a:lnRef>
+            <a:fillRef idx="1">
+              <a:schemeClr val="accent6"/>
+            </a:fillRef>
+            <a:effectRef idx="0">
+              <a:schemeClr val="accent6"/>
+            </a:effectRef>
+            <a:fontRef idx="minor">
+              <a:schemeClr val="lt1"/>
+            </a:fontRef>
+          </p:style>
+          <p:txBody>
+            <a:bodyPr rtlCol="0" anchor="ctr"/>
+            <a:lstStyle/>
+            <a:p>
+              <a:pPr algn="ctr"/>
+              <a:r>
+                <a:rPr lang="en-US" sz="1400" dirty="0"/>
+                <a:t>branch1</a:t>
+              </a:r>
+            </a:p>
+          </p:txBody>
+        </p:sp>
+        <p:cxnSp>
+          <p:nvCxnSpPr>
+            <p:cNvPr id="97" name="Straight Arrow Connector 96">
+              <a:extLst>
+                <a:ext uri="{FF2B5EF4-FFF2-40B4-BE49-F238E27FC236}">
+                  <a16:creationId xmlns:a16="http://schemas.microsoft.com/office/drawing/2014/main" id="{EF7726BE-7A53-B644-8224-93902A5AC98D}"/>
+                </a:ext>
+              </a:extLst>
+            </p:cNvPr>
+            <p:cNvCxnSpPr>
+              <a:cxnSpLocks/>
+              <a:stCxn id="96" idx="0"/>
+              <a:endCxn id="99" idx="2"/>
+            </p:cNvCxnSpPr>
+            <p:nvPr/>
+          </p:nvCxnSpPr>
+          <p:spPr>
+            <a:xfrm flipV="1">
+              <a:off x="11458319" y="1663022"/>
+              <a:ext cx="0" cy="116476"/>
+            </a:xfrm>
+            <a:prstGeom prst="straightConnector1">
+              <a:avLst/>
+            </a:prstGeom>
+            <a:ln>
+              <a:solidFill>
+                <a:schemeClr val="accent6">
+                  <a:lumMod val="75000"/>
+                </a:schemeClr>
+              </a:solidFill>
+              <a:tailEnd type="triangle"/>
+            </a:ln>
+          </p:spPr>
+          <p:style>
+            <a:lnRef idx="1">
+              <a:schemeClr val="accent1"/>
+            </a:lnRef>
+            <a:fillRef idx="0">
+              <a:schemeClr val="accent1"/>
+            </a:fillRef>
+            <a:effectRef idx="0">
+              <a:schemeClr val="accent1"/>
+            </a:effectRef>
+            <a:fontRef idx="minor">
+              <a:schemeClr val="tx1"/>
+            </a:fontRef>
+          </p:style>
+        </p:cxnSp>
+        <p:sp>
+          <p:nvSpPr>
+            <p:cNvPr id="99" name="Rounded Rectangle 98">
+              <a:extLst>
+                <a:ext uri="{FF2B5EF4-FFF2-40B4-BE49-F238E27FC236}">
+                  <a16:creationId xmlns:a16="http://schemas.microsoft.com/office/drawing/2014/main" id="{BA786C57-105F-FE4C-A57B-3068B242AE5A}"/>
+                </a:ext>
+              </a:extLst>
+            </p:cNvPr>
+            <p:cNvSpPr/>
+            <p:nvPr/>
+          </p:nvSpPr>
+          <p:spPr>
+            <a:xfrm>
+              <a:off x="11001119" y="1205822"/>
+              <a:ext cx="914400" cy="457200"/>
+            </a:xfrm>
+            <a:prstGeom prst="roundRect">
+              <a:avLst/>
+            </a:prstGeom>
+            <a:solidFill>
+              <a:schemeClr val="accent4">
+                <a:lumMod val="75000"/>
+              </a:schemeClr>
+            </a:solidFill>
+            <a:ln>
+              <a:solidFill>
+                <a:schemeClr val="accent4">
+                  <a:lumMod val="75000"/>
+                </a:schemeClr>
+              </a:solidFill>
+            </a:ln>
+          </p:spPr>
+          <p:style>
+            <a:lnRef idx="2">
+              <a:schemeClr val="accent6">
+                <a:shade val="50000"/>
+              </a:schemeClr>
+            </a:lnRef>
+            <a:fillRef idx="1">
+              <a:schemeClr val="accent6"/>
+            </a:fillRef>
+            <a:effectRef idx="0">
+              <a:schemeClr val="accent6"/>
+            </a:effectRef>
+            <a:fontRef idx="minor">
+              <a:schemeClr val="lt1"/>
+            </a:fontRef>
+          </p:style>
+          <p:txBody>
+            <a:bodyPr rtlCol="0" anchor="ctr"/>
+            <a:lstStyle/>
+            <a:p>
+              <a:pPr algn="ctr"/>
+              <a:r>
+                <a:rPr lang="en-US" sz="1400" dirty="0"/>
+                <a:t>C3</a:t>
+              </a:r>
+            </a:p>
+          </p:txBody>
+        </p:sp>
+        <p:cxnSp>
+          <p:nvCxnSpPr>
+            <p:cNvPr id="100" name="Straight Arrow Connector 99">
+              <a:extLst>
+                <a:ext uri="{FF2B5EF4-FFF2-40B4-BE49-F238E27FC236}">
+                  <a16:creationId xmlns:a16="http://schemas.microsoft.com/office/drawing/2014/main" id="{B76030C2-AD29-C049-AA58-C8C479DCB5E2}"/>
+                </a:ext>
+              </a:extLst>
+            </p:cNvPr>
+            <p:cNvCxnSpPr>
+              <a:cxnSpLocks/>
+              <a:stCxn id="99" idx="1"/>
+              <a:endCxn id="90" idx="3"/>
+            </p:cNvCxnSpPr>
+            <p:nvPr/>
+          </p:nvCxnSpPr>
+          <p:spPr>
+            <a:xfrm flipH="1">
+              <a:off x="10683619" y="1434422"/>
+              <a:ext cx="317500" cy="0"/>
+            </a:xfrm>
+            <a:prstGeom prst="straightConnector1">
+              <a:avLst/>
+            </a:prstGeom>
+            <a:ln>
+              <a:solidFill>
+                <a:schemeClr val="accent4">
+                  <a:lumMod val="75000"/>
+                </a:schemeClr>
+              </a:solidFill>
+              <a:tailEnd type="triangle"/>
+            </a:ln>
+          </p:spPr>
+          <p:style>
+            <a:lnRef idx="1">
+              <a:schemeClr val="accent1"/>
+            </a:lnRef>
+            <a:fillRef idx="0">
+              <a:schemeClr val="accent1"/>
+            </a:fillRef>
+            <a:effectRef idx="0">
+              <a:schemeClr val="accent1"/>
+            </a:effectRef>
+            <a:fontRef idx="minor">
+              <a:schemeClr val="tx1"/>
+            </a:fontRef>
+          </p:style>
+        </p:cxnSp>
+      </p:grpSp>
+      <p:sp>
+        <p:nvSpPr>
+          <p:cNvPr id="181" name="TextBox 180">
+            <a:extLst>
+              <a:ext uri="{FF2B5EF4-FFF2-40B4-BE49-F238E27FC236}">
+                <a16:creationId xmlns:a16="http://schemas.microsoft.com/office/drawing/2014/main" id="{B04A1276-AB25-F241-A25D-35D245CFC6CA}"/>
+              </a:ext>
+            </a:extLst>
+          </p:cNvPr>
+          <p:cNvSpPr txBox="1"/>
+          <p:nvPr/>
+        </p:nvSpPr>
+        <p:spPr>
+          <a:xfrm>
+            <a:off x="4683138" y="6519446"/>
+            <a:ext cx="2547492" cy="307777"/>
+          </a:xfrm>
+          <a:prstGeom prst="rect">
+            <a:avLst/>
+          </a:prstGeom>
+          <a:noFill/>
+        </p:spPr>
+        <p:txBody>
+          <a:bodyPr wrap="none" rtlCol="0">
+            <a:spAutoFit/>
+          </a:bodyPr>
+          <a:lstStyle/>
+          <a:p>
+            <a:pPr algn="ctr"/>
+            <a:r>
+              <a:rPr lang="en-US" sz="1400" dirty="0">
+                <a:latin typeface="Courier" pitchFamily="2" charset="0"/>
+              </a:rPr>
+              <a:t>$ git checkout master </a:t>
+            </a:r>
+          </a:p>
+        </p:txBody>
+      </p:sp>
+      <p:grpSp>
+        <p:nvGrpSpPr>
+          <p:cNvPr id="17" name="Group 16">
+            <a:extLst>
+              <a:ext uri="{FF2B5EF4-FFF2-40B4-BE49-F238E27FC236}">
+                <a16:creationId xmlns:a16="http://schemas.microsoft.com/office/drawing/2014/main" id="{534D20D8-4D56-F54B-B41C-A72C60A40F67}"/>
+              </a:ext>
+            </a:extLst>
+          </p:cNvPr>
+          <p:cNvGrpSpPr/>
+          <p:nvPr/>
+        </p:nvGrpSpPr>
+        <p:grpSpPr>
+          <a:xfrm>
+            <a:off x="4265720" y="3174164"/>
+            <a:ext cx="2374900" cy="2767514"/>
+            <a:chOff x="5497620" y="3174164"/>
+            <a:chExt cx="2374900" cy="2767514"/>
+          </a:xfrm>
+        </p:grpSpPr>
+        <p:sp>
+          <p:nvSpPr>
+            <p:cNvPr id="170" name="Rounded Rectangle 169">
+              <a:extLst>
+                <a:ext uri="{FF2B5EF4-FFF2-40B4-BE49-F238E27FC236}">
+                  <a16:creationId xmlns:a16="http://schemas.microsoft.com/office/drawing/2014/main" id="{6D063626-168F-A940-BE10-291F19172DF1}"/>
+                </a:ext>
+              </a:extLst>
+            </p:cNvPr>
+            <p:cNvSpPr/>
+            <p:nvPr/>
+          </p:nvSpPr>
+          <p:spPr>
+            <a:xfrm>
+              <a:off x="6500920" y="3749275"/>
+              <a:ext cx="1371600" cy="457200"/>
+            </a:xfrm>
+            <a:prstGeom prst="roundRect">
+              <a:avLst/>
+            </a:prstGeom>
+            <a:solidFill>
+              <a:schemeClr val="accent6">
+                <a:lumMod val="75000"/>
+              </a:schemeClr>
+            </a:solidFill>
+            <a:ln>
+              <a:noFill/>
+            </a:ln>
+          </p:spPr>
+          <p:style>
+            <a:lnRef idx="2">
+              <a:schemeClr val="accent6">
+                <a:shade val="50000"/>
+              </a:schemeClr>
+            </a:lnRef>
+            <a:fillRef idx="1">
+              <a:schemeClr val="accent6"/>
+            </a:fillRef>
+            <a:effectRef idx="0">
+              <a:schemeClr val="accent6"/>
+            </a:effectRef>
+            <a:fontRef idx="minor">
+              <a:schemeClr val="lt1"/>
+            </a:fontRef>
+          </p:style>
+          <p:txBody>
+            <a:bodyPr rtlCol="0" anchor="ctr"/>
+            <a:lstStyle/>
+            <a:p>
+              <a:pPr algn="ctr"/>
+              <a:r>
+                <a:rPr lang="en-US" sz="1400" dirty="0"/>
+                <a:t>master</a:t>
+              </a:r>
+            </a:p>
+          </p:txBody>
+        </p:sp>
+        <p:sp>
+          <p:nvSpPr>
+            <p:cNvPr id="172" name="Rounded Rectangle 171">
+              <a:extLst>
+                <a:ext uri="{FF2B5EF4-FFF2-40B4-BE49-F238E27FC236}">
+                  <a16:creationId xmlns:a16="http://schemas.microsoft.com/office/drawing/2014/main" id="{9116E448-0B72-204A-B359-F1048ECEA09E}"/>
+                </a:ext>
+              </a:extLst>
+            </p:cNvPr>
+            <p:cNvSpPr/>
+            <p:nvPr/>
+          </p:nvSpPr>
+          <p:spPr>
+            <a:xfrm>
+              <a:off x="5497620" y="4598570"/>
+              <a:ext cx="914400" cy="457200"/>
+            </a:xfrm>
+            <a:prstGeom prst="roundRect">
+              <a:avLst/>
+            </a:prstGeom>
+            <a:solidFill>
+              <a:schemeClr val="accent4">
+                <a:lumMod val="75000"/>
+              </a:schemeClr>
+            </a:solidFill>
+            <a:ln>
+              <a:solidFill>
+                <a:schemeClr val="accent4">
+                  <a:lumMod val="75000"/>
+                </a:schemeClr>
+              </a:solidFill>
+            </a:ln>
+          </p:spPr>
+          <p:style>
+            <a:lnRef idx="2">
+              <a:schemeClr val="accent6">
+                <a:shade val="50000"/>
+              </a:schemeClr>
+            </a:lnRef>
+            <a:fillRef idx="1">
+              <a:schemeClr val="accent6"/>
+            </a:fillRef>
+            <a:effectRef idx="0">
+              <a:schemeClr val="accent6"/>
+            </a:effectRef>
+            <a:fontRef idx="minor">
+              <a:schemeClr val="lt1"/>
+            </a:fontRef>
+          </p:style>
+          <p:txBody>
+            <a:bodyPr rtlCol="0" anchor="ctr"/>
+            <a:lstStyle/>
+            <a:p>
+              <a:pPr algn="ctr"/>
+              <a:r>
+                <a:rPr lang="en-US" sz="1400" dirty="0"/>
+                <a:t>C1</a:t>
+              </a:r>
+            </a:p>
+          </p:txBody>
+        </p:sp>
+        <p:cxnSp>
+          <p:nvCxnSpPr>
+            <p:cNvPr id="174" name="Straight Arrow Connector 173">
+              <a:extLst>
+                <a:ext uri="{FF2B5EF4-FFF2-40B4-BE49-F238E27FC236}">
+                  <a16:creationId xmlns:a16="http://schemas.microsoft.com/office/drawing/2014/main" id="{B5EA6DAA-36DD-244C-9148-7261CE3F2806}"/>
+                </a:ext>
+              </a:extLst>
+            </p:cNvPr>
+            <p:cNvCxnSpPr>
+              <a:cxnSpLocks/>
+              <a:stCxn id="170" idx="2"/>
+              <a:endCxn id="182" idx="0"/>
+            </p:cNvCxnSpPr>
+            <p:nvPr/>
+          </p:nvCxnSpPr>
+          <p:spPr>
+            <a:xfrm>
+              <a:off x="7186720" y="4206475"/>
+              <a:ext cx="0" cy="121679"/>
+            </a:xfrm>
+            <a:prstGeom prst="straightConnector1">
+              <a:avLst/>
+            </a:prstGeom>
+            <a:ln>
+              <a:solidFill>
+                <a:schemeClr val="accent6">
+                  <a:lumMod val="75000"/>
+                </a:schemeClr>
+              </a:solidFill>
+              <a:tailEnd type="triangle"/>
+            </a:ln>
+          </p:spPr>
+          <p:style>
+            <a:lnRef idx="1">
+              <a:schemeClr val="accent1"/>
+            </a:lnRef>
+            <a:fillRef idx="0">
+              <a:schemeClr val="accent1"/>
+            </a:fillRef>
+            <a:effectRef idx="0">
+              <a:schemeClr val="accent1"/>
+            </a:effectRef>
+            <a:fontRef idx="minor">
+              <a:schemeClr val="tx1"/>
+            </a:fontRef>
+          </p:style>
+        </p:cxnSp>
+        <p:sp>
+          <p:nvSpPr>
+            <p:cNvPr id="175" name="Rounded Rectangle 174">
+              <a:extLst>
+                <a:ext uri="{FF2B5EF4-FFF2-40B4-BE49-F238E27FC236}">
+                  <a16:creationId xmlns:a16="http://schemas.microsoft.com/office/drawing/2014/main" id="{8668B734-B231-1742-A427-B14E5432D058}"/>
+                </a:ext>
+              </a:extLst>
+            </p:cNvPr>
+            <p:cNvSpPr/>
+            <p:nvPr/>
+          </p:nvSpPr>
+          <p:spPr>
+            <a:xfrm>
+              <a:off x="6500920" y="3174164"/>
+              <a:ext cx="1371600" cy="457200"/>
+            </a:xfrm>
+            <a:prstGeom prst="roundRect">
+              <a:avLst/>
+            </a:prstGeom>
+            <a:solidFill>
+              <a:schemeClr val="accent6">
+                <a:lumMod val="75000"/>
+              </a:schemeClr>
+            </a:solidFill>
+            <a:ln>
+              <a:noFill/>
+            </a:ln>
+          </p:spPr>
+          <p:style>
+            <a:lnRef idx="2">
+              <a:schemeClr val="accent6">
+                <a:shade val="50000"/>
+              </a:schemeClr>
+            </a:lnRef>
+            <a:fillRef idx="1">
+              <a:schemeClr val="accent6"/>
+            </a:fillRef>
+            <a:effectRef idx="0">
+              <a:schemeClr val="accent6"/>
+            </a:effectRef>
+            <a:fontRef idx="minor">
+              <a:schemeClr val="lt1"/>
+            </a:fontRef>
+          </p:style>
+          <p:txBody>
+            <a:bodyPr rtlCol="0" anchor="ctr"/>
+            <a:lstStyle/>
+            <a:p>
+              <a:pPr algn="ctr"/>
+              <a:r>
+                <a:rPr lang="en-US" sz="1400" dirty="0"/>
+                <a:t>HEAD</a:t>
+              </a:r>
+            </a:p>
+          </p:txBody>
+        </p:sp>
+        <p:cxnSp>
+          <p:nvCxnSpPr>
+            <p:cNvPr id="176" name="Straight Arrow Connector 175">
+              <a:extLst>
+                <a:ext uri="{FF2B5EF4-FFF2-40B4-BE49-F238E27FC236}">
+                  <a16:creationId xmlns:a16="http://schemas.microsoft.com/office/drawing/2014/main" id="{E9D9F69B-4858-FD41-B2A5-D20219090234}"/>
+                </a:ext>
+              </a:extLst>
+            </p:cNvPr>
+            <p:cNvCxnSpPr>
+              <a:cxnSpLocks/>
+              <a:stCxn id="175" idx="2"/>
+              <a:endCxn id="170" idx="0"/>
+            </p:cNvCxnSpPr>
+            <p:nvPr/>
+          </p:nvCxnSpPr>
+          <p:spPr>
+            <a:xfrm>
+              <a:off x="7186720" y="3631364"/>
+              <a:ext cx="0" cy="117911"/>
+            </a:xfrm>
+            <a:prstGeom prst="straightConnector1">
+              <a:avLst/>
+            </a:prstGeom>
+            <a:ln>
+              <a:solidFill>
+                <a:schemeClr val="accent6">
+                  <a:lumMod val="75000"/>
+                </a:schemeClr>
+              </a:solidFill>
+              <a:tailEnd type="triangle"/>
+            </a:ln>
+          </p:spPr>
+          <p:style>
+            <a:lnRef idx="1">
+              <a:schemeClr val="accent1"/>
+            </a:lnRef>
+            <a:fillRef idx="0">
+              <a:schemeClr val="accent1"/>
+            </a:fillRef>
+            <a:effectRef idx="0">
+              <a:schemeClr val="accent1"/>
+            </a:effectRef>
+            <a:fontRef idx="minor">
+              <a:schemeClr val="tx1"/>
+            </a:fontRef>
+          </p:style>
+        </p:cxnSp>
+        <p:sp>
+          <p:nvSpPr>
+            <p:cNvPr id="177" name="Rounded Rectangle 176">
+              <a:extLst>
+                <a:ext uri="{FF2B5EF4-FFF2-40B4-BE49-F238E27FC236}">
+                  <a16:creationId xmlns:a16="http://schemas.microsoft.com/office/drawing/2014/main" id="{B1644627-6F07-594F-97FB-EA016D37A122}"/>
+                </a:ext>
+              </a:extLst>
+            </p:cNvPr>
+            <p:cNvSpPr/>
+            <p:nvPr/>
+          </p:nvSpPr>
+          <p:spPr>
+            <a:xfrm>
+              <a:off x="6500920" y="5484478"/>
+              <a:ext cx="1371600" cy="457200"/>
+            </a:xfrm>
+            <a:prstGeom prst="roundRect">
+              <a:avLst/>
+            </a:prstGeom>
+            <a:solidFill>
+              <a:schemeClr val="accent6">
+                <a:lumMod val="75000"/>
+              </a:schemeClr>
+            </a:solidFill>
+            <a:ln>
+              <a:noFill/>
+            </a:ln>
+          </p:spPr>
+          <p:style>
+            <a:lnRef idx="2">
+              <a:schemeClr val="accent6">
+                <a:shade val="50000"/>
+              </a:schemeClr>
+            </a:lnRef>
+            <a:fillRef idx="1">
+              <a:schemeClr val="accent6"/>
+            </a:fillRef>
+            <a:effectRef idx="0">
+              <a:schemeClr val="accent6"/>
+            </a:effectRef>
+            <a:fontRef idx="minor">
+              <a:schemeClr val="lt1"/>
+            </a:fontRef>
+          </p:style>
+          <p:txBody>
+            <a:bodyPr rtlCol="0" anchor="ctr"/>
+            <a:lstStyle/>
+            <a:p>
+              <a:pPr algn="ctr"/>
+              <a:r>
+                <a:rPr lang="en-US" sz="1400" dirty="0"/>
+                <a:t>branch1</a:t>
+              </a:r>
+            </a:p>
+          </p:txBody>
+        </p:sp>
+        <p:cxnSp>
+          <p:nvCxnSpPr>
+            <p:cNvPr id="178" name="Straight Arrow Connector 177">
+              <a:extLst>
+                <a:ext uri="{FF2B5EF4-FFF2-40B4-BE49-F238E27FC236}">
+                  <a16:creationId xmlns:a16="http://schemas.microsoft.com/office/drawing/2014/main" id="{150E5E83-E7A6-1F48-AE0E-2563C6A876B2}"/>
+                </a:ext>
+              </a:extLst>
+            </p:cNvPr>
+            <p:cNvCxnSpPr>
+              <a:cxnSpLocks/>
+              <a:stCxn id="177" idx="0"/>
+              <a:endCxn id="179" idx="2"/>
+            </p:cNvCxnSpPr>
+            <p:nvPr/>
+          </p:nvCxnSpPr>
+          <p:spPr>
+            <a:xfrm flipV="1">
+              <a:off x="7186720" y="5368002"/>
+              <a:ext cx="0" cy="116476"/>
+            </a:xfrm>
+            <a:prstGeom prst="straightConnector1">
+              <a:avLst/>
+            </a:prstGeom>
+            <a:ln>
+              <a:solidFill>
+                <a:schemeClr val="accent6">
+                  <a:lumMod val="75000"/>
+                </a:schemeClr>
+              </a:solidFill>
+              <a:tailEnd type="triangle"/>
+            </a:ln>
+          </p:spPr>
+          <p:style>
+            <a:lnRef idx="1">
+              <a:schemeClr val="accent1"/>
+            </a:lnRef>
+            <a:fillRef idx="0">
+              <a:schemeClr val="accent1"/>
+            </a:fillRef>
+            <a:effectRef idx="0">
+              <a:schemeClr val="accent1"/>
+            </a:effectRef>
+            <a:fontRef idx="minor">
+              <a:schemeClr val="tx1"/>
+            </a:fontRef>
+          </p:style>
+        </p:cxnSp>
+        <p:sp>
+          <p:nvSpPr>
+            <p:cNvPr id="179" name="Rounded Rectangle 178">
+              <a:extLst>
+                <a:ext uri="{FF2B5EF4-FFF2-40B4-BE49-F238E27FC236}">
+                  <a16:creationId xmlns:a16="http://schemas.microsoft.com/office/drawing/2014/main" id="{1AAA0108-69D4-624C-BECE-07DD75215C75}"/>
+                </a:ext>
+              </a:extLst>
+            </p:cNvPr>
+            <p:cNvSpPr/>
+            <p:nvPr/>
+          </p:nvSpPr>
+          <p:spPr>
+            <a:xfrm>
+              <a:off x="6729520" y="4910802"/>
+              <a:ext cx="914400" cy="457200"/>
+            </a:xfrm>
+            <a:prstGeom prst="roundRect">
+              <a:avLst/>
+            </a:prstGeom>
+            <a:solidFill>
+              <a:schemeClr val="accent4">
+                <a:lumMod val="75000"/>
+              </a:schemeClr>
+            </a:solidFill>
+            <a:ln>
+              <a:solidFill>
+                <a:schemeClr val="accent4">
+                  <a:lumMod val="75000"/>
+                </a:schemeClr>
+              </a:solidFill>
+            </a:ln>
+          </p:spPr>
+          <p:style>
+            <a:lnRef idx="2">
+              <a:schemeClr val="accent6">
+                <a:shade val="50000"/>
+              </a:schemeClr>
+            </a:lnRef>
+            <a:fillRef idx="1">
+              <a:schemeClr val="accent6"/>
+            </a:fillRef>
+            <a:effectRef idx="0">
+              <a:schemeClr val="accent6"/>
+            </a:effectRef>
+            <a:fontRef idx="minor">
+              <a:schemeClr val="lt1"/>
+            </a:fontRef>
+          </p:style>
+          <p:txBody>
+            <a:bodyPr rtlCol="0" anchor="ctr"/>
+            <a:lstStyle/>
+            <a:p>
+              <a:pPr algn="ctr"/>
+              <a:r>
+                <a:rPr lang="en-US" sz="1400" dirty="0"/>
+                <a:t>C3</a:t>
+              </a:r>
+            </a:p>
+          </p:txBody>
+        </p:sp>
+        <p:cxnSp>
+          <p:nvCxnSpPr>
+            <p:cNvPr id="180" name="Straight Arrow Connector 179">
+              <a:extLst>
+                <a:ext uri="{FF2B5EF4-FFF2-40B4-BE49-F238E27FC236}">
+                  <a16:creationId xmlns:a16="http://schemas.microsoft.com/office/drawing/2014/main" id="{F9CD69EC-BB8E-1D47-9EE9-3711B76A353A}"/>
+                </a:ext>
+              </a:extLst>
+            </p:cNvPr>
+            <p:cNvCxnSpPr>
+              <a:cxnSpLocks/>
+              <a:stCxn id="179" idx="1"/>
+              <a:endCxn id="172" idx="3"/>
+            </p:cNvCxnSpPr>
+            <p:nvPr/>
+          </p:nvCxnSpPr>
+          <p:spPr>
+            <a:xfrm flipH="1" flipV="1">
+              <a:off x="6412020" y="4827170"/>
+              <a:ext cx="317500" cy="312232"/>
+            </a:xfrm>
+            <a:prstGeom prst="straightConnector1">
+              <a:avLst/>
+            </a:prstGeom>
+            <a:ln>
+              <a:solidFill>
+                <a:schemeClr val="accent4">
+                  <a:lumMod val="75000"/>
+                </a:schemeClr>
+              </a:solidFill>
+              <a:tailEnd type="triangle"/>
+            </a:ln>
+          </p:spPr>
+          <p:style>
+            <a:lnRef idx="1">
+              <a:schemeClr val="accent1"/>
+            </a:lnRef>
+            <a:fillRef idx="0">
+              <a:schemeClr val="accent1"/>
+            </a:fillRef>
+            <a:effectRef idx="0">
+              <a:schemeClr val="accent1"/>
+            </a:effectRef>
+            <a:fontRef idx="minor">
+              <a:schemeClr val="tx1"/>
+            </a:fontRef>
+          </p:style>
+        </p:cxnSp>
+        <p:sp>
+          <p:nvSpPr>
+            <p:cNvPr id="182" name="Rounded Rectangle 181">
+              <a:extLst>
+                <a:ext uri="{FF2B5EF4-FFF2-40B4-BE49-F238E27FC236}">
+                  <a16:creationId xmlns:a16="http://schemas.microsoft.com/office/drawing/2014/main" id="{419382A3-E156-964A-8317-BACF6BB7C337}"/>
+                </a:ext>
+              </a:extLst>
+            </p:cNvPr>
+            <p:cNvSpPr/>
+            <p:nvPr/>
+          </p:nvSpPr>
+          <p:spPr>
+            <a:xfrm>
+              <a:off x="6729520" y="4328154"/>
+              <a:ext cx="914400" cy="457200"/>
+            </a:xfrm>
+            <a:prstGeom prst="roundRect">
+              <a:avLst/>
+            </a:prstGeom>
+            <a:solidFill>
+              <a:schemeClr val="accent4">
+                <a:lumMod val="75000"/>
+              </a:schemeClr>
+            </a:solidFill>
+            <a:ln>
+              <a:solidFill>
+                <a:schemeClr val="accent4">
+                  <a:lumMod val="75000"/>
+                </a:schemeClr>
+              </a:solidFill>
+            </a:ln>
+          </p:spPr>
+          <p:style>
+            <a:lnRef idx="2">
+              <a:schemeClr val="accent6">
+                <a:shade val="50000"/>
+              </a:schemeClr>
+            </a:lnRef>
+            <a:fillRef idx="1">
+              <a:schemeClr val="accent6"/>
+            </a:fillRef>
+            <a:effectRef idx="0">
+              <a:schemeClr val="accent6"/>
+            </a:effectRef>
+            <a:fontRef idx="minor">
+              <a:schemeClr val="lt1"/>
+            </a:fontRef>
+          </p:style>
+          <p:txBody>
+            <a:bodyPr rtlCol="0" anchor="ctr"/>
+            <a:lstStyle/>
+            <a:p>
+              <a:pPr algn="ctr"/>
+              <a:r>
+                <a:rPr lang="en-US" sz="1400" dirty="0"/>
+                <a:t>C2</a:t>
+              </a:r>
+            </a:p>
+          </p:txBody>
+        </p:sp>
+        <p:cxnSp>
+          <p:nvCxnSpPr>
+            <p:cNvPr id="183" name="Straight Arrow Connector 182">
+              <a:extLst>
+                <a:ext uri="{FF2B5EF4-FFF2-40B4-BE49-F238E27FC236}">
+                  <a16:creationId xmlns:a16="http://schemas.microsoft.com/office/drawing/2014/main" id="{F07BC876-6D19-AC4A-9A8C-512BF8A2445E}"/>
+                </a:ext>
+              </a:extLst>
+            </p:cNvPr>
+            <p:cNvCxnSpPr>
+              <a:cxnSpLocks/>
+              <a:stCxn id="182" idx="1"/>
+              <a:endCxn id="172" idx="3"/>
+            </p:cNvCxnSpPr>
+            <p:nvPr/>
+          </p:nvCxnSpPr>
+          <p:spPr>
+            <a:xfrm flipH="1">
+              <a:off x="6412020" y="4556754"/>
+              <a:ext cx="317500" cy="270416"/>
+            </a:xfrm>
+            <a:prstGeom prst="straightConnector1">
+              <a:avLst/>
+            </a:prstGeom>
+            <a:ln>
+              <a:solidFill>
+                <a:schemeClr val="accent4">
+                  <a:lumMod val="75000"/>
+                </a:schemeClr>
+              </a:solidFill>
+              <a:tailEnd type="triangle"/>
+            </a:ln>
+          </p:spPr>
+          <p:style>
+            <a:lnRef idx="1">
+              <a:schemeClr val="accent1"/>
+            </a:lnRef>
+            <a:fillRef idx="0">
+              <a:schemeClr val="accent1"/>
+            </a:fillRef>
+            <a:effectRef idx="0">
+              <a:schemeClr val="accent1"/>
+            </a:effectRef>
+            <a:fontRef idx="minor">
+              <a:schemeClr val="tx1"/>
+            </a:fontRef>
+          </p:style>
+        </p:cxnSp>
+      </p:grpSp>
+      <p:sp>
+        <p:nvSpPr>
+          <p:cNvPr id="195" name="Right Arrow 194">
+            <a:extLst>
+              <a:ext uri="{FF2B5EF4-FFF2-40B4-BE49-F238E27FC236}">
+                <a16:creationId xmlns:a16="http://schemas.microsoft.com/office/drawing/2014/main" id="{55FABE4E-9FF1-3048-8EE0-12A733E4D19E}"/>
+              </a:ext>
+            </a:extLst>
+          </p:cNvPr>
+          <p:cNvSpPr/>
+          <p:nvPr/>
+        </p:nvSpPr>
+        <p:spPr>
+          <a:xfrm>
+            <a:off x="3943753" y="4708816"/>
+            <a:ext cx="158750" cy="228600"/>
+          </a:xfrm>
+          <a:prstGeom prst="rightArrow">
+            <a:avLst/>
+          </a:prstGeom>
+          <a:noFill/>
+          <a:ln>
+            <a:solidFill>
+              <a:srgbClr val="FF0000"/>
+            </a:solidFill>
+          </a:ln>
+        </p:spPr>
+        <p:style>
+          <a:lnRef idx="2">
+            <a:schemeClr val="accent1">
+              <a:shade val="50000"/>
+            </a:schemeClr>
+          </a:lnRef>
+          <a:fillRef idx="1">
+            <a:schemeClr val="accent1"/>
+          </a:fillRef>
+          <a:effectRef idx="0">
+            <a:schemeClr val="accent1"/>
+          </a:effectRef>
+          <a:fontRef idx="minor">
+            <a:schemeClr val="lt1"/>
+          </a:fontRef>
+        </p:style>
+        <p:txBody>
+          <a:bodyPr rtlCol="0" anchor="ctr"/>
+          <a:lstStyle/>
+          <a:p>
+            <a:pPr algn="ctr"/>
+            <a:endParaRPr lang="en-US"/>
+          </a:p>
+        </p:txBody>
+      </p:sp>
+      <p:grpSp>
+        <p:nvGrpSpPr>
+          <p:cNvPr id="6" name="Group 5">
+            <a:extLst>
+              <a:ext uri="{FF2B5EF4-FFF2-40B4-BE49-F238E27FC236}">
+                <a16:creationId xmlns:a16="http://schemas.microsoft.com/office/drawing/2014/main" id="{1FCA31CE-01C4-1547-B64B-1569C6C57082}"/>
+              </a:ext>
+            </a:extLst>
+          </p:cNvPr>
+          <p:cNvGrpSpPr/>
+          <p:nvPr/>
+        </p:nvGrpSpPr>
+        <p:grpSpPr>
+          <a:xfrm>
+            <a:off x="4265720" y="55600"/>
+            <a:ext cx="3606800" cy="2181098"/>
+            <a:chOff x="4059656" y="55600"/>
+            <a:chExt cx="3606800" cy="2181098"/>
+          </a:xfrm>
+        </p:grpSpPr>
+        <p:sp>
+          <p:nvSpPr>
+            <p:cNvPr id="79" name="Rounded Rectangle 78">
+              <a:extLst>
+                <a:ext uri="{FF2B5EF4-FFF2-40B4-BE49-F238E27FC236}">
+                  <a16:creationId xmlns:a16="http://schemas.microsoft.com/office/drawing/2014/main" id="{0BAE7196-D9B1-4C47-AA52-24C769D04D84}"/>
+                </a:ext>
+              </a:extLst>
+            </p:cNvPr>
+            <p:cNvSpPr/>
+            <p:nvPr/>
+          </p:nvSpPr>
+          <p:spPr>
+            <a:xfrm>
+              <a:off x="5062956" y="630711"/>
+              <a:ext cx="1371600" cy="457200"/>
+            </a:xfrm>
+            <a:prstGeom prst="roundRect">
+              <a:avLst/>
+            </a:prstGeom>
+            <a:solidFill>
+              <a:schemeClr val="accent6">
+                <a:lumMod val="75000"/>
+              </a:schemeClr>
+            </a:solidFill>
+            <a:ln>
+              <a:noFill/>
+            </a:ln>
+          </p:spPr>
+          <p:style>
+            <a:lnRef idx="2">
+              <a:schemeClr val="accent6">
+                <a:shade val="50000"/>
+              </a:schemeClr>
+            </a:lnRef>
+            <a:fillRef idx="1">
+              <a:schemeClr val="accent6"/>
+            </a:fillRef>
+            <a:effectRef idx="0">
+              <a:schemeClr val="accent6"/>
+            </a:effectRef>
+            <a:fontRef idx="minor">
+              <a:schemeClr val="lt1"/>
+            </a:fontRef>
+          </p:style>
+          <p:txBody>
+            <a:bodyPr rtlCol="0" anchor="ctr"/>
+            <a:lstStyle/>
+            <a:p>
+              <a:pPr algn="ctr"/>
+              <a:r>
+                <a:rPr lang="en-US" sz="1400" dirty="0"/>
+                <a:t>master</a:t>
+              </a:r>
+            </a:p>
+          </p:txBody>
+        </p:sp>
+        <p:sp>
+          <p:nvSpPr>
+            <p:cNvPr id="80" name="Rounded Rectangle 79">
+              <a:extLst>
+                <a:ext uri="{FF2B5EF4-FFF2-40B4-BE49-F238E27FC236}">
+                  <a16:creationId xmlns:a16="http://schemas.microsoft.com/office/drawing/2014/main" id="{2E7020F2-B277-D04B-9EFA-CC07F427BC66}"/>
+                </a:ext>
+              </a:extLst>
+            </p:cNvPr>
+            <p:cNvSpPr/>
+            <p:nvPr/>
+          </p:nvSpPr>
+          <p:spPr>
+            <a:xfrm>
+              <a:off x="4059656" y="1205822"/>
+              <a:ext cx="914400" cy="457200"/>
+            </a:xfrm>
+            <a:prstGeom prst="roundRect">
+              <a:avLst/>
+            </a:prstGeom>
+            <a:solidFill>
+              <a:schemeClr val="accent4">
+                <a:lumMod val="75000"/>
+              </a:schemeClr>
+            </a:solidFill>
+            <a:ln>
+              <a:solidFill>
+                <a:schemeClr val="accent4">
+                  <a:lumMod val="75000"/>
+                </a:schemeClr>
+              </a:solidFill>
+            </a:ln>
+          </p:spPr>
+          <p:style>
+            <a:lnRef idx="2">
+              <a:schemeClr val="accent6">
+                <a:shade val="50000"/>
+              </a:schemeClr>
+            </a:lnRef>
+            <a:fillRef idx="1">
+              <a:schemeClr val="accent6"/>
+            </a:fillRef>
+            <a:effectRef idx="0">
+              <a:schemeClr val="accent6"/>
+            </a:effectRef>
+            <a:fontRef idx="minor">
+              <a:schemeClr val="lt1"/>
+            </a:fontRef>
+          </p:style>
+          <p:txBody>
+            <a:bodyPr rtlCol="0" anchor="ctr"/>
+            <a:lstStyle/>
+            <a:p>
+              <a:pPr algn="ctr"/>
+              <a:r>
+                <a:rPr lang="en-US" sz="1400" dirty="0"/>
+                <a:t>C1</a:t>
+              </a:r>
+            </a:p>
+          </p:txBody>
+        </p:sp>
+        <p:sp>
+          <p:nvSpPr>
+            <p:cNvPr id="81" name="Rounded Rectangle 80">
+              <a:extLst>
+                <a:ext uri="{FF2B5EF4-FFF2-40B4-BE49-F238E27FC236}">
+                  <a16:creationId xmlns:a16="http://schemas.microsoft.com/office/drawing/2014/main" id="{2D074A0C-085C-0E45-9A95-CAC7182647B6}"/>
+                </a:ext>
+              </a:extLst>
+            </p:cNvPr>
+            <p:cNvSpPr/>
+            <p:nvPr/>
+          </p:nvSpPr>
+          <p:spPr>
+            <a:xfrm>
+              <a:off x="5291556" y="1205822"/>
+              <a:ext cx="914400" cy="457200"/>
+            </a:xfrm>
+            <a:prstGeom prst="roundRect">
+              <a:avLst/>
+            </a:prstGeom>
+            <a:solidFill>
+              <a:schemeClr val="accent4">
+                <a:lumMod val="75000"/>
+              </a:schemeClr>
+            </a:solidFill>
+            <a:ln>
+              <a:solidFill>
+                <a:schemeClr val="accent4">
+                  <a:lumMod val="75000"/>
+                </a:schemeClr>
+              </a:solidFill>
+            </a:ln>
+          </p:spPr>
+          <p:style>
+            <a:lnRef idx="2">
+              <a:schemeClr val="accent6">
+                <a:shade val="50000"/>
+              </a:schemeClr>
+            </a:lnRef>
+            <a:fillRef idx="1">
+              <a:schemeClr val="accent6"/>
+            </a:fillRef>
+            <a:effectRef idx="0">
+              <a:schemeClr val="accent6"/>
+            </a:effectRef>
+            <a:fontRef idx="minor">
+              <a:schemeClr val="lt1"/>
+            </a:fontRef>
+          </p:style>
+          <p:txBody>
+            <a:bodyPr rtlCol="0" anchor="ctr"/>
+            <a:lstStyle/>
+            <a:p>
+              <a:pPr algn="ctr"/>
+              <a:r>
+                <a:rPr lang="en-US" sz="1400" dirty="0"/>
+                <a:t>C2</a:t>
+              </a:r>
+            </a:p>
+          </p:txBody>
+        </p:sp>
+        <p:cxnSp>
+          <p:nvCxnSpPr>
+            <p:cNvPr id="82" name="Straight Arrow Connector 81">
+              <a:extLst>
+                <a:ext uri="{FF2B5EF4-FFF2-40B4-BE49-F238E27FC236}">
+                  <a16:creationId xmlns:a16="http://schemas.microsoft.com/office/drawing/2014/main" id="{01568BF3-20AD-EF41-9C66-4E2454872138}"/>
+                </a:ext>
+              </a:extLst>
+            </p:cNvPr>
+            <p:cNvCxnSpPr>
+              <a:cxnSpLocks/>
+              <a:stCxn id="81" idx="1"/>
+              <a:endCxn id="80" idx="3"/>
+            </p:cNvCxnSpPr>
+            <p:nvPr/>
+          </p:nvCxnSpPr>
+          <p:spPr>
+            <a:xfrm flipH="1">
+              <a:off x="4974056" y="1434422"/>
+              <a:ext cx="317500" cy="0"/>
+            </a:xfrm>
+            <a:prstGeom prst="straightConnector1">
+              <a:avLst/>
+            </a:prstGeom>
+            <a:ln>
+              <a:solidFill>
+                <a:schemeClr val="accent4">
+                  <a:lumMod val="75000"/>
+                </a:schemeClr>
+              </a:solidFill>
+              <a:tailEnd type="triangle"/>
+            </a:ln>
+          </p:spPr>
+          <p:style>
+            <a:lnRef idx="1">
+              <a:schemeClr val="accent1"/>
+            </a:lnRef>
+            <a:fillRef idx="0">
+              <a:schemeClr val="accent1"/>
+            </a:fillRef>
+            <a:effectRef idx="0">
+              <a:schemeClr val="accent1"/>
+            </a:effectRef>
+            <a:fontRef idx="minor">
+              <a:schemeClr val="tx1"/>
+            </a:fontRef>
+          </p:style>
+        </p:cxnSp>
+        <p:cxnSp>
+          <p:nvCxnSpPr>
+            <p:cNvPr id="83" name="Straight Arrow Connector 82">
+              <a:extLst>
+                <a:ext uri="{FF2B5EF4-FFF2-40B4-BE49-F238E27FC236}">
+                  <a16:creationId xmlns:a16="http://schemas.microsoft.com/office/drawing/2014/main" id="{94822680-17A1-7A4D-B8E2-1191C9818BB9}"/>
+                </a:ext>
+              </a:extLst>
+            </p:cNvPr>
+            <p:cNvCxnSpPr>
+              <a:cxnSpLocks/>
+              <a:stCxn id="79" idx="2"/>
+              <a:endCxn id="81" idx="0"/>
+            </p:cNvCxnSpPr>
+            <p:nvPr/>
+          </p:nvCxnSpPr>
+          <p:spPr>
+            <a:xfrm>
+              <a:off x="5748756" y="1087911"/>
+              <a:ext cx="0" cy="117911"/>
+            </a:xfrm>
+            <a:prstGeom prst="straightConnector1">
+              <a:avLst/>
+            </a:prstGeom>
+            <a:ln>
+              <a:solidFill>
+                <a:schemeClr val="accent6">
+                  <a:lumMod val="75000"/>
+                </a:schemeClr>
+              </a:solidFill>
+              <a:tailEnd type="triangle"/>
+            </a:ln>
+          </p:spPr>
+          <p:style>
+            <a:lnRef idx="1">
+              <a:schemeClr val="accent1"/>
+            </a:lnRef>
+            <a:fillRef idx="0">
+              <a:schemeClr val="accent1"/>
+            </a:fillRef>
+            <a:effectRef idx="0">
+              <a:schemeClr val="accent1"/>
+            </a:effectRef>
+            <a:fontRef idx="minor">
+              <a:schemeClr val="tx1"/>
+            </a:fontRef>
+          </p:style>
+        </p:cxnSp>
+        <p:sp>
+          <p:nvSpPr>
+            <p:cNvPr id="84" name="Rounded Rectangle 83">
+              <a:extLst>
+                <a:ext uri="{FF2B5EF4-FFF2-40B4-BE49-F238E27FC236}">
+                  <a16:creationId xmlns:a16="http://schemas.microsoft.com/office/drawing/2014/main" id="{CDCEE1C2-2B59-B641-BC37-B036E2C0F754}"/>
+                </a:ext>
+              </a:extLst>
+            </p:cNvPr>
+            <p:cNvSpPr/>
+            <p:nvPr/>
+          </p:nvSpPr>
+          <p:spPr>
+            <a:xfrm>
+              <a:off x="5062956" y="55600"/>
+              <a:ext cx="1371600" cy="457200"/>
+            </a:xfrm>
+            <a:prstGeom prst="roundRect">
+              <a:avLst/>
+            </a:prstGeom>
+            <a:solidFill>
+              <a:schemeClr val="accent6">
+                <a:lumMod val="75000"/>
+              </a:schemeClr>
+            </a:solidFill>
+            <a:ln>
+              <a:noFill/>
+            </a:ln>
+          </p:spPr>
+          <p:style>
+            <a:lnRef idx="2">
+              <a:schemeClr val="accent6">
+                <a:shade val="50000"/>
+              </a:schemeClr>
+            </a:lnRef>
+            <a:fillRef idx="1">
+              <a:schemeClr val="accent6"/>
+            </a:fillRef>
+            <a:effectRef idx="0">
+              <a:schemeClr val="accent6"/>
+            </a:effectRef>
+            <a:fontRef idx="minor">
+              <a:schemeClr val="lt1"/>
+            </a:fontRef>
+          </p:style>
+          <p:txBody>
+            <a:bodyPr rtlCol="0" anchor="ctr"/>
+            <a:lstStyle/>
+            <a:p>
+              <a:pPr algn="ctr"/>
+              <a:r>
+                <a:rPr lang="en-US" sz="1400" dirty="0"/>
+                <a:t>HEAD</a:t>
+              </a:r>
+            </a:p>
+          </p:txBody>
+        </p:sp>
+        <p:cxnSp>
+          <p:nvCxnSpPr>
+            <p:cNvPr id="85" name="Straight Arrow Connector 84">
+              <a:extLst>
+                <a:ext uri="{FF2B5EF4-FFF2-40B4-BE49-F238E27FC236}">
+                  <a16:creationId xmlns:a16="http://schemas.microsoft.com/office/drawing/2014/main" id="{2F5D254A-9CDA-4F4D-8930-9D79ECE8AF1C}"/>
+                </a:ext>
+              </a:extLst>
+            </p:cNvPr>
+            <p:cNvCxnSpPr>
+              <a:cxnSpLocks/>
+              <a:stCxn id="84" idx="2"/>
+              <a:endCxn id="79" idx="0"/>
+            </p:cNvCxnSpPr>
+            <p:nvPr/>
+          </p:nvCxnSpPr>
+          <p:spPr>
+            <a:xfrm>
+              <a:off x="5748756" y="512800"/>
+              <a:ext cx="0" cy="117911"/>
+            </a:xfrm>
+            <a:prstGeom prst="straightConnector1">
+              <a:avLst/>
+            </a:prstGeom>
+            <a:ln>
+              <a:solidFill>
+                <a:schemeClr val="accent6">
+                  <a:lumMod val="75000"/>
+                </a:schemeClr>
+              </a:solidFill>
+              <a:tailEnd type="triangle"/>
+            </a:ln>
+          </p:spPr>
+          <p:style>
+            <a:lnRef idx="1">
+              <a:schemeClr val="accent1"/>
+            </a:lnRef>
+            <a:fillRef idx="0">
+              <a:schemeClr val="accent1"/>
+            </a:fillRef>
+            <a:effectRef idx="0">
+              <a:schemeClr val="accent1"/>
+            </a:effectRef>
+            <a:fontRef idx="minor">
+              <a:schemeClr val="tx1"/>
+            </a:fontRef>
+          </p:style>
+        </p:cxnSp>
+        <p:sp>
+          <p:nvSpPr>
+            <p:cNvPr id="86" name="Rounded Rectangle 85">
+              <a:extLst>
+                <a:ext uri="{FF2B5EF4-FFF2-40B4-BE49-F238E27FC236}">
+                  <a16:creationId xmlns:a16="http://schemas.microsoft.com/office/drawing/2014/main" id="{763F3928-9208-7442-AD05-4BEC2043604E}"/>
+                </a:ext>
+              </a:extLst>
+            </p:cNvPr>
+            <p:cNvSpPr/>
+            <p:nvPr/>
+          </p:nvSpPr>
+          <p:spPr>
+            <a:xfrm>
+              <a:off x="6294856" y="1779498"/>
+              <a:ext cx="1371600" cy="457200"/>
+            </a:xfrm>
+            <a:prstGeom prst="roundRect">
+              <a:avLst/>
+            </a:prstGeom>
+            <a:solidFill>
+              <a:schemeClr val="accent6">
+                <a:lumMod val="75000"/>
+              </a:schemeClr>
+            </a:solidFill>
+            <a:ln>
+              <a:noFill/>
+            </a:ln>
+          </p:spPr>
+          <p:style>
+            <a:lnRef idx="2">
+              <a:schemeClr val="accent6">
+                <a:shade val="50000"/>
+              </a:schemeClr>
+            </a:lnRef>
+            <a:fillRef idx="1">
+              <a:schemeClr val="accent6"/>
+            </a:fillRef>
+            <a:effectRef idx="0">
+              <a:schemeClr val="accent6"/>
+            </a:effectRef>
+            <a:fontRef idx="minor">
+              <a:schemeClr val="lt1"/>
+            </a:fontRef>
+          </p:style>
+          <p:txBody>
+            <a:bodyPr rtlCol="0" anchor="ctr"/>
+            <a:lstStyle/>
+            <a:p>
+              <a:pPr algn="ctr"/>
+              <a:r>
+                <a:rPr lang="en-US" sz="1400" dirty="0"/>
+                <a:t>branch1</a:t>
+              </a:r>
+            </a:p>
+          </p:txBody>
+        </p:sp>
+        <p:cxnSp>
+          <p:nvCxnSpPr>
+            <p:cNvPr id="88" name="Straight Arrow Connector 87">
+              <a:extLst>
+                <a:ext uri="{FF2B5EF4-FFF2-40B4-BE49-F238E27FC236}">
+                  <a16:creationId xmlns:a16="http://schemas.microsoft.com/office/drawing/2014/main" id="{456C0E73-818A-FD4D-98CC-577320BD78CC}"/>
+                </a:ext>
+              </a:extLst>
+            </p:cNvPr>
+            <p:cNvCxnSpPr>
+              <a:cxnSpLocks/>
+              <a:stCxn id="86" idx="0"/>
+              <a:endCxn id="91" idx="2"/>
+            </p:cNvCxnSpPr>
+            <p:nvPr/>
+          </p:nvCxnSpPr>
+          <p:spPr>
+            <a:xfrm flipV="1">
+              <a:off x="6980656" y="1663022"/>
+              <a:ext cx="0" cy="116476"/>
+            </a:xfrm>
+            <a:prstGeom prst="straightConnector1">
+              <a:avLst/>
+            </a:prstGeom>
+            <a:ln>
+              <a:solidFill>
+                <a:schemeClr val="accent6">
+                  <a:lumMod val="75000"/>
+                </a:schemeClr>
+              </a:solidFill>
+              <a:tailEnd type="triangle"/>
+            </a:ln>
+          </p:spPr>
+          <p:style>
+            <a:lnRef idx="1">
+              <a:schemeClr val="accent1"/>
+            </a:lnRef>
+            <a:fillRef idx="0">
+              <a:schemeClr val="accent1"/>
+            </a:fillRef>
+            <a:effectRef idx="0">
+              <a:schemeClr val="accent1"/>
+            </a:effectRef>
+            <a:fontRef idx="minor">
+              <a:schemeClr val="tx1"/>
+            </a:fontRef>
+          </p:style>
+        </p:cxnSp>
+        <p:sp>
+          <p:nvSpPr>
+            <p:cNvPr id="91" name="Rounded Rectangle 90">
+              <a:extLst>
+                <a:ext uri="{FF2B5EF4-FFF2-40B4-BE49-F238E27FC236}">
+                  <a16:creationId xmlns:a16="http://schemas.microsoft.com/office/drawing/2014/main" id="{3C6EE27B-4C9E-B34E-B17F-258AB1C6223E}"/>
+                </a:ext>
+              </a:extLst>
+            </p:cNvPr>
+            <p:cNvSpPr/>
+            <p:nvPr/>
+          </p:nvSpPr>
+          <p:spPr>
+            <a:xfrm>
+              <a:off x="6523456" y="1205822"/>
+              <a:ext cx="914400" cy="457200"/>
+            </a:xfrm>
+            <a:prstGeom prst="roundRect">
+              <a:avLst/>
+            </a:prstGeom>
+            <a:solidFill>
+              <a:schemeClr val="accent4">
+                <a:lumMod val="75000"/>
+              </a:schemeClr>
+            </a:solidFill>
+            <a:ln>
+              <a:solidFill>
+                <a:schemeClr val="accent4">
+                  <a:lumMod val="75000"/>
+                </a:schemeClr>
+              </a:solidFill>
+            </a:ln>
+          </p:spPr>
+          <p:style>
+            <a:lnRef idx="2">
+              <a:schemeClr val="accent6">
+                <a:shade val="50000"/>
+              </a:schemeClr>
+            </a:lnRef>
+            <a:fillRef idx="1">
+              <a:schemeClr val="accent6"/>
+            </a:fillRef>
+            <a:effectRef idx="0">
+              <a:schemeClr val="accent6"/>
+            </a:effectRef>
+            <a:fontRef idx="minor">
+              <a:schemeClr val="lt1"/>
+            </a:fontRef>
+          </p:style>
+          <p:txBody>
+            <a:bodyPr rtlCol="0" anchor="ctr"/>
+            <a:lstStyle/>
+            <a:p>
+              <a:pPr algn="ctr"/>
+              <a:r>
+                <a:rPr lang="en-US" sz="1400" dirty="0"/>
+                <a:t>C3</a:t>
+              </a:r>
+            </a:p>
+          </p:txBody>
+        </p:sp>
+        <p:cxnSp>
+          <p:nvCxnSpPr>
+            <p:cNvPr id="98" name="Straight Arrow Connector 97">
+              <a:extLst>
+                <a:ext uri="{FF2B5EF4-FFF2-40B4-BE49-F238E27FC236}">
+                  <a16:creationId xmlns:a16="http://schemas.microsoft.com/office/drawing/2014/main" id="{EEC2ECF6-35F4-EA48-A0F2-0C651CE177D0}"/>
+                </a:ext>
+              </a:extLst>
+            </p:cNvPr>
+            <p:cNvCxnSpPr>
+              <a:cxnSpLocks/>
+              <a:stCxn id="91" idx="1"/>
+              <a:endCxn id="81" idx="3"/>
+            </p:cNvCxnSpPr>
+            <p:nvPr/>
+          </p:nvCxnSpPr>
+          <p:spPr>
+            <a:xfrm flipH="1">
+              <a:off x="6205956" y="1434422"/>
+              <a:ext cx="317500" cy="0"/>
+            </a:xfrm>
+            <a:prstGeom prst="straightConnector1">
+              <a:avLst/>
+            </a:prstGeom>
+            <a:ln>
+              <a:solidFill>
+                <a:schemeClr val="accent4">
+                  <a:lumMod val="75000"/>
+                </a:schemeClr>
+              </a:solidFill>
+              <a:tailEnd type="triangle"/>
+            </a:ln>
+          </p:spPr>
+          <p:style>
+            <a:lnRef idx="1">
+              <a:schemeClr val="accent1"/>
+            </a:lnRef>
+            <a:fillRef idx="0">
+              <a:schemeClr val="accent1"/>
+            </a:fillRef>
+            <a:effectRef idx="0">
+              <a:schemeClr val="accent1"/>
+            </a:effectRef>
+            <a:fontRef idx="minor">
+              <a:schemeClr val="tx1"/>
+            </a:fontRef>
+          </p:style>
+        </p:cxnSp>
+      </p:grpSp>
+      <p:sp>
+        <p:nvSpPr>
+          <p:cNvPr id="101" name="TextBox 100">
+            <a:extLst>
+              <a:ext uri="{FF2B5EF4-FFF2-40B4-BE49-F238E27FC236}">
+                <a16:creationId xmlns:a16="http://schemas.microsoft.com/office/drawing/2014/main" id="{46DB628D-5E46-1A4C-AECA-DC2B09CCA2EC}"/>
+              </a:ext>
+            </a:extLst>
+          </p:cNvPr>
+          <p:cNvSpPr txBox="1"/>
+          <p:nvPr/>
+        </p:nvSpPr>
+        <p:spPr>
+          <a:xfrm>
+            <a:off x="4852522" y="2854311"/>
+            <a:ext cx="2440092" cy="307777"/>
+          </a:xfrm>
+          <a:prstGeom prst="rect">
+            <a:avLst/>
+          </a:prstGeom>
+          <a:noFill/>
+        </p:spPr>
+        <p:txBody>
+          <a:bodyPr wrap="none" rtlCol="0">
+            <a:spAutoFit/>
+          </a:bodyPr>
+          <a:lstStyle/>
+          <a:p>
+            <a:r>
+              <a:rPr lang="en-US" sz="1400" dirty="0">
+                <a:latin typeface="Courier" pitchFamily="2" charset="0"/>
+              </a:rPr>
+              <a:t>$ git checkout master</a:t>
+            </a:r>
+          </a:p>
+        </p:txBody>
+      </p:sp>
+      <p:grpSp>
+        <p:nvGrpSpPr>
+          <p:cNvPr id="13" name="Group 12">
+            <a:extLst>
+              <a:ext uri="{FF2B5EF4-FFF2-40B4-BE49-F238E27FC236}">
+                <a16:creationId xmlns:a16="http://schemas.microsoft.com/office/drawing/2014/main" id="{2C2D789C-3D91-CE48-93FA-3CDF911247BB}"/>
+              </a:ext>
+            </a:extLst>
+          </p:cNvPr>
+          <p:cNvGrpSpPr/>
+          <p:nvPr/>
+        </p:nvGrpSpPr>
+        <p:grpSpPr>
+          <a:xfrm>
+            <a:off x="8491477" y="55600"/>
+            <a:ext cx="3606800" cy="2181098"/>
+            <a:chOff x="8491477" y="55600"/>
+            <a:chExt cx="3606800" cy="2181098"/>
+          </a:xfrm>
+        </p:grpSpPr>
+        <p:sp>
+          <p:nvSpPr>
+            <p:cNvPr id="103" name="Rounded Rectangle 102">
+              <a:extLst>
+                <a:ext uri="{FF2B5EF4-FFF2-40B4-BE49-F238E27FC236}">
+                  <a16:creationId xmlns:a16="http://schemas.microsoft.com/office/drawing/2014/main" id="{9C74625E-A84F-1A45-942C-2CE513DFF366}"/>
+                </a:ext>
+              </a:extLst>
+            </p:cNvPr>
+            <p:cNvSpPr/>
+            <p:nvPr/>
+          </p:nvSpPr>
+          <p:spPr>
+            <a:xfrm>
+              <a:off x="10725253" y="630711"/>
+              <a:ext cx="1371600" cy="457200"/>
+            </a:xfrm>
+            <a:prstGeom prst="roundRect">
+              <a:avLst/>
+            </a:prstGeom>
+            <a:solidFill>
+              <a:schemeClr val="accent6">
+                <a:lumMod val="75000"/>
+              </a:schemeClr>
+            </a:solidFill>
+            <a:ln>
+              <a:noFill/>
+            </a:ln>
+          </p:spPr>
+          <p:style>
+            <a:lnRef idx="2">
+              <a:schemeClr val="accent6">
+                <a:shade val="50000"/>
+              </a:schemeClr>
+            </a:lnRef>
+            <a:fillRef idx="1">
+              <a:schemeClr val="accent6"/>
+            </a:fillRef>
+            <a:effectRef idx="0">
+              <a:schemeClr val="accent6"/>
+            </a:effectRef>
+            <a:fontRef idx="minor">
+              <a:schemeClr val="lt1"/>
+            </a:fontRef>
+          </p:style>
+          <p:txBody>
+            <a:bodyPr rtlCol="0" anchor="ctr"/>
+            <a:lstStyle/>
+            <a:p>
+              <a:pPr algn="ctr"/>
+              <a:r>
+                <a:rPr lang="en-US" sz="1400" dirty="0"/>
+                <a:t>master</a:t>
+              </a:r>
+            </a:p>
+          </p:txBody>
+        </p:sp>
+        <p:sp>
+          <p:nvSpPr>
+            <p:cNvPr id="104" name="Rounded Rectangle 103">
+              <a:extLst>
+                <a:ext uri="{FF2B5EF4-FFF2-40B4-BE49-F238E27FC236}">
+                  <a16:creationId xmlns:a16="http://schemas.microsoft.com/office/drawing/2014/main" id="{7BE993C3-3E14-B040-A10D-EA21D129AFC7}"/>
+                </a:ext>
+              </a:extLst>
+            </p:cNvPr>
+            <p:cNvSpPr/>
+            <p:nvPr/>
+          </p:nvSpPr>
+          <p:spPr>
+            <a:xfrm>
+              <a:off x="8491477" y="1205822"/>
+              <a:ext cx="914400" cy="457200"/>
+            </a:xfrm>
+            <a:prstGeom prst="roundRect">
+              <a:avLst/>
+            </a:prstGeom>
+            <a:solidFill>
+              <a:schemeClr val="accent4">
+                <a:lumMod val="75000"/>
+              </a:schemeClr>
+            </a:solidFill>
+            <a:ln>
+              <a:solidFill>
+                <a:schemeClr val="accent4">
+                  <a:lumMod val="75000"/>
+                </a:schemeClr>
+              </a:solidFill>
+            </a:ln>
+          </p:spPr>
+          <p:style>
+            <a:lnRef idx="2">
+              <a:schemeClr val="accent6">
+                <a:shade val="50000"/>
+              </a:schemeClr>
+            </a:lnRef>
+            <a:fillRef idx="1">
+              <a:schemeClr val="accent6"/>
+            </a:fillRef>
+            <a:effectRef idx="0">
+              <a:schemeClr val="accent6"/>
+            </a:effectRef>
+            <a:fontRef idx="minor">
+              <a:schemeClr val="lt1"/>
+            </a:fontRef>
+          </p:style>
+          <p:txBody>
+            <a:bodyPr rtlCol="0" anchor="ctr"/>
+            <a:lstStyle/>
+            <a:p>
+              <a:pPr algn="ctr"/>
+              <a:r>
+                <a:rPr lang="en-US" sz="1400" dirty="0"/>
+                <a:t>C1</a:t>
+              </a:r>
+            </a:p>
+          </p:txBody>
+        </p:sp>
+        <p:sp>
+          <p:nvSpPr>
+            <p:cNvPr id="105" name="Rounded Rectangle 104">
+              <a:extLst>
+                <a:ext uri="{FF2B5EF4-FFF2-40B4-BE49-F238E27FC236}">
+                  <a16:creationId xmlns:a16="http://schemas.microsoft.com/office/drawing/2014/main" id="{8E998763-F14B-CE42-AC72-1A9356265289}"/>
+                </a:ext>
+              </a:extLst>
+            </p:cNvPr>
+            <p:cNvSpPr/>
+            <p:nvPr/>
+          </p:nvSpPr>
+          <p:spPr>
+            <a:xfrm>
+              <a:off x="9723377" y="1205822"/>
+              <a:ext cx="914400" cy="457200"/>
+            </a:xfrm>
+            <a:prstGeom prst="roundRect">
+              <a:avLst/>
+            </a:prstGeom>
+            <a:solidFill>
+              <a:schemeClr val="accent4">
+                <a:lumMod val="75000"/>
+              </a:schemeClr>
+            </a:solidFill>
+            <a:ln>
+              <a:solidFill>
+                <a:schemeClr val="accent4">
+                  <a:lumMod val="75000"/>
+                </a:schemeClr>
+              </a:solidFill>
+            </a:ln>
+          </p:spPr>
+          <p:style>
+            <a:lnRef idx="2">
+              <a:schemeClr val="accent6">
+                <a:shade val="50000"/>
+              </a:schemeClr>
+            </a:lnRef>
+            <a:fillRef idx="1">
+              <a:schemeClr val="accent6"/>
+            </a:fillRef>
+            <a:effectRef idx="0">
+              <a:schemeClr val="accent6"/>
+            </a:effectRef>
+            <a:fontRef idx="minor">
+              <a:schemeClr val="lt1"/>
+            </a:fontRef>
+          </p:style>
+          <p:txBody>
+            <a:bodyPr rtlCol="0" anchor="ctr"/>
+            <a:lstStyle/>
+            <a:p>
+              <a:pPr algn="ctr"/>
+              <a:r>
+                <a:rPr lang="en-US" sz="1400" dirty="0"/>
+                <a:t>C2</a:t>
+              </a:r>
+            </a:p>
+          </p:txBody>
+        </p:sp>
+        <p:cxnSp>
+          <p:nvCxnSpPr>
+            <p:cNvPr id="106" name="Straight Arrow Connector 105">
+              <a:extLst>
+                <a:ext uri="{FF2B5EF4-FFF2-40B4-BE49-F238E27FC236}">
+                  <a16:creationId xmlns:a16="http://schemas.microsoft.com/office/drawing/2014/main" id="{CABCE6D1-DBAF-4541-BB21-E41D17246E09}"/>
+                </a:ext>
+              </a:extLst>
+            </p:cNvPr>
+            <p:cNvCxnSpPr>
+              <a:cxnSpLocks/>
+              <a:stCxn id="105" idx="1"/>
+              <a:endCxn id="104" idx="3"/>
+            </p:cNvCxnSpPr>
+            <p:nvPr/>
+          </p:nvCxnSpPr>
+          <p:spPr>
+            <a:xfrm flipH="1">
+              <a:off x="9405877" y="1434422"/>
+              <a:ext cx="317500" cy="0"/>
+            </a:xfrm>
+            <a:prstGeom prst="straightConnector1">
+              <a:avLst/>
+            </a:prstGeom>
+            <a:ln>
+              <a:solidFill>
+                <a:schemeClr val="accent4">
+                  <a:lumMod val="75000"/>
+                </a:schemeClr>
+              </a:solidFill>
+              <a:tailEnd type="triangle"/>
+            </a:ln>
+          </p:spPr>
+          <p:style>
+            <a:lnRef idx="1">
+              <a:schemeClr val="accent1"/>
+            </a:lnRef>
+            <a:fillRef idx="0">
+              <a:schemeClr val="accent1"/>
+            </a:fillRef>
+            <a:effectRef idx="0">
+              <a:schemeClr val="accent1"/>
+            </a:effectRef>
+            <a:fontRef idx="minor">
+              <a:schemeClr val="tx1"/>
+            </a:fontRef>
+          </p:style>
+        </p:cxnSp>
+        <p:cxnSp>
+          <p:nvCxnSpPr>
+            <p:cNvPr id="107" name="Straight Arrow Connector 106">
+              <a:extLst>
+                <a:ext uri="{FF2B5EF4-FFF2-40B4-BE49-F238E27FC236}">
+                  <a16:creationId xmlns:a16="http://schemas.microsoft.com/office/drawing/2014/main" id="{0F436EB6-D79E-0947-828B-9C41C5B21DB0}"/>
+                </a:ext>
+              </a:extLst>
+            </p:cNvPr>
+            <p:cNvCxnSpPr>
+              <a:cxnSpLocks/>
+              <a:stCxn id="103" idx="2"/>
+              <a:endCxn id="112" idx="0"/>
+            </p:cNvCxnSpPr>
+            <p:nvPr/>
+          </p:nvCxnSpPr>
+          <p:spPr>
+            <a:xfrm>
+              <a:off x="11411053" y="1087911"/>
+              <a:ext cx="1424" cy="117911"/>
+            </a:xfrm>
+            <a:prstGeom prst="straightConnector1">
+              <a:avLst/>
+            </a:prstGeom>
+            <a:ln>
+              <a:solidFill>
+                <a:schemeClr val="accent6">
+                  <a:lumMod val="75000"/>
+                </a:schemeClr>
+              </a:solidFill>
+              <a:tailEnd type="triangle"/>
+            </a:ln>
+          </p:spPr>
+          <p:style>
+            <a:lnRef idx="1">
+              <a:schemeClr val="accent1"/>
+            </a:lnRef>
+            <a:fillRef idx="0">
+              <a:schemeClr val="accent1"/>
+            </a:fillRef>
+            <a:effectRef idx="0">
+              <a:schemeClr val="accent1"/>
+            </a:effectRef>
+            <a:fontRef idx="minor">
+              <a:schemeClr val="tx1"/>
+            </a:fontRef>
+          </p:style>
+        </p:cxnSp>
+        <p:sp>
+          <p:nvSpPr>
+            <p:cNvPr id="108" name="Rounded Rectangle 107">
+              <a:extLst>
+                <a:ext uri="{FF2B5EF4-FFF2-40B4-BE49-F238E27FC236}">
+                  <a16:creationId xmlns:a16="http://schemas.microsoft.com/office/drawing/2014/main" id="{E9ACE954-6336-0041-AE71-FB974E86008B}"/>
+                </a:ext>
+              </a:extLst>
+            </p:cNvPr>
+            <p:cNvSpPr/>
+            <p:nvPr/>
+          </p:nvSpPr>
+          <p:spPr>
+            <a:xfrm>
+              <a:off x="10725253" y="55600"/>
+              <a:ext cx="1371600" cy="457200"/>
+            </a:xfrm>
+            <a:prstGeom prst="roundRect">
+              <a:avLst/>
+            </a:prstGeom>
+            <a:solidFill>
+              <a:schemeClr val="accent6">
+                <a:lumMod val="75000"/>
+              </a:schemeClr>
+            </a:solidFill>
+            <a:ln>
+              <a:noFill/>
+            </a:ln>
+          </p:spPr>
+          <p:style>
+            <a:lnRef idx="2">
+              <a:schemeClr val="accent6">
+                <a:shade val="50000"/>
+              </a:schemeClr>
+            </a:lnRef>
+            <a:fillRef idx="1">
+              <a:schemeClr val="accent6"/>
+            </a:fillRef>
+            <a:effectRef idx="0">
+              <a:schemeClr val="accent6"/>
+            </a:effectRef>
+            <a:fontRef idx="minor">
+              <a:schemeClr val="lt1"/>
+            </a:fontRef>
+          </p:style>
+          <p:txBody>
+            <a:bodyPr rtlCol="0" anchor="ctr"/>
+            <a:lstStyle/>
+            <a:p>
+              <a:pPr algn="ctr"/>
+              <a:r>
+                <a:rPr lang="en-US" sz="1400" dirty="0"/>
+                <a:t>HEAD</a:t>
+              </a:r>
+            </a:p>
+          </p:txBody>
+        </p:sp>
+        <p:cxnSp>
+          <p:nvCxnSpPr>
+            <p:cNvPr id="109" name="Straight Arrow Connector 108">
+              <a:extLst>
+                <a:ext uri="{FF2B5EF4-FFF2-40B4-BE49-F238E27FC236}">
+                  <a16:creationId xmlns:a16="http://schemas.microsoft.com/office/drawing/2014/main" id="{F1B324D3-1BB4-E741-BF17-F39C7086C83A}"/>
+                </a:ext>
+              </a:extLst>
+            </p:cNvPr>
+            <p:cNvCxnSpPr>
+              <a:cxnSpLocks/>
+              <a:stCxn id="108" idx="2"/>
+              <a:endCxn id="103" idx="0"/>
+            </p:cNvCxnSpPr>
+            <p:nvPr/>
+          </p:nvCxnSpPr>
+          <p:spPr>
+            <a:xfrm>
+              <a:off x="11411053" y="512800"/>
+              <a:ext cx="0" cy="117911"/>
+            </a:xfrm>
+            <a:prstGeom prst="straightConnector1">
+              <a:avLst/>
+            </a:prstGeom>
+            <a:ln>
+              <a:solidFill>
+                <a:schemeClr val="accent6">
+                  <a:lumMod val="75000"/>
+                </a:schemeClr>
+              </a:solidFill>
+              <a:tailEnd type="triangle"/>
+            </a:ln>
+          </p:spPr>
+          <p:style>
+            <a:lnRef idx="1">
+              <a:schemeClr val="accent1"/>
+            </a:lnRef>
+            <a:fillRef idx="0">
+              <a:schemeClr val="accent1"/>
+            </a:fillRef>
+            <a:effectRef idx="0">
+              <a:schemeClr val="accent1"/>
+            </a:effectRef>
+            <a:fontRef idx="minor">
+              <a:schemeClr val="tx1"/>
+            </a:fontRef>
+          </p:style>
+        </p:cxnSp>
+        <p:sp>
+          <p:nvSpPr>
+            <p:cNvPr id="110" name="Rounded Rectangle 109">
+              <a:extLst>
+                <a:ext uri="{FF2B5EF4-FFF2-40B4-BE49-F238E27FC236}">
+                  <a16:creationId xmlns:a16="http://schemas.microsoft.com/office/drawing/2014/main" id="{90B7894A-46E5-734C-BF5A-0E4730859DFC}"/>
+                </a:ext>
+              </a:extLst>
+            </p:cNvPr>
+            <p:cNvSpPr/>
+            <p:nvPr/>
+          </p:nvSpPr>
+          <p:spPr>
+            <a:xfrm>
+              <a:off x="10726677" y="1779498"/>
+              <a:ext cx="1371600" cy="457200"/>
+            </a:xfrm>
+            <a:prstGeom prst="roundRect">
+              <a:avLst/>
+            </a:prstGeom>
+            <a:solidFill>
+              <a:schemeClr val="accent6">
+                <a:lumMod val="75000"/>
+              </a:schemeClr>
+            </a:solidFill>
+            <a:ln>
+              <a:noFill/>
+            </a:ln>
+          </p:spPr>
+          <p:style>
+            <a:lnRef idx="2">
+              <a:schemeClr val="accent6">
+                <a:shade val="50000"/>
+              </a:schemeClr>
+            </a:lnRef>
+            <a:fillRef idx="1">
+              <a:schemeClr val="accent6"/>
+            </a:fillRef>
+            <a:effectRef idx="0">
+              <a:schemeClr val="accent6"/>
+            </a:effectRef>
+            <a:fontRef idx="minor">
+              <a:schemeClr val="lt1"/>
+            </a:fontRef>
+          </p:style>
+          <p:txBody>
+            <a:bodyPr rtlCol="0" anchor="ctr"/>
+            <a:lstStyle/>
+            <a:p>
+              <a:pPr algn="ctr"/>
+              <a:r>
+                <a:rPr lang="en-US" sz="1400" dirty="0"/>
+                <a:t>branch1</a:t>
+              </a:r>
+            </a:p>
+          </p:txBody>
+        </p:sp>
+        <p:cxnSp>
+          <p:nvCxnSpPr>
+            <p:cNvPr id="111" name="Straight Arrow Connector 110">
+              <a:extLst>
+                <a:ext uri="{FF2B5EF4-FFF2-40B4-BE49-F238E27FC236}">
+                  <a16:creationId xmlns:a16="http://schemas.microsoft.com/office/drawing/2014/main" id="{15BB2294-F9ED-1548-8037-93667C2E30E4}"/>
+                </a:ext>
+              </a:extLst>
+            </p:cNvPr>
+            <p:cNvCxnSpPr>
+              <a:cxnSpLocks/>
+              <a:stCxn id="110" idx="0"/>
+              <a:endCxn id="112" idx="2"/>
+            </p:cNvCxnSpPr>
+            <p:nvPr/>
+          </p:nvCxnSpPr>
+          <p:spPr>
+            <a:xfrm flipV="1">
+              <a:off x="11412477" y="1663022"/>
+              <a:ext cx="0" cy="116476"/>
+            </a:xfrm>
+            <a:prstGeom prst="straightConnector1">
+              <a:avLst/>
+            </a:prstGeom>
+            <a:ln>
+              <a:solidFill>
+                <a:schemeClr val="accent6">
+                  <a:lumMod val="75000"/>
+                </a:schemeClr>
+              </a:solidFill>
+              <a:tailEnd type="triangle"/>
+            </a:ln>
+          </p:spPr>
+          <p:style>
+            <a:lnRef idx="1">
+              <a:schemeClr val="accent1"/>
+            </a:lnRef>
+            <a:fillRef idx="0">
+              <a:schemeClr val="accent1"/>
+            </a:fillRef>
+            <a:effectRef idx="0">
+              <a:schemeClr val="accent1"/>
+            </a:effectRef>
+            <a:fontRef idx="minor">
+              <a:schemeClr val="tx1"/>
+            </a:fontRef>
+          </p:style>
+        </p:cxnSp>
+        <p:sp>
+          <p:nvSpPr>
+            <p:cNvPr id="112" name="Rounded Rectangle 111">
+              <a:extLst>
+                <a:ext uri="{FF2B5EF4-FFF2-40B4-BE49-F238E27FC236}">
+                  <a16:creationId xmlns:a16="http://schemas.microsoft.com/office/drawing/2014/main" id="{2842BD68-B2DC-6945-A861-CAFCB080B9C0}"/>
+                </a:ext>
+              </a:extLst>
+            </p:cNvPr>
+            <p:cNvSpPr/>
+            <p:nvPr/>
+          </p:nvSpPr>
+          <p:spPr>
+            <a:xfrm>
+              <a:off x="10955277" y="1205822"/>
+              <a:ext cx="914400" cy="457200"/>
+            </a:xfrm>
+            <a:prstGeom prst="roundRect">
+              <a:avLst/>
+            </a:prstGeom>
+            <a:solidFill>
+              <a:schemeClr val="accent4">
+                <a:lumMod val="75000"/>
+              </a:schemeClr>
+            </a:solidFill>
+            <a:ln>
+              <a:solidFill>
+                <a:schemeClr val="accent4">
+                  <a:lumMod val="75000"/>
+                </a:schemeClr>
+              </a:solidFill>
+            </a:ln>
+          </p:spPr>
+          <p:style>
+            <a:lnRef idx="2">
+              <a:schemeClr val="accent6">
+                <a:shade val="50000"/>
+              </a:schemeClr>
+            </a:lnRef>
+            <a:fillRef idx="1">
+              <a:schemeClr val="accent6"/>
+            </a:fillRef>
+            <a:effectRef idx="0">
+              <a:schemeClr val="accent6"/>
+            </a:effectRef>
+            <a:fontRef idx="minor">
+              <a:schemeClr val="lt1"/>
+            </a:fontRef>
+          </p:style>
+          <p:txBody>
+            <a:bodyPr rtlCol="0" anchor="ctr"/>
+            <a:lstStyle/>
+            <a:p>
+              <a:pPr algn="ctr"/>
+              <a:r>
+                <a:rPr lang="en-US" sz="1400" dirty="0"/>
+                <a:t>C3</a:t>
+              </a:r>
+            </a:p>
+          </p:txBody>
+        </p:sp>
+        <p:cxnSp>
+          <p:nvCxnSpPr>
+            <p:cNvPr id="113" name="Straight Arrow Connector 112">
+              <a:extLst>
+                <a:ext uri="{FF2B5EF4-FFF2-40B4-BE49-F238E27FC236}">
+                  <a16:creationId xmlns:a16="http://schemas.microsoft.com/office/drawing/2014/main" id="{763458D6-5D3A-2F41-88FB-F73DAEA8638F}"/>
+                </a:ext>
+              </a:extLst>
+            </p:cNvPr>
+            <p:cNvCxnSpPr>
+              <a:cxnSpLocks/>
+              <a:stCxn id="112" idx="1"/>
+              <a:endCxn id="105" idx="3"/>
+            </p:cNvCxnSpPr>
+            <p:nvPr/>
+          </p:nvCxnSpPr>
+          <p:spPr>
+            <a:xfrm flipH="1">
+              <a:off x="10637777" y="1434422"/>
+              <a:ext cx="317500" cy="0"/>
+            </a:xfrm>
+            <a:prstGeom prst="straightConnector1">
+              <a:avLst/>
+            </a:prstGeom>
+            <a:ln>
+              <a:solidFill>
+                <a:schemeClr val="accent4">
+                  <a:lumMod val="75000"/>
+                </a:schemeClr>
+              </a:solidFill>
+              <a:tailEnd type="triangle"/>
+            </a:ln>
+          </p:spPr>
+          <p:style>
+            <a:lnRef idx="1">
+              <a:schemeClr val="accent1"/>
+            </a:lnRef>
+            <a:fillRef idx="0">
+              <a:schemeClr val="accent1"/>
+            </a:fillRef>
+            <a:effectRef idx="0">
+              <a:schemeClr val="accent1"/>
+            </a:effectRef>
+            <a:fontRef idx="minor">
+              <a:schemeClr val="tx1"/>
+            </a:fontRef>
+          </p:style>
+        </p:cxnSp>
+      </p:grpSp>
+      <p:sp>
+        <p:nvSpPr>
+          <p:cNvPr id="114" name="TextBox 113">
+            <a:extLst>
+              <a:ext uri="{FF2B5EF4-FFF2-40B4-BE49-F238E27FC236}">
+                <a16:creationId xmlns:a16="http://schemas.microsoft.com/office/drawing/2014/main" id="{6056B64E-575E-2D45-AF2A-BC663816EB81}"/>
+              </a:ext>
+            </a:extLst>
+          </p:cNvPr>
+          <p:cNvSpPr txBox="1"/>
+          <p:nvPr/>
+        </p:nvSpPr>
+        <p:spPr>
+          <a:xfrm>
+            <a:off x="8994019" y="2854311"/>
+            <a:ext cx="2225289" cy="307777"/>
+          </a:xfrm>
+          <a:prstGeom prst="rect">
+            <a:avLst/>
+          </a:prstGeom>
+          <a:noFill/>
+        </p:spPr>
+        <p:txBody>
+          <a:bodyPr wrap="none" rtlCol="0">
+            <a:spAutoFit/>
+          </a:bodyPr>
+          <a:lstStyle/>
+          <a:p>
+            <a:r>
+              <a:rPr lang="en-US" sz="1400" dirty="0">
+                <a:latin typeface="Courier" pitchFamily="2" charset="0"/>
+              </a:rPr>
+              <a:t>$ git merge branch1</a:t>
+            </a:r>
+          </a:p>
+        </p:txBody>
+      </p:sp>
+      <p:grpSp>
+        <p:nvGrpSpPr>
+          <p:cNvPr id="16" name="Group 15">
+            <a:extLst>
+              <a:ext uri="{FF2B5EF4-FFF2-40B4-BE49-F238E27FC236}">
+                <a16:creationId xmlns:a16="http://schemas.microsoft.com/office/drawing/2014/main" id="{D528F024-B8A4-F74B-B31C-2C43D5571FC9}"/>
+              </a:ext>
+            </a:extLst>
+          </p:cNvPr>
+          <p:cNvGrpSpPr/>
+          <p:nvPr/>
+        </p:nvGrpSpPr>
+        <p:grpSpPr>
+          <a:xfrm>
+            <a:off x="39962" y="3748108"/>
+            <a:ext cx="2374900" cy="2767310"/>
+            <a:chOff x="1271862" y="3748108"/>
+            <a:chExt cx="2374900" cy="2767310"/>
+          </a:xfrm>
+        </p:grpSpPr>
+        <p:sp>
+          <p:nvSpPr>
+            <p:cNvPr id="116" name="Rounded Rectangle 115">
+              <a:extLst>
+                <a:ext uri="{FF2B5EF4-FFF2-40B4-BE49-F238E27FC236}">
+                  <a16:creationId xmlns:a16="http://schemas.microsoft.com/office/drawing/2014/main" id="{36B97C23-CBF5-F545-81B2-CAFEC74EF9F3}"/>
+                </a:ext>
+              </a:extLst>
+            </p:cNvPr>
+            <p:cNvSpPr/>
+            <p:nvPr/>
+          </p:nvSpPr>
+          <p:spPr>
+            <a:xfrm>
+              <a:off x="2275162" y="3748108"/>
+              <a:ext cx="1371600" cy="457200"/>
+            </a:xfrm>
+            <a:prstGeom prst="roundRect">
+              <a:avLst/>
+            </a:prstGeom>
+            <a:solidFill>
+              <a:schemeClr val="accent6">
+                <a:lumMod val="75000"/>
+              </a:schemeClr>
+            </a:solidFill>
+            <a:ln>
+              <a:noFill/>
+            </a:ln>
+          </p:spPr>
+          <p:style>
+            <a:lnRef idx="2">
+              <a:schemeClr val="accent6">
+                <a:shade val="50000"/>
+              </a:schemeClr>
+            </a:lnRef>
+            <a:fillRef idx="1">
+              <a:schemeClr val="accent6"/>
+            </a:fillRef>
+            <a:effectRef idx="0">
+              <a:schemeClr val="accent6"/>
+            </a:effectRef>
+            <a:fontRef idx="minor">
+              <a:schemeClr val="lt1"/>
+            </a:fontRef>
+          </p:style>
+          <p:txBody>
+            <a:bodyPr rtlCol="0" anchor="ctr"/>
+            <a:lstStyle/>
+            <a:p>
+              <a:pPr algn="ctr"/>
+              <a:r>
+                <a:rPr lang="en-US" sz="1400" dirty="0"/>
+                <a:t>master</a:t>
+              </a:r>
+            </a:p>
+          </p:txBody>
+        </p:sp>
+        <p:sp>
+          <p:nvSpPr>
+            <p:cNvPr id="118" name="Rounded Rectangle 117">
+              <a:extLst>
+                <a:ext uri="{FF2B5EF4-FFF2-40B4-BE49-F238E27FC236}">
+                  <a16:creationId xmlns:a16="http://schemas.microsoft.com/office/drawing/2014/main" id="{D5A3E739-B58A-2747-A32C-FBAFD099B3F4}"/>
+                </a:ext>
+              </a:extLst>
+            </p:cNvPr>
+            <p:cNvSpPr/>
+            <p:nvPr/>
+          </p:nvSpPr>
+          <p:spPr>
+            <a:xfrm>
+              <a:off x="1271862" y="4597403"/>
+              <a:ext cx="914400" cy="457200"/>
+            </a:xfrm>
+            <a:prstGeom prst="roundRect">
+              <a:avLst/>
+            </a:prstGeom>
+            <a:solidFill>
+              <a:schemeClr val="accent4">
+                <a:lumMod val="75000"/>
+              </a:schemeClr>
+            </a:solidFill>
+            <a:ln>
+              <a:solidFill>
+                <a:schemeClr val="accent4">
+                  <a:lumMod val="75000"/>
+                </a:schemeClr>
+              </a:solidFill>
+            </a:ln>
+          </p:spPr>
+          <p:style>
+            <a:lnRef idx="2">
+              <a:schemeClr val="accent6">
+                <a:shade val="50000"/>
+              </a:schemeClr>
+            </a:lnRef>
+            <a:fillRef idx="1">
+              <a:schemeClr val="accent6"/>
+            </a:fillRef>
+            <a:effectRef idx="0">
+              <a:schemeClr val="accent6"/>
+            </a:effectRef>
+            <a:fontRef idx="minor">
+              <a:schemeClr val="lt1"/>
+            </a:fontRef>
+          </p:style>
+          <p:txBody>
+            <a:bodyPr rtlCol="0" anchor="ctr"/>
+            <a:lstStyle/>
+            <a:p>
+              <a:pPr algn="ctr"/>
+              <a:r>
+                <a:rPr lang="en-US" sz="1400" dirty="0"/>
+                <a:t>C1</a:t>
+              </a:r>
+            </a:p>
+          </p:txBody>
+        </p:sp>
+        <p:cxnSp>
+          <p:nvCxnSpPr>
+            <p:cNvPr id="120" name="Straight Arrow Connector 119">
+              <a:extLst>
+                <a:ext uri="{FF2B5EF4-FFF2-40B4-BE49-F238E27FC236}">
+                  <a16:creationId xmlns:a16="http://schemas.microsoft.com/office/drawing/2014/main" id="{605DD8E4-894A-ED4A-B678-FA2740D4BF96}"/>
+                </a:ext>
+              </a:extLst>
+            </p:cNvPr>
+            <p:cNvCxnSpPr>
+              <a:cxnSpLocks/>
+              <a:stCxn id="116" idx="2"/>
+              <a:endCxn id="127" idx="0"/>
+            </p:cNvCxnSpPr>
+            <p:nvPr/>
+          </p:nvCxnSpPr>
+          <p:spPr>
+            <a:xfrm>
+              <a:off x="2960962" y="4205308"/>
+              <a:ext cx="0" cy="121679"/>
+            </a:xfrm>
+            <a:prstGeom prst="straightConnector1">
+              <a:avLst/>
+            </a:prstGeom>
+            <a:ln>
+              <a:solidFill>
+                <a:schemeClr val="accent6">
+                  <a:lumMod val="75000"/>
+                </a:schemeClr>
+              </a:solidFill>
+              <a:tailEnd type="triangle"/>
+            </a:ln>
+          </p:spPr>
+          <p:style>
+            <a:lnRef idx="1">
+              <a:schemeClr val="accent1"/>
+            </a:lnRef>
+            <a:fillRef idx="0">
+              <a:schemeClr val="accent1"/>
+            </a:fillRef>
+            <a:effectRef idx="0">
+              <a:schemeClr val="accent1"/>
+            </a:effectRef>
+            <a:fontRef idx="minor">
+              <a:schemeClr val="tx1"/>
+            </a:fontRef>
+          </p:style>
+        </p:cxnSp>
+        <p:sp>
+          <p:nvSpPr>
+            <p:cNvPr id="121" name="Rounded Rectangle 120">
+              <a:extLst>
+                <a:ext uri="{FF2B5EF4-FFF2-40B4-BE49-F238E27FC236}">
+                  <a16:creationId xmlns:a16="http://schemas.microsoft.com/office/drawing/2014/main" id="{CBE487D7-F955-5F44-B481-4621F8353221}"/>
+                </a:ext>
+              </a:extLst>
+            </p:cNvPr>
+            <p:cNvSpPr/>
+            <p:nvPr/>
+          </p:nvSpPr>
+          <p:spPr>
+            <a:xfrm>
+              <a:off x="2275162" y="6058218"/>
+              <a:ext cx="1371600" cy="457200"/>
+            </a:xfrm>
+            <a:prstGeom prst="roundRect">
+              <a:avLst/>
+            </a:prstGeom>
+            <a:solidFill>
+              <a:schemeClr val="accent6">
+                <a:lumMod val="75000"/>
+              </a:schemeClr>
+            </a:solidFill>
+            <a:ln>
+              <a:noFill/>
+            </a:ln>
+          </p:spPr>
+          <p:style>
+            <a:lnRef idx="2">
+              <a:schemeClr val="accent6">
+                <a:shade val="50000"/>
+              </a:schemeClr>
+            </a:lnRef>
+            <a:fillRef idx="1">
+              <a:schemeClr val="accent6"/>
+            </a:fillRef>
+            <a:effectRef idx="0">
+              <a:schemeClr val="accent6"/>
+            </a:effectRef>
+            <a:fontRef idx="minor">
+              <a:schemeClr val="lt1"/>
+            </a:fontRef>
+          </p:style>
+          <p:txBody>
+            <a:bodyPr rtlCol="0" anchor="ctr"/>
+            <a:lstStyle/>
+            <a:p>
+              <a:pPr algn="ctr"/>
+              <a:r>
+                <a:rPr lang="en-US" sz="1400" dirty="0"/>
+                <a:t>HEAD</a:t>
+              </a:r>
+            </a:p>
+          </p:txBody>
+        </p:sp>
+        <p:cxnSp>
+          <p:nvCxnSpPr>
+            <p:cNvPr id="122" name="Straight Arrow Connector 121">
+              <a:extLst>
+                <a:ext uri="{FF2B5EF4-FFF2-40B4-BE49-F238E27FC236}">
+                  <a16:creationId xmlns:a16="http://schemas.microsoft.com/office/drawing/2014/main" id="{AF75E0F3-82B1-6140-8A8D-657CA7ED5D52}"/>
+                </a:ext>
+              </a:extLst>
+            </p:cNvPr>
+            <p:cNvCxnSpPr>
+              <a:cxnSpLocks/>
+              <a:stCxn id="121" idx="0"/>
+              <a:endCxn id="123" idx="2"/>
+            </p:cNvCxnSpPr>
+            <p:nvPr/>
+          </p:nvCxnSpPr>
+          <p:spPr>
+            <a:xfrm flipV="1">
+              <a:off x="2960962" y="5940511"/>
+              <a:ext cx="0" cy="117707"/>
+            </a:xfrm>
+            <a:prstGeom prst="straightConnector1">
+              <a:avLst/>
+            </a:prstGeom>
+            <a:ln>
+              <a:solidFill>
+                <a:schemeClr val="accent6">
+                  <a:lumMod val="75000"/>
+                </a:schemeClr>
+              </a:solidFill>
+              <a:tailEnd type="triangle"/>
+            </a:ln>
+          </p:spPr>
+          <p:style>
+            <a:lnRef idx="1">
+              <a:schemeClr val="accent1"/>
+            </a:lnRef>
+            <a:fillRef idx="0">
+              <a:schemeClr val="accent1"/>
+            </a:fillRef>
+            <a:effectRef idx="0">
+              <a:schemeClr val="accent1"/>
+            </a:effectRef>
+            <a:fontRef idx="minor">
+              <a:schemeClr val="tx1"/>
+            </a:fontRef>
+          </p:style>
+        </p:cxnSp>
+        <p:sp>
+          <p:nvSpPr>
+            <p:cNvPr id="123" name="Rounded Rectangle 122">
+              <a:extLst>
+                <a:ext uri="{FF2B5EF4-FFF2-40B4-BE49-F238E27FC236}">
+                  <a16:creationId xmlns:a16="http://schemas.microsoft.com/office/drawing/2014/main" id="{E8C8FB69-3DDB-C74D-8E77-4FF9C49485B4}"/>
+                </a:ext>
+              </a:extLst>
+            </p:cNvPr>
+            <p:cNvSpPr/>
+            <p:nvPr/>
+          </p:nvSpPr>
+          <p:spPr>
+            <a:xfrm>
+              <a:off x="2275162" y="5483311"/>
+              <a:ext cx="1371600" cy="457200"/>
+            </a:xfrm>
+            <a:prstGeom prst="roundRect">
+              <a:avLst/>
+            </a:prstGeom>
+            <a:solidFill>
+              <a:schemeClr val="accent6">
+                <a:lumMod val="75000"/>
+              </a:schemeClr>
+            </a:solidFill>
+            <a:ln>
+              <a:noFill/>
+            </a:ln>
+          </p:spPr>
+          <p:style>
+            <a:lnRef idx="2">
+              <a:schemeClr val="accent6">
+                <a:shade val="50000"/>
+              </a:schemeClr>
+            </a:lnRef>
+            <a:fillRef idx="1">
+              <a:schemeClr val="accent6"/>
+            </a:fillRef>
+            <a:effectRef idx="0">
+              <a:schemeClr val="accent6"/>
+            </a:effectRef>
+            <a:fontRef idx="minor">
+              <a:schemeClr val="lt1"/>
+            </a:fontRef>
+          </p:style>
+          <p:txBody>
+            <a:bodyPr rtlCol="0" anchor="ctr"/>
+            <a:lstStyle/>
+            <a:p>
+              <a:pPr algn="ctr"/>
+              <a:r>
+                <a:rPr lang="en-US" sz="1400" dirty="0"/>
+                <a:t>branch1</a:t>
+              </a:r>
+            </a:p>
+          </p:txBody>
+        </p:sp>
+        <p:cxnSp>
+          <p:nvCxnSpPr>
+            <p:cNvPr id="124" name="Straight Arrow Connector 123">
+              <a:extLst>
+                <a:ext uri="{FF2B5EF4-FFF2-40B4-BE49-F238E27FC236}">
+                  <a16:creationId xmlns:a16="http://schemas.microsoft.com/office/drawing/2014/main" id="{25D52FC5-FD59-AF4E-A364-ECC135AF41D9}"/>
+                </a:ext>
+              </a:extLst>
+            </p:cNvPr>
+            <p:cNvCxnSpPr>
+              <a:cxnSpLocks/>
+              <a:stCxn id="123" idx="0"/>
+              <a:endCxn id="125" idx="2"/>
+            </p:cNvCxnSpPr>
+            <p:nvPr/>
+          </p:nvCxnSpPr>
+          <p:spPr>
+            <a:xfrm flipV="1">
+              <a:off x="2960962" y="5366835"/>
+              <a:ext cx="0" cy="116476"/>
+            </a:xfrm>
+            <a:prstGeom prst="straightConnector1">
+              <a:avLst/>
+            </a:prstGeom>
+            <a:ln>
+              <a:solidFill>
+                <a:schemeClr val="accent6">
+                  <a:lumMod val="75000"/>
+                </a:schemeClr>
+              </a:solidFill>
+              <a:tailEnd type="triangle"/>
+            </a:ln>
+          </p:spPr>
+          <p:style>
+            <a:lnRef idx="1">
+              <a:schemeClr val="accent1"/>
+            </a:lnRef>
+            <a:fillRef idx="0">
+              <a:schemeClr val="accent1"/>
+            </a:fillRef>
+            <a:effectRef idx="0">
+              <a:schemeClr val="accent1"/>
+            </a:effectRef>
+            <a:fontRef idx="minor">
+              <a:schemeClr val="tx1"/>
+            </a:fontRef>
+          </p:style>
+        </p:cxnSp>
+        <p:sp>
+          <p:nvSpPr>
+            <p:cNvPr id="125" name="Rounded Rectangle 124">
+              <a:extLst>
+                <a:ext uri="{FF2B5EF4-FFF2-40B4-BE49-F238E27FC236}">
+                  <a16:creationId xmlns:a16="http://schemas.microsoft.com/office/drawing/2014/main" id="{1F231C0F-D2EB-204B-8588-A9C2BC61A1DC}"/>
+                </a:ext>
+              </a:extLst>
+            </p:cNvPr>
+            <p:cNvSpPr/>
+            <p:nvPr/>
+          </p:nvSpPr>
+          <p:spPr>
+            <a:xfrm>
+              <a:off x="2503762" y="4909635"/>
+              <a:ext cx="914400" cy="457200"/>
+            </a:xfrm>
+            <a:prstGeom prst="roundRect">
+              <a:avLst/>
+            </a:prstGeom>
+            <a:solidFill>
+              <a:schemeClr val="accent4">
+                <a:lumMod val="75000"/>
+              </a:schemeClr>
+            </a:solidFill>
+            <a:ln>
+              <a:solidFill>
+                <a:schemeClr val="accent4">
+                  <a:lumMod val="75000"/>
+                </a:schemeClr>
+              </a:solidFill>
+            </a:ln>
+          </p:spPr>
+          <p:style>
+            <a:lnRef idx="2">
+              <a:schemeClr val="accent6">
+                <a:shade val="50000"/>
+              </a:schemeClr>
+            </a:lnRef>
+            <a:fillRef idx="1">
+              <a:schemeClr val="accent6"/>
+            </a:fillRef>
+            <a:effectRef idx="0">
+              <a:schemeClr val="accent6"/>
+            </a:effectRef>
+            <a:fontRef idx="minor">
+              <a:schemeClr val="lt1"/>
+            </a:fontRef>
+          </p:style>
+          <p:txBody>
+            <a:bodyPr rtlCol="0" anchor="ctr"/>
+            <a:lstStyle/>
+            <a:p>
+              <a:pPr algn="ctr"/>
+              <a:r>
+                <a:rPr lang="en-US" sz="1400" dirty="0"/>
+                <a:t>C3</a:t>
+              </a:r>
+            </a:p>
+          </p:txBody>
+        </p:sp>
+        <p:cxnSp>
+          <p:nvCxnSpPr>
+            <p:cNvPr id="126" name="Straight Arrow Connector 125">
+              <a:extLst>
+                <a:ext uri="{FF2B5EF4-FFF2-40B4-BE49-F238E27FC236}">
+                  <a16:creationId xmlns:a16="http://schemas.microsoft.com/office/drawing/2014/main" id="{F728766A-132E-314F-9763-B0C7D4084376}"/>
+                </a:ext>
+              </a:extLst>
+            </p:cNvPr>
+            <p:cNvCxnSpPr>
+              <a:cxnSpLocks/>
+              <a:stCxn id="125" idx="1"/>
+              <a:endCxn id="118" idx="3"/>
+            </p:cNvCxnSpPr>
+            <p:nvPr/>
+          </p:nvCxnSpPr>
+          <p:spPr>
+            <a:xfrm flipH="1" flipV="1">
+              <a:off x="2186262" y="4826003"/>
+              <a:ext cx="317500" cy="312232"/>
+            </a:xfrm>
+            <a:prstGeom prst="straightConnector1">
+              <a:avLst/>
+            </a:prstGeom>
+            <a:ln>
+              <a:solidFill>
+                <a:schemeClr val="accent4">
+                  <a:lumMod val="75000"/>
+                </a:schemeClr>
+              </a:solidFill>
+              <a:tailEnd type="triangle"/>
+            </a:ln>
+          </p:spPr>
+          <p:style>
+            <a:lnRef idx="1">
+              <a:schemeClr val="accent1"/>
+            </a:lnRef>
+            <a:fillRef idx="0">
+              <a:schemeClr val="accent1"/>
+            </a:fillRef>
+            <a:effectRef idx="0">
+              <a:schemeClr val="accent1"/>
+            </a:effectRef>
+            <a:fontRef idx="minor">
+              <a:schemeClr val="tx1"/>
+            </a:fontRef>
+          </p:style>
+        </p:cxnSp>
+        <p:sp>
+          <p:nvSpPr>
+            <p:cNvPr id="127" name="Rounded Rectangle 126">
+              <a:extLst>
+                <a:ext uri="{FF2B5EF4-FFF2-40B4-BE49-F238E27FC236}">
+                  <a16:creationId xmlns:a16="http://schemas.microsoft.com/office/drawing/2014/main" id="{23BB7EEB-0E30-454B-883F-CF566A3EB4BB}"/>
+                </a:ext>
+              </a:extLst>
+            </p:cNvPr>
+            <p:cNvSpPr/>
+            <p:nvPr/>
+          </p:nvSpPr>
+          <p:spPr>
+            <a:xfrm>
+              <a:off x="2503762" y="4326987"/>
+              <a:ext cx="914400" cy="457200"/>
+            </a:xfrm>
+            <a:prstGeom prst="roundRect">
+              <a:avLst/>
+            </a:prstGeom>
+            <a:solidFill>
+              <a:schemeClr val="accent4">
+                <a:lumMod val="75000"/>
+              </a:schemeClr>
+            </a:solidFill>
+            <a:ln>
+              <a:solidFill>
+                <a:schemeClr val="accent4">
+                  <a:lumMod val="75000"/>
+                </a:schemeClr>
+              </a:solidFill>
+            </a:ln>
+          </p:spPr>
+          <p:style>
+            <a:lnRef idx="2">
+              <a:schemeClr val="accent6">
+                <a:shade val="50000"/>
+              </a:schemeClr>
+            </a:lnRef>
+            <a:fillRef idx="1">
+              <a:schemeClr val="accent6"/>
+            </a:fillRef>
+            <a:effectRef idx="0">
+              <a:schemeClr val="accent6"/>
+            </a:effectRef>
+            <a:fontRef idx="minor">
+              <a:schemeClr val="lt1"/>
+            </a:fontRef>
+          </p:style>
+          <p:txBody>
+            <a:bodyPr rtlCol="0" anchor="ctr"/>
+            <a:lstStyle/>
+            <a:p>
+              <a:pPr algn="ctr"/>
+              <a:r>
+                <a:rPr lang="en-US" sz="1400" dirty="0"/>
+                <a:t>C2</a:t>
+              </a:r>
+            </a:p>
+          </p:txBody>
+        </p:sp>
+        <p:cxnSp>
+          <p:nvCxnSpPr>
+            <p:cNvPr id="128" name="Straight Arrow Connector 127">
+              <a:extLst>
+                <a:ext uri="{FF2B5EF4-FFF2-40B4-BE49-F238E27FC236}">
+                  <a16:creationId xmlns:a16="http://schemas.microsoft.com/office/drawing/2014/main" id="{F66CA31D-A439-2B46-9C34-A362219ED9B7}"/>
+                </a:ext>
+              </a:extLst>
+            </p:cNvPr>
+            <p:cNvCxnSpPr>
+              <a:cxnSpLocks/>
+              <a:stCxn id="127" idx="1"/>
+              <a:endCxn id="118" idx="3"/>
+            </p:cNvCxnSpPr>
+            <p:nvPr/>
+          </p:nvCxnSpPr>
+          <p:spPr>
+            <a:xfrm flipH="1">
+              <a:off x="2186262" y="4555587"/>
+              <a:ext cx="317500" cy="270416"/>
+            </a:xfrm>
+            <a:prstGeom prst="straightConnector1">
+              <a:avLst/>
+            </a:prstGeom>
+            <a:ln>
+              <a:solidFill>
+                <a:schemeClr val="accent4">
+                  <a:lumMod val="75000"/>
+                </a:schemeClr>
+              </a:solidFill>
+              <a:tailEnd type="triangle"/>
+            </a:ln>
+          </p:spPr>
+          <p:style>
+            <a:lnRef idx="1">
+              <a:schemeClr val="accent1"/>
+            </a:lnRef>
+            <a:fillRef idx="0">
+              <a:schemeClr val="accent1"/>
+            </a:fillRef>
+            <a:effectRef idx="0">
+              <a:schemeClr val="accent1"/>
+            </a:effectRef>
+            <a:fontRef idx="minor">
+              <a:schemeClr val="tx1"/>
+            </a:fontRef>
+          </p:style>
+        </p:cxnSp>
+      </p:grpSp>
+      <p:sp>
+        <p:nvSpPr>
+          <p:cNvPr id="130" name="Rounded Rectangle 129">
+            <a:extLst>
+              <a:ext uri="{FF2B5EF4-FFF2-40B4-BE49-F238E27FC236}">
+                <a16:creationId xmlns:a16="http://schemas.microsoft.com/office/drawing/2014/main" id="{78EEB3EE-5238-364C-AF0A-6F891334BD15}"/>
+              </a:ext>
+            </a:extLst>
+          </p:cNvPr>
+          <p:cNvSpPr/>
+          <p:nvPr/>
+        </p:nvSpPr>
+        <p:spPr>
+          <a:xfrm>
+            <a:off x="10725253" y="3982455"/>
+            <a:ext cx="1371600" cy="457200"/>
+          </a:xfrm>
+          <a:prstGeom prst="roundRect">
+            <a:avLst/>
+          </a:prstGeom>
+          <a:solidFill>
+            <a:schemeClr val="accent6">
+              <a:lumMod val="75000"/>
+            </a:schemeClr>
+          </a:solidFill>
+          <a:ln>
+            <a:noFill/>
+          </a:ln>
+        </p:spPr>
+        <p:style>
+          <a:lnRef idx="2">
+            <a:schemeClr val="accent6">
+              <a:shade val="50000"/>
+            </a:schemeClr>
+          </a:lnRef>
+          <a:fillRef idx="1">
+            <a:schemeClr val="accent6"/>
+          </a:fillRef>
+          <a:effectRef idx="0">
+            <a:schemeClr val="accent6"/>
+          </a:effectRef>
+          <a:fontRef idx="minor">
+            <a:schemeClr val="lt1"/>
+          </a:fontRef>
+        </p:style>
+        <p:txBody>
+          <a:bodyPr rtlCol="0" anchor="ctr"/>
+          <a:lstStyle/>
+          <a:p>
+            <a:pPr algn="ctr"/>
+            <a:r>
+              <a:rPr lang="en-US" sz="1400" dirty="0"/>
+              <a:t>master</a:t>
+            </a:r>
+          </a:p>
+        </p:txBody>
+      </p:sp>
+      <p:sp>
+        <p:nvSpPr>
+          <p:cNvPr id="132" name="Rounded Rectangle 131">
+            <a:extLst>
+              <a:ext uri="{FF2B5EF4-FFF2-40B4-BE49-F238E27FC236}">
+                <a16:creationId xmlns:a16="http://schemas.microsoft.com/office/drawing/2014/main" id="{3DA2F4C7-3202-3E4F-9AA2-0117EFC95F34}"/>
+              </a:ext>
+            </a:extLst>
+          </p:cNvPr>
+          <p:cNvSpPr/>
+          <p:nvPr/>
+        </p:nvSpPr>
+        <p:spPr>
+          <a:xfrm>
+            <a:off x="8491477" y="4596236"/>
+            <a:ext cx="914400" cy="457200"/>
+          </a:xfrm>
+          <a:prstGeom prst="roundRect">
+            <a:avLst/>
+          </a:prstGeom>
+          <a:solidFill>
+            <a:schemeClr val="accent4">
+              <a:lumMod val="75000"/>
+            </a:schemeClr>
+          </a:solidFill>
+          <a:ln>
+            <a:solidFill>
+              <a:schemeClr val="accent4">
+                <a:lumMod val="75000"/>
+              </a:schemeClr>
+            </a:solidFill>
+            <a:prstDash val="dash"/>
+          </a:ln>
+        </p:spPr>
+        <p:style>
+          <a:lnRef idx="2">
+            <a:schemeClr val="accent6">
+              <a:shade val="50000"/>
+            </a:schemeClr>
+          </a:lnRef>
+          <a:fillRef idx="1">
+            <a:schemeClr val="accent6"/>
+          </a:fillRef>
+          <a:effectRef idx="0">
+            <a:schemeClr val="accent6"/>
+          </a:effectRef>
+          <a:fontRef idx="minor">
+            <a:schemeClr val="lt1"/>
+          </a:fontRef>
+        </p:style>
+        <p:txBody>
+          <a:bodyPr rtlCol="0" anchor="ctr"/>
+          <a:lstStyle/>
+          <a:p>
+            <a:pPr algn="ctr"/>
+            <a:r>
+              <a:rPr lang="en-US" sz="1400" dirty="0"/>
+              <a:t>C1</a:t>
+            </a:r>
+          </a:p>
+        </p:txBody>
+      </p:sp>
+      <p:cxnSp>
+        <p:nvCxnSpPr>
+          <p:cNvPr id="134" name="Straight Arrow Connector 133">
+            <a:extLst>
+              <a:ext uri="{FF2B5EF4-FFF2-40B4-BE49-F238E27FC236}">
+                <a16:creationId xmlns:a16="http://schemas.microsoft.com/office/drawing/2014/main" id="{855F7A7E-3127-2B4C-89F6-B76618E8FBFB}"/>
+              </a:ext>
+            </a:extLst>
+          </p:cNvPr>
+          <p:cNvCxnSpPr>
+            <a:cxnSpLocks/>
+            <a:stCxn id="130" idx="2"/>
+            <a:endCxn id="166" idx="0"/>
+          </p:cNvCxnSpPr>
+          <p:nvPr/>
+        </p:nvCxnSpPr>
+        <p:spPr>
+          <a:xfrm>
+            <a:off x="11411053" y="4439655"/>
+            <a:ext cx="2073" cy="156581"/>
+          </a:xfrm>
+          <a:prstGeom prst="straightConnector1">
+            <a:avLst/>
+          </a:prstGeom>
+          <a:ln>
+            <a:solidFill>
+              <a:schemeClr val="accent6">
+                <a:lumMod val="75000"/>
+              </a:schemeClr>
+            </a:solidFill>
+            <a:tailEnd type="triangle"/>
+          </a:ln>
+        </p:spPr>
+        <p:style>
+          <a:lnRef idx="1">
+            <a:schemeClr val="accent1"/>
+          </a:lnRef>
+          <a:fillRef idx="0">
+            <a:schemeClr val="accent1"/>
+          </a:fillRef>
+          <a:effectRef idx="0">
+            <a:schemeClr val="accent1"/>
+          </a:effectRef>
+          <a:fontRef idx="minor">
+            <a:schemeClr val="tx1"/>
+          </a:fontRef>
+        </p:style>
+      </p:cxnSp>
+      <p:sp>
+        <p:nvSpPr>
+          <p:cNvPr id="135" name="Rounded Rectangle 134">
+            <a:extLst>
+              <a:ext uri="{FF2B5EF4-FFF2-40B4-BE49-F238E27FC236}">
+                <a16:creationId xmlns:a16="http://schemas.microsoft.com/office/drawing/2014/main" id="{2DBE6A15-2F0A-6D40-A09E-751200C899C6}"/>
+              </a:ext>
+            </a:extLst>
+          </p:cNvPr>
+          <p:cNvSpPr/>
+          <p:nvPr/>
+        </p:nvSpPr>
+        <p:spPr>
+          <a:xfrm>
+            <a:off x="10725253" y="3407344"/>
+            <a:ext cx="1371600" cy="457200"/>
+          </a:xfrm>
+          <a:prstGeom prst="roundRect">
+            <a:avLst/>
+          </a:prstGeom>
+          <a:solidFill>
+            <a:schemeClr val="accent6">
+              <a:lumMod val="75000"/>
+            </a:schemeClr>
+          </a:solidFill>
+          <a:ln>
+            <a:noFill/>
+          </a:ln>
+        </p:spPr>
+        <p:style>
+          <a:lnRef idx="2">
+            <a:schemeClr val="accent6">
+              <a:shade val="50000"/>
+            </a:schemeClr>
+          </a:lnRef>
+          <a:fillRef idx="1">
+            <a:schemeClr val="accent6"/>
+          </a:fillRef>
+          <a:effectRef idx="0">
+            <a:schemeClr val="accent6"/>
+          </a:effectRef>
+          <a:fontRef idx="minor">
+            <a:schemeClr val="lt1"/>
+          </a:fontRef>
+        </p:style>
+        <p:txBody>
+          <a:bodyPr rtlCol="0" anchor="ctr"/>
+          <a:lstStyle/>
+          <a:p>
+            <a:pPr algn="ctr"/>
+            <a:r>
+              <a:rPr lang="en-US" sz="1400" dirty="0"/>
+              <a:t>HEAD</a:t>
+            </a:r>
+          </a:p>
+        </p:txBody>
+      </p:sp>
+      <p:cxnSp>
+        <p:nvCxnSpPr>
+          <p:cNvPr id="136" name="Straight Arrow Connector 135">
+            <a:extLst>
+              <a:ext uri="{FF2B5EF4-FFF2-40B4-BE49-F238E27FC236}">
+                <a16:creationId xmlns:a16="http://schemas.microsoft.com/office/drawing/2014/main" id="{42F10D21-B815-0049-9BB5-058BFC4F5DB8}"/>
+              </a:ext>
+            </a:extLst>
+          </p:cNvPr>
+          <p:cNvCxnSpPr>
+            <a:cxnSpLocks/>
+            <a:stCxn id="135" idx="2"/>
+            <a:endCxn id="130" idx="0"/>
+          </p:cNvCxnSpPr>
+          <p:nvPr/>
+        </p:nvCxnSpPr>
+        <p:spPr>
+          <a:xfrm>
+            <a:off x="11411053" y="3864544"/>
+            <a:ext cx="0" cy="117911"/>
+          </a:xfrm>
+          <a:prstGeom prst="straightConnector1">
+            <a:avLst/>
+          </a:prstGeom>
+          <a:ln>
+            <a:solidFill>
+              <a:schemeClr val="accent6">
+                <a:lumMod val="75000"/>
+              </a:schemeClr>
+            </a:solidFill>
+            <a:tailEnd type="triangle"/>
+          </a:ln>
+        </p:spPr>
+        <p:style>
+          <a:lnRef idx="1">
+            <a:schemeClr val="accent1"/>
+          </a:lnRef>
+          <a:fillRef idx="0">
+            <a:schemeClr val="accent1"/>
+          </a:fillRef>
+          <a:effectRef idx="0">
+            <a:schemeClr val="accent1"/>
+          </a:effectRef>
+          <a:fontRef idx="minor">
+            <a:schemeClr val="tx1"/>
+          </a:fontRef>
+        </p:style>
+      </p:cxnSp>
+      <p:sp>
+        <p:nvSpPr>
+          <p:cNvPr id="137" name="Rounded Rectangle 136">
+            <a:extLst>
+              <a:ext uri="{FF2B5EF4-FFF2-40B4-BE49-F238E27FC236}">
+                <a16:creationId xmlns:a16="http://schemas.microsoft.com/office/drawing/2014/main" id="{6A66839E-F46F-D14B-BA7F-6EFD183BDC8D}"/>
+              </a:ext>
+            </a:extLst>
+          </p:cNvPr>
+          <p:cNvSpPr/>
+          <p:nvPr/>
+        </p:nvSpPr>
+        <p:spPr>
+          <a:xfrm>
+            <a:off x="9494777" y="5482144"/>
+            <a:ext cx="1371600" cy="457200"/>
+          </a:xfrm>
+          <a:prstGeom prst="roundRect">
+            <a:avLst/>
+          </a:prstGeom>
+          <a:solidFill>
+            <a:schemeClr val="accent6">
+              <a:lumMod val="75000"/>
+            </a:schemeClr>
+          </a:solidFill>
+          <a:ln>
+            <a:noFill/>
+          </a:ln>
+        </p:spPr>
+        <p:style>
+          <a:lnRef idx="2">
+            <a:schemeClr val="accent6">
+              <a:shade val="50000"/>
+            </a:schemeClr>
+          </a:lnRef>
+          <a:fillRef idx="1">
+            <a:schemeClr val="accent6"/>
+          </a:fillRef>
+          <a:effectRef idx="0">
+            <a:schemeClr val="accent6"/>
+          </a:effectRef>
+          <a:fontRef idx="minor">
+            <a:schemeClr val="lt1"/>
+          </a:fontRef>
+        </p:style>
+        <p:txBody>
+          <a:bodyPr rtlCol="0" anchor="ctr"/>
+          <a:lstStyle/>
+          <a:p>
+            <a:pPr algn="ctr"/>
+            <a:r>
+              <a:rPr lang="en-US" sz="1400" dirty="0"/>
+              <a:t>branch1</a:t>
+            </a:r>
+          </a:p>
+        </p:txBody>
+      </p:sp>
+      <p:cxnSp>
+        <p:nvCxnSpPr>
+          <p:cNvPr id="138" name="Straight Arrow Connector 137">
+            <a:extLst>
+              <a:ext uri="{FF2B5EF4-FFF2-40B4-BE49-F238E27FC236}">
+                <a16:creationId xmlns:a16="http://schemas.microsoft.com/office/drawing/2014/main" id="{29511871-AABF-EC44-AE77-CBF90BF4A643}"/>
+              </a:ext>
+            </a:extLst>
+          </p:cNvPr>
+          <p:cNvCxnSpPr>
+            <a:cxnSpLocks/>
+            <a:stCxn id="137" idx="0"/>
+            <a:endCxn id="139" idx="2"/>
+          </p:cNvCxnSpPr>
+          <p:nvPr/>
+        </p:nvCxnSpPr>
+        <p:spPr>
+          <a:xfrm flipV="1">
+            <a:off x="10180577" y="5365668"/>
+            <a:ext cx="0" cy="116476"/>
+          </a:xfrm>
+          <a:prstGeom prst="straightConnector1">
+            <a:avLst/>
+          </a:prstGeom>
+          <a:ln>
+            <a:solidFill>
+              <a:schemeClr val="accent6">
+                <a:lumMod val="75000"/>
+              </a:schemeClr>
+            </a:solidFill>
+            <a:tailEnd type="triangle"/>
+          </a:ln>
+        </p:spPr>
+        <p:style>
+          <a:lnRef idx="1">
+            <a:schemeClr val="accent1"/>
+          </a:lnRef>
+          <a:fillRef idx="0">
+            <a:schemeClr val="accent1"/>
+          </a:fillRef>
+          <a:effectRef idx="0">
+            <a:schemeClr val="accent1"/>
+          </a:effectRef>
+          <a:fontRef idx="minor">
+            <a:schemeClr val="tx1"/>
+          </a:fontRef>
+        </p:style>
+      </p:cxnSp>
+      <p:sp>
+        <p:nvSpPr>
+          <p:cNvPr id="139" name="Rounded Rectangle 138">
+            <a:extLst>
+              <a:ext uri="{FF2B5EF4-FFF2-40B4-BE49-F238E27FC236}">
+                <a16:creationId xmlns:a16="http://schemas.microsoft.com/office/drawing/2014/main" id="{797DCE84-70C1-2E4B-ABB4-FFAFFE09870A}"/>
+              </a:ext>
+            </a:extLst>
+          </p:cNvPr>
+          <p:cNvSpPr/>
+          <p:nvPr/>
+        </p:nvSpPr>
+        <p:spPr>
+          <a:xfrm>
+            <a:off x="9723377" y="4908468"/>
+            <a:ext cx="914400" cy="457200"/>
+          </a:xfrm>
+          <a:prstGeom prst="roundRect">
+            <a:avLst/>
+          </a:prstGeom>
+          <a:solidFill>
+            <a:schemeClr val="accent4">
+              <a:lumMod val="75000"/>
+            </a:schemeClr>
+          </a:solidFill>
+          <a:ln>
+            <a:solidFill>
+              <a:schemeClr val="accent4">
+                <a:lumMod val="75000"/>
+              </a:schemeClr>
+            </a:solidFill>
+            <a:prstDash val="dash"/>
+          </a:ln>
+        </p:spPr>
+        <p:style>
+          <a:lnRef idx="2">
+            <a:schemeClr val="accent6">
+              <a:shade val="50000"/>
+            </a:schemeClr>
+          </a:lnRef>
+          <a:fillRef idx="1">
+            <a:schemeClr val="accent6"/>
+          </a:fillRef>
+          <a:effectRef idx="0">
+            <a:schemeClr val="accent6"/>
+          </a:effectRef>
+          <a:fontRef idx="minor">
+            <a:schemeClr val="lt1"/>
+          </a:fontRef>
+        </p:style>
+        <p:txBody>
+          <a:bodyPr rtlCol="0" anchor="ctr"/>
+          <a:lstStyle/>
+          <a:p>
+            <a:pPr algn="ctr"/>
+            <a:r>
+              <a:rPr lang="en-US" sz="1400" dirty="0"/>
+              <a:t>C3</a:t>
+            </a:r>
+          </a:p>
+        </p:txBody>
+      </p:sp>
+      <p:cxnSp>
+        <p:nvCxnSpPr>
+          <p:cNvPr id="140" name="Straight Arrow Connector 139">
+            <a:extLst>
+              <a:ext uri="{FF2B5EF4-FFF2-40B4-BE49-F238E27FC236}">
+                <a16:creationId xmlns:a16="http://schemas.microsoft.com/office/drawing/2014/main" id="{9EA77971-0DD8-3741-B94C-FE0962969D6F}"/>
+              </a:ext>
+            </a:extLst>
+          </p:cNvPr>
+          <p:cNvCxnSpPr>
+            <a:cxnSpLocks/>
+            <a:stCxn id="139" idx="1"/>
+            <a:endCxn id="132" idx="3"/>
+          </p:cNvCxnSpPr>
+          <p:nvPr/>
+        </p:nvCxnSpPr>
+        <p:spPr>
+          <a:xfrm flipH="1" flipV="1">
+            <a:off x="9405877" y="4824836"/>
+            <a:ext cx="317500" cy="312232"/>
+          </a:xfrm>
+          <a:prstGeom prst="straightConnector1">
+            <a:avLst/>
+          </a:prstGeom>
+          <a:ln>
+            <a:solidFill>
+              <a:schemeClr val="accent4">
+                <a:lumMod val="75000"/>
+              </a:schemeClr>
+            </a:solidFill>
+            <a:tailEnd type="triangle"/>
+          </a:ln>
+        </p:spPr>
+        <p:style>
+          <a:lnRef idx="1">
+            <a:schemeClr val="accent1"/>
+          </a:lnRef>
+          <a:fillRef idx="0">
+            <a:schemeClr val="accent1"/>
+          </a:fillRef>
+          <a:effectRef idx="0">
+            <a:schemeClr val="accent1"/>
+          </a:effectRef>
+          <a:fontRef idx="minor">
+            <a:schemeClr val="tx1"/>
+          </a:fontRef>
+        </p:style>
+      </p:cxnSp>
+      <p:sp>
+        <p:nvSpPr>
+          <p:cNvPr id="141" name="Rounded Rectangle 140">
+            <a:extLst>
+              <a:ext uri="{FF2B5EF4-FFF2-40B4-BE49-F238E27FC236}">
+                <a16:creationId xmlns:a16="http://schemas.microsoft.com/office/drawing/2014/main" id="{0791552F-B0B1-FE43-AEE9-3A0699D1A685}"/>
+              </a:ext>
+            </a:extLst>
+          </p:cNvPr>
+          <p:cNvSpPr/>
+          <p:nvPr/>
+        </p:nvSpPr>
+        <p:spPr>
+          <a:xfrm>
+            <a:off x="9723377" y="4325820"/>
+            <a:ext cx="914400" cy="457200"/>
+          </a:xfrm>
+          <a:prstGeom prst="roundRect">
+            <a:avLst/>
+          </a:prstGeom>
+          <a:solidFill>
+            <a:schemeClr val="accent4">
+              <a:lumMod val="75000"/>
+            </a:schemeClr>
+          </a:solidFill>
+          <a:ln>
+            <a:solidFill>
+              <a:schemeClr val="accent4">
+                <a:lumMod val="75000"/>
+              </a:schemeClr>
+            </a:solidFill>
+            <a:prstDash val="dash"/>
+          </a:ln>
+        </p:spPr>
+        <p:style>
+          <a:lnRef idx="2">
+            <a:schemeClr val="accent6">
+              <a:shade val="50000"/>
+            </a:schemeClr>
+          </a:lnRef>
+          <a:fillRef idx="1">
+            <a:schemeClr val="accent6"/>
+          </a:fillRef>
+          <a:effectRef idx="0">
+            <a:schemeClr val="accent6"/>
+          </a:effectRef>
+          <a:fontRef idx="minor">
+            <a:schemeClr val="lt1"/>
+          </a:fontRef>
+        </p:style>
+        <p:txBody>
+          <a:bodyPr rtlCol="0" anchor="ctr"/>
+          <a:lstStyle/>
+          <a:p>
+            <a:pPr algn="ctr"/>
+            <a:r>
+              <a:rPr lang="en-US" sz="1400" dirty="0"/>
+              <a:t>C2</a:t>
+            </a:r>
+          </a:p>
+        </p:txBody>
+      </p:sp>
+      <p:cxnSp>
+        <p:nvCxnSpPr>
+          <p:cNvPr id="142" name="Straight Arrow Connector 141">
+            <a:extLst>
+              <a:ext uri="{FF2B5EF4-FFF2-40B4-BE49-F238E27FC236}">
+                <a16:creationId xmlns:a16="http://schemas.microsoft.com/office/drawing/2014/main" id="{8A5DE6D0-653A-074A-8F5D-2A360023B39C}"/>
+              </a:ext>
+            </a:extLst>
+          </p:cNvPr>
+          <p:cNvCxnSpPr>
+            <a:cxnSpLocks/>
+            <a:stCxn id="141" idx="1"/>
+            <a:endCxn id="132" idx="3"/>
+          </p:cNvCxnSpPr>
+          <p:nvPr/>
+        </p:nvCxnSpPr>
+        <p:spPr>
+          <a:xfrm flipH="1">
+            <a:off x="9405877" y="4554420"/>
+            <a:ext cx="317500" cy="270416"/>
+          </a:xfrm>
+          <a:prstGeom prst="straightConnector1">
+            <a:avLst/>
+          </a:prstGeom>
+          <a:ln>
+            <a:solidFill>
+              <a:schemeClr val="accent4">
+                <a:lumMod val="75000"/>
+              </a:schemeClr>
+            </a:solidFill>
+            <a:tailEnd type="triangle"/>
+          </a:ln>
+        </p:spPr>
+        <p:style>
+          <a:lnRef idx="1">
+            <a:schemeClr val="accent1"/>
+          </a:lnRef>
+          <a:fillRef idx="0">
+            <a:schemeClr val="accent1"/>
+          </a:fillRef>
+          <a:effectRef idx="0">
+            <a:schemeClr val="accent1"/>
+          </a:effectRef>
+          <a:fontRef idx="minor">
+            <a:schemeClr val="tx1"/>
+          </a:fontRef>
+        </p:style>
+      </p:cxnSp>
+      <p:sp>
+        <p:nvSpPr>
+          <p:cNvPr id="144" name="Right Arrow 143">
+            <a:extLst>
+              <a:ext uri="{FF2B5EF4-FFF2-40B4-BE49-F238E27FC236}">
+                <a16:creationId xmlns:a16="http://schemas.microsoft.com/office/drawing/2014/main" id="{0DC2C239-0EAE-8E4D-8620-5A6C837FC919}"/>
+              </a:ext>
+            </a:extLst>
+          </p:cNvPr>
+          <p:cNvSpPr/>
+          <p:nvPr/>
+        </p:nvSpPr>
+        <p:spPr>
+          <a:xfrm>
+            <a:off x="3943753" y="1320122"/>
+            <a:ext cx="158750" cy="228600"/>
+          </a:xfrm>
+          <a:prstGeom prst="rightArrow">
+            <a:avLst/>
+          </a:prstGeom>
+          <a:noFill/>
+          <a:ln>
+            <a:solidFill>
+              <a:srgbClr val="FF0000"/>
+            </a:solidFill>
+          </a:ln>
+        </p:spPr>
+        <p:style>
+          <a:lnRef idx="2">
+            <a:schemeClr val="accent1">
+              <a:shade val="50000"/>
+            </a:schemeClr>
+          </a:lnRef>
+          <a:fillRef idx="1">
+            <a:schemeClr val="accent1"/>
+          </a:fillRef>
+          <a:effectRef idx="0">
+            <a:schemeClr val="accent1"/>
+          </a:effectRef>
+          <a:fontRef idx="minor">
+            <a:schemeClr val="lt1"/>
+          </a:fontRef>
+        </p:style>
+        <p:txBody>
+          <a:bodyPr rtlCol="0" anchor="ctr"/>
+          <a:lstStyle/>
+          <a:p>
+            <a:pPr algn="ctr"/>
+            <a:endParaRPr lang="en-US"/>
+          </a:p>
+        </p:txBody>
+      </p:sp>
+      <p:sp>
+        <p:nvSpPr>
+          <p:cNvPr id="147" name="Right Arrow 146">
+            <a:extLst>
+              <a:ext uri="{FF2B5EF4-FFF2-40B4-BE49-F238E27FC236}">
+                <a16:creationId xmlns:a16="http://schemas.microsoft.com/office/drawing/2014/main" id="{5A2A3F51-F6A7-814A-8CCB-F2DEDD3DC495}"/>
+              </a:ext>
+            </a:extLst>
+          </p:cNvPr>
+          <p:cNvSpPr/>
+          <p:nvPr/>
+        </p:nvSpPr>
+        <p:spPr>
+          <a:xfrm>
+            <a:off x="8173977" y="1320122"/>
+            <a:ext cx="158750" cy="228600"/>
+          </a:xfrm>
+          <a:prstGeom prst="rightArrow">
+            <a:avLst/>
+          </a:prstGeom>
+          <a:noFill/>
+          <a:ln>
+            <a:solidFill>
+              <a:srgbClr val="FF0000"/>
+            </a:solidFill>
+          </a:ln>
+        </p:spPr>
+        <p:style>
+          <a:lnRef idx="2">
+            <a:schemeClr val="accent1">
+              <a:shade val="50000"/>
+            </a:schemeClr>
+          </a:lnRef>
+          <a:fillRef idx="1">
+            <a:schemeClr val="accent1"/>
+          </a:fillRef>
+          <a:effectRef idx="0">
+            <a:schemeClr val="accent1"/>
+          </a:effectRef>
+          <a:fontRef idx="minor">
+            <a:schemeClr val="lt1"/>
+          </a:fontRef>
+        </p:style>
+        <p:txBody>
+          <a:bodyPr rtlCol="0" anchor="ctr"/>
+          <a:lstStyle/>
+          <a:p>
+            <a:pPr algn="ctr"/>
+            <a:endParaRPr lang="en-US"/>
+          </a:p>
+        </p:txBody>
+      </p:sp>
+      <p:sp>
+        <p:nvSpPr>
+          <p:cNvPr id="148" name="Right Arrow 147">
+            <a:extLst>
+              <a:ext uri="{FF2B5EF4-FFF2-40B4-BE49-F238E27FC236}">
+                <a16:creationId xmlns:a16="http://schemas.microsoft.com/office/drawing/2014/main" id="{7E0DECE9-5FA6-2B47-86E2-C8BA12A10BC8}"/>
+              </a:ext>
+            </a:extLst>
+          </p:cNvPr>
+          <p:cNvSpPr/>
+          <p:nvPr/>
+        </p:nvSpPr>
+        <p:spPr>
+          <a:xfrm>
+            <a:off x="8173977" y="4737468"/>
+            <a:ext cx="158750" cy="228600"/>
+          </a:xfrm>
+          <a:prstGeom prst="rightArrow">
+            <a:avLst/>
+          </a:prstGeom>
+          <a:noFill/>
+          <a:ln>
+            <a:solidFill>
+              <a:srgbClr val="FF0000"/>
+            </a:solidFill>
+          </a:ln>
+        </p:spPr>
+        <p:style>
+          <a:lnRef idx="2">
+            <a:schemeClr val="accent1">
+              <a:shade val="50000"/>
+            </a:schemeClr>
+          </a:lnRef>
+          <a:fillRef idx="1">
+            <a:schemeClr val="accent1"/>
+          </a:fillRef>
+          <a:effectRef idx="0">
+            <a:schemeClr val="accent1"/>
+          </a:effectRef>
+          <a:fontRef idx="minor">
+            <a:schemeClr val="lt1"/>
+          </a:fontRef>
+        </p:style>
+        <p:txBody>
+          <a:bodyPr rtlCol="0" anchor="ctr"/>
+          <a:lstStyle/>
+          <a:p>
+            <a:pPr algn="ctr"/>
+            <a:endParaRPr lang="en-US"/>
+          </a:p>
+        </p:txBody>
+      </p:sp>
+      <p:sp>
+        <p:nvSpPr>
+          <p:cNvPr id="153" name="TextBox 152">
+            <a:extLst>
+              <a:ext uri="{FF2B5EF4-FFF2-40B4-BE49-F238E27FC236}">
+                <a16:creationId xmlns:a16="http://schemas.microsoft.com/office/drawing/2014/main" id="{9519BAA7-65DE-7E46-A8D5-ABE3013DD31A}"/>
+              </a:ext>
+            </a:extLst>
+          </p:cNvPr>
+          <p:cNvSpPr txBox="1"/>
+          <p:nvPr/>
+        </p:nvSpPr>
+        <p:spPr>
+          <a:xfrm>
+            <a:off x="8994019" y="6515924"/>
+            <a:ext cx="2225289" cy="307777"/>
+          </a:xfrm>
+          <a:prstGeom prst="rect">
+            <a:avLst/>
+          </a:prstGeom>
+          <a:noFill/>
+        </p:spPr>
+        <p:txBody>
+          <a:bodyPr wrap="none" rtlCol="0">
+            <a:spAutoFit/>
+          </a:bodyPr>
+          <a:lstStyle/>
+          <a:p>
+            <a:r>
+              <a:rPr lang="en-US" sz="1400" dirty="0">
+                <a:latin typeface="Courier" pitchFamily="2" charset="0"/>
+              </a:rPr>
+              <a:t>$ git merge branch1</a:t>
+            </a:r>
+          </a:p>
+        </p:txBody>
+      </p:sp>
+      <p:sp>
+        <p:nvSpPr>
+          <p:cNvPr id="166" name="Rounded Rectangle 165">
+            <a:extLst>
+              <a:ext uri="{FF2B5EF4-FFF2-40B4-BE49-F238E27FC236}">
+                <a16:creationId xmlns:a16="http://schemas.microsoft.com/office/drawing/2014/main" id="{0507AA71-7264-0540-87FD-55B47198A3A0}"/>
+              </a:ext>
+            </a:extLst>
+          </p:cNvPr>
+          <p:cNvSpPr/>
+          <p:nvPr/>
+        </p:nvSpPr>
+        <p:spPr>
+          <a:xfrm>
+            <a:off x="10955926" y="4596236"/>
+            <a:ext cx="914400" cy="457200"/>
+          </a:xfrm>
+          <a:prstGeom prst="roundRect">
+            <a:avLst/>
+          </a:prstGeom>
+          <a:solidFill>
+            <a:schemeClr val="accent4">
+              <a:lumMod val="75000"/>
+            </a:schemeClr>
+          </a:solidFill>
+          <a:ln>
+            <a:solidFill>
+              <a:schemeClr val="accent4">
+                <a:lumMod val="75000"/>
+              </a:schemeClr>
+            </a:solidFill>
+          </a:ln>
+        </p:spPr>
+        <p:style>
+          <a:lnRef idx="2">
+            <a:schemeClr val="accent6">
+              <a:shade val="50000"/>
+            </a:schemeClr>
+          </a:lnRef>
+          <a:fillRef idx="1">
+            <a:schemeClr val="accent6"/>
+          </a:fillRef>
+          <a:effectRef idx="0">
+            <a:schemeClr val="accent6"/>
+          </a:effectRef>
+          <a:fontRef idx="minor">
+            <a:schemeClr val="lt1"/>
+          </a:fontRef>
+        </p:style>
+        <p:txBody>
+          <a:bodyPr rtlCol="0" anchor="ctr"/>
+          <a:lstStyle/>
+          <a:p>
+            <a:pPr algn="ctr"/>
+            <a:r>
+              <a:rPr lang="en-US" sz="1400" dirty="0"/>
+              <a:t>C4</a:t>
+            </a:r>
+          </a:p>
+        </p:txBody>
+      </p:sp>
+      <p:cxnSp>
+        <p:nvCxnSpPr>
+          <p:cNvPr id="167" name="Straight Arrow Connector 166">
+            <a:extLst>
+              <a:ext uri="{FF2B5EF4-FFF2-40B4-BE49-F238E27FC236}">
+                <a16:creationId xmlns:a16="http://schemas.microsoft.com/office/drawing/2014/main" id="{EEABF01E-85C1-4B43-8D4B-109AD8A1A7A6}"/>
+              </a:ext>
+            </a:extLst>
+          </p:cNvPr>
+          <p:cNvCxnSpPr>
+            <a:cxnSpLocks/>
+            <a:stCxn id="166" idx="1"/>
+            <a:endCxn id="141" idx="3"/>
+          </p:cNvCxnSpPr>
+          <p:nvPr/>
+        </p:nvCxnSpPr>
+        <p:spPr>
+          <a:xfrm flipH="1" flipV="1">
+            <a:off x="10637777" y="4554420"/>
+            <a:ext cx="318149" cy="270416"/>
+          </a:xfrm>
+          <a:prstGeom prst="straightConnector1">
+            <a:avLst/>
+          </a:prstGeom>
+          <a:ln>
+            <a:solidFill>
+              <a:schemeClr val="accent4">
+                <a:lumMod val="75000"/>
+              </a:schemeClr>
+            </a:solidFill>
+            <a:tailEnd type="triangle"/>
+          </a:ln>
+        </p:spPr>
+        <p:style>
+          <a:lnRef idx="1">
+            <a:schemeClr val="accent1"/>
+          </a:lnRef>
+          <a:fillRef idx="0">
+            <a:schemeClr val="accent1"/>
+          </a:fillRef>
+          <a:effectRef idx="0">
+            <a:schemeClr val="accent1"/>
+          </a:effectRef>
+          <a:fontRef idx="minor">
+            <a:schemeClr val="tx1"/>
+          </a:fontRef>
+        </p:style>
+      </p:cxnSp>
+      <p:cxnSp>
+        <p:nvCxnSpPr>
+          <p:cNvPr id="168" name="Straight Arrow Connector 167">
+            <a:extLst>
+              <a:ext uri="{FF2B5EF4-FFF2-40B4-BE49-F238E27FC236}">
+                <a16:creationId xmlns:a16="http://schemas.microsoft.com/office/drawing/2014/main" id="{2C4E678B-4C1E-6A4A-B877-694AB64C8C6C}"/>
+              </a:ext>
+            </a:extLst>
+          </p:cNvPr>
+          <p:cNvCxnSpPr>
+            <a:cxnSpLocks/>
+            <a:stCxn id="166" idx="1"/>
+            <a:endCxn id="139" idx="3"/>
+          </p:cNvCxnSpPr>
+          <p:nvPr/>
+        </p:nvCxnSpPr>
+        <p:spPr>
+          <a:xfrm flipH="1">
+            <a:off x="10637777" y="4824836"/>
+            <a:ext cx="318149" cy="312232"/>
+          </a:xfrm>
+          <a:prstGeom prst="straightConnector1">
+            <a:avLst/>
+          </a:prstGeom>
+          <a:ln>
+            <a:solidFill>
+              <a:schemeClr val="accent4">
+                <a:lumMod val="75000"/>
+              </a:schemeClr>
+            </a:solidFill>
+            <a:tailEnd type="triangle"/>
+          </a:ln>
+        </p:spPr>
+        <p:style>
+          <a:lnRef idx="1">
+            <a:schemeClr val="accent1"/>
+          </a:lnRef>
+          <a:fillRef idx="0">
+            <a:schemeClr val="accent1"/>
+          </a:fillRef>
+          <a:effectRef idx="0">
+            <a:schemeClr val="accent1"/>
+          </a:effectRef>
+          <a:fontRef idx="minor">
+            <a:schemeClr val="tx1"/>
+          </a:fontRef>
+        </p:style>
+      </p:cxnSp>
+    </p:spTree>
+    <p:extLst>
+      <p:ext uri="{BB962C8B-B14F-4D97-AF65-F5344CB8AC3E}">
+        <p14:creationId xmlns:p14="http://schemas.microsoft.com/office/powerpoint/2010/main" val="3681109757"/>
       </p:ext>
     </p:extLst>
   </p:cSld>

--- a/images/images.pptx
+++ b/images/images.pptx
@@ -8,6 +8,8 @@
     <p:sldId id="256" r:id="rId2"/>
     <p:sldId id="257" r:id="rId3"/>
     <p:sldId id="258" r:id="rId4"/>
+    <p:sldId id="259" r:id="rId5"/>
+    <p:sldId id="260" r:id="rId6"/>
   </p:sldIdLst>
   <p:sldSz cx="12192000" cy="6858000"/>
   <p:notesSz cx="6858000" cy="9144000"/>
@@ -11890,6 +11892,3309 @@
 </p:sld>
 </file>
 
+<file path=ppt/slides/slide4.xml><?xml version="1.0" encoding="utf-8"?>
+<p:sld xmlns:a="http://schemas.openxmlformats.org/drawingml/2006/main" xmlns:r="http://schemas.openxmlformats.org/officeDocument/2006/relationships" xmlns:p="http://schemas.openxmlformats.org/presentationml/2006/main">
+  <p:cSld>
+    <p:spTree>
+      <p:nvGrpSpPr>
+        <p:cNvPr id="1" name=""/>
+        <p:cNvGrpSpPr/>
+        <p:nvPr/>
+      </p:nvGrpSpPr>
+      <p:grpSpPr>
+        <a:xfrm>
+          <a:off x="0" y="0"/>
+          <a:ext cx="0" cy="0"/>
+          <a:chOff x="0" y="0"/>
+          <a:chExt cx="0" cy="0"/>
+        </a:xfrm>
+      </p:grpSpPr>
+      <p:grpSp>
+        <p:nvGrpSpPr>
+          <p:cNvPr id="13" name="Group 12">
+            <a:extLst>
+              <a:ext uri="{FF2B5EF4-FFF2-40B4-BE49-F238E27FC236}">
+                <a16:creationId xmlns:a16="http://schemas.microsoft.com/office/drawing/2014/main" id="{2C2D789C-3D91-CE48-93FA-3CDF911247BB}"/>
+              </a:ext>
+            </a:extLst>
+          </p:cNvPr>
+          <p:cNvGrpSpPr/>
+          <p:nvPr/>
+        </p:nvGrpSpPr>
+        <p:grpSpPr>
+          <a:xfrm>
+            <a:off x="2053634" y="848290"/>
+            <a:ext cx="2373476" cy="1032311"/>
+            <a:chOff x="9723377" y="630711"/>
+            <a:chExt cx="2373476" cy="1032311"/>
+          </a:xfrm>
+        </p:grpSpPr>
+        <p:sp>
+          <p:nvSpPr>
+            <p:cNvPr id="103" name="Rounded Rectangle 102">
+              <a:extLst>
+                <a:ext uri="{FF2B5EF4-FFF2-40B4-BE49-F238E27FC236}">
+                  <a16:creationId xmlns:a16="http://schemas.microsoft.com/office/drawing/2014/main" id="{9C74625E-A84F-1A45-942C-2CE513DFF366}"/>
+                </a:ext>
+              </a:extLst>
+            </p:cNvPr>
+            <p:cNvSpPr/>
+            <p:nvPr/>
+          </p:nvSpPr>
+          <p:spPr>
+            <a:xfrm>
+              <a:off x="10725253" y="630711"/>
+              <a:ext cx="1371600" cy="457200"/>
+            </a:xfrm>
+            <a:prstGeom prst="roundRect">
+              <a:avLst/>
+            </a:prstGeom>
+            <a:solidFill>
+              <a:schemeClr val="accent6">
+                <a:lumMod val="75000"/>
+              </a:schemeClr>
+            </a:solidFill>
+            <a:ln>
+              <a:noFill/>
+            </a:ln>
+          </p:spPr>
+          <p:style>
+            <a:lnRef idx="2">
+              <a:schemeClr val="accent6">
+                <a:shade val="50000"/>
+              </a:schemeClr>
+            </a:lnRef>
+            <a:fillRef idx="1">
+              <a:schemeClr val="accent6"/>
+            </a:fillRef>
+            <a:effectRef idx="0">
+              <a:schemeClr val="accent6"/>
+            </a:effectRef>
+            <a:fontRef idx="minor">
+              <a:schemeClr val="lt1"/>
+            </a:fontRef>
+          </p:style>
+          <p:txBody>
+            <a:bodyPr rtlCol="0" anchor="ctr"/>
+            <a:lstStyle/>
+            <a:p>
+              <a:pPr algn="ctr"/>
+              <a:r>
+                <a:rPr lang="en-US" sz="1400" dirty="0"/>
+                <a:t>master</a:t>
+              </a:r>
+            </a:p>
+          </p:txBody>
+        </p:sp>
+        <p:sp>
+          <p:nvSpPr>
+            <p:cNvPr id="105" name="Rounded Rectangle 104">
+              <a:extLst>
+                <a:ext uri="{FF2B5EF4-FFF2-40B4-BE49-F238E27FC236}">
+                  <a16:creationId xmlns:a16="http://schemas.microsoft.com/office/drawing/2014/main" id="{8E998763-F14B-CE42-AC72-1A9356265289}"/>
+                </a:ext>
+              </a:extLst>
+            </p:cNvPr>
+            <p:cNvSpPr/>
+            <p:nvPr/>
+          </p:nvSpPr>
+          <p:spPr>
+            <a:xfrm>
+              <a:off x="9723377" y="1205822"/>
+              <a:ext cx="914400" cy="457200"/>
+            </a:xfrm>
+            <a:prstGeom prst="roundRect">
+              <a:avLst/>
+            </a:prstGeom>
+            <a:solidFill>
+              <a:schemeClr val="accent4">
+                <a:lumMod val="75000"/>
+              </a:schemeClr>
+            </a:solidFill>
+            <a:ln>
+              <a:solidFill>
+                <a:schemeClr val="accent4">
+                  <a:lumMod val="75000"/>
+                </a:schemeClr>
+              </a:solidFill>
+            </a:ln>
+          </p:spPr>
+          <p:style>
+            <a:lnRef idx="2">
+              <a:schemeClr val="accent6">
+                <a:shade val="50000"/>
+              </a:schemeClr>
+            </a:lnRef>
+            <a:fillRef idx="1">
+              <a:schemeClr val="accent6"/>
+            </a:fillRef>
+            <a:effectRef idx="0">
+              <a:schemeClr val="accent6"/>
+            </a:effectRef>
+            <a:fontRef idx="minor">
+              <a:schemeClr val="lt1"/>
+            </a:fontRef>
+          </p:style>
+          <p:txBody>
+            <a:bodyPr rtlCol="0" anchor="ctr"/>
+            <a:lstStyle/>
+            <a:p>
+              <a:pPr algn="ctr"/>
+              <a:r>
+                <a:rPr lang="en-US" sz="1400" dirty="0"/>
+                <a:t>C1</a:t>
+              </a:r>
+            </a:p>
+          </p:txBody>
+        </p:sp>
+        <p:cxnSp>
+          <p:nvCxnSpPr>
+            <p:cNvPr id="107" name="Straight Arrow Connector 106">
+              <a:extLst>
+                <a:ext uri="{FF2B5EF4-FFF2-40B4-BE49-F238E27FC236}">
+                  <a16:creationId xmlns:a16="http://schemas.microsoft.com/office/drawing/2014/main" id="{0F436EB6-D79E-0947-828B-9C41C5B21DB0}"/>
+                </a:ext>
+              </a:extLst>
+            </p:cNvPr>
+            <p:cNvCxnSpPr>
+              <a:cxnSpLocks/>
+              <a:stCxn id="103" idx="2"/>
+              <a:endCxn id="112" idx="0"/>
+            </p:cNvCxnSpPr>
+            <p:nvPr/>
+          </p:nvCxnSpPr>
+          <p:spPr>
+            <a:xfrm>
+              <a:off x="11411053" y="1087911"/>
+              <a:ext cx="1424" cy="117911"/>
+            </a:xfrm>
+            <a:prstGeom prst="straightConnector1">
+              <a:avLst/>
+            </a:prstGeom>
+            <a:ln>
+              <a:solidFill>
+                <a:schemeClr val="accent6">
+                  <a:lumMod val="75000"/>
+                </a:schemeClr>
+              </a:solidFill>
+              <a:tailEnd type="triangle"/>
+            </a:ln>
+          </p:spPr>
+          <p:style>
+            <a:lnRef idx="1">
+              <a:schemeClr val="accent1"/>
+            </a:lnRef>
+            <a:fillRef idx="0">
+              <a:schemeClr val="accent1"/>
+            </a:fillRef>
+            <a:effectRef idx="0">
+              <a:schemeClr val="accent1"/>
+            </a:effectRef>
+            <a:fontRef idx="minor">
+              <a:schemeClr val="tx1"/>
+            </a:fontRef>
+          </p:style>
+        </p:cxnSp>
+        <p:sp>
+          <p:nvSpPr>
+            <p:cNvPr id="112" name="Rounded Rectangle 111">
+              <a:extLst>
+                <a:ext uri="{FF2B5EF4-FFF2-40B4-BE49-F238E27FC236}">
+                  <a16:creationId xmlns:a16="http://schemas.microsoft.com/office/drawing/2014/main" id="{2842BD68-B2DC-6945-A861-CAFCB080B9C0}"/>
+                </a:ext>
+              </a:extLst>
+            </p:cNvPr>
+            <p:cNvSpPr/>
+            <p:nvPr/>
+          </p:nvSpPr>
+          <p:spPr>
+            <a:xfrm>
+              <a:off x="10955277" y="1205822"/>
+              <a:ext cx="914400" cy="457200"/>
+            </a:xfrm>
+            <a:prstGeom prst="roundRect">
+              <a:avLst/>
+            </a:prstGeom>
+            <a:solidFill>
+              <a:schemeClr val="accent4">
+                <a:lumMod val="75000"/>
+              </a:schemeClr>
+            </a:solidFill>
+            <a:ln>
+              <a:solidFill>
+                <a:schemeClr val="accent4">
+                  <a:lumMod val="75000"/>
+                </a:schemeClr>
+              </a:solidFill>
+            </a:ln>
+          </p:spPr>
+          <p:style>
+            <a:lnRef idx="2">
+              <a:schemeClr val="accent6">
+                <a:shade val="50000"/>
+              </a:schemeClr>
+            </a:lnRef>
+            <a:fillRef idx="1">
+              <a:schemeClr val="accent6"/>
+            </a:fillRef>
+            <a:effectRef idx="0">
+              <a:schemeClr val="accent6"/>
+            </a:effectRef>
+            <a:fontRef idx="minor">
+              <a:schemeClr val="lt1"/>
+            </a:fontRef>
+          </p:style>
+          <p:txBody>
+            <a:bodyPr rtlCol="0" anchor="ctr"/>
+            <a:lstStyle/>
+            <a:p>
+              <a:pPr algn="ctr"/>
+              <a:r>
+                <a:rPr lang="en-US" sz="1400" dirty="0"/>
+                <a:t>C2</a:t>
+              </a:r>
+            </a:p>
+          </p:txBody>
+        </p:sp>
+        <p:cxnSp>
+          <p:nvCxnSpPr>
+            <p:cNvPr id="113" name="Straight Arrow Connector 112">
+              <a:extLst>
+                <a:ext uri="{FF2B5EF4-FFF2-40B4-BE49-F238E27FC236}">
+                  <a16:creationId xmlns:a16="http://schemas.microsoft.com/office/drawing/2014/main" id="{763458D6-5D3A-2F41-88FB-F73DAEA8638F}"/>
+                </a:ext>
+              </a:extLst>
+            </p:cNvPr>
+            <p:cNvCxnSpPr>
+              <a:cxnSpLocks/>
+              <a:stCxn id="112" idx="1"/>
+              <a:endCxn id="105" idx="3"/>
+            </p:cNvCxnSpPr>
+            <p:nvPr/>
+          </p:nvCxnSpPr>
+          <p:spPr>
+            <a:xfrm flipH="1">
+              <a:off x="10637777" y="1434422"/>
+              <a:ext cx="317500" cy="0"/>
+            </a:xfrm>
+            <a:prstGeom prst="straightConnector1">
+              <a:avLst/>
+            </a:prstGeom>
+            <a:ln>
+              <a:solidFill>
+                <a:schemeClr val="accent4">
+                  <a:lumMod val="75000"/>
+                </a:schemeClr>
+              </a:solidFill>
+              <a:tailEnd type="triangle"/>
+            </a:ln>
+          </p:spPr>
+          <p:style>
+            <a:lnRef idx="1">
+              <a:schemeClr val="accent1"/>
+            </a:lnRef>
+            <a:fillRef idx="0">
+              <a:schemeClr val="accent1"/>
+            </a:fillRef>
+            <a:effectRef idx="0">
+              <a:schemeClr val="accent1"/>
+            </a:effectRef>
+            <a:fontRef idx="minor">
+              <a:schemeClr val="tx1"/>
+            </a:fontRef>
+          </p:style>
+        </p:cxnSp>
+      </p:grpSp>
+      <p:grpSp>
+        <p:nvGrpSpPr>
+          <p:cNvPr id="102" name="Group 101">
+            <a:extLst>
+              <a:ext uri="{FF2B5EF4-FFF2-40B4-BE49-F238E27FC236}">
+                <a16:creationId xmlns:a16="http://schemas.microsoft.com/office/drawing/2014/main" id="{E1C42E60-EBC8-0D4B-833B-8CCC8BAC12BF}"/>
+              </a:ext>
+            </a:extLst>
+          </p:cNvPr>
+          <p:cNvGrpSpPr/>
+          <p:nvPr/>
+        </p:nvGrpSpPr>
+        <p:grpSpPr>
+          <a:xfrm>
+            <a:off x="2053634" y="3825466"/>
+            <a:ext cx="2374900" cy="1605987"/>
+            <a:chOff x="9723377" y="630711"/>
+            <a:chExt cx="2374900" cy="1605987"/>
+          </a:xfrm>
+        </p:grpSpPr>
+        <p:sp>
+          <p:nvSpPr>
+            <p:cNvPr id="115" name="Rounded Rectangle 114">
+              <a:extLst>
+                <a:ext uri="{FF2B5EF4-FFF2-40B4-BE49-F238E27FC236}">
+                  <a16:creationId xmlns:a16="http://schemas.microsoft.com/office/drawing/2014/main" id="{6C763111-01A7-7D45-9803-1F2D5D19D3BC}"/>
+                </a:ext>
+              </a:extLst>
+            </p:cNvPr>
+            <p:cNvSpPr/>
+            <p:nvPr/>
+          </p:nvSpPr>
+          <p:spPr>
+            <a:xfrm>
+              <a:off x="10725253" y="630711"/>
+              <a:ext cx="1371600" cy="457200"/>
+            </a:xfrm>
+            <a:prstGeom prst="roundRect">
+              <a:avLst/>
+            </a:prstGeom>
+            <a:solidFill>
+              <a:schemeClr val="accent6">
+                <a:lumMod val="75000"/>
+              </a:schemeClr>
+            </a:solidFill>
+            <a:ln>
+              <a:noFill/>
+            </a:ln>
+          </p:spPr>
+          <p:style>
+            <a:lnRef idx="2">
+              <a:schemeClr val="accent6">
+                <a:shade val="50000"/>
+              </a:schemeClr>
+            </a:lnRef>
+            <a:fillRef idx="1">
+              <a:schemeClr val="accent6"/>
+            </a:fillRef>
+            <a:effectRef idx="0">
+              <a:schemeClr val="accent6"/>
+            </a:effectRef>
+            <a:fontRef idx="minor">
+              <a:schemeClr val="lt1"/>
+            </a:fontRef>
+          </p:style>
+          <p:txBody>
+            <a:bodyPr rtlCol="0" anchor="ctr"/>
+            <a:lstStyle/>
+            <a:p>
+              <a:pPr algn="ctr"/>
+              <a:r>
+                <a:rPr lang="en-US" sz="1400" dirty="0"/>
+                <a:t>origin/master</a:t>
+              </a:r>
+            </a:p>
+          </p:txBody>
+        </p:sp>
+        <p:sp>
+          <p:nvSpPr>
+            <p:cNvPr id="119" name="Rounded Rectangle 118">
+              <a:extLst>
+                <a:ext uri="{FF2B5EF4-FFF2-40B4-BE49-F238E27FC236}">
+                  <a16:creationId xmlns:a16="http://schemas.microsoft.com/office/drawing/2014/main" id="{362F56F2-6830-AC41-A33F-707BBE763BF4}"/>
+                </a:ext>
+              </a:extLst>
+            </p:cNvPr>
+            <p:cNvSpPr/>
+            <p:nvPr/>
+          </p:nvSpPr>
+          <p:spPr>
+            <a:xfrm>
+              <a:off x="9723377" y="1205822"/>
+              <a:ext cx="914400" cy="457200"/>
+            </a:xfrm>
+            <a:prstGeom prst="roundRect">
+              <a:avLst/>
+            </a:prstGeom>
+            <a:solidFill>
+              <a:schemeClr val="accent4">
+                <a:lumMod val="75000"/>
+              </a:schemeClr>
+            </a:solidFill>
+            <a:ln>
+              <a:solidFill>
+                <a:schemeClr val="accent4">
+                  <a:lumMod val="75000"/>
+                </a:schemeClr>
+              </a:solidFill>
+            </a:ln>
+          </p:spPr>
+          <p:style>
+            <a:lnRef idx="2">
+              <a:schemeClr val="accent6">
+                <a:shade val="50000"/>
+              </a:schemeClr>
+            </a:lnRef>
+            <a:fillRef idx="1">
+              <a:schemeClr val="accent6"/>
+            </a:fillRef>
+            <a:effectRef idx="0">
+              <a:schemeClr val="accent6"/>
+            </a:effectRef>
+            <a:fontRef idx="minor">
+              <a:schemeClr val="lt1"/>
+            </a:fontRef>
+          </p:style>
+          <p:txBody>
+            <a:bodyPr rtlCol="0" anchor="ctr"/>
+            <a:lstStyle/>
+            <a:p>
+              <a:pPr algn="ctr"/>
+              <a:r>
+                <a:rPr lang="en-US" sz="1400" dirty="0"/>
+                <a:t>C1</a:t>
+              </a:r>
+            </a:p>
+          </p:txBody>
+        </p:sp>
+        <p:cxnSp>
+          <p:nvCxnSpPr>
+            <p:cNvPr id="131" name="Straight Arrow Connector 130">
+              <a:extLst>
+                <a:ext uri="{FF2B5EF4-FFF2-40B4-BE49-F238E27FC236}">
+                  <a16:creationId xmlns:a16="http://schemas.microsoft.com/office/drawing/2014/main" id="{F5A9FE2D-32F5-4643-A389-6A3F708FBEC3}"/>
+                </a:ext>
+              </a:extLst>
+            </p:cNvPr>
+            <p:cNvCxnSpPr>
+              <a:cxnSpLocks/>
+              <a:stCxn id="115" idx="2"/>
+              <a:endCxn id="149" idx="0"/>
+            </p:cNvCxnSpPr>
+            <p:nvPr/>
+          </p:nvCxnSpPr>
+          <p:spPr>
+            <a:xfrm>
+              <a:off x="11411053" y="1087911"/>
+              <a:ext cx="1424" cy="117911"/>
+            </a:xfrm>
+            <a:prstGeom prst="straightConnector1">
+              <a:avLst/>
+            </a:prstGeom>
+            <a:ln>
+              <a:solidFill>
+                <a:schemeClr val="accent6">
+                  <a:lumMod val="75000"/>
+                </a:schemeClr>
+              </a:solidFill>
+              <a:tailEnd type="triangle"/>
+            </a:ln>
+          </p:spPr>
+          <p:style>
+            <a:lnRef idx="1">
+              <a:schemeClr val="accent1"/>
+            </a:lnRef>
+            <a:fillRef idx="0">
+              <a:schemeClr val="accent1"/>
+            </a:fillRef>
+            <a:effectRef idx="0">
+              <a:schemeClr val="accent1"/>
+            </a:effectRef>
+            <a:fontRef idx="minor">
+              <a:schemeClr val="tx1"/>
+            </a:fontRef>
+          </p:style>
+        </p:cxnSp>
+        <p:sp>
+          <p:nvSpPr>
+            <p:cNvPr id="145" name="Rounded Rectangle 144">
+              <a:extLst>
+                <a:ext uri="{FF2B5EF4-FFF2-40B4-BE49-F238E27FC236}">
+                  <a16:creationId xmlns:a16="http://schemas.microsoft.com/office/drawing/2014/main" id="{B5F9BEC0-5D48-A94F-BF31-C7CD270FEBB5}"/>
+                </a:ext>
+              </a:extLst>
+            </p:cNvPr>
+            <p:cNvSpPr/>
+            <p:nvPr/>
+          </p:nvSpPr>
+          <p:spPr>
+            <a:xfrm>
+              <a:off x="10726677" y="1779498"/>
+              <a:ext cx="1371600" cy="457200"/>
+            </a:xfrm>
+            <a:prstGeom prst="roundRect">
+              <a:avLst/>
+            </a:prstGeom>
+            <a:solidFill>
+              <a:schemeClr val="accent6">
+                <a:lumMod val="75000"/>
+              </a:schemeClr>
+            </a:solidFill>
+            <a:ln>
+              <a:noFill/>
+            </a:ln>
+          </p:spPr>
+          <p:style>
+            <a:lnRef idx="2">
+              <a:schemeClr val="accent6">
+                <a:shade val="50000"/>
+              </a:schemeClr>
+            </a:lnRef>
+            <a:fillRef idx="1">
+              <a:schemeClr val="accent6"/>
+            </a:fillRef>
+            <a:effectRef idx="0">
+              <a:schemeClr val="accent6"/>
+            </a:effectRef>
+            <a:fontRef idx="minor">
+              <a:schemeClr val="lt1"/>
+            </a:fontRef>
+          </p:style>
+          <p:txBody>
+            <a:bodyPr rtlCol="0" anchor="ctr"/>
+            <a:lstStyle/>
+            <a:p>
+              <a:pPr algn="ctr"/>
+              <a:r>
+                <a:rPr lang="en-US" sz="1400" dirty="0"/>
+                <a:t>master</a:t>
+              </a:r>
+            </a:p>
+          </p:txBody>
+        </p:sp>
+        <p:cxnSp>
+          <p:nvCxnSpPr>
+            <p:cNvPr id="146" name="Straight Arrow Connector 145">
+              <a:extLst>
+                <a:ext uri="{FF2B5EF4-FFF2-40B4-BE49-F238E27FC236}">
+                  <a16:creationId xmlns:a16="http://schemas.microsoft.com/office/drawing/2014/main" id="{E31111AC-015D-FF48-BF95-FF4B80A68E71}"/>
+                </a:ext>
+              </a:extLst>
+            </p:cNvPr>
+            <p:cNvCxnSpPr>
+              <a:cxnSpLocks/>
+              <a:stCxn id="145" idx="0"/>
+              <a:endCxn id="149" idx="2"/>
+            </p:cNvCxnSpPr>
+            <p:nvPr/>
+          </p:nvCxnSpPr>
+          <p:spPr>
+            <a:xfrm flipV="1">
+              <a:off x="11412477" y="1663022"/>
+              <a:ext cx="0" cy="116476"/>
+            </a:xfrm>
+            <a:prstGeom prst="straightConnector1">
+              <a:avLst/>
+            </a:prstGeom>
+            <a:ln>
+              <a:solidFill>
+                <a:schemeClr val="accent6">
+                  <a:lumMod val="75000"/>
+                </a:schemeClr>
+              </a:solidFill>
+              <a:tailEnd type="triangle"/>
+            </a:ln>
+          </p:spPr>
+          <p:style>
+            <a:lnRef idx="1">
+              <a:schemeClr val="accent1"/>
+            </a:lnRef>
+            <a:fillRef idx="0">
+              <a:schemeClr val="accent1"/>
+            </a:fillRef>
+            <a:effectRef idx="0">
+              <a:schemeClr val="accent1"/>
+            </a:effectRef>
+            <a:fontRef idx="minor">
+              <a:schemeClr val="tx1"/>
+            </a:fontRef>
+          </p:style>
+        </p:cxnSp>
+        <p:sp>
+          <p:nvSpPr>
+            <p:cNvPr id="149" name="Rounded Rectangle 148">
+              <a:extLst>
+                <a:ext uri="{FF2B5EF4-FFF2-40B4-BE49-F238E27FC236}">
+                  <a16:creationId xmlns:a16="http://schemas.microsoft.com/office/drawing/2014/main" id="{99A5F5AC-ED99-A24A-A611-1A50CD7A5AC8}"/>
+                </a:ext>
+              </a:extLst>
+            </p:cNvPr>
+            <p:cNvSpPr/>
+            <p:nvPr/>
+          </p:nvSpPr>
+          <p:spPr>
+            <a:xfrm>
+              <a:off x="10955277" y="1205822"/>
+              <a:ext cx="914400" cy="457200"/>
+            </a:xfrm>
+            <a:prstGeom prst="roundRect">
+              <a:avLst/>
+            </a:prstGeom>
+            <a:solidFill>
+              <a:schemeClr val="accent4">
+                <a:lumMod val="75000"/>
+              </a:schemeClr>
+            </a:solidFill>
+            <a:ln>
+              <a:solidFill>
+                <a:schemeClr val="accent4">
+                  <a:lumMod val="75000"/>
+                </a:schemeClr>
+              </a:solidFill>
+            </a:ln>
+          </p:spPr>
+          <p:style>
+            <a:lnRef idx="2">
+              <a:schemeClr val="accent6">
+                <a:shade val="50000"/>
+              </a:schemeClr>
+            </a:lnRef>
+            <a:fillRef idx="1">
+              <a:schemeClr val="accent6"/>
+            </a:fillRef>
+            <a:effectRef idx="0">
+              <a:schemeClr val="accent6"/>
+            </a:effectRef>
+            <a:fontRef idx="minor">
+              <a:schemeClr val="lt1"/>
+            </a:fontRef>
+          </p:style>
+          <p:txBody>
+            <a:bodyPr rtlCol="0" anchor="ctr"/>
+            <a:lstStyle/>
+            <a:p>
+              <a:pPr algn="ctr"/>
+              <a:r>
+                <a:rPr lang="en-US" sz="1400" dirty="0"/>
+                <a:t>C2</a:t>
+              </a:r>
+            </a:p>
+          </p:txBody>
+        </p:sp>
+        <p:cxnSp>
+          <p:nvCxnSpPr>
+            <p:cNvPr id="150" name="Straight Arrow Connector 149">
+              <a:extLst>
+                <a:ext uri="{FF2B5EF4-FFF2-40B4-BE49-F238E27FC236}">
+                  <a16:creationId xmlns:a16="http://schemas.microsoft.com/office/drawing/2014/main" id="{45ED0795-245B-B04C-83B7-961144DD857D}"/>
+                </a:ext>
+              </a:extLst>
+            </p:cNvPr>
+            <p:cNvCxnSpPr>
+              <a:cxnSpLocks/>
+              <a:stCxn id="149" idx="1"/>
+              <a:endCxn id="119" idx="3"/>
+            </p:cNvCxnSpPr>
+            <p:nvPr/>
+          </p:nvCxnSpPr>
+          <p:spPr>
+            <a:xfrm flipH="1">
+              <a:off x="10637777" y="1434422"/>
+              <a:ext cx="317500" cy="0"/>
+            </a:xfrm>
+            <a:prstGeom prst="straightConnector1">
+              <a:avLst/>
+            </a:prstGeom>
+            <a:ln>
+              <a:solidFill>
+                <a:schemeClr val="accent4">
+                  <a:lumMod val="75000"/>
+                </a:schemeClr>
+              </a:solidFill>
+              <a:tailEnd type="triangle"/>
+            </a:ln>
+          </p:spPr>
+          <p:style>
+            <a:lnRef idx="1">
+              <a:schemeClr val="accent1"/>
+            </a:lnRef>
+            <a:fillRef idx="0">
+              <a:schemeClr val="accent1"/>
+            </a:fillRef>
+            <a:effectRef idx="0">
+              <a:schemeClr val="accent1"/>
+            </a:effectRef>
+            <a:fontRef idx="minor">
+              <a:schemeClr val="tx1"/>
+            </a:fontRef>
+          </p:style>
+        </p:cxnSp>
+      </p:grpSp>
+      <p:sp>
+        <p:nvSpPr>
+          <p:cNvPr id="151" name="Right Arrow 150">
+            <a:extLst>
+              <a:ext uri="{FF2B5EF4-FFF2-40B4-BE49-F238E27FC236}">
+                <a16:creationId xmlns:a16="http://schemas.microsoft.com/office/drawing/2014/main" id="{FC36BFA5-79F8-DC4D-8AE9-BC38D892A25A}"/>
+              </a:ext>
+            </a:extLst>
+          </p:cNvPr>
+          <p:cNvSpPr/>
+          <p:nvPr/>
+        </p:nvSpPr>
+        <p:spPr>
+          <a:xfrm rot="5400000">
+            <a:off x="1819081" y="2778652"/>
+            <a:ext cx="754239" cy="624468"/>
+          </a:xfrm>
+          <a:prstGeom prst="rightArrow">
+            <a:avLst/>
+          </a:prstGeom>
+          <a:solidFill>
+            <a:schemeClr val="bg1">
+              <a:lumMod val="75000"/>
+            </a:schemeClr>
+          </a:solidFill>
+          <a:ln>
+            <a:noFill/>
+          </a:ln>
+        </p:spPr>
+        <p:style>
+          <a:lnRef idx="2">
+            <a:schemeClr val="accent3">
+              <a:shade val="50000"/>
+            </a:schemeClr>
+          </a:lnRef>
+          <a:fillRef idx="1">
+            <a:schemeClr val="accent3"/>
+          </a:fillRef>
+          <a:effectRef idx="0">
+            <a:schemeClr val="accent3"/>
+          </a:effectRef>
+          <a:fontRef idx="minor">
+            <a:schemeClr val="lt1"/>
+          </a:fontRef>
+        </p:style>
+        <p:txBody>
+          <a:bodyPr rot="0" spcFirstLastPara="0" vertOverflow="overflow" horzOverflow="overflow" vert="horz" wrap="square" lIns="91440" tIns="45720" rIns="91440" bIns="45720" numCol="1" spcCol="0" rtlCol="0" fromWordArt="0" anchor="ctr" anchorCtr="0" forceAA="0" compatLnSpc="1">
+            <a:prstTxWarp prst="textNoShape">
+              <a:avLst/>
+            </a:prstTxWarp>
+            <a:noAutofit/>
+          </a:bodyPr>
+          <a:lstStyle/>
+          <a:p>
+            <a:pPr algn="ctr"/>
+            <a:endParaRPr lang="en-US" sz="1400" dirty="0">
+              <a:solidFill>
+                <a:schemeClr val="tx1"/>
+              </a:solidFill>
+              <a:latin typeface="Courier" pitchFamily="2" charset="0"/>
+            </a:endParaRPr>
+          </a:p>
+        </p:txBody>
+      </p:sp>
+      <p:sp>
+        <p:nvSpPr>
+          <p:cNvPr id="2" name="Rectangle 1">
+            <a:extLst>
+              <a:ext uri="{FF2B5EF4-FFF2-40B4-BE49-F238E27FC236}">
+                <a16:creationId xmlns:a16="http://schemas.microsoft.com/office/drawing/2014/main" id="{DF2D2F96-8B53-124F-BF39-A9CB56EFBE98}"/>
+              </a:ext>
+            </a:extLst>
+          </p:cNvPr>
+          <p:cNvSpPr/>
+          <p:nvPr/>
+        </p:nvSpPr>
+        <p:spPr>
+          <a:xfrm>
+            <a:off x="1868129" y="658761"/>
+            <a:ext cx="2743200" cy="1828800"/>
+          </a:xfrm>
+          <a:prstGeom prst="rect">
+            <a:avLst/>
+          </a:prstGeom>
+          <a:noFill/>
+          <a:ln>
+            <a:solidFill>
+              <a:schemeClr val="accent1">
+                <a:lumMod val="60000"/>
+                <a:lumOff val="40000"/>
+              </a:schemeClr>
+            </a:solidFill>
+            <a:prstDash val="dash"/>
+          </a:ln>
+        </p:spPr>
+        <p:style>
+          <a:lnRef idx="2">
+            <a:schemeClr val="accent1">
+              <a:shade val="50000"/>
+            </a:schemeClr>
+          </a:lnRef>
+          <a:fillRef idx="1">
+            <a:schemeClr val="accent1"/>
+          </a:fillRef>
+          <a:effectRef idx="0">
+            <a:schemeClr val="accent1"/>
+          </a:effectRef>
+          <a:fontRef idx="minor">
+            <a:schemeClr val="lt1"/>
+          </a:fontRef>
+        </p:style>
+        <p:txBody>
+          <a:bodyPr rtlCol="0" anchor="ctr"/>
+          <a:lstStyle/>
+          <a:p>
+            <a:pPr algn="ctr"/>
+            <a:endParaRPr lang="en-US"/>
+          </a:p>
+        </p:txBody>
+      </p:sp>
+      <p:sp>
+        <p:nvSpPr>
+          <p:cNvPr id="154" name="Rectangle 153">
+            <a:extLst>
+              <a:ext uri="{FF2B5EF4-FFF2-40B4-BE49-F238E27FC236}">
+                <a16:creationId xmlns:a16="http://schemas.microsoft.com/office/drawing/2014/main" id="{019E56FF-C4E6-1C4F-89EF-5BC362E11E9E}"/>
+              </a:ext>
+            </a:extLst>
+          </p:cNvPr>
+          <p:cNvSpPr/>
+          <p:nvPr/>
+        </p:nvSpPr>
+        <p:spPr>
+          <a:xfrm>
+            <a:off x="1868129" y="3694211"/>
+            <a:ext cx="2743200" cy="1828800"/>
+          </a:xfrm>
+          <a:prstGeom prst="rect">
+            <a:avLst/>
+          </a:prstGeom>
+          <a:noFill/>
+          <a:ln>
+            <a:solidFill>
+              <a:schemeClr val="accent1">
+                <a:lumMod val="60000"/>
+                <a:lumOff val="40000"/>
+              </a:schemeClr>
+            </a:solidFill>
+            <a:prstDash val="dash"/>
+          </a:ln>
+        </p:spPr>
+        <p:style>
+          <a:lnRef idx="2">
+            <a:schemeClr val="accent1">
+              <a:shade val="50000"/>
+            </a:schemeClr>
+          </a:lnRef>
+          <a:fillRef idx="1">
+            <a:schemeClr val="accent1"/>
+          </a:fillRef>
+          <a:effectRef idx="0">
+            <a:schemeClr val="accent1"/>
+          </a:effectRef>
+          <a:fontRef idx="minor">
+            <a:schemeClr val="lt1"/>
+          </a:fontRef>
+        </p:style>
+        <p:txBody>
+          <a:bodyPr rtlCol="0" anchor="ctr"/>
+          <a:lstStyle/>
+          <a:p>
+            <a:pPr algn="ctr"/>
+            <a:endParaRPr lang="en-US"/>
+          </a:p>
+        </p:txBody>
+      </p:sp>
+      <p:sp>
+        <p:nvSpPr>
+          <p:cNvPr id="3" name="TextBox 2">
+            <a:extLst>
+              <a:ext uri="{FF2B5EF4-FFF2-40B4-BE49-F238E27FC236}">
+                <a16:creationId xmlns:a16="http://schemas.microsoft.com/office/drawing/2014/main" id="{EBF2D957-D28A-734C-8023-78305B37B456}"/>
+              </a:ext>
+            </a:extLst>
+          </p:cNvPr>
+          <p:cNvSpPr txBox="1"/>
+          <p:nvPr/>
+        </p:nvSpPr>
+        <p:spPr>
+          <a:xfrm>
+            <a:off x="2467049" y="348608"/>
+            <a:ext cx="1545359" cy="307777"/>
+          </a:xfrm>
+          <a:prstGeom prst="rect">
+            <a:avLst/>
+          </a:prstGeom>
+          <a:noFill/>
+        </p:spPr>
+        <p:txBody>
+          <a:bodyPr wrap="none" rtlCol="0">
+            <a:spAutoFit/>
+          </a:bodyPr>
+          <a:lstStyle/>
+          <a:p>
+            <a:r>
+              <a:rPr lang="en-US" sz="1400" dirty="0">
+                <a:solidFill>
+                  <a:schemeClr val="accent1">
+                    <a:lumMod val="60000"/>
+                    <a:lumOff val="40000"/>
+                  </a:schemeClr>
+                </a:solidFill>
+              </a:rPr>
+              <a:t>Remote repository</a:t>
+            </a:r>
+          </a:p>
+        </p:txBody>
+      </p:sp>
+      <p:sp>
+        <p:nvSpPr>
+          <p:cNvPr id="155" name="TextBox 154">
+            <a:extLst>
+              <a:ext uri="{FF2B5EF4-FFF2-40B4-BE49-F238E27FC236}">
+                <a16:creationId xmlns:a16="http://schemas.microsoft.com/office/drawing/2014/main" id="{67562A3B-B18D-7343-9956-B661906C8900}"/>
+              </a:ext>
+            </a:extLst>
+          </p:cNvPr>
+          <p:cNvSpPr txBox="1"/>
+          <p:nvPr/>
+        </p:nvSpPr>
+        <p:spPr>
+          <a:xfrm>
+            <a:off x="2566242" y="3388833"/>
+            <a:ext cx="1346972" cy="307777"/>
+          </a:xfrm>
+          <a:prstGeom prst="rect">
+            <a:avLst/>
+          </a:prstGeom>
+          <a:noFill/>
+        </p:spPr>
+        <p:txBody>
+          <a:bodyPr wrap="none" rtlCol="0">
+            <a:spAutoFit/>
+          </a:bodyPr>
+          <a:lstStyle/>
+          <a:p>
+            <a:r>
+              <a:rPr lang="en-US" sz="1400" dirty="0">
+                <a:solidFill>
+                  <a:schemeClr val="accent1">
+                    <a:lumMod val="60000"/>
+                    <a:lumOff val="40000"/>
+                  </a:schemeClr>
+                </a:solidFill>
+              </a:rPr>
+              <a:t>Local repository</a:t>
+            </a:r>
+          </a:p>
+        </p:txBody>
+      </p:sp>
+      <p:sp>
+        <p:nvSpPr>
+          <p:cNvPr id="4" name="Rectangle 3">
+            <a:extLst>
+              <a:ext uri="{FF2B5EF4-FFF2-40B4-BE49-F238E27FC236}">
+                <a16:creationId xmlns:a16="http://schemas.microsoft.com/office/drawing/2014/main" id="{B92DC95D-45BE-CD42-9474-26F062381712}"/>
+              </a:ext>
+            </a:extLst>
+          </p:cNvPr>
+          <p:cNvSpPr/>
+          <p:nvPr/>
+        </p:nvSpPr>
+        <p:spPr>
+          <a:xfrm>
+            <a:off x="2566242" y="2942186"/>
+            <a:ext cx="2117887" cy="307777"/>
+          </a:xfrm>
+          <a:prstGeom prst="rect">
+            <a:avLst/>
+          </a:prstGeom>
+        </p:spPr>
+        <p:txBody>
+          <a:bodyPr wrap="none">
+            <a:spAutoFit/>
+          </a:bodyPr>
+          <a:lstStyle/>
+          <a:p>
+            <a:pPr algn="ctr"/>
+            <a:r>
+              <a:rPr lang="en-US" sz="1400" dirty="0">
+                <a:latin typeface="Courier" pitchFamily="2" charset="0"/>
+              </a:rPr>
+              <a:t>$ git clone &lt;</a:t>
+            </a:r>
+            <a:r>
+              <a:rPr lang="en-US" sz="1400" dirty="0" err="1">
+                <a:latin typeface="Courier" pitchFamily="2" charset="0"/>
+              </a:rPr>
+              <a:t>url</a:t>
+            </a:r>
+            <a:r>
+              <a:rPr lang="en-US" sz="1400" dirty="0">
+                <a:latin typeface="Courier" pitchFamily="2" charset="0"/>
+              </a:rPr>
+              <a:t>&gt; </a:t>
+            </a:r>
+          </a:p>
+        </p:txBody>
+      </p:sp>
+    </p:spTree>
+    <p:extLst>
+      <p:ext uri="{BB962C8B-B14F-4D97-AF65-F5344CB8AC3E}">
+        <p14:creationId xmlns:p14="http://schemas.microsoft.com/office/powerpoint/2010/main" val="343664227"/>
+      </p:ext>
+    </p:extLst>
+  </p:cSld>
+  <p:clrMapOvr>
+    <a:masterClrMapping/>
+  </p:clrMapOvr>
+</p:sld>
+</file>
+
+<file path=ppt/slides/slide5.xml><?xml version="1.0" encoding="utf-8"?>
+<p:sld xmlns:a="http://schemas.openxmlformats.org/drawingml/2006/main" xmlns:r="http://schemas.openxmlformats.org/officeDocument/2006/relationships" xmlns:p="http://schemas.openxmlformats.org/presentationml/2006/main">
+  <p:cSld>
+    <p:spTree>
+      <p:nvGrpSpPr>
+        <p:cNvPr id="1" name=""/>
+        <p:cNvGrpSpPr/>
+        <p:nvPr/>
+      </p:nvGrpSpPr>
+      <p:grpSpPr>
+        <a:xfrm>
+          <a:off x="0" y="0"/>
+          <a:ext cx="0" cy="0"/>
+          <a:chOff x="0" y="0"/>
+          <a:chExt cx="0" cy="0"/>
+        </a:xfrm>
+      </p:grpSpPr>
+      <p:sp>
+        <p:nvSpPr>
+          <p:cNvPr id="103" name="Rounded Rectangle 102">
+            <a:extLst>
+              <a:ext uri="{FF2B5EF4-FFF2-40B4-BE49-F238E27FC236}">
+                <a16:creationId xmlns:a16="http://schemas.microsoft.com/office/drawing/2014/main" id="{9C74625E-A84F-1A45-942C-2CE513DFF366}"/>
+              </a:ext>
+            </a:extLst>
+          </p:cNvPr>
+          <p:cNvSpPr/>
+          <p:nvPr/>
+        </p:nvSpPr>
+        <p:spPr>
+          <a:xfrm>
+            <a:off x="1244932" y="848290"/>
+            <a:ext cx="1371600" cy="457200"/>
+          </a:xfrm>
+          <a:prstGeom prst="roundRect">
+            <a:avLst/>
+          </a:prstGeom>
+          <a:solidFill>
+            <a:schemeClr val="accent6">
+              <a:lumMod val="75000"/>
+            </a:schemeClr>
+          </a:solidFill>
+          <a:ln>
+            <a:noFill/>
+          </a:ln>
+        </p:spPr>
+        <p:style>
+          <a:lnRef idx="2">
+            <a:schemeClr val="accent6">
+              <a:shade val="50000"/>
+            </a:schemeClr>
+          </a:lnRef>
+          <a:fillRef idx="1">
+            <a:schemeClr val="accent6"/>
+          </a:fillRef>
+          <a:effectRef idx="0">
+            <a:schemeClr val="accent6"/>
+          </a:effectRef>
+          <a:fontRef idx="minor">
+            <a:schemeClr val="lt1"/>
+          </a:fontRef>
+        </p:style>
+        <p:txBody>
+          <a:bodyPr rtlCol="0" anchor="ctr"/>
+          <a:lstStyle/>
+          <a:p>
+            <a:pPr algn="ctr"/>
+            <a:r>
+              <a:rPr lang="en-US" sz="1400" dirty="0"/>
+              <a:t>master</a:t>
+            </a:r>
+          </a:p>
+        </p:txBody>
+      </p:sp>
+      <p:sp>
+        <p:nvSpPr>
+          <p:cNvPr id="105" name="Rounded Rectangle 104">
+            <a:extLst>
+              <a:ext uri="{FF2B5EF4-FFF2-40B4-BE49-F238E27FC236}">
+                <a16:creationId xmlns:a16="http://schemas.microsoft.com/office/drawing/2014/main" id="{8E998763-F14B-CE42-AC72-1A9356265289}"/>
+              </a:ext>
+            </a:extLst>
+          </p:cNvPr>
+          <p:cNvSpPr/>
+          <p:nvPr/>
+        </p:nvSpPr>
+        <p:spPr>
+          <a:xfrm>
+            <a:off x="1473532" y="1423401"/>
+            <a:ext cx="914400" cy="457200"/>
+          </a:xfrm>
+          <a:prstGeom prst="roundRect">
+            <a:avLst/>
+          </a:prstGeom>
+          <a:solidFill>
+            <a:schemeClr val="accent4">
+              <a:lumMod val="75000"/>
+            </a:schemeClr>
+          </a:solidFill>
+          <a:ln>
+            <a:solidFill>
+              <a:schemeClr val="accent4">
+                <a:lumMod val="75000"/>
+              </a:schemeClr>
+            </a:solidFill>
+          </a:ln>
+        </p:spPr>
+        <p:style>
+          <a:lnRef idx="2">
+            <a:schemeClr val="accent6">
+              <a:shade val="50000"/>
+            </a:schemeClr>
+          </a:lnRef>
+          <a:fillRef idx="1">
+            <a:schemeClr val="accent6"/>
+          </a:fillRef>
+          <a:effectRef idx="0">
+            <a:schemeClr val="accent6"/>
+          </a:effectRef>
+          <a:fontRef idx="minor">
+            <a:schemeClr val="lt1"/>
+          </a:fontRef>
+        </p:style>
+        <p:txBody>
+          <a:bodyPr rtlCol="0" anchor="ctr"/>
+          <a:lstStyle/>
+          <a:p>
+            <a:pPr algn="ctr"/>
+            <a:r>
+              <a:rPr lang="en-US" sz="1400" dirty="0"/>
+              <a:t>C2</a:t>
+            </a:r>
+          </a:p>
+        </p:txBody>
+      </p:sp>
+      <p:cxnSp>
+        <p:nvCxnSpPr>
+          <p:cNvPr id="107" name="Straight Arrow Connector 106">
+            <a:extLst>
+              <a:ext uri="{FF2B5EF4-FFF2-40B4-BE49-F238E27FC236}">
+                <a16:creationId xmlns:a16="http://schemas.microsoft.com/office/drawing/2014/main" id="{0F436EB6-D79E-0947-828B-9C41C5B21DB0}"/>
+              </a:ext>
+            </a:extLst>
+          </p:cNvPr>
+          <p:cNvCxnSpPr>
+            <a:cxnSpLocks/>
+            <a:stCxn id="103" idx="2"/>
+            <a:endCxn id="105" idx="0"/>
+          </p:cNvCxnSpPr>
+          <p:nvPr/>
+        </p:nvCxnSpPr>
+        <p:spPr>
+          <a:xfrm>
+            <a:off x="1930732" y="1305490"/>
+            <a:ext cx="0" cy="117911"/>
+          </a:xfrm>
+          <a:prstGeom prst="straightConnector1">
+            <a:avLst/>
+          </a:prstGeom>
+          <a:ln>
+            <a:solidFill>
+              <a:schemeClr val="accent6">
+                <a:lumMod val="75000"/>
+              </a:schemeClr>
+            </a:solidFill>
+            <a:tailEnd type="triangle"/>
+          </a:ln>
+        </p:spPr>
+        <p:style>
+          <a:lnRef idx="1">
+            <a:schemeClr val="accent1"/>
+          </a:lnRef>
+          <a:fillRef idx="0">
+            <a:schemeClr val="accent1"/>
+          </a:fillRef>
+          <a:effectRef idx="0">
+            <a:schemeClr val="accent1"/>
+          </a:effectRef>
+          <a:fontRef idx="minor">
+            <a:schemeClr val="tx1"/>
+          </a:fontRef>
+        </p:style>
+      </p:cxnSp>
+      <p:sp>
+        <p:nvSpPr>
+          <p:cNvPr id="119" name="Rounded Rectangle 118">
+            <a:extLst>
+              <a:ext uri="{FF2B5EF4-FFF2-40B4-BE49-F238E27FC236}">
+                <a16:creationId xmlns:a16="http://schemas.microsoft.com/office/drawing/2014/main" id="{362F56F2-6830-AC41-A33F-707BBE763BF4}"/>
+              </a:ext>
+            </a:extLst>
+          </p:cNvPr>
+          <p:cNvSpPr/>
+          <p:nvPr/>
+        </p:nvSpPr>
+        <p:spPr>
+          <a:xfrm>
+            <a:off x="1473532" y="4636554"/>
+            <a:ext cx="914400" cy="457200"/>
+          </a:xfrm>
+          <a:prstGeom prst="roundRect">
+            <a:avLst/>
+          </a:prstGeom>
+          <a:solidFill>
+            <a:schemeClr val="accent4">
+              <a:lumMod val="75000"/>
+            </a:schemeClr>
+          </a:solidFill>
+          <a:ln>
+            <a:solidFill>
+              <a:schemeClr val="accent4">
+                <a:lumMod val="75000"/>
+              </a:schemeClr>
+            </a:solidFill>
+          </a:ln>
+        </p:spPr>
+        <p:style>
+          <a:lnRef idx="2">
+            <a:schemeClr val="accent6">
+              <a:shade val="50000"/>
+            </a:schemeClr>
+          </a:lnRef>
+          <a:fillRef idx="1">
+            <a:schemeClr val="accent6"/>
+          </a:fillRef>
+          <a:effectRef idx="0">
+            <a:schemeClr val="accent6"/>
+          </a:effectRef>
+          <a:fontRef idx="minor">
+            <a:schemeClr val="lt1"/>
+          </a:fontRef>
+        </p:style>
+        <p:txBody>
+          <a:bodyPr rtlCol="0" anchor="ctr"/>
+          <a:lstStyle/>
+          <a:p>
+            <a:pPr algn="ctr"/>
+            <a:r>
+              <a:rPr lang="en-US" sz="1400" dirty="0"/>
+              <a:t>C2</a:t>
+            </a:r>
+          </a:p>
+        </p:txBody>
+      </p:sp>
+      <p:cxnSp>
+        <p:nvCxnSpPr>
+          <p:cNvPr id="131" name="Straight Arrow Connector 130">
+            <a:extLst>
+              <a:ext uri="{FF2B5EF4-FFF2-40B4-BE49-F238E27FC236}">
+                <a16:creationId xmlns:a16="http://schemas.microsoft.com/office/drawing/2014/main" id="{F5A9FE2D-32F5-4643-A389-6A3F708FBEC3}"/>
+              </a:ext>
+            </a:extLst>
+          </p:cNvPr>
+          <p:cNvCxnSpPr>
+            <a:cxnSpLocks/>
+            <a:stCxn id="31" idx="2"/>
+            <a:endCxn id="119" idx="0"/>
+          </p:cNvCxnSpPr>
+          <p:nvPr/>
+        </p:nvCxnSpPr>
+        <p:spPr>
+          <a:xfrm>
+            <a:off x="1930732" y="4518643"/>
+            <a:ext cx="0" cy="117911"/>
+          </a:xfrm>
+          <a:prstGeom prst="straightConnector1">
+            <a:avLst/>
+          </a:prstGeom>
+          <a:ln>
+            <a:solidFill>
+              <a:schemeClr val="accent6">
+                <a:lumMod val="75000"/>
+              </a:schemeClr>
+            </a:solidFill>
+            <a:tailEnd type="triangle"/>
+          </a:ln>
+        </p:spPr>
+        <p:style>
+          <a:lnRef idx="1">
+            <a:schemeClr val="accent1"/>
+          </a:lnRef>
+          <a:fillRef idx="0">
+            <a:schemeClr val="accent1"/>
+          </a:fillRef>
+          <a:effectRef idx="0">
+            <a:schemeClr val="accent1"/>
+          </a:effectRef>
+          <a:fontRef idx="minor">
+            <a:schemeClr val="tx1"/>
+          </a:fontRef>
+        </p:style>
+      </p:cxnSp>
+      <p:sp>
+        <p:nvSpPr>
+          <p:cNvPr id="145" name="Rounded Rectangle 144">
+            <a:extLst>
+              <a:ext uri="{FF2B5EF4-FFF2-40B4-BE49-F238E27FC236}">
+                <a16:creationId xmlns:a16="http://schemas.microsoft.com/office/drawing/2014/main" id="{B5F9BEC0-5D48-A94F-BF31-C7CD270FEBB5}"/>
+              </a:ext>
+            </a:extLst>
+          </p:cNvPr>
+          <p:cNvSpPr/>
+          <p:nvPr/>
+        </p:nvSpPr>
+        <p:spPr>
+          <a:xfrm>
+            <a:off x="2476832" y="5210230"/>
+            <a:ext cx="1371600" cy="457200"/>
+          </a:xfrm>
+          <a:prstGeom prst="roundRect">
+            <a:avLst/>
+          </a:prstGeom>
+          <a:solidFill>
+            <a:schemeClr val="accent6">
+              <a:lumMod val="75000"/>
+            </a:schemeClr>
+          </a:solidFill>
+          <a:ln>
+            <a:noFill/>
+          </a:ln>
+        </p:spPr>
+        <p:style>
+          <a:lnRef idx="2">
+            <a:schemeClr val="accent6">
+              <a:shade val="50000"/>
+            </a:schemeClr>
+          </a:lnRef>
+          <a:fillRef idx="1">
+            <a:schemeClr val="accent6"/>
+          </a:fillRef>
+          <a:effectRef idx="0">
+            <a:schemeClr val="accent6"/>
+          </a:effectRef>
+          <a:fontRef idx="minor">
+            <a:schemeClr val="lt1"/>
+          </a:fontRef>
+        </p:style>
+        <p:txBody>
+          <a:bodyPr rtlCol="0" anchor="ctr"/>
+          <a:lstStyle/>
+          <a:p>
+            <a:pPr algn="ctr"/>
+            <a:r>
+              <a:rPr lang="en-US" sz="1400" dirty="0"/>
+              <a:t>master</a:t>
+            </a:r>
+          </a:p>
+        </p:txBody>
+      </p:sp>
+      <p:cxnSp>
+        <p:nvCxnSpPr>
+          <p:cNvPr id="146" name="Straight Arrow Connector 145">
+            <a:extLst>
+              <a:ext uri="{FF2B5EF4-FFF2-40B4-BE49-F238E27FC236}">
+                <a16:creationId xmlns:a16="http://schemas.microsoft.com/office/drawing/2014/main" id="{E31111AC-015D-FF48-BF95-FF4B80A68E71}"/>
+              </a:ext>
+            </a:extLst>
+          </p:cNvPr>
+          <p:cNvCxnSpPr>
+            <a:cxnSpLocks/>
+            <a:stCxn id="145" idx="0"/>
+            <a:endCxn id="149" idx="2"/>
+          </p:cNvCxnSpPr>
+          <p:nvPr/>
+        </p:nvCxnSpPr>
+        <p:spPr>
+          <a:xfrm flipV="1">
+            <a:off x="3162632" y="5093754"/>
+            <a:ext cx="0" cy="116476"/>
+          </a:xfrm>
+          <a:prstGeom prst="straightConnector1">
+            <a:avLst/>
+          </a:prstGeom>
+          <a:ln>
+            <a:solidFill>
+              <a:schemeClr val="accent6">
+                <a:lumMod val="75000"/>
+              </a:schemeClr>
+            </a:solidFill>
+            <a:tailEnd type="triangle"/>
+          </a:ln>
+        </p:spPr>
+        <p:style>
+          <a:lnRef idx="1">
+            <a:schemeClr val="accent1"/>
+          </a:lnRef>
+          <a:fillRef idx="0">
+            <a:schemeClr val="accent1"/>
+          </a:fillRef>
+          <a:effectRef idx="0">
+            <a:schemeClr val="accent1"/>
+          </a:effectRef>
+          <a:fontRef idx="minor">
+            <a:schemeClr val="tx1"/>
+          </a:fontRef>
+        </p:style>
+      </p:cxnSp>
+      <p:sp>
+        <p:nvSpPr>
+          <p:cNvPr id="149" name="Rounded Rectangle 148">
+            <a:extLst>
+              <a:ext uri="{FF2B5EF4-FFF2-40B4-BE49-F238E27FC236}">
+                <a16:creationId xmlns:a16="http://schemas.microsoft.com/office/drawing/2014/main" id="{99A5F5AC-ED99-A24A-A611-1A50CD7A5AC8}"/>
+              </a:ext>
+            </a:extLst>
+          </p:cNvPr>
+          <p:cNvSpPr/>
+          <p:nvPr/>
+        </p:nvSpPr>
+        <p:spPr>
+          <a:xfrm>
+            <a:off x="2705432" y="4636554"/>
+            <a:ext cx="914400" cy="457200"/>
+          </a:xfrm>
+          <a:prstGeom prst="roundRect">
+            <a:avLst/>
+          </a:prstGeom>
+          <a:solidFill>
+            <a:schemeClr val="accent4">
+              <a:lumMod val="75000"/>
+            </a:schemeClr>
+          </a:solidFill>
+          <a:ln>
+            <a:solidFill>
+              <a:schemeClr val="accent4">
+                <a:lumMod val="75000"/>
+              </a:schemeClr>
+            </a:solidFill>
+          </a:ln>
+        </p:spPr>
+        <p:style>
+          <a:lnRef idx="2">
+            <a:schemeClr val="accent6">
+              <a:shade val="50000"/>
+            </a:schemeClr>
+          </a:lnRef>
+          <a:fillRef idx="1">
+            <a:schemeClr val="accent6"/>
+          </a:fillRef>
+          <a:effectRef idx="0">
+            <a:schemeClr val="accent6"/>
+          </a:effectRef>
+          <a:fontRef idx="minor">
+            <a:schemeClr val="lt1"/>
+          </a:fontRef>
+        </p:style>
+        <p:txBody>
+          <a:bodyPr rtlCol="0" anchor="ctr"/>
+          <a:lstStyle/>
+          <a:p>
+            <a:pPr algn="ctr"/>
+            <a:r>
+              <a:rPr lang="en-US" sz="1400" dirty="0"/>
+              <a:t>C3”</a:t>
+            </a:r>
+          </a:p>
+        </p:txBody>
+      </p:sp>
+      <p:cxnSp>
+        <p:nvCxnSpPr>
+          <p:cNvPr id="150" name="Straight Arrow Connector 149">
+            <a:extLst>
+              <a:ext uri="{FF2B5EF4-FFF2-40B4-BE49-F238E27FC236}">
+                <a16:creationId xmlns:a16="http://schemas.microsoft.com/office/drawing/2014/main" id="{45ED0795-245B-B04C-83B7-961144DD857D}"/>
+              </a:ext>
+            </a:extLst>
+          </p:cNvPr>
+          <p:cNvCxnSpPr>
+            <a:cxnSpLocks/>
+            <a:stCxn id="149" idx="1"/>
+            <a:endCxn id="119" idx="3"/>
+          </p:cNvCxnSpPr>
+          <p:nvPr/>
+        </p:nvCxnSpPr>
+        <p:spPr>
+          <a:xfrm flipH="1">
+            <a:off x="2387932" y="4865154"/>
+            <a:ext cx="317500" cy="0"/>
+          </a:xfrm>
+          <a:prstGeom prst="straightConnector1">
+            <a:avLst/>
+          </a:prstGeom>
+          <a:ln>
+            <a:solidFill>
+              <a:schemeClr val="accent4">
+                <a:lumMod val="75000"/>
+              </a:schemeClr>
+            </a:solidFill>
+            <a:tailEnd type="triangle"/>
+          </a:ln>
+        </p:spPr>
+        <p:style>
+          <a:lnRef idx="1">
+            <a:schemeClr val="accent1"/>
+          </a:lnRef>
+          <a:fillRef idx="0">
+            <a:schemeClr val="accent1"/>
+          </a:fillRef>
+          <a:effectRef idx="0">
+            <a:schemeClr val="accent1"/>
+          </a:effectRef>
+          <a:fontRef idx="minor">
+            <a:schemeClr val="tx1"/>
+          </a:fontRef>
+        </p:style>
+      </p:cxnSp>
+      <p:sp>
+        <p:nvSpPr>
+          <p:cNvPr id="2" name="Rectangle 1">
+            <a:extLst>
+              <a:ext uri="{FF2B5EF4-FFF2-40B4-BE49-F238E27FC236}">
+                <a16:creationId xmlns:a16="http://schemas.microsoft.com/office/drawing/2014/main" id="{DF2D2F96-8B53-124F-BF39-A9CB56EFBE98}"/>
+              </a:ext>
+            </a:extLst>
+          </p:cNvPr>
+          <p:cNvSpPr/>
+          <p:nvPr/>
+        </p:nvSpPr>
+        <p:spPr>
+          <a:xfrm>
+            <a:off x="108156" y="658761"/>
+            <a:ext cx="3923071" cy="1828800"/>
+          </a:xfrm>
+          <a:prstGeom prst="rect">
+            <a:avLst/>
+          </a:prstGeom>
+          <a:noFill/>
+          <a:ln>
+            <a:solidFill>
+              <a:schemeClr val="accent1">
+                <a:lumMod val="60000"/>
+                <a:lumOff val="40000"/>
+              </a:schemeClr>
+            </a:solidFill>
+            <a:prstDash val="dash"/>
+          </a:ln>
+        </p:spPr>
+        <p:style>
+          <a:lnRef idx="2">
+            <a:schemeClr val="accent1">
+              <a:shade val="50000"/>
+            </a:schemeClr>
+          </a:lnRef>
+          <a:fillRef idx="1">
+            <a:schemeClr val="accent1"/>
+          </a:fillRef>
+          <a:effectRef idx="0">
+            <a:schemeClr val="accent1"/>
+          </a:effectRef>
+          <a:fontRef idx="minor">
+            <a:schemeClr val="lt1"/>
+          </a:fontRef>
+        </p:style>
+        <p:txBody>
+          <a:bodyPr rtlCol="0" anchor="ctr"/>
+          <a:lstStyle/>
+          <a:p>
+            <a:pPr algn="ctr"/>
+            <a:endParaRPr lang="en-US"/>
+          </a:p>
+        </p:txBody>
+      </p:sp>
+      <p:sp>
+        <p:nvSpPr>
+          <p:cNvPr id="154" name="Rectangle 153">
+            <a:extLst>
+              <a:ext uri="{FF2B5EF4-FFF2-40B4-BE49-F238E27FC236}">
+                <a16:creationId xmlns:a16="http://schemas.microsoft.com/office/drawing/2014/main" id="{019E56FF-C4E6-1C4F-89EF-5BC362E11E9E}"/>
+              </a:ext>
+            </a:extLst>
+          </p:cNvPr>
+          <p:cNvSpPr/>
+          <p:nvPr/>
+        </p:nvSpPr>
+        <p:spPr>
+          <a:xfrm>
+            <a:off x="108156" y="3696918"/>
+            <a:ext cx="3923071" cy="2330682"/>
+          </a:xfrm>
+          <a:prstGeom prst="rect">
+            <a:avLst/>
+          </a:prstGeom>
+          <a:noFill/>
+          <a:ln>
+            <a:solidFill>
+              <a:schemeClr val="accent1">
+                <a:lumMod val="60000"/>
+                <a:lumOff val="40000"/>
+              </a:schemeClr>
+            </a:solidFill>
+            <a:prstDash val="dash"/>
+          </a:ln>
+        </p:spPr>
+        <p:style>
+          <a:lnRef idx="2">
+            <a:schemeClr val="accent1">
+              <a:shade val="50000"/>
+            </a:schemeClr>
+          </a:lnRef>
+          <a:fillRef idx="1">
+            <a:schemeClr val="accent1"/>
+          </a:fillRef>
+          <a:effectRef idx="0">
+            <a:schemeClr val="accent1"/>
+          </a:effectRef>
+          <a:fontRef idx="minor">
+            <a:schemeClr val="lt1"/>
+          </a:fontRef>
+        </p:style>
+        <p:txBody>
+          <a:bodyPr rtlCol="0" anchor="ctr"/>
+          <a:lstStyle/>
+          <a:p>
+            <a:pPr algn="ctr"/>
+            <a:endParaRPr lang="en-US"/>
+          </a:p>
+        </p:txBody>
+      </p:sp>
+      <p:sp>
+        <p:nvSpPr>
+          <p:cNvPr id="3" name="TextBox 2">
+            <a:extLst>
+              <a:ext uri="{FF2B5EF4-FFF2-40B4-BE49-F238E27FC236}">
+                <a16:creationId xmlns:a16="http://schemas.microsoft.com/office/drawing/2014/main" id="{EBF2D957-D28A-734C-8023-78305B37B456}"/>
+              </a:ext>
+            </a:extLst>
+          </p:cNvPr>
+          <p:cNvSpPr txBox="1"/>
+          <p:nvPr/>
+        </p:nvSpPr>
+        <p:spPr>
+          <a:xfrm>
+            <a:off x="1297012" y="348608"/>
+            <a:ext cx="1545359" cy="307777"/>
+          </a:xfrm>
+          <a:prstGeom prst="rect">
+            <a:avLst/>
+          </a:prstGeom>
+          <a:noFill/>
+        </p:spPr>
+        <p:txBody>
+          <a:bodyPr wrap="none" rtlCol="0">
+            <a:spAutoFit/>
+          </a:bodyPr>
+          <a:lstStyle/>
+          <a:p>
+            <a:r>
+              <a:rPr lang="en-US" sz="1400" dirty="0">
+                <a:solidFill>
+                  <a:schemeClr val="accent1">
+                    <a:lumMod val="60000"/>
+                    <a:lumOff val="40000"/>
+                  </a:schemeClr>
+                </a:solidFill>
+              </a:rPr>
+              <a:t>Remote repository</a:t>
+            </a:r>
+          </a:p>
+        </p:txBody>
+      </p:sp>
+      <p:sp>
+        <p:nvSpPr>
+          <p:cNvPr id="155" name="TextBox 154">
+            <a:extLst>
+              <a:ext uri="{FF2B5EF4-FFF2-40B4-BE49-F238E27FC236}">
+                <a16:creationId xmlns:a16="http://schemas.microsoft.com/office/drawing/2014/main" id="{67562A3B-B18D-7343-9956-B661906C8900}"/>
+              </a:ext>
+            </a:extLst>
+          </p:cNvPr>
+          <p:cNvSpPr txBox="1"/>
+          <p:nvPr/>
+        </p:nvSpPr>
+        <p:spPr>
+          <a:xfrm>
+            <a:off x="1396205" y="3389140"/>
+            <a:ext cx="1346972" cy="307777"/>
+          </a:xfrm>
+          <a:prstGeom prst="rect">
+            <a:avLst/>
+          </a:prstGeom>
+          <a:noFill/>
+        </p:spPr>
+        <p:txBody>
+          <a:bodyPr wrap="none" rtlCol="0">
+            <a:spAutoFit/>
+          </a:bodyPr>
+          <a:lstStyle/>
+          <a:p>
+            <a:r>
+              <a:rPr lang="en-US" sz="1400" dirty="0">
+                <a:solidFill>
+                  <a:schemeClr val="accent1">
+                    <a:lumMod val="60000"/>
+                    <a:lumOff val="40000"/>
+                  </a:schemeClr>
+                </a:solidFill>
+              </a:rPr>
+              <a:t>Local repository</a:t>
+            </a:r>
+          </a:p>
+        </p:txBody>
+      </p:sp>
+      <p:sp>
+        <p:nvSpPr>
+          <p:cNvPr id="4" name="Rectangle 3">
+            <a:extLst>
+              <a:ext uri="{FF2B5EF4-FFF2-40B4-BE49-F238E27FC236}">
+                <a16:creationId xmlns:a16="http://schemas.microsoft.com/office/drawing/2014/main" id="{B92DC95D-45BE-CD42-9474-26F062381712}"/>
+              </a:ext>
+            </a:extLst>
+          </p:cNvPr>
+          <p:cNvSpPr/>
+          <p:nvPr/>
+        </p:nvSpPr>
+        <p:spPr>
+          <a:xfrm>
+            <a:off x="4930099" y="2944761"/>
+            <a:ext cx="2440092" cy="307777"/>
+          </a:xfrm>
+          <a:prstGeom prst="rect">
+            <a:avLst/>
+          </a:prstGeom>
+        </p:spPr>
+        <p:txBody>
+          <a:bodyPr wrap="none">
+            <a:spAutoFit/>
+          </a:bodyPr>
+          <a:lstStyle/>
+          <a:p>
+            <a:pPr algn="ctr"/>
+            <a:r>
+              <a:rPr lang="en-US" sz="1400" dirty="0">
+                <a:latin typeface="Courier" pitchFamily="2" charset="0"/>
+              </a:rPr>
+              <a:t>$ git fetch &lt;remote&gt; </a:t>
+            </a:r>
+          </a:p>
+        </p:txBody>
+      </p:sp>
+      <p:sp>
+        <p:nvSpPr>
+          <p:cNvPr id="22" name="Rounded Rectangle 21">
+            <a:extLst>
+              <a:ext uri="{FF2B5EF4-FFF2-40B4-BE49-F238E27FC236}">
+                <a16:creationId xmlns:a16="http://schemas.microsoft.com/office/drawing/2014/main" id="{F57E2929-5D03-864B-8572-C86907FB4C5D}"/>
+              </a:ext>
+            </a:extLst>
+          </p:cNvPr>
+          <p:cNvSpPr/>
+          <p:nvPr/>
+        </p:nvSpPr>
+        <p:spPr>
+          <a:xfrm>
+            <a:off x="243192" y="1423401"/>
+            <a:ext cx="914400" cy="457200"/>
+          </a:xfrm>
+          <a:prstGeom prst="roundRect">
+            <a:avLst/>
+          </a:prstGeom>
+          <a:solidFill>
+            <a:schemeClr val="accent4">
+              <a:lumMod val="75000"/>
+            </a:schemeClr>
+          </a:solidFill>
+          <a:ln>
+            <a:solidFill>
+              <a:schemeClr val="accent4">
+                <a:lumMod val="75000"/>
+              </a:schemeClr>
+            </a:solidFill>
+          </a:ln>
+        </p:spPr>
+        <p:style>
+          <a:lnRef idx="2">
+            <a:schemeClr val="accent6">
+              <a:shade val="50000"/>
+            </a:schemeClr>
+          </a:lnRef>
+          <a:fillRef idx="1">
+            <a:schemeClr val="accent6"/>
+          </a:fillRef>
+          <a:effectRef idx="0">
+            <a:schemeClr val="accent6"/>
+          </a:effectRef>
+          <a:fontRef idx="minor">
+            <a:schemeClr val="lt1"/>
+          </a:fontRef>
+        </p:style>
+        <p:txBody>
+          <a:bodyPr rtlCol="0" anchor="ctr"/>
+          <a:lstStyle/>
+          <a:p>
+            <a:pPr algn="ctr"/>
+            <a:r>
+              <a:rPr lang="en-US" sz="1400" dirty="0"/>
+              <a:t>C1</a:t>
+            </a:r>
+          </a:p>
+        </p:txBody>
+      </p:sp>
+      <p:cxnSp>
+        <p:nvCxnSpPr>
+          <p:cNvPr id="23" name="Straight Arrow Connector 22">
+            <a:extLst>
+              <a:ext uri="{FF2B5EF4-FFF2-40B4-BE49-F238E27FC236}">
+                <a16:creationId xmlns:a16="http://schemas.microsoft.com/office/drawing/2014/main" id="{C6B1E6F3-15A6-3149-B0F0-2A816A4B61CF}"/>
+              </a:ext>
+            </a:extLst>
+          </p:cNvPr>
+          <p:cNvCxnSpPr>
+            <a:cxnSpLocks/>
+            <a:stCxn id="105" idx="1"/>
+          </p:cNvCxnSpPr>
+          <p:nvPr/>
+        </p:nvCxnSpPr>
+        <p:spPr>
+          <a:xfrm flipH="1">
+            <a:off x="1156032" y="1652001"/>
+            <a:ext cx="317500" cy="0"/>
+          </a:xfrm>
+          <a:prstGeom prst="straightConnector1">
+            <a:avLst/>
+          </a:prstGeom>
+          <a:ln>
+            <a:solidFill>
+              <a:schemeClr val="accent4">
+                <a:lumMod val="75000"/>
+              </a:schemeClr>
+            </a:solidFill>
+            <a:tailEnd type="triangle"/>
+          </a:ln>
+        </p:spPr>
+        <p:style>
+          <a:lnRef idx="1">
+            <a:schemeClr val="accent1"/>
+          </a:lnRef>
+          <a:fillRef idx="0">
+            <a:schemeClr val="accent1"/>
+          </a:fillRef>
+          <a:effectRef idx="0">
+            <a:schemeClr val="accent1"/>
+          </a:effectRef>
+          <a:fontRef idx="minor">
+            <a:schemeClr val="tx1"/>
+          </a:fontRef>
+        </p:style>
+      </p:cxnSp>
+      <p:sp>
+        <p:nvSpPr>
+          <p:cNvPr id="26" name="Rounded Rectangle 25">
+            <a:extLst>
+              <a:ext uri="{FF2B5EF4-FFF2-40B4-BE49-F238E27FC236}">
+                <a16:creationId xmlns:a16="http://schemas.microsoft.com/office/drawing/2014/main" id="{CD9661F8-AD6B-D040-91F0-B4496B1225D8}"/>
+              </a:ext>
+            </a:extLst>
+          </p:cNvPr>
+          <p:cNvSpPr/>
+          <p:nvPr/>
+        </p:nvSpPr>
+        <p:spPr>
+          <a:xfrm>
+            <a:off x="241632" y="4636554"/>
+            <a:ext cx="914400" cy="457200"/>
+          </a:xfrm>
+          <a:prstGeom prst="roundRect">
+            <a:avLst/>
+          </a:prstGeom>
+          <a:solidFill>
+            <a:schemeClr val="accent4">
+              <a:lumMod val="75000"/>
+            </a:schemeClr>
+          </a:solidFill>
+          <a:ln>
+            <a:solidFill>
+              <a:schemeClr val="accent4">
+                <a:lumMod val="75000"/>
+              </a:schemeClr>
+            </a:solidFill>
+          </a:ln>
+        </p:spPr>
+        <p:style>
+          <a:lnRef idx="2">
+            <a:schemeClr val="accent6">
+              <a:shade val="50000"/>
+            </a:schemeClr>
+          </a:lnRef>
+          <a:fillRef idx="1">
+            <a:schemeClr val="accent6"/>
+          </a:fillRef>
+          <a:effectRef idx="0">
+            <a:schemeClr val="accent6"/>
+          </a:effectRef>
+          <a:fontRef idx="minor">
+            <a:schemeClr val="lt1"/>
+          </a:fontRef>
+        </p:style>
+        <p:txBody>
+          <a:bodyPr rtlCol="0" anchor="ctr"/>
+          <a:lstStyle/>
+          <a:p>
+            <a:pPr algn="ctr"/>
+            <a:r>
+              <a:rPr lang="en-US" sz="1400" dirty="0"/>
+              <a:t>C1</a:t>
+            </a:r>
+          </a:p>
+        </p:txBody>
+      </p:sp>
+      <p:cxnSp>
+        <p:nvCxnSpPr>
+          <p:cNvPr id="27" name="Straight Arrow Connector 26">
+            <a:extLst>
+              <a:ext uri="{FF2B5EF4-FFF2-40B4-BE49-F238E27FC236}">
+                <a16:creationId xmlns:a16="http://schemas.microsoft.com/office/drawing/2014/main" id="{80318CCD-79E3-A344-8AC8-361A608ED99D}"/>
+              </a:ext>
+            </a:extLst>
+          </p:cNvPr>
+          <p:cNvCxnSpPr>
+            <a:cxnSpLocks/>
+            <a:stCxn id="119" idx="1"/>
+            <a:endCxn id="26" idx="3"/>
+          </p:cNvCxnSpPr>
+          <p:nvPr/>
+        </p:nvCxnSpPr>
+        <p:spPr>
+          <a:xfrm flipH="1">
+            <a:off x="1156032" y="4865154"/>
+            <a:ext cx="317500" cy="0"/>
+          </a:xfrm>
+          <a:prstGeom prst="straightConnector1">
+            <a:avLst/>
+          </a:prstGeom>
+          <a:ln>
+            <a:solidFill>
+              <a:schemeClr val="accent4">
+                <a:lumMod val="75000"/>
+              </a:schemeClr>
+            </a:solidFill>
+            <a:tailEnd type="triangle"/>
+          </a:ln>
+        </p:spPr>
+        <p:style>
+          <a:lnRef idx="1">
+            <a:schemeClr val="accent1"/>
+          </a:lnRef>
+          <a:fillRef idx="0">
+            <a:schemeClr val="accent1"/>
+          </a:fillRef>
+          <a:effectRef idx="0">
+            <a:schemeClr val="accent1"/>
+          </a:effectRef>
+          <a:fontRef idx="minor">
+            <a:schemeClr val="tx1"/>
+          </a:fontRef>
+        </p:style>
+      </p:cxnSp>
+      <p:sp>
+        <p:nvSpPr>
+          <p:cNvPr id="31" name="Rounded Rectangle 30">
+            <a:extLst>
+              <a:ext uri="{FF2B5EF4-FFF2-40B4-BE49-F238E27FC236}">
+                <a16:creationId xmlns:a16="http://schemas.microsoft.com/office/drawing/2014/main" id="{211D7C65-A619-CC4C-944A-7FC89F268BDB}"/>
+              </a:ext>
+            </a:extLst>
+          </p:cNvPr>
+          <p:cNvSpPr/>
+          <p:nvPr/>
+        </p:nvSpPr>
+        <p:spPr>
+          <a:xfrm>
+            <a:off x="1244932" y="4061443"/>
+            <a:ext cx="1371600" cy="457200"/>
+          </a:xfrm>
+          <a:prstGeom prst="roundRect">
+            <a:avLst/>
+          </a:prstGeom>
+          <a:solidFill>
+            <a:schemeClr val="accent6">
+              <a:lumMod val="75000"/>
+            </a:schemeClr>
+          </a:solidFill>
+          <a:ln>
+            <a:noFill/>
+          </a:ln>
+        </p:spPr>
+        <p:style>
+          <a:lnRef idx="2">
+            <a:schemeClr val="accent6">
+              <a:shade val="50000"/>
+            </a:schemeClr>
+          </a:lnRef>
+          <a:fillRef idx="1">
+            <a:schemeClr val="accent6"/>
+          </a:fillRef>
+          <a:effectRef idx="0">
+            <a:schemeClr val="accent6"/>
+          </a:effectRef>
+          <a:fontRef idx="minor">
+            <a:schemeClr val="lt1"/>
+          </a:fontRef>
+        </p:style>
+        <p:txBody>
+          <a:bodyPr rtlCol="0" anchor="ctr"/>
+          <a:lstStyle/>
+          <a:p>
+            <a:pPr algn="ctr"/>
+            <a:r>
+              <a:rPr lang="en-US" sz="1400" dirty="0"/>
+              <a:t>origin/master</a:t>
+            </a:r>
+          </a:p>
+        </p:txBody>
+      </p:sp>
+      <p:sp>
+        <p:nvSpPr>
+          <p:cNvPr id="35" name="Rounded Rectangle 34">
+            <a:extLst>
+              <a:ext uri="{FF2B5EF4-FFF2-40B4-BE49-F238E27FC236}">
+                <a16:creationId xmlns:a16="http://schemas.microsoft.com/office/drawing/2014/main" id="{7CB3A3A7-FCAC-B34F-97EE-EA896092F3D7}"/>
+              </a:ext>
+            </a:extLst>
+          </p:cNvPr>
+          <p:cNvSpPr/>
+          <p:nvPr/>
+        </p:nvSpPr>
+        <p:spPr>
+          <a:xfrm>
+            <a:off x="6672884" y="848290"/>
+            <a:ext cx="1371600" cy="457200"/>
+          </a:xfrm>
+          <a:prstGeom prst="roundRect">
+            <a:avLst/>
+          </a:prstGeom>
+          <a:solidFill>
+            <a:schemeClr val="accent6">
+              <a:lumMod val="75000"/>
+            </a:schemeClr>
+          </a:solidFill>
+          <a:ln>
+            <a:noFill/>
+          </a:ln>
+        </p:spPr>
+        <p:style>
+          <a:lnRef idx="2">
+            <a:schemeClr val="accent6">
+              <a:shade val="50000"/>
+            </a:schemeClr>
+          </a:lnRef>
+          <a:fillRef idx="1">
+            <a:schemeClr val="accent6"/>
+          </a:fillRef>
+          <a:effectRef idx="0">
+            <a:schemeClr val="accent6"/>
+          </a:effectRef>
+          <a:fontRef idx="minor">
+            <a:schemeClr val="lt1"/>
+          </a:fontRef>
+        </p:style>
+        <p:txBody>
+          <a:bodyPr rtlCol="0" anchor="ctr"/>
+          <a:lstStyle/>
+          <a:p>
+            <a:pPr algn="ctr"/>
+            <a:r>
+              <a:rPr lang="en-US" sz="1400" dirty="0"/>
+              <a:t>master</a:t>
+            </a:r>
+          </a:p>
+        </p:txBody>
+      </p:sp>
+      <p:sp>
+        <p:nvSpPr>
+          <p:cNvPr id="36" name="Rounded Rectangle 35">
+            <a:extLst>
+              <a:ext uri="{FF2B5EF4-FFF2-40B4-BE49-F238E27FC236}">
+                <a16:creationId xmlns:a16="http://schemas.microsoft.com/office/drawing/2014/main" id="{52EC9BDC-A8A7-D841-8232-5EBF48A842C6}"/>
+              </a:ext>
+            </a:extLst>
+          </p:cNvPr>
+          <p:cNvSpPr/>
+          <p:nvPr/>
+        </p:nvSpPr>
+        <p:spPr>
+          <a:xfrm>
+            <a:off x="5671008" y="1423401"/>
+            <a:ext cx="914400" cy="457200"/>
+          </a:xfrm>
+          <a:prstGeom prst="roundRect">
+            <a:avLst/>
+          </a:prstGeom>
+          <a:solidFill>
+            <a:schemeClr val="accent4">
+              <a:lumMod val="75000"/>
+            </a:schemeClr>
+          </a:solidFill>
+          <a:ln>
+            <a:solidFill>
+              <a:schemeClr val="accent4">
+                <a:lumMod val="75000"/>
+              </a:schemeClr>
+            </a:solidFill>
+          </a:ln>
+        </p:spPr>
+        <p:style>
+          <a:lnRef idx="2">
+            <a:schemeClr val="accent6">
+              <a:shade val="50000"/>
+            </a:schemeClr>
+          </a:lnRef>
+          <a:fillRef idx="1">
+            <a:schemeClr val="accent6"/>
+          </a:fillRef>
+          <a:effectRef idx="0">
+            <a:schemeClr val="accent6"/>
+          </a:effectRef>
+          <a:fontRef idx="minor">
+            <a:schemeClr val="lt1"/>
+          </a:fontRef>
+        </p:style>
+        <p:txBody>
+          <a:bodyPr rtlCol="0" anchor="ctr"/>
+          <a:lstStyle/>
+          <a:p>
+            <a:pPr algn="ctr"/>
+            <a:r>
+              <a:rPr lang="en-US" sz="1400" dirty="0"/>
+              <a:t>C2</a:t>
+            </a:r>
+          </a:p>
+        </p:txBody>
+      </p:sp>
+      <p:cxnSp>
+        <p:nvCxnSpPr>
+          <p:cNvPr id="37" name="Straight Arrow Connector 36">
+            <a:extLst>
+              <a:ext uri="{FF2B5EF4-FFF2-40B4-BE49-F238E27FC236}">
+                <a16:creationId xmlns:a16="http://schemas.microsoft.com/office/drawing/2014/main" id="{E6C244A9-6DA6-DD41-A58F-6A6B01A4C036}"/>
+              </a:ext>
+            </a:extLst>
+          </p:cNvPr>
+          <p:cNvCxnSpPr>
+            <a:cxnSpLocks/>
+            <a:stCxn id="35" idx="2"/>
+            <a:endCxn id="38" idx="0"/>
+          </p:cNvCxnSpPr>
+          <p:nvPr/>
+        </p:nvCxnSpPr>
+        <p:spPr>
+          <a:xfrm>
+            <a:off x="7358684" y="1305490"/>
+            <a:ext cx="1424" cy="117911"/>
+          </a:xfrm>
+          <a:prstGeom prst="straightConnector1">
+            <a:avLst/>
+          </a:prstGeom>
+          <a:ln>
+            <a:solidFill>
+              <a:schemeClr val="accent6">
+                <a:lumMod val="75000"/>
+              </a:schemeClr>
+            </a:solidFill>
+            <a:tailEnd type="triangle"/>
+          </a:ln>
+        </p:spPr>
+        <p:style>
+          <a:lnRef idx="1">
+            <a:schemeClr val="accent1"/>
+          </a:lnRef>
+          <a:fillRef idx="0">
+            <a:schemeClr val="accent1"/>
+          </a:fillRef>
+          <a:effectRef idx="0">
+            <a:schemeClr val="accent1"/>
+          </a:effectRef>
+          <a:fontRef idx="minor">
+            <a:schemeClr val="tx1"/>
+          </a:fontRef>
+        </p:style>
+      </p:cxnSp>
+      <p:sp>
+        <p:nvSpPr>
+          <p:cNvPr id="38" name="Rounded Rectangle 37">
+            <a:extLst>
+              <a:ext uri="{FF2B5EF4-FFF2-40B4-BE49-F238E27FC236}">
+                <a16:creationId xmlns:a16="http://schemas.microsoft.com/office/drawing/2014/main" id="{8250BCD7-E49C-9A44-B650-1B13DD955DF0}"/>
+              </a:ext>
+            </a:extLst>
+          </p:cNvPr>
+          <p:cNvSpPr/>
+          <p:nvPr/>
+        </p:nvSpPr>
+        <p:spPr>
+          <a:xfrm>
+            <a:off x="6902908" y="1423401"/>
+            <a:ext cx="914400" cy="457200"/>
+          </a:xfrm>
+          <a:prstGeom prst="roundRect">
+            <a:avLst/>
+          </a:prstGeom>
+          <a:solidFill>
+            <a:schemeClr val="accent4">
+              <a:lumMod val="75000"/>
+            </a:schemeClr>
+          </a:solidFill>
+          <a:ln>
+            <a:solidFill>
+              <a:schemeClr val="accent4">
+                <a:lumMod val="75000"/>
+              </a:schemeClr>
+            </a:solidFill>
+          </a:ln>
+        </p:spPr>
+        <p:style>
+          <a:lnRef idx="2">
+            <a:schemeClr val="accent6">
+              <a:shade val="50000"/>
+            </a:schemeClr>
+          </a:lnRef>
+          <a:fillRef idx="1">
+            <a:schemeClr val="accent6"/>
+          </a:fillRef>
+          <a:effectRef idx="0">
+            <a:schemeClr val="accent6"/>
+          </a:effectRef>
+          <a:fontRef idx="minor">
+            <a:schemeClr val="lt1"/>
+          </a:fontRef>
+        </p:style>
+        <p:txBody>
+          <a:bodyPr rtlCol="0" anchor="ctr"/>
+          <a:lstStyle/>
+          <a:p>
+            <a:pPr algn="ctr"/>
+            <a:r>
+              <a:rPr lang="en-US" sz="1400" dirty="0"/>
+              <a:t>C3’</a:t>
+            </a:r>
+          </a:p>
+        </p:txBody>
+      </p:sp>
+      <p:cxnSp>
+        <p:nvCxnSpPr>
+          <p:cNvPr id="39" name="Straight Arrow Connector 38">
+            <a:extLst>
+              <a:ext uri="{FF2B5EF4-FFF2-40B4-BE49-F238E27FC236}">
+                <a16:creationId xmlns:a16="http://schemas.microsoft.com/office/drawing/2014/main" id="{6C54C838-BB4B-5648-A34B-E1BB3C7773B0}"/>
+              </a:ext>
+            </a:extLst>
+          </p:cNvPr>
+          <p:cNvCxnSpPr>
+            <a:cxnSpLocks/>
+            <a:stCxn id="38" idx="1"/>
+            <a:endCxn id="36" idx="3"/>
+          </p:cNvCxnSpPr>
+          <p:nvPr/>
+        </p:nvCxnSpPr>
+        <p:spPr>
+          <a:xfrm flipH="1">
+            <a:off x="6585408" y="1652001"/>
+            <a:ext cx="317500" cy="0"/>
+          </a:xfrm>
+          <a:prstGeom prst="straightConnector1">
+            <a:avLst/>
+          </a:prstGeom>
+          <a:ln>
+            <a:solidFill>
+              <a:schemeClr val="accent4">
+                <a:lumMod val="75000"/>
+              </a:schemeClr>
+            </a:solidFill>
+            <a:tailEnd type="triangle"/>
+          </a:ln>
+        </p:spPr>
+        <p:style>
+          <a:lnRef idx="1">
+            <a:schemeClr val="accent1"/>
+          </a:lnRef>
+          <a:fillRef idx="0">
+            <a:schemeClr val="accent1"/>
+          </a:fillRef>
+          <a:effectRef idx="0">
+            <a:schemeClr val="accent1"/>
+          </a:effectRef>
+          <a:fontRef idx="minor">
+            <a:schemeClr val="tx1"/>
+          </a:fontRef>
+        </p:style>
+      </p:cxnSp>
+      <p:sp>
+        <p:nvSpPr>
+          <p:cNvPr id="40" name="Rounded Rectangle 39">
+            <a:extLst>
+              <a:ext uri="{FF2B5EF4-FFF2-40B4-BE49-F238E27FC236}">
+                <a16:creationId xmlns:a16="http://schemas.microsoft.com/office/drawing/2014/main" id="{66801BD2-AF43-9F4B-96D7-2EAAA6BECF08}"/>
+              </a:ext>
+            </a:extLst>
+          </p:cNvPr>
+          <p:cNvSpPr/>
+          <p:nvPr/>
+        </p:nvSpPr>
+        <p:spPr>
+          <a:xfrm>
+            <a:off x="5671008" y="4636554"/>
+            <a:ext cx="914400" cy="457200"/>
+          </a:xfrm>
+          <a:prstGeom prst="roundRect">
+            <a:avLst/>
+          </a:prstGeom>
+          <a:solidFill>
+            <a:schemeClr val="accent4">
+              <a:lumMod val="75000"/>
+            </a:schemeClr>
+          </a:solidFill>
+          <a:ln>
+            <a:solidFill>
+              <a:schemeClr val="accent4">
+                <a:lumMod val="75000"/>
+              </a:schemeClr>
+            </a:solidFill>
+          </a:ln>
+        </p:spPr>
+        <p:style>
+          <a:lnRef idx="2">
+            <a:schemeClr val="accent6">
+              <a:shade val="50000"/>
+            </a:schemeClr>
+          </a:lnRef>
+          <a:fillRef idx="1">
+            <a:schemeClr val="accent6"/>
+          </a:fillRef>
+          <a:effectRef idx="0">
+            <a:schemeClr val="accent6"/>
+          </a:effectRef>
+          <a:fontRef idx="minor">
+            <a:schemeClr val="lt1"/>
+          </a:fontRef>
+        </p:style>
+        <p:txBody>
+          <a:bodyPr rtlCol="0" anchor="ctr"/>
+          <a:lstStyle/>
+          <a:p>
+            <a:pPr algn="ctr"/>
+            <a:r>
+              <a:rPr lang="en-US" sz="1400" dirty="0"/>
+              <a:t>C2</a:t>
+            </a:r>
+          </a:p>
+        </p:txBody>
+      </p:sp>
+      <p:cxnSp>
+        <p:nvCxnSpPr>
+          <p:cNvPr id="41" name="Straight Arrow Connector 40">
+            <a:extLst>
+              <a:ext uri="{FF2B5EF4-FFF2-40B4-BE49-F238E27FC236}">
+                <a16:creationId xmlns:a16="http://schemas.microsoft.com/office/drawing/2014/main" id="{A02A0471-CCA0-CA40-BEA2-3F661F4F4BF7}"/>
+              </a:ext>
+            </a:extLst>
+          </p:cNvPr>
+          <p:cNvCxnSpPr>
+            <a:cxnSpLocks/>
+            <a:stCxn id="54" idx="2"/>
+            <a:endCxn id="56" idx="0"/>
+          </p:cNvCxnSpPr>
+          <p:nvPr/>
+        </p:nvCxnSpPr>
+        <p:spPr>
+          <a:xfrm>
+            <a:off x="7354869" y="4245991"/>
+            <a:ext cx="0" cy="116794"/>
+          </a:xfrm>
+          <a:prstGeom prst="straightConnector1">
+            <a:avLst/>
+          </a:prstGeom>
+          <a:ln>
+            <a:solidFill>
+              <a:schemeClr val="accent6">
+                <a:lumMod val="75000"/>
+              </a:schemeClr>
+            </a:solidFill>
+            <a:tailEnd type="triangle"/>
+          </a:ln>
+        </p:spPr>
+        <p:style>
+          <a:lnRef idx="1">
+            <a:schemeClr val="accent1"/>
+          </a:lnRef>
+          <a:fillRef idx="0">
+            <a:schemeClr val="accent1"/>
+          </a:fillRef>
+          <a:effectRef idx="0">
+            <a:schemeClr val="accent1"/>
+          </a:effectRef>
+          <a:fontRef idx="minor">
+            <a:schemeClr val="tx1"/>
+          </a:fontRef>
+        </p:style>
+      </p:cxnSp>
+      <p:sp>
+        <p:nvSpPr>
+          <p:cNvPr id="42" name="Rounded Rectangle 41">
+            <a:extLst>
+              <a:ext uri="{FF2B5EF4-FFF2-40B4-BE49-F238E27FC236}">
+                <a16:creationId xmlns:a16="http://schemas.microsoft.com/office/drawing/2014/main" id="{85621B14-1563-044D-A728-9CB5B28F06FF}"/>
+              </a:ext>
+            </a:extLst>
+          </p:cNvPr>
+          <p:cNvSpPr/>
+          <p:nvPr/>
+        </p:nvSpPr>
+        <p:spPr>
+          <a:xfrm>
+            <a:off x="6674308" y="5485534"/>
+            <a:ext cx="1371600" cy="457200"/>
+          </a:xfrm>
+          <a:prstGeom prst="roundRect">
+            <a:avLst/>
+          </a:prstGeom>
+          <a:solidFill>
+            <a:schemeClr val="accent6">
+              <a:lumMod val="75000"/>
+            </a:schemeClr>
+          </a:solidFill>
+          <a:ln>
+            <a:noFill/>
+          </a:ln>
+        </p:spPr>
+        <p:style>
+          <a:lnRef idx="2">
+            <a:schemeClr val="accent6">
+              <a:shade val="50000"/>
+            </a:schemeClr>
+          </a:lnRef>
+          <a:fillRef idx="1">
+            <a:schemeClr val="accent6"/>
+          </a:fillRef>
+          <a:effectRef idx="0">
+            <a:schemeClr val="accent6"/>
+          </a:effectRef>
+          <a:fontRef idx="minor">
+            <a:schemeClr val="lt1"/>
+          </a:fontRef>
+        </p:style>
+        <p:txBody>
+          <a:bodyPr rtlCol="0" anchor="ctr"/>
+          <a:lstStyle/>
+          <a:p>
+            <a:pPr algn="ctr"/>
+            <a:r>
+              <a:rPr lang="en-US" sz="1400" dirty="0"/>
+              <a:t>master</a:t>
+            </a:r>
+          </a:p>
+        </p:txBody>
+      </p:sp>
+      <p:cxnSp>
+        <p:nvCxnSpPr>
+          <p:cNvPr id="43" name="Straight Arrow Connector 42">
+            <a:extLst>
+              <a:ext uri="{FF2B5EF4-FFF2-40B4-BE49-F238E27FC236}">
+                <a16:creationId xmlns:a16="http://schemas.microsoft.com/office/drawing/2014/main" id="{B3073243-94D5-FA4D-B264-A328036DADEB}"/>
+              </a:ext>
+            </a:extLst>
+          </p:cNvPr>
+          <p:cNvCxnSpPr>
+            <a:cxnSpLocks/>
+            <a:stCxn id="42" idx="0"/>
+            <a:endCxn id="44" idx="2"/>
+          </p:cNvCxnSpPr>
+          <p:nvPr/>
+        </p:nvCxnSpPr>
+        <p:spPr>
+          <a:xfrm flipV="1">
+            <a:off x="7360108" y="5369058"/>
+            <a:ext cx="0" cy="116476"/>
+          </a:xfrm>
+          <a:prstGeom prst="straightConnector1">
+            <a:avLst/>
+          </a:prstGeom>
+          <a:ln>
+            <a:solidFill>
+              <a:schemeClr val="accent6">
+                <a:lumMod val="75000"/>
+              </a:schemeClr>
+            </a:solidFill>
+            <a:tailEnd type="triangle"/>
+          </a:ln>
+        </p:spPr>
+        <p:style>
+          <a:lnRef idx="1">
+            <a:schemeClr val="accent1"/>
+          </a:lnRef>
+          <a:fillRef idx="0">
+            <a:schemeClr val="accent1"/>
+          </a:fillRef>
+          <a:effectRef idx="0">
+            <a:schemeClr val="accent1"/>
+          </a:effectRef>
+          <a:fontRef idx="minor">
+            <a:schemeClr val="tx1"/>
+          </a:fontRef>
+        </p:style>
+      </p:cxnSp>
+      <p:sp>
+        <p:nvSpPr>
+          <p:cNvPr id="44" name="Rounded Rectangle 43">
+            <a:extLst>
+              <a:ext uri="{FF2B5EF4-FFF2-40B4-BE49-F238E27FC236}">
+                <a16:creationId xmlns:a16="http://schemas.microsoft.com/office/drawing/2014/main" id="{5B4CE73A-2CB3-204F-A728-504CEA0E4144}"/>
+              </a:ext>
+            </a:extLst>
+          </p:cNvPr>
+          <p:cNvSpPr/>
+          <p:nvPr/>
+        </p:nvSpPr>
+        <p:spPr>
+          <a:xfrm>
+            <a:off x="6902908" y="4911858"/>
+            <a:ext cx="914400" cy="457200"/>
+          </a:xfrm>
+          <a:prstGeom prst="roundRect">
+            <a:avLst/>
+          </a:prstGeom>
+          <a:solidFill>
+            <a:schemeClr val="accent4">
+              <a:lumMod val="75000"/>
+            </a:schemeClr>
+          </a:solidFill>
+          <a:ln>
+            <a:solidFill>
+              <a:schemeClr val="accent4">
+                <a:lumMod val="75000"/>
+              </a:schemeClr>
+            </a:solidFill>
+          </a:ln>
+        </p:spPr>
+        <p:style>
+          <a:lnRef idx="2">
+            <a:schemeClr val="accent6">
+              <a:shade val="50000"/>
+            </a:schemeClr>
+          </a:lnRef>
+          <a:fillRef idx="1">
+            <a:schemeClr val="accent6"/>
+          </a:fillRef>
+          <a:effectRef idx="0">
+            <a:schemeClr val="accent6"/>
+          </a:effectRef>
+          <a:fontRef idx="minor">
+            <a:schemeClr val="lt1"/>
+          </a:fontRef>
+        </p:style>
+        <p:txBody>
+          <a:bodyPr rtlCol="0" anchor="ctr"/>
+          <a:lstStyle/>
+          <a:p>
+            <a:pPr algn="ctr"/>
+            <a:r>
+              <a:rPr lang="en-US" sz="1400" dirty="0"/>
+              <a:t>C3”</a:t>
+            </a:r>
+          </a:p>
+        </p:txBody>
+      </p:sp>
+      <p:cxnSp>
+        <p:nvCxnSpPr>
+          <p:cNvPr id="45" name="Straight Arrow Connector 44">
+            <a:extLst>
+              <a:ext uri="{FF2B5EF4-FFF2-40B4-BE49-F238E27FC236}">
+                <a16:creationId xmlns:a16="http://schemas.microsoft.com/office/drawing/2014/main" id="{7C51ACB9-AF4D-644A-8FFD-6A2EF426B45A}"/>
+              </a:ext>
+            </a:extLst>
+          </p:cNvPr>
+          <p:cNvCxnSpPr>
+            <a:cxnSpLocks/>
+            <a:stCxn id="44" idx="1"/>
+            <a:endCxn id="40" idx="3"/>
+          </p:cNvCxnSpPr>
+          <p:nvPr/>
+        </p:nvCxnSpPr>
+        <p:spPr>
+          <a:xfrm flipH="1" flipV="1">
+            <a:off x="6585408" y="4865154"/>
+            <a:ext cx="317500" cy="275304"/>
+          </a:xfrm>
+          <a:prstGeom prst="straightConnector1">
+            <a:avLst/>
+          </a:prstGeom>
+          <a:ln>
+            <a:solidFill>
+              <a:schemeClr val="accent4">
+                <a:lumMod val="75000"/>
+              </a:schemeClr>
+            </a:solidFill>
+            <a:tailEnd type="triangle"/>
+          </a:ln>
+        </p:spPr>
+        <p:style>
+          <a:lnRef idx="1">
+            <a:schemeClr val="accent1"/>
+          </a:lnRef>
+          <a:fillRef idx="0">
+            <a:schemeClr val="accent1"/>
+          </a:fillRef>
+          <a:effectRef idx="0">
+            <a:schemeClr val="accent1"/>
+          </a:effectRef>
+          <a:fontRef idx="minor">
+            <a:schemeClr val="tx1"/>
+          </a:fontRef>
+        </p:style>
+      </p:cxnSp>
+      <p:sp>
+        <p:nvSpPr>
+          <p:cNvPr id="46" name="Rectangle 45">
+            <a:extLst>
+              <a:ext uri="{FF2B5EF4-FFF2-40B4-BE49-F238E27FC236}">
+                <a16:creationId xmlns:a16="http://schemas.microsoft.com/office/drawing/2014/main" id="{801A03B2-54D0-6F4B-BB02-9E2AD38877B4}"/>
+              </a:ext>
+            </a:extLst>
+          </p:cNvPr>
+          <p:cNvSpPr/>
+          <p:nvPr/>
+        </p:nvSpPr>
+        <p:spPr>
+          <a:xfrm>
+            <a:off x="4305632" y="658761"/>
+            <a:ext cx="3923071" cy="1828800"/>
+          </a:xfrm>
+          <a:prstGeom prst="rect">
+            <a:avLst/>
+          </a:prstGeom>
+          <a:noFill/>
+          <a:ln>
+            <a:solidFill>
+              <a:schemeClr val="accent1">
+                <a:lumMod val="60000"/>
+                <a:lumOff val="40000"/>
+              </a:schemeClr>
+            </a:solidFill>
+            <a:prstDash val="dash"/>
+          </a:ln>
+        </p:spPr>
+        <p:style>
+          <a:lnRef idx="2">
+            <a:schemeClr val="accent1">
+              <a:shade val="50000"/>
+            </a:schemeClr>
+          </a:lnRef>
+          <a:fillRef idx="1">
+            <a:schemeClr val="accent1"/>
+          </a:fillRef>
+          <a:effectRef idx="0">
+            <a:schemeClr val="accent1"/>
+          </a:effectRef>
+          <a:fontRef idx="minor">
+            <a:schemeClr val="lt1"/>
+          </a:fontRef>
+        </p:style>
+        <p:txBody>
+          <a:bodyPr rtlCol="0" anchor="ctr"/>
+          <a:lstStyle/>
+          <a:p>
+            <a:pPr algn="ctr"/>
+            <a:endParaRPr lang="en-US"/>
+          </a:p>
+        </p:txBody>
+      </p:sp>
+      <p:sp>
+        <p:nvSpPr>
+          <p:cNvPr id="47" name="Rectangle 46">
+            <a:extLst>
+              <a:ext uri="{FF2B5EF4-FFF2-40B4-BE49-F238E27FC236}">
+                <a16:creationId xmlns:a16="http://schemas.microsoft.com/office/drawing/2014/main" id="{204EA358-BF53-BA44-BE49-1BA984C18363}"/>
+              </a:ext>
+            </a:extLst>
+          </p:cNvPr>
+          <p:cNvSpPr/>
+          <p:nvPr/>
+        </p:nvSpPr>
+        <p:spPr>
+          <a:xfrm>
+            <a:off x="4305632" y="3696931"/>
+            <a:ext cx="3923071" cy="2330682"/>
+          </a:xfrm>
+          <a:prstGeom prst="rect">
+            <a:avLst/>
+          </a:prstGeom>
+          <a:noFill/>
+          <a:ln>
+            <a:solidFill>
+              <a:schemeClr val="accent1">
+                <a:lumMod val="60000"/>
+                <a:lumOff val="40000"/>
+              </a:schemeClr>
+            </a:solidFill>
+            <a:prstDash val="dash"/>
+          </a:ln>
+        </p:spPr>
+        <p:style>
+          <a:lnRef idx="2">
+            <a:schemeClr val="accent1">
+              <a:shade val="50000"/>
+            </a:schemeClr>
+          </a:lnRef>
+          <a:fillRef idx="1">
+            <a:schemeClr val="accent1"/>
+          </a:fillRef>
+          <a:effectRef idx="0">
+            <a:schemeClr val="accent1"/>
+          </a:effectRef>
+          <a:fontRef idx="minor">
+            <a:schemeClr val="lt1"/>
+          </a:fontRef>
+        </p:style>
+        <p:txBody>
+          <a:bodyPr rtlCol="0" anchor="ctr"/>
+          <a:lstStyle/>
+          <a:p>
+            <a:pPr algn="ctr"/>
+            <a:endParaRPr lang="en-US"/>
+          </a:p>
+        </p:txBody>
+      </p:sp>
+      <p:sp>
+        <p:nvSpPr>
+          <p:cNvPr id="48" name="TextBox 47">
+            <a:extLst>
+              <a:ext uri="{FF2B5EF4-FFF2-40B4-BE49-F238E27FC236}">
+                <a16:creationId xmlns:a16="http://schemas.microsoft.com/office/drawing/2014/main" id="{8AE648A3-B6C8-A844-BFDC-76DA5DFB4357}"/>
+              </a:ext>
+            </a:extLst>
+          </p:cNvPr>
+          <p:cNvSpPr txBox="1"/>
+          <p:nvPr/>
+        </p:nvSpPr>
+        <p:spPr>
+          <a:xfrm>
+            <a:off x="5494488" y="348608"/>
+            <a:ext cx="1545359" cy="307777"/>
+          </a:xfrm>
+          <a:prstGeom prst="rect">
+            <a:avLst/>
+          </a:prstGeom>
+          <a:noFill/>
+        </p:spPr>
+        <p:txBody>
+          <a:bodyPr wrap="none" rtlCol="0">
+            <a:spAutoFit/>
+          </a:bodyPr>
+          <a:lstStyle/>
+          <a:p>
+            <a:r>
+              <a:rPr lang="en-US" sz="1400" dirty="0">
+                <a:solidFill>
+                  <a:schemeClr val="accent1">
+                    <a:lumMod val="60000"/>
+                    <a:lumOff val="40000"/>
+                  </a:schemeClr>
+                </a:solidFill>
+              </a:rPr>
+              <a:t>Remote repository</a:t>
+            </a:r>
+          </a:p>
+        </p:txBody>
+      </p:sp>
+      <p:sp>
+        <p:nvSpPr>
+          <p:cNvPr id="49" name="TextBox 48">
+            <a:extLst>
+              <a:ext uri="{FF2B5EF4-FFF2-40B4-BE49-F238E27FC236}">
+                <a16:creationId xmlns:a16="http://schemas.microsoft.com/office/drawing/2014/main" id="{9F5185AB-3137-444F-B456-114D2A2ACAA2}"/>
+              </a:ext>
+            </a:extLst>
+          </p:cNvPr>
+          <p:cNvSpPr txBox="1"/>
+          <p:nvPr/>
+        </p:nvSpPr>
+        <p:spPr>
+          <a:xfrm>
+            <a:off x="5593681" y="3389141"/>
+            <a:ext cx="1346972" cy="307777"/>
+          </a:xfrm>
+          <a:prstGeom prst="rect">
+            <a:avLst/>
+          </a:prstGeom>
+          <a:noFill/>
+        </p:spPr>
+        <p:txBody>
+          <a:bodyPr wrap="none" rtlCol="0">
+            <a:spAutoFit/>
+          </a:bodyPr>
+          <a:lstStyle/>
+          <a:p>
+            <a:r>
+              <a:rPr lang="en-US" sz="1400" dirty="0">
+                <a:solidFill>
+                  <a:schemeClr val="accent1">
+                    <a:lumMod val="60000"/>
+                    <a:lumOff val="40000"/>
+                  </a:schemeClr>
+                </a:solidFill>
+              </a:rPr>
+              <a:t>Local repository</a:t>
+            </a:r>
+          </a:p>
+        </p:txBody>
+      </p:sp>
+      <p:sp>
+        <p:nvSpPr>
+          <p:cNvPr id="50" name="Rounded Rectangle 49">
+            <a:extLst>
+              <a:ext uri="{FF2B5EF4-FFF2-40B4-BE49-F238E27FC236}">
+                <a16:creationId xmlns:a16="http://schemas.microsoft.com/office/drawing/2014/main" id="{248A5191-6ED1-964D-9491-230451B9FEF7}"/>
+              </a:ext>
+            </a:extLst>
+          </p:cNvPr>
+          <p:cNvSpPr/>
+          <p:nvPr/>
+        </p:nvSpPr>
+        <p:spPr>
+          <a:xfrm>
+            <a:off x="4440668" y="1423401"/>
+            <a:ext cx="914400" cy="457200"/>
+          </a:xfrm>
+          <a:prstGeom prst="roundRect">
+            <a:avLst/>
+          </a:prstGeom>
+          <a:solidFill>
+            <a:schemeClr val="accent4">
+              <a:lumMod val="75000"/>
+            </a:schemeClr>
+          </a:solidFill>
+          <a:ln>
+            <a:solidFill>
+              <a:schemeClr val="accent4">
+                <a:lumMod val="75000"/>
+              </a:schemeClr>
+            </a:solidFill>
+          </a:ln>
+        </p:spPr>
+        <p:style>
+          <a:lnRef idx="2">
+            <a:schemeClr val="accent6">
+              <a:shade val="50000"/>
+            </a:schemeClr>
+          </a:lnRef>
+          <a:fillRef idx="1">
+            <a:schemeClr val="accent6"/>
+          </a:fillRef>
+          <a:effectRef idx="0">
+            <a:schemeClr val="accent6"/>
+          </a:effectRef>
+          <a:fontRef idx="minor">
+            <a:schemeClr val="lt1"/>
+          </a:fontRef>
+        </p:style>
+        <p:txBody>
+          <a:bodyPr rtlCol="0" anchor="ctr"/>
+          <a:lstStyle/>
+          <a:p>
+            <a:pPr algn="ctr"/>
+            <a:r>
+              <a:rPr lang="en-US" sz="1400" dirty="0"/>
+              <a:t>C1</a:t>
+            </a:r>
+          </a:p>
+        </p:txBody>
+      </p:sp>
+      <p:cxnSp>
+        <p:nvCxnSpPr>
+          <p:cNvPr id="51" name="Straight Arrow Connector 50">
+            <a:extLst>
+              <a:ext uri="{FF2B5EF4-FFF2-40B4-BE49-F238E27FC236}">
+                <a16:creationId xmlns:a16="http://schemas.microsoft.com/office/drawing/2014/main" id="{5704968E-9E42-FF46-8611-0C4506204385}"/>
+              </a:ext>
+            </a:extLst>
+          </p:cNvPr>
+          <p:cNvCxnSpPr>
+            <a:cxnSpLocks/>
+            <a:stCxn id="36" idx="1"/>
+          </p:cNvCxnSpPr>
+          <p:nvPr/>
+        </p:nvCxnSpPr>
+        <p:spPr>
+          <a:xfrm flipH="1">
+            <a:off x="5353508" y="1652001"/>
+            <a:ext cx="317500" cy="0"/>
+          </a:xfrm>
+          <a:prstGeom prst="straightConnector1">
+            <a:avLst/>
+          </a:prstGeom>
+          <a:ln>
+            <a:solidFill>
+              <a:schemeClr val="accent4">
+                <a:lumMod val="75000"/>
+              </a:schemeClr>
+            </a:solidFill>
+            <a:tailEnd type="triangle"/>
+          </a:ln>
+        </p:spPr>
+        <p:style>
+          <a:lnRef idx="1">
+            <a:schemeClr val="accent1"/>
+          </a:lnRef>
+          <a:fillRef idx="0">
+            <a:schemeClr val="accent1"/>
+          </a:fillRef>
+          <a:effectRef idx="0">
+            <a:schemeClr val="accent1"/>
+          </a:effectRef>
+          <a:fontRef idx="minor">
+            <a:schemeClr val="tx1"/>
+          </a:fontRef>
+        </p:style>
+      </p:cxnSp>
+      <p:sp>
+        <p:nvSpPr>
+          <p:cNvPr id="52" name="Rounded Rectangle 51">
+            <a:extLst>
+              <a:ext uri="{FF2B5EF4-FFF2-40B4-BE49-F238E27FC236}">
+                <a16:creationId xmlns:a16="http://schemas.microsoft.com/office/drawing/2014/main" id="{5BB0F2C7-1084-4E4A-A909-083ADB485931}"/>
+              </a:ext>
+            </a:extLst>
+          </p:cNvPr>
+          <p:cNvSpPr/>
+          <p:nvPr/>
+        </p:nvSpPr>
+        <p:spPr>
+          <a:xfrm>
+            <a:off x="4439108" y="4636554"/>
+            <a:ext cx="914400" cy="457200"/>
+          </a:xfrm>
+          <a:prstGeom prst="roundRect">
+            <a:avLst/>
+          </a:prstGeom>
+          <a:solidFill>
+            <a:schemeClr val="accent4">
+              <a:lumMod val="75000"/>
+            </a:schemeClr>
+          </a:solidFill>
+          <a:ln>
+            <a:solidFill>
+              <a:schemeClr val="accent4">
+                <a:lumMod val="75000"/>
+              </a:schemeClr>
+            </a:solidFill>
+          </a:ln>
+        </p:spPr>
+        <p:style>
+          <a:lnRef idx="2">
+            <a:schemeClr val="accent6">
+              <a:shade val="50000"/>
+            </a:schemeClr>
+          </a:lnRef>
+          <a:fillRef idx="1">
+            <a:schemeClr val="accent6"/>
+          </a:fillRef>
+          <a:effectRef idx="0">
+            <a:schemeClr val="accent6"/>
+          </a:effectRef>
+          <a:fontRef idx="minor">
+            <a:schemeClr val="lt1"/>
+          </a:fontRef>
+        </p:style>
+        <p:txBody>
+          <a:bodyPr rtlCol="0" anchor="ctr"/>
+          <a:lstStyle/>
+          <a:p>
+            <a:pPr algn="ctr"/>
+            <a:r>
+              <a:rPr lang="en-US" sz="1400" dirty="0"/>
+              <a:t>C1</a:t>
+            </a:r>
+          </a:p>
+        </p:txBody>
+      </p:sp>
+      <p:cxnSp>
+        <p:nvCxnSpPr>
+          <p:cNvPr id="53" name="Straight Arrow Connector 52">
+            <a:extLst>
+              <a:ext uri="{FF2B5EF4-FFF2-40B4-BE49-F238E27FC236}">
+                <a16:creationId xmlns:a16="http://schemas.microsoft.com/office/drawing/2014/main" id="{35E279D2-49B0-774F-80AC-8DE2A88085CF}"/>
+              </a:ext>
+            </a:extLst>
+          </p:cNvPr>
+          <p:cNvCxnSpPr>
+            <a:cxnSpLocks/>
+            <a:stCxn id="40" idx="1"/>
+            <a:endCxn id="52" idx="3"/>
+          </p:cNvCxnSpPr>
+          <p:nvPr/>
+        </p:nvCxnSpPr>
+        <p:spPr>
+          <a:xfrm flipH="1">
+            <a:off x="5353508" y="4865154"/>
+            <a:ext cx="317500" cy="0"/>
+          </a:xfrm>
+          <a:prstGeom prst="straightConnector1">
+            <a:avLst/>
+          </a:prstGeom>
+          <a:ln>
+            <a:solidFill>
+              <a:schemeClr val="accent4">
+                <a:lumMod val="75000"/>
+              </a:schemeClr>
+            </a:solidFill>
+            <a:tailEnd type="triangle"/>
+          </a:ln>
+        </p:spPr>
+        <p:style>
+          <a:lnRef idx="1">
+            <a:schemeClr val="accent1"/>
+          </a:lnRef>
+          <a:fillRef idx="0">
+            <a:schemeClr val="accent1"/>
+          </a:fillRef>
+          <a:effectRef idx="0">
+            <a:schemeClr val="accent1"/>
+          </a:effectRef>
+          <a:fontRef idx="minor">
+            <a:schemeClr val="tx1"/>
+          </a:fontRef>
+        </p:style>
+      </p:cxnSp>
+      <p:sp>
+        <p:nvSpPr>
+          <p:cNvPr id="54" name="Rounded Rectangle 53">
+            <a:extLst>
+              <a:ext uri="{FF2B5EF4-FFF2-40B4-BE49-F238E27FC236}">
+                <a16:creationId xmlns:a16="http://schemas.microsoft.com/office/drawing/2014/main" id="{0CE40B8A-5B20-2C40-B7A0-23459F6BD93B}"/>
+              </a:ext>
+            </a:extLst>
+          </p:cNvPr>
+          <p:cNvSpPr/>
+          <p:nvPr/>
+        </p:nvSpPr>
+        <p:spPr>
+          <a:xfrm>
+            <a:off x="6669069" y="3788791"/>
+            <a:ext cx="1371600" cy="457200"/>
+          </a:xfrm>
+          <a:prstGeom prst="roundRect">
+            <a:avLst/>
+          </a:prstGeom>
+          <a:solidFill>
+            <a:schemeClr val="accent6">
+              <a:lumMod val="75000"/>
+            </a:schemeClr>
+          </a:solidFill>
+          <a:ln>
+            <a:noFill/>
+          </a:ln>
+        </p:spPr>
+        <p:style>
+          <a:lnRef idx="2">
+            <a:schemeClr val="accent6">
+              <a:shade val="50000"/>
+            </a:schemeClr>
+          </a:lnRef>
+          <a:fillRef idx="1">
+            <a:schemeClr val="accent6"/>
+          </a:fillRef>
+          <a:effectRef idx="0">
+            <a:schemeClr val="accent6"/>
+          </a:effectRef>
+          <a:fontRef idx="minor">
+            <a:schemeClr val="lt1"/>
+          </a:fontRef>
+        </p:style>
+        <p:txBody>
+          <a:bodyPr rtlCol="0" anchor="ctr"/>
+          <a:lstStyle/>
+          <a:p>
+            <a:pPr algn="ctr"/>
+            <a:r>
+              <a:rPr lang="en-US" sz="1400" dirty="0"/>
+              <a:t>origin/master</a:t>
+            </a:r>
+          </a:p>
+        </p:txBody>
+      </p:sp>
+      <p:sp>
+        <p:nvSpPr>
+          <p:cNvPr id="55" name="Right Arrow 54">
+            <a:extLst>
+              <a:ext uri="{FF2B5EF4-FFF2-40B4-BE49-F238E27FC236}">
+                <a16:creationId xmlns:a16="http://schemas.microsoft.com/office/drawing/2014/main" id="{1411AC11-B08F-D34D-BA08-7D82C9B3AA36}"/>
+              </a:ext>
+            </a:extLst>
+          </p:cNvPr>
+          <p:cNvSpPr/>
+          <p:nvPr/>
+        </p:nvSpPr>
+        <p:spPr>
+          <a:xfrm rot="5400000">
+            <a:off x="4240745" y="2778652"/>
+            <a:ext cx="754239" cy="624468"/>
+          </a:xfrm>
+          <a:prstGeom prst="rightArrow">
+            <a:avLst/>
+          </a:prstGeom>
+          <a:solidFill>
+            <a:schemeClr val="bg1">
+              <a:lumMod val="75000"/>
+            </a:schemeClr>
+          </a:solidFill>
+          <a:ln>
+            <a:noFill/>
+          </a:ln>
+        </p:spPr>
+        <p:style>
+          <a:lnRef idx="2">
+            <a:schemeClr val="accent3">
+              <a:shade val="50000"/>
+            </a:schemeClr>
+          </a:lnRef>
+          <a:fillRef idx="1">
+            <a:schemeClr val="accent3"/>
+          </a:fillRef>
+          <a:effectRef idx="0">
+            <a:schemeClr val="accent3"/>
+          </a:effectRef>
+          <a:fontRef idx="minor">
+            <a:schemeClr val="lt1"/>
+          </a:fontRef>
+        </p:style>
+        <p:txBody>
+          <a:bodyPr rot="0" spcFirstLastPara="0" vertOverflow="overflow" horzOverflow="overflow" vert="horz" wrap="square" lIns="91440" tIns="45720" rIns="91440" bIns="45720" numCol="1" spcCol="0" rtlCol="0" fromWordArt="0" anchor="ctr" anchorCtr="0" forceAA="0" compatLnSpc="1">
+            <a:prstTxWarp prst="textNoShape">
+              <a:avLst/>
+            </a:prstTxWarp>
+            <a:noAutofit/>
+          </a:bodyPr>
+          <a:lstStyle/>
+          <a:p>
+            <a:pPr algn="ctr"/>
+            <a:endParaRPr lang="en-US" sz="1400" dirty="0">
+              <a:solidFill>
+                <a:schemeClr val="tx1"/>
+              </a:solidFill>
+              <a:latin typeface="Courier" pitchFamily="2" charset="0"/>
+            </a:endParaRPr>
+          </a:p>
+        </p:txBody>
+      </p:sp>
+      <p:sp>
+        <p:nvSpPr>
+          <p:cNvPr id="56" name="Rounded Rectangle 55">
+            <a:extLst>
+              <a:ext uri="{FF2B5EF4-FFF2-40B4-BE49-F238E27FC236}">
+                <a16:creationId xmlns:a16="http://schemas.microsoft.com/office/drawing/2014/main" id="{1CF73845-AEA9-4E4E-A15B-12AA7967C121}"/>
+              </a:ext>
+            </a:extLst>
+          </p:cNvPr>
+          <p:cNvSpPr/>
+          <p:nvPr/>
+        </p:nvSpPr>
+        <p:spPr>
+          <a:xfrm>
+            <a:off x="6897669" y="4362785"/>
+            <a:ext cx="914400" cy="457200"/>
+          </a:xfrm>
+          <a:prstGeom prst="roundRect">
+            <a:avLst/>
+          </a:prstGeom>
+          <a:solidFill>
+            <a:schemeClr val="accent4">
+              <a:lumMod val="75000"/>
+            </a:schemeClr>
+          </a:solidFill>
+          <a:ln>
+            <a:solidFill>
+              <a:schemeClr val="accent4">
+                <a:lumMod val="75000"/>
+              </a:schemeClr>
+            </a:solidFill>
+          </a:ln>
+        </p:spPr>
+        <p:style>
+          <a:lnRef idx="2">
+            <a:schemeClr val="accent6">
+              <a:shade val="50000"/>
+            </a:schemeClr>
+          </a:lnRef>
+          <a:fillRef idx="1">
+            <a:schemeClr val="accent6"/>
+          </a:fillRef>
+          <a:effectRef idx="0">
+            <a:schemeClr val="accent6"/>
+          </a:effectRef>
+          <a:fontRef idx="minor">
+            <a:schemeClr val="lt1"/>
+          </a:fontRef>
+        </p:style>
+        <p:txBody>
+          <a:bodyPr rtlCol="0" anchor="ctr"/>
+          <a:lstStyle/>
+          <a:p>
+            <a:pPr algn="ctr"/>
+            <a:r>
+              <a:rPr lang="en-US" sz="1400" dirty="0"/>
+              <a:t>C3’</a:t>
+            </a:r>
+          </a:p>
+        </p:txBody>
+      </p:sp>
+      <p:cxnSp>
+        <p:nvCxnSpPr>
+          <p:cNvPr id="64" name="Straight Arrow Connector 63">
+            <a:extLst>
+              <a:ext uri="{FF2B5EF4-FFF2-40B4-BE49-F238E27FC236}">
+                <a16:creationId xmlns:a16="http://schemas.microsoft.com/office/drawing/2014/main" id="{F2CC4006-6470-4544-BDA2-9ABE007C6BE0}"/>
+              </a:ext>
+            </a:extLst>
+          </p:cNvPr>
+          <p:cNvCxnSpPr>
+            <a:cxnSpLocks/>
+            <a:stCxn id="56" idx="1"/>
+            <a:endCxn id="40" idx="3"/>
+          </p:cNvCxnSpPr>
+          <p:nvPr/>
+        </p:nvCxnSpPr>
+        <p:spPr>
+          <a:xfrm flipH="1">
+            <a:off x="6585408" y="4591385"/>
+            <a:ext cx="312261" cy="273769"/>
+          </a:xfrm>
+          <a:prstGeom prst="straightConnector1">
+            <a:avLst/>
+          </a:prstGeom>
+          <a:ln>
+            <a:solidFill>
+              <a:schemeClr val="accent4">
+                <a:lumMod val="75000"/>
+              </a:schemeClr>
+            </a:solidFill>
+            <a:tailEnd type="triangle"/>
+          </a:ln>
+        </p:spPr>
+        <p:style>
+          <a:lnRef idx="1">
+            <a:schemeClr val="accent1"/>
+          </a:lnRef>
+          <a:fillRef idx="0">
+            <a:schemeClr val="accent1"/>
+          </a:fillRef>
+          <a:effectRef idx="0">
+            <a:schemeClr val="accent1"/>
+          </a:effectRef>
+          <a:fontRef idx="minor">
+            <a:schemeClr val="tx1"/>
+          </a:fontRef>
+        </p:style>
+      </p:cxnSp>
+    </p:spTree>
+    <p:extLst>
+      <p:ext uri="{BB962C8B-B14F-4D97-AF65-F5344CB8AC3E}">
+        <p14:creationId xmlns:p14="http://schemas.microsoft.com/office/powerpoint/2010/main" val="215069315"/>
+      </p:ext>
+    </p:extLst>
+  </p:cSld>
+  <p:clrMapOvr>
+    <a:masterClrMapping/>
+  </p:clrMapOvr>
+</p:sld>
+</file>
+
 <file path=ppt/theme/theme1.xml><?xml version="1.0" encoding="utf-8"?>
 <a:theme xmlns:a="http://schemas.openxmlformats.org/drawingml/2006/main" name="Office Theme">
   <a:themeElements>

--- a/images/images.pptx
+++ b/images/images.pptx
@@ -263,7 +263,7 @@
           <a:p>
             <a:fld id="{4615358D-515A-CA45-9AD0-962FFE9407CA}" type="datetimeFigureOut">
               <a:rPr lang="en-US" smtClean="0"/>
-              <a:t>8/6/19</a:t>
+              <a:t>8/7/19</a:t>
             </a:fld>
             <a:endParaRPr lang="en-US"/>
           </a:p>
@@ -461,7 +461,7 @@
           <a:p>
             <a:fld id="{4615358D-515A-CA45-9AD0-962FFE9407CA}" type="datetimeFigureOut">
               <a:rPr lang="en-US" smtClean="0"/>
-              <a:t>8/6/19</a:t>
+              <a:t>8/7/19</a:t>
             </a:fld>
             <a:endParaRPr lang="en-US"/>
           </a:p>
@@ -669,7 +669,7 @@
           <a:p>
             <a:fld id="{4615358D-515A-CA45-9AD0-962FFE9407CA}" type="datetimeFigureOut">
               <a:rPr lang="en-US" smtClean="0"/>
-              <a:t>8/6/19</a:t>
+              <a:t>8/7/19</a:t>
             </a:fld>
             <a:endParaRPr lang="en-US"/>
           </a:p>
@@ -867,7 +867,7 @@
           <a:p>
             <a:fld id="{4615358D-515A-CA45-9AD0-962FFE9407CA}" type="datetimeFigureOut">
               <a:rPr lang="en-US" smtClean="0"/>
-              <a:t>8/6/19</a:t>
+              <a:t>8/7/19</a:t>
             </a:fld>
             <a:endParaRPr lang="en-US"/>
           </a:p>
@@ -1142,7 +1142,7 @@
           <a:p>
             <a:fld id="{4615358D-515A-CA45-9AD0-962FFE9407CA}" type="datetimeFigureOut">
               <a:rPr lang="en-US" smtClean="0"/>
-              <a:t>8/6/19</a:t>
+              <a:t>8/7/19</a:t>
             </a:fld>
             <a:endParaRPr lang="en-US"/>
           </a:p>
@@ -1407,7 +1407,7 @@
           <a:p>
             <a:fld id="{4615358D-515A-CA45-9AD0-962FFE9407CA}" type="datetimeFigureOut">
               <a:rPr lang="en-US" smtClean="0"/>
-              <a:t>8/6/19</a:t>
+              <a:t>8/7/19</a:t>
             </a:fld>
             <a:endParaRPr lang="en-US"/>
           </a:p>
@@ -1819,7 +1819,7 @@
           <a:p>
             <a:fld id="{4615358D-515A-CA45-9AD0-962FFE9407CA}" type="datetimeFigureOut">
               <a:rPr lang="en-US" smtClean="0"/>
-              <a:t>8/6/19</a:t>
+              <a:t>8/7/19</a:t>
             </a:fld>
             <a:endParaRPr lang="en-US"/>
           </a:p>
@@ -1960,7 +1960,7 @@
           <a:p>
             <a:fld id="{4615358D-515A-CA45-9AD0-962FFE9407CA}" type="datetimeFigureOut">
               <a:rPr lang="en-US" smtClean="0"/>
-              <a:t>8/6/19</a:t>
+              <a:t>8/7/19</a:t>
             </a:fld>
             <a:endParaRPr lang="en-US"/>
           </a:p>
@@ -2073,7 +2073,7 @@
           <a:p>
             <a:fld id="{4615358D-515A-CA45-9AD0-962FFE9407CA}" type="datetimeFigureOut">
               <a:rPr lang="en-US" smtClean="0"/>
-              <a:t>8/6/19</a:t>
+              <a:t>8/7/19</a:t>
             </a:fld>
             <a:endParaRPr lang="en-US"/>
           </a:p>
@@ -2384,7 +2384,7 @@
           <a:p>
             <a:fld id="{4615358D-515A-CA45-9AD0-962FFE9407CA}" type="datetimeFigureOut">
               <a:rPr lang="en-US" smtClean="0"/>
-              <a:t>8/6/19</a:t>
+              <a:t>8/7/19</a:t>
             </a:fld>
             <a:endParaRPr lang="en-US"/>
           </a:p>
@@ -2672,7 +2672,7 @@
           <a:p>
             <a:fld id="{4615358D-515A-CA45-9AD0-962FFE9407CA}" type="datetimeFigureOut">
               <a:rPr lang="en-US" smtClean="0"/>
-              <a:t>8/6/19</a:t>
+              <a:t>8/7/19</a:t>
             </a:fld>
             <a:endParaRPr lang="en-US"/>
           </a:p>
@@ -2913,7 +2913,7 @@
           <a:p>
             <a:fld id="{4615358D-515A-CA45-9AD0-962FFE9407CA}" type="datetimeFigureOut">
               <a:rPr lang="en-US" smtClean="0"/>
-              <a:t>8/6/19</a:t>
+              <a:t>8/7/19</a:t>
             </a:fld>
             <a:endParaRPr lang="en-US"/>
           </a:p>
@@ -11923,7 +11923,7 @@
         </p:nvGrpSpPr>
         <p:grpSpPr>
           <a:xfrm>
-            <a:off x="2053634" y="848290"/>
+            <a:off x="237714" y="848290"/>
             <a:ext cx="2373476" cy="1032311"/>
             <a:chOff x="9723377" y="630711"/>
             <a:chExt cx="2373476" cy="1032311"/>
@@ -12219,7 +12219,7 @@
         </p:nvGrpSpPr>
         <p:grpSpPr>
           <a:xfrm>
-            <a:off x="2053634" y="3825466"/>
+            <a:off x="237714" y="3825466"/>
             <a:ext cx="2374900" cy="1605987"/>
             <a:chOff x="9723377" y="630711"/>
             <a:chExt cx="2374900" cy="1605987"/>
@@ -12620,7 +12620,7 @@
         </p:nvSpPr>
         <p:spPr>
           <a:xfrm rot="5400000">
-            <a:off x="1819081" y="2778652"/>
+            <a:off x="3161" y="2778652"/>
             <a:ext cx="754239" cy="624468"/>
           </a:xfrm>
           <a:prstGeom prst="rightArrow">
@@ -12684,7 +12684,7 @@
         </p:nvSpPr>
         <p:spPr>
           <a:xfrm>
-            <a:off x="1868129" y="658761"/>
+            <a:off x="52209" y="658761"/>
             <a:ext cx="2743200" cy="1828800"/>
           </a:xfrm>
           <a:prstGeom prst="rect">
@@ -12740,7 +12740,7 @@
         </p:nvSpPr>
         <p:spPr>
           <a:xfrm>
-            <a:off x="1868129" y="3694211"/>
+            <a:off x="52209" y="3694211"/>
             <a:ext cx="2743200" cy="1828800"/>
           </a:xfrm>
           <a:prstGeom prst="rect">
@@ -12796,7 +12796,7 @@
         </p:nvSpPr>
         <p:spPr>
           <a:xfrm>
-            <a:off x="2467049" y="348608"/>
+            <a:off x="651129" y="348608"/>
             <a:ext cx="1545359" cy="307777"/>
           </a:xfrm>
           <a:prstGeom prst="rect">
@@ -12838,7 +12838,7 @@
         </p:nvSpPr>
         <p:spPr>
           <a:xfrm>
-            <a:off x="2566242" y="3388833"/>
+            <a:off x="750322" y="3388833"/>
             <a:ext cx="1346972" cy="307777"/>
           </a:xfrm>
           <a:prstGeom prst="rect">
@@ -12880,7 +12880,7 @@
         </p:nvSpPr>
         <p:spPr>
           <a:xfrm>
-            <a:off x="2566242" y="2942186"/>
+            <a:off x="750322" y="2942186"/>
             <a:ext cx="2117887" cy="307777"/>
           </a:xfrm>
           <a:prstGeom prst="rect">
@@ -12898,19 +12898,7 @@
               <a:rPr lang="en-US" sz="1400" dirty="0">
                 <a:latin typeface="Courier" pitchFamily="2" charset="0"/>
               </a:rPr>
-              <a:t>$ git clone &lt;</a:t>
-            </a:r>
-            <a:r>
-              <a:rPr lang="en-US" sz="1400" dirty="0" err="1">
-                <a:latin typeface="Courier" pitchFamily="2" charset="0"/>
-              </a:rPr>
-              <a:t>url</a:t>
-            </a:r>
-            <a:r>
-              <a:rPr lang="en-US" sz="1400" dirty="0">
-                <a:latin typeface="Courier" pitchFamily="2" charset="0"/>
-              </a:rPr>
-              <a:t>&gt; </a:t>
+              <a:t>$ git clone &lt;url&gt; </a:t>
             </a:r>
           </a:p>
         </p:txBody>
@@ -15182,6 +15170,58 @@
           </a:fontRef>
         </p:style>
       </p:cxnSp>
+      <p:sp>
+        <p:nvSpPr>
+          <p:cNvPr id="57" name="Right Arrow 56">
+            <a:extLst>
+              <a:ext uri="{FF2B5EF4-FFF2-40B4-BE49-F238E27FC236}">
+                <a16:creationId xmlns:a16="http://schemas.microsoft.com/office/drawing/2014/main" id="{442C6BBB-1717-2F4B-B719-6115A22AE79A}"/>
+              </a:ext>
+            </a:extLst>
+          </p:cNvPr>
+          <p:cNvSpPr/>
+          <p:nvPr/>
+        </p:nvSpPr>
+        <p:spPr>
+          <a:xfrm>
+            <a:off x="4085422" y="1539065"/>
+            <a:ext cx="158750" cy="228600"/>
+          </a:xfrm>
+          <a:prstGeom prst="rightArrow">
+            <a:avLst/>
+          </a:prstGeom>
+          <a:noFill/>
+          <a:ln>
+            <a:solidFill>
+              <a:srgbClr val="FF0000"/>
+            </a:solidFill>
+          </a:ln>
+        </p:spPr>
+        <p:style>
+          <a:lnRef idx="2">
+            <a:schemeClr val="accent1">
+              <a:shade val="50000"/>
+            </a:schemeClr>
+          </a:lnRef>
+          <a:fillRef idx="1">
+            <a:schemeClr val="accent1"/>
+          </a:fillRef>
+          <a:effectRef idx="0">
+            <a:schemeClr val="accent1"/>
+          </a:effectRef>
+          <a:fontRef idx="minor">
+            <a:schemeClr val="lt1"/>
+          </a:fontRef>
+        </p:style>
+        <p:txBody>
+          <a:bodyPr rtlCol="0" anchor="ctr"/>
+          <a:lstStyle/>
+          <a:p>
+            <a:pPr algn="ctr"/>
+            <a:endParaRPr lang="en-US"/>
+          </a:p>
+        </p:txBody>
+      </p:sp>
     </p:spTree>
     <p:extLst>
       <p:ext uri="{BB962C8B-B14F-4D97-AF65-F5344CB8AC3E}">

--- a/images/images.pptx
+++ b/images/images.pptx
@@ -4,12 +4,16 @@
   <p:sldMasterIdLst>
     <p:sldMasterId id="2147483648" r:id="rId1"/>
   </p:sldMasterIdLst>
+  <p:notesMasterIdLst>
+    <p:notesMasterId r:id="rId8"/>
+  </p:notesMasterIdLst>
   <p:sldIdLst>
     <p:sldId id="256" r:id="rId2"/>
-    <p:sldId id="257" r:id="rId3"/>
-    <p:sldId id="258" r:id="rId4"/>
-    <p:sldId id="259" r:id="rId5"/>
-    <p:sldId id="260" r:id="rId6"/>
+    <p:sldId id="261" r:id="rId3"/>
+    <p:sldId id="257" r:id="rId4"/>
+    <p:sldId id="258" r:id="rId5"/>
+    <p:sldId id="259" r:id="rId6"/>
+    <p:sldId id="260" r:id="rId7"/>
   </p:sldIdLst>
   <p:sldSz cx="12192000" cy="6858000"/>
   <p:notesSz cx="6858000" cy="9144000"/>
@@ -114,6 +118,439 @@
     </p:ext>
   </p:extLst>
 </p:presentation>
+</file>
+
+<file path=ppt/notesMasters/notesMaster1.xml><?xml version="1.0" encoding="utf-8"?>
+<p:notesMaster xmlns:a="http://schemas.openxmlformats.org/drawingml/2006/main" xmlns:r="http://schemas.openxmlformats.org/officeDocument/2006/relationships" xmlns:p="http://schemas.openxmlformats.org/presentationml/2006/main">
+  <p:cSld>
+    <p:bg>
+      <p:bgRef idx="1001">
+        <a:schemeClr val="bg1"/>
+      </p:bgRef>
+    </p:bg>
+    <p:spTree>
+      <p:nvGrpSpPr>
+        <p:cNvPr id="1" name=""/>
+        <p:cNvGrpSpPr/>
+        <p:nvPr/>
+      </p:nvGrpSpPr>
+      <p:grpSpPr>
+        <a:xfrm>
+          <a:off x="0" y="0"/>
+          <a:ext cx="0" cy="0"/>
+          <a:chOff x="0" y="0"/>
+          <a:chExt cx="0" cy="0"/>
+        </a:xfrm>
+      </p:grpSpPr>
+      <p:sp>
+        <p:nvSpPr>
+          <p:cNvPr id="2" name="Header Placeholder 1"/>
+          <p:cNvSpPr>
+            <a:spLocks noGrp="1"/>
+          </p:cNvSpPr>
+          <p:nvPr>
+            <p:ph type="hdr" sz="quarter"/>
+          </p:nvPr>
+        </p:nvSpPr>
+        <p:spPr>
+          <a:xfrm>
+            <a:off x="0" y="0"/>
+            <a:ext cx="2971800" cy="458788"/>
+          </a:xfrm>
+          <a:prstGeom prst="rect">
+            <a:avLst/>
+          </a:prstGeom>
+        </p:spPr>
+        <p:txBody>
+          <a:bodyPr vert="horz" lIns="91440" tIns="45720" rIns="91440" bIns="45720" rtlCol="0"/>
+          <a:lstStyle>
+            <a:lvl1pPr algn="l">
+              <a:defRPr sz="1200"/>
+            </a:lvl1pPr>
+          </a:lstStyle>
+          <a:p>
+            <a:endParaRPr lang="en-US"/>
+          </a:p>
+        </p:txBody>
+      </p:sp>
+      <p:sp>
+        <p:nvSpPr>
+          <p:cNvPr id="3" name="Date Placeholder 2"/>
+          <p:cNvSpPr>
+            <a:spLocks noGrp="1"/>
+          </p:cNvSpPr>
+          <p:nvPr>
+            <p:ph type="dt" idx="1"/>
+          </p:nvPr>
+        </p:nvSpPr>
+        <p:spPr>
+          <a:xfrm>
+            <a:off x="3884613" y="0"/>
+            <a:ext cx="2971800" cy="458788"/>
+          </a:xfrm>
+          <a:prstGeom prst="rect">
+            <a:avLst/>
+          </a:prstGeom>
+        </p:spPr>
+        <p:txBody>
+          <a:bodyPr vert="horz" lIns="91440" tIns="45720" rIns="91440" bIns="45720" rtlCol="0"/>
+          <a:lstStyle>
+            <a:lvl1pPr algn="r">
+              <a:defRPr sz="1200"/>
+            </a:lvl1pPr>
+          </a:lstStyle>
+          <a:p>
+            <a:fld id="{6531D513-C58E-B642-8F9B-1F8D736EF0D4}" type="datetimeFigureOut">
+              <a:rPr lang="en-US" smtClean="0"/>
+              <a:t>8/19/19</a:t>
+            </a:fld>
+            <a:endParaRPr lang="en-US"/>
+          </a:p>
+        </p:txBody>
+      </p:sp>
+      <p:sp>
+        <p:nvSpPr>
+          <p:cNvPr id="4" name="Slide Image Placeholder 3"/>
+          <p:cNvSpPr>
+            <a:spLocks noGrp="1" noRot="1" noChangeAspect="1"/>
+          </p:cNvSpPr>
+          <p:nvPr>
+            <p:ph type="sldImg" idx="2"/>
+          </p:nvPr>
+        </p:nvSpPr>
+        <p:spPr>
+          <a:xfrm>
+            <a:off x="685800" y="1143000"/>
+            <a:ext cx="5486400" cy="3086100"/>
+          </a:xfrm>
+          <a:prstGeom prst="rect">
+            <a:avLst/>
+          </a:prstGeom>
+          <a:noFill/>
+          <a:ln w="12700">
+            <a:solidFill>
+              <a:prstClr val="black"/>
+            </a:solidFill>
+          </a:ln>
+        </p:spPr>
+        <p:txBody>
+          <a:bodyPr vert="horz" lIns="91440" tIns="45720" rIns="91440" bIns="45720" rtlCol="0" anchor="ctr"/>
+          <a:lstStyle/>
+          <a:p>
+            <a:endParaRPr lang="en-US"/>
+          </a:p>
+        </p:txBody>
+      </p:sp>
+      <p:sp>
+        <p:nvSpPr>
+          <p:cNvPr id="5" name="Notes Placeholder 4"/>
+          <p:cNvSpPr>
+            <a:spLocks noGrp="1"/>
+          </p:cNvSpPr>
+          <p:nvPr>
+            <p:ph type="body" sz="quarter" idx="3"/>
+          </p:nvPr>
+        </p:nvSpPr>
+        <p:spPr>
+          <a:xfrm>
+            <a:off x="685800" y="4400550"/>
+            <a:ext cx="5486400" cy="3600450"/>
+          </a:xfrm>
+          <a:prstGeom prst="rect">
+            <a:avLst/>
+          </a:prstGeom>
+        </p:spPr>
+        <p:txBody>
+          <a:bodyPr vert="horz" lIns="91440" tIns="45720" rIns="91440" bIns="45720" rtlCol="0"/>
+          <a:lstStyle/>
+          <a:p>
+            <a:pPr lvl="0"/>
+            <a:r>
+              <a:rPr lang="en-US"/>
+              <a:t>Click to edit Master text styles</a:t>
+            </a:r>
+          </a:p>
+          <a:p>
+            <a:pPr lvl="1"/>
+            <a:r>
+              <a:rPr lang="en-US"/>
+              <a:t>Second level</a:t>
+            </a:r>
+          </a:p>
+          <a:p>
+            <a:pPr lvl="2"/>
+            <a:r>
+              <a:rPr lang="en-US"/>
+              <a:t>Third level</a:t>
+            </a:r>
+          </a:p>
+          <a:p>
+            <a:pPr lvl="3"/>
+            <a:r>
+              <a:rPr lang="en-US"/>
+              <a:t>Fourth level</a:t>
+            </a:r>
+          </a:p>
+          <a:p>
+            <a:pPr lvl="4"/>
+            <a:r>
+              <a:rPr lang="en-US"/>
+              <a:t>Fifth level</a:t>
+            </a:r>
+          </a:p>
+        </p:txBody>
+      </p:sp>
+      <p:sp>
+        <p:nvSpPr>
+          <p:cNvPr id="6" name="Footer Placeholder 5"/>
+          <p:cNvSpPr>
+            <a:spLocks noGrp="1"/>
+          </p:cNvSpPr>
+          <p:nvPr>
+            <p:ph type="ftr" sz="quarter" idx="4"/>
+          </p:nvPr>
+        </p:nvSpPr>
+        <p:spPr>
+          <a:xfrm>
+            <a:off x="0" y="8685213"/>
+            <a:ext cx="2971800" cy="458787"/>
+          </a:xfrm>
+          <a:prstGeom prst="rect">
+            <a:avLst/>
+          </a:prstGeom>
+        </p:spPr>
+        <p:txBody>
+          <a:bodyPr vert="horz" lIns="91440" tIns="45720" rIns="91440" bIns="45720" rtlCol="0" anchor="b"/>
+          <a:lstStyle>
+            <a:lvl1pPr algn="l">
+              <a:defRPr sz="1200"/>
+            </a:lvl1pPr>
+          </a:lstStyle>
+          <a:p>
+            <a:endParaRPr lang="en-US"/>
+          </a:p>
+        </p:txBody>
+      </p:sp>
+      <p:sp>
+        <p:nvSpPr>
+          <p:cNvPr id="7" name="Slide Number Placeholder 6"/>
+          <p:cNvSpPr>
+            <a:spLocks noGrp="1"/>
+          </p:cNvSpPr>
+          <p:nvPr>
+            <p:ph type="sldNum" sz="quarter" idx="5"/>
+          </p:nvPr>
+        </p:nvSpPr>
+        <p:spPr>
+          <a:xfrm>
+            <a:off x="3884613" y="8685213"/>
+            <a:ext cx="2971800" cy="458787"/>
+          </a:xfrm>
+          <a:prstGeom prst="rect">
+            <a:avLst/>
+          </a:prstGeom>
+        </p:spPr>
+        <p:txBody>
+          <a:bodyPr vert="horz" lIns="91440" tIns="45720" rIns="91440" bIns="45720" rtlCol="0" anchor="b"/>
+          <a:lstStyle>
+            <a:lvl1pPr algn="r">
+              <a:defRPr sz="1200"/>
+            </a:lvl1pPr>
+          </a:lstStyle>
+          <a:p>
+            <a:fld id="{B1F66FBC-D835-3B4E-911A-C0DB76D78574}" type="slidenum">
+              <a:rPr lang="en-US" smtClean="0"/>
+              <a:t>‹#›</a:t>
+            </a:fld>
+            <a:endParaRPr lang="en-US"/>
+          </a:p>
+        </p:txBody>
+      </p:sp>
+    </p:spTree>
+    <p:extLst>
+      <p:ext uri="{BB962C8B-B14F-4D97-AF65-F5344CB8AC3E}">
+        <p14:creationId xmlns:p14="http://schemas.microsoft.com/office/powerpoint/2010/main" val="3074424051"/>
+      </p:ext>
+    </p:extLst>
+  </p:cSld>
+  <p:clrMap bg1="lt1" tx1="dk1" bg2="lt2" tx2="dk2" accent1="accent1" accent2="accent2" accent3="accent3" accent4="accent4" accent5="accent5" accent6="accent6" hlink="hlink" folHlink="folHlink"/>
+  <p:notesStyle>
+    <a:lvl1pPr marL="0" algn="l" defTabSz="914400" rtl="0" eaLnBrk="1" latinLnBrk="0" hangingPunct="1">
+      <a:defRPr sz="1200" kern="1200">
+        <a:solidFill>
+          <a:schemeClr val="tx1"/>
+        </a:solidFill>
+        <a:latin typeface="+mn-lt"/>
+        <a:ea typeface="+mn-ea"/>
+        <a:cs typeface="+mn-cs"/>
+      </a:defRPr>
+    </a:lvl1pPr>
+    <a:lvl2pPr marL="457200" algn="l" defTabSz="914400" rtl="0" eaLnBrk="1" latinLnBrk="0" hangingPunct="1">
+      <a:defRPr sz="1200" kern="1200">
+        <a:solidFill>
+          <a:schemeClr val="tx1"/>
+        </a:solidFill>
+        <a:latin typeface="+mn-lt"/>
+        <a:ea typeface="+mn-ea"/>
+        <a:cs typeface="+mn-cs"/>
+      </a:defRPr>
+    </a:lvl2pPr>
+    <a:lvl3pPr marL="914400" algn="l" defTabSz="914400" rtl="0" eaLnBrk="1" latinLnBrk="0" hangingPunct="1">
+      <a:defRPr sz="1200" kern="1200">
+        <a:solidFill>
+          <a:schemeClr val="tx1"/>
+        </a:solidFill>
+        <a:latin typeface="+mn-lt"/>
+        <a:ea typeface="+mn-ea"/>
+        <a:cs typeface="+mn-cs"/>
+      </a:defRPr>
+    </a:lvl3pPr>
+    <a:lvl4pPr marL="1371600" algn="l" defTabSz="914400" rtl="0" eaLnBrk="1" latinLnBrk="0" hangingPunct="1">
+      <a:defRPr sz="1200" kern="1200">
+        <a:solidFill>
+          <a:schemeClr val="tx1"/>
+        </a:solidFill>
+        <a:latin typeface="+mn-lt"/>
+        <a:ea typeface="+mn-ea"/>
+        <a:cs typeface="+mn-cs"/>
+      </a:defRPr>
+    </a:lvl4pPr>
+    <a:lvl5pPr marL="1828800" algn="l" defTabSz="914400" rtl="0" eaLnBrk="1" latinLnBrk="0" hangingPunct="1">
+      <a:defRPr sz="1200" kern="1200">
+        <a:solidFill>
+          <a:schemeClr val="tx1"/>
+        </a:solidFill>
+        <a:latin typeface="+mn-lt"/>
+        <a:ea typeface="+mn-ea"/>
+        <a:cs typeface="+mn-cs"/>
+      </a:defRPr>
+    </a:lvl5pPr>
+    <a:lvl6pPr marL="2286000" algn="l" defTabSz="914400" rtl="0" eaLnBrk="1" latinLnBrk="0" hangingPunct="1">
+      <a:defRPr sz="1200" kern="1200">
+        <a:solidFill>
+          <a:schemeClr val="tx1"/>
+        </a:solidFill>
+        <a:latin typeface="+mn-lt"/>
+        <a:ea typeface="+mn-ea"/>
+        <a:cs typeface="+mn-cs"/>
+      </a:defRPr>
+    </a:lvl6pPr>
+    <a:lvl7pPr marL="2743200" algn="l" defTabSz="914400" rtl="0" eaLnBrk="1" latinLnBrk="0" hangingPunct="1">
+      <a:defRPr sz="1200" kern="1200">
+        <a:solidFill>
+          <a:schemeClr val="tx1"/>
+        </a:solidFill>
+        <a:latin typeface="+mn-lt"/>
+        <a:ea typeface="+mn-ea"/>
+        <a:cs typeface="+mn-cs"/>
+      </a:defRPr>
+    </a:lvl7pPr>
+    <a:lvl8pPr marL="3200400" algn="l" defTabSz="914400" rtl="0" eaLnBrk="1" latinLnBrk="0" hangingPunct="1">
+      <a:defRPr sz="1200" kern="1200">
+        <a:solidFill>
+          <a:schemeClr val="tx1"/>
+        </a:solidFill>
+        <a:latin typeface="+mn-lt"/>
+        <a:ea typeface="+mn-ea"/>
+        <a:cs typeface="+mn-cs"/>
+      </a:defRPr>
+    </a:lvl8pPr>
+    <a:lvl9pPr marL="3657600" algn="l" defTabSz="914400" rtl="0" eaLnBrk="1" latinLnBrk="0" hangingPunct="1">
+      <a:defRPr sz="1200" kern="1200">
+        <a:solidFill>
+          <a:schemeClr val="tx1"/>
+        </a:solidFill>
+        <a:latin typeface="+mn-lt"/>
+        <a:ea typeface="+mn-ea"/>
+        <a:cs typeface="+mn-cs"/>
+      </a:defRPr>
+    </a:lvl9pPr>
+  </p:notesStyle>
+</p:notesMaster>
+</file>
+
+<file path=ppt/notesSlides/notesSlide1.xml><?xml version="1.0" encoding="utf-8"?>
+<p:notes xmlns:a="http://schemas.openxmlformats.org/drawingml/2006/main" xmlns:r="http://schemas.openxmlformats.org/officeDocument/2006/relationships" xmlns:p="http://schemas.openxmlformats.org/presentationml/2006/main">
+  <p:cSld>
+    <p:spTree>
+      <p:nvGrpSpPr>
+        <p:cNvPr id="1" name=""/>
+        <p:cNvGrpSpPr/>
+        <p:nvPr/>
+      </p:nvGrpSpPr>
+      <p:grpSpPr>
+        <a:xfrm>
+          <a:off x="0" y="0"/>
+          <a:ext cx="0" cy="0"/>
+          <a:chOff x="0" y="0"/>
+          <a:chExt cx="0" cy="0"/>
+        </a:xfrm>
+      </p:grpSpPr>
+      <p:sp>
+        <p:nvSpPr>
+          <p:cNvPr id="2" name="Slide Image Placeholder 1"/>
+          <p:cNvSpPr>
+            <a:spLocks noGrp="1" noRot="1" noChangeAspect="1"/>
+          </p:cNvSpPr>
+          <p:nvPr>
+            <p:ph type="sldImg"/>
+          </p:nvPr>
+        </p:nvSpPr>
+        <p:spPr/>
+      </p:sp>
+      <p:sp>
+        <p:nvSpPr>
+          <p:cNvPr id="3" name="Notes Placeholder 2"/>
+          <p:cNvSpPr>
+            <a:spLocks noGrp="1"/>
+          </p:cNvSpPr>
+          <p:nvPr>
+            <p:ph type="body" idx="1"/>
+          </p:nvPr>
+        </p:nvSpPr>
+        <p:spPr/>
+        <p:txBody>
+          <a:bodyPr/>
+          <a:lstStyle/>
+          <a:p>
+            <a:endParaRPr lang="en-US" dirty="0"/>
+          </a:p>
+        </p:txBody>
+      </p:sp>
+      <p:sp>
+        <p:nvSpPr>
+          <p:cNvPr id="4" name="Slide Number Placeholder 3"/>
+          <p:cNvSpPr>
+            <a:spLocks noGrp="1"/>
+          </p:cNvSpPr>
+          <p:nvPr>
+            <p:ph type="sldNum" sz="quarter" idx="5"/>
+          </p:nvPr>
+        </p:nvSpPr>
+        <p:spPr/>
+        <p:txBody>
+          <a:bodyPr/>
+          <a:lstStyle/>
+          <a:p>
+            <a:fld id="{B1F66FBC-D835-3B4E-911A-C0DB76D78574}" type="slidenum">
+              <a:rPr lang="en-US" smtClean="0"/>
+              <a:t>6</a:t>
+            </a:fld>
+            <a:endParaRPr lang="en-US"/>
+          </a:p>
+        </p:txBody>
+      </p:sp>
+    </p:spTree>
+    <p:extLst>
+      <p:ext uri="{BB962C8B-B14F-4D97-AF65-F5344CB8AC3E}">
+        <p14:creationId xmlns:p14="http://schemas.microsoft.com/office/powerpoint/2010/main" val="1431299985"/>
+      </p:ext>
+    </p:extLst>
+  </p:cSld>
+  <p:clrMapOvr>
+    <a:masterClrMapping/>
+  </p:clrMapOvr>
+</p:notes>
 </file>
 
 <file path=ppt/slideLayouts/slideLayout1.xml><?xml version="1.0" encoding="utf-8"?>
@@ -263,7 +700,7 @@
           <a:p>
             <a:fld id="{4615358D-515A-CA45-9AD0-962FFE9407CA}" type="datetimeFigureOut">
               <a:rPr lang="en-US" smtClean="0"/>
-              <a:t>8/7/19</a:t>
+              <a:t>8/15/19</a:t>
             </a:fld>
             <a:endParaRPr lang="en-US"/>
           </a:p>
@@ -461,7 +898,7 @@
           <a:p>
             <a:fld id="{4615358D-515A-CA45-9AD0-962FFE9407CA}" type="datetimeFigureOut">
               <a:rPr lang="en-US" smtClean="0"/>
-              <a:t>8/7/19</a:t>
+              <a:t>8/15/19</a:t>
             </a:fld>
             <a:endParaRPr lang="en-US"/>
           </a:p>
@@ -669,7 +1106,7 @@
           <a:p>
             <a:fld id="{4615358D-515A-CA45-9AD0-962FFE9407CA}" type="datetimeFigureOut">
               <a:rPr lang="en-US" smtClean="0"/>
-              <a:t>8/7/19</a:t>
+              <a:t>8/15/19</a:t>
             </a:fld>
             <a:endParaRPr lang="en-US"/>
           </a:p>
@@ -867,7 +1304,7 @@
           <a:p>
             <a:fld id="{4615358D-515A-CA45-9AD0-962FFE9407CA}" type="datetimeFigureOut">
               <a:rPr lang="en-US" smtClean="0"/>
-              <a:t>8/7/19</a:t>
+              <a:t>8/15/19</a:t>
             </a:fld>
             <a:endParaRPr lang="en-US"/>
           </a:p>
@@ -1142,7 +1579,7 @@
           <a:p>
             <a:fld id="{4615358D-515A-CA45-9AD0-962FFE9407CA}" type="datetimeFigureOut">
               <a:rPr lang="en-US" smtClean="0"/>
-              <a:t>8/7/19</a:t>
+              <a:t>8/15/19</a:t>
             </a:fld>
             <a:endParaRPr lang="en-US"/>
           </a:p>
@@ -1407,7 +1844,7 @@
           <a:p>
             <a:fld id="{4615358D-515A-CA45-9AD0-962FFE9407CA}" type="datetimeFigureOut">
               <a:rPr lang="en-US" smtClean="0"/>
-              <a:t>8/7/19</a:t>
+              <a:t>8/15/19</a:t>
             </a:fld>
             <a:endParaRPr lang="en-US"/>
           </a:p>
@@ -1819,7 +2256,7 @@
           <a:p>
             <a:fld id="{4615358D-515A-CA45-9AD0-962FFE9407CA}" type="datetimeFigureOut">
               <a:rPr lang="en-US" smtClean="0"/>
-              <a:t>8/7/19</a:t>
+              <a:t>8/15/19</a:t>
             </a:fld>
             <a:endParaRPr lang="en-US"/>
           </a:p>
@@ -1960,7 +2397,7 @@
           <a:p>
             <a:fld id="{4615358D-515A-CA45-9AD0-962FFE9407CA}" type="datetimeFigureOut">
               <a:rPr lang="en-US" smtClean="0"/>
-              <a:t>8/7/19</a:t>
+              <a:t>8/15/19</a:t>
             </a:fld>
             <a:endParaRPr lang="en-US"/>
           </a:p>
@@ -2073,7 +2510,7 @@
           <a:p>
             <a:fld id="{4615358D-515A-CA45-9AD0-962FFE9407CA}" type="datetimeFigureOut">
               <a:rPr lang="en-US" smtClean="0"/>
-              <a:t>8/7/19</a:t>
+              <a:t>8/15/19</a:t>
             </a:fld>
             <a:endParaRPr lang="en-US"/>
           </a:p>
@@ -2384,7 +2821,7 @@
           <a:p>
             <a:fld id="{4615358D-515A-CA45-9AD0-962FFE9407CA}" type="datetimeFigureOut">
               <a:rPr lang="en-US" smtClean="0"/>
-              <a:t>8/7/19</a:t>
+              <a:t>8/15/19</a:t>
             </a:fld>
             <a:endParaRPr lang="en-US"/>
           </a:p>
@@ -2672,7 +3109,7 @@
           <a:p>
             <a:fld id="{4615358D-515A-CA45-9AD0-962FFE9407CA}" type="datetimeFigureOut">
               <a:rPr lang="en-US" smtClean="0"/>
-              <a:t>8/7/19</a:t>
+              <a:t>8/15/19</a:t>
             </a:fld>
             <a:endParaRPr lang="en-US"/>
           </a:p>
@@ -2913,7 +3350,7 @@
           <a:p>
             <a:fld id="{4615358D-515A-CA45-9AD0-962FFE9407CA}" type="datetimeFigureOut">
               <a:rPr lang="en-US" smtClean="0"/>
-              <a:t>8/7/19</a:t>
+              <a:t>8/15/19</a:t>
             </a:fld>
             <a:endParaRPr lang="en-US"/>
           </a:p>
@@ -3330,511 +3767,547 @@
           <a:chExt cx="0" cy="0"/>
         </a:xfrm>
       </p:grpSpPr>
-      <p:sp>
-        <p:nvSpPr>
-          <p:cNvPr id="3" name="Rounded Rectangle 2">
+      <p:grpSp>
+        <p:nvGrpSpPr>
+          <p:cNvPr id="2" name="Group 1">
             <a:extLst>
               <a:ext uri="{FF2B5EF4-FFF2-40B4-BE49-F238E27FC236}">
-                <a16:creationId xmlns:a16="http://schemas.microsoft.com/office/drawing/2014/main" id="{40CD4826-D16E-454C-929F-85AD7BB291CE}"/>
+                <a16:creationId xmlns:a16="http://schemas.microsoft.com/office/drawing/2014/main" id="{E72FBC14-07EB-8545-B43B-019FC27AB4DA}"/>
               </a:ext>
             </a:extLst>
           </p:cNvPr>
-          <p:cNvSpPr/>
+          <p:cNvGrpSpPr/>
           <p:nvPr/>
-        </p:nvSpPr>
-        <p:spPr>
+        </p:nvGrpSpPr>
+        <p:grpSpPr>
           <a:xfrm>
-            <a:off x="2118732" y="791737"/>
-            <a:ext cx="1828800" cy="457200"/>
+            <a:off x="66906" y="89210"/>
+            <a:ext cx="5932448" cy="2743201"/>
+            <a:chOff x="2118732" y="791736"/>
+            <a:chExt cx="5932448" cy="2743201"/>
           </a:xfrm>
-          <a:prstGeom prst="roundRect">
-            <a:avLst/>
-          </a:prstGeom>
-          <a:solidFill>
-            <a:schemeClr val="accent6">
-              <a:lumMod val="75000"/>
-            </a:schemeClr>
-          </a:solidFill>
-          <a:ln>
-            <a:noFill/>
-          </a:ln>
-        </p:spPr>
-        <p:style>
-          <a:lnRef idx="2">
-            <a:schemeClr val="accent6">
-              <a:shade val="50000"/>
-            </a:schemeClr>
-          </a:lnRef>
-          <a:fillRef idx="1">
-            <a:schemeClr val="accent6"/>
-          </a:fillRef>
-          <a:effectRef idx="0">
-            <a:schemeClr val="accent6"/>
-          </a:effectRef>
-          <a:fontRef idx="minor">
-            <a:schemeClr val="lt1"/>
-          </a:fontRef>
-        </p:style>
-        <p:txBody>
-          <a:bodyPr rtlCol="0" anchor="ctr"/>
-          <a:lstStyle/>
-          <a:p>
-            <a:pPr algn="ctr"/>
-            <a:r>
-              <a:rPr lang="en-US" sz="1600" dirty="0"/>
-              <a:t>Working Directory</a:t>
-            </a:r>
-          </a:p>
-        </p:txBody>
-      </p:sp>
-      <p:sp>
-        <p:nvSpPr>
-          <p:cNvPr id="5" name="Rounded Rectangle 4">
-            <a:extLst>
-              <a:ext uri="{FF2B5EF4-FFF2-40B4-BE49-F238E27FC236}">
-                <a16:creationId xmlns:a16="http://schemas.microsoft.com/office/drawing/2014/main" id="{5CBFD109-E574-6C49-BCEA-EB8B45E3B38A}"/>
-              </a:ext>
-            </a:extLst>
-          </p:cNvPr>
-          <p:cNvSpPr/>
-          <p:nvPr/>
-        </p:nvSpPr>
-        <p:spPr>
-          <a:xfrm>
-            <a:off x="6222380" y="791736"/>
-            <a:ext cx="1828800" cy="457200"/>
-          </a:xfrm>
-          <a:prstGeom prst="roundRect">
-            <a:avLst/>
-          </a:prstGeom>
-          <a:solidFill>
-            <a:schemeClr val="accent6">
-              <a:lumMod val="75000"/>
-            </a:schemeClr>
-          </a:solidFill>
-          <a:ln>
-            <a:noFill/>
-          </a:ln>
-        </p:spPr>
-        <p:style>
-          <a:lnRef idx="2">
-            <a:schemeClr val="accent6">
-              <a:shade val="50000"/>
-            </a:schemeClr>
-          </a:lnRef>
-          <a:fillRef idx="1">
-            <a:schemeClr val="accent6"/>
-          </a:fillRef>
-          <a:effectRef idx="0">
-            <a:schemeClr val="accent6"/>
-          </a:effectRef>
-          <a:fontRef idx="minor">
-            <a:schemeClr val="lt1"/>
-          </a:fontRef>
-        </p:style>
-        <p:txBody>
-          <a:bodyPr rtlCol="0" anchor="ctr"/>
-          <a:lstStyle/>
-          <a:p>
-            <a:pPr algn="ctr"/>
-            <a:r>
-              <a:rPr lang="en-US" sz="1600" dirty="0"/>
-              <a:t>Committed Files</a:t>
-            </a:r>
-          </a:p>
-        </p:txBody>
-      </p:sp>
-      <p:sp>
-        <p:nvSpPr>
-          <p:cNvPr id="6" name="Rounded Rectangle 5">
-            <a:extLst>
-              <a:ext uri="{FF2B5EF4-FFF2-40B4-BE49-F238E27FC236}">
-                <a16:creationId xmlns:a16="http://schemas.microsoft.com/office/drawing/2014/main" id="{58DAFCEC-26B4-844C-ADEA-FE8ECD39185E}"/>
-              </a:ext>
-            </a:extLst>
-          </p:cNvPr>
-          <p:cNvSpPr/>
-          <p:nvPr/>
-        </p:nvSpPr>
-        <p:spPr>
-          <a:xfrm>
-            <a:off x="4170556" y="791736"/>
-            <a:ext cx="1828800" cy="457200"/>
-          </a:xfrm>
-          <a:prstGeom prst="roundRect">
-            <a:avLst/>
-          </a:prstGeom>
-          <a:solidFill>
-            <a:schemeClr val="accent6">
-              <a:lumMod val="75000"/>
-            </a:schemeClr>
-          </a:solidFill>
-          <a:ln>
-            <a:noFill/>
-          </a:ln>
-        </p:spPr>
-        <p:style>
-          <a:lnRef idx="2">
-            <a:schemeClr val="accent6">
-              <a:shade val="50000"/>
-            </a:schemeClr>
-          </a:lnRef>
-          <a:fillRef idx="1">
-            <a:schemeClr val="accent6"/>
-          </a:fillRef>
-          <a:effectRef idx="0">
-            <a:schemeClr val="accent6"/>
-          </a:effectRef>
-          <a:fontRef idx="minor">
-            <a:schemeClr val="lt1"/>
-          </a:fontRef>
-        </p:style>
-        <p:txBody>
-          <a:bodyPr rtlCol="0" anchor="ctr"/>
-          <a:lstStyle/>
-          <a:p>
-            <a:pPr algn="ctr"/>
-            <a:r>
-              <a:rPr lang="en-US" sz="1600" dirty="0"/>
-              <a:t>Staged Files</a:t>
-            </a:r>
-          </a:p>
-        </p:txBody>
-      </p:sp>
-      <p:cxnSp>
-        <p:nvCxnSpPr>
-          <p:cNvPr id="8" name="Straight Connector 7">
-            <a:extLst>
-              <a:ext uri="{FF2B5EF4-FFF2-40B4-BE49-F238E27FC236}">
-                <a16:creationId xmlns:a16="http://schemas.microsoft.com/office/drawing/2014/main" id="{326E157E-A233-2E48-82A2-70158E48F4C4}"/>
-              </a:ext>
-            </a:extLst>
-          </p:cNvPr>
-          <p:cNvCxnSpPr>
-            <a:cxnSpLocks/>
-            <a:stCxn id="3" idx="2"/>
-          </p:cNvCxnSpPr>
-          <p:nvPr/>
-        </p:nvCxnSpPr>
-        <p:spPr>
-          <a:xfrm>
-            <a:off x="3033132" y="1248937"/>
-            <a:ext cx="0" cy="2285998"/>
-          </a:xfrm>
-          <a:prstGeom prst="line">
-            <a:avLst/>
-          </a:prstGeom>
-          <a:ln>
+        </p:grpSpPr>
+        <p:sp>
+          <p:nvSpPr>
+            <p:cNvPr id="3" name="Rounded Rectangle 2">
+              <a:extLst>
+                <a:ext uri="{FF2B5EF4-FFF2-40B4-BE49-F238E27FC236}">
+                  <a16:creationId xmlns:a16="http://schemas.microsoft.com/office/drawing/2014/main" id="{40CD4826-D16E-454C-929F-85AD7BB291CE}"/>
+                </a:ext>
+              </a:extLst>
+            </p:cNvPr>
+            <p:cNvSpPr/>
+            <p:nvPr/>
+          </p:nvSpPr>
+          <p:spPr>
+            <a:xfrm>
+              <a:off x="2118732" y="791737"/>
+              <a:ext cx="1828800" cy="457200"/>
+            </a:xfrm>
+            <a:prstGeom prst="roundRect">
+              <a:avLst/>
+            </a:prstGeom>
             <a:solidFill>
+              <a:schemeClr val="accent1">
+                <a:lumMod val="75000"/>
+              </a:schemeClr>
+            </a:solidFill>
+            <a:ln>
+              <a:noFill/>
+              <a:prstDash val="dash"/>
+            </a:ln>
+          </p:spPr>
+          <p:style>
+            <a:lnRef idx="2">
               <a:schemeClr val="accent6">
+                <a:shade val="50000"/>
+              </a:schemeClr>
+            </a:lnRef>
+            <a:fillRef idx="1">
+              <a:schemeClr val="accent6"/>
+            </a:fillRef>
+            <a:effectRef idx="0">
+              <a:schemeClr val="accent6"/>
+            </a:effectRef>
+            <a:fontRef idx="minor">
+              <a:schemeClr val="lt1"/>
+            </a:fontRef>
+          </p:style>
+          <p:txBody>
+            <a:bodyPr rtlCol="0" anchor="ctr"/>
+            <a:lstStyle/>
+            <a:p>
+              <a:pPr algn="ctr"/>
+              <a:r>
+                <a:rPr lang="en-US" sz="1600" dirty="0">
+                  <a:solidFill>
+                    <a:schemeClr val="bg1"/>
+                  </a:solidFill>
+                </a:rPr>
+                <a:t>Working Directory</a:t>
+              </a:r>
+            </a:p>
+          </p:txBody>
+        </p:sp>
+        <p:sp>
+          <p:nvSpPr>
+            <p:cNvPr id="5" name="Rounded Rectangle 4">
+              <a:extLst>
+                <a:ext uri="{FF2B5EF4-FFF2-40B4-BE49-F238E27FC236}">
+                  <a16:creationId xmlns:a16="http://schemas.microsoft.com/office/drawing/2014/main" id="{5CBFD109-E574-6C49-BCEA-EB8B45E3B38A}"/>
+                </a:ext>
+              </a:extLst>
+            </p:cNvPr>
+            <p:cNvSpPr/>
+            <p:nvPr/>
+          </p:nvSpPr>
+          <p:spPr>
+            <a:xfrm>
+              <a:off x="6222380" y="791736"/>
+              <a:ext cx="1828800" cy="457200"/>
+            </a:xfrm>
+            <a:prstGeom prst="roundRect">
+              <a:avLst/>
+            </a:prstGeom>
+            <a:solidFill>
+              <a:schemeClr val="accent1">
                 <a:lumMod val="75000"/>
               </a:schemeClr>
             </a:solidFill>
-          </a:ln>
-        </p:spPr>
-        <p:style>
-          <a:lnRef idx="3">
-            <a:schemeClr val="accent6"/>
-          </a:lnRef>
-          <a:fillRef idx="0">
-            <a:schemeClr val="accent6"/>
-          </a:fillRef>
-          <a:effectRef idx="2">
-            <a:schemeClr val="accent6"/>
-          </a:effectRef>
-          <a:fontRef idx="minor">
-            <a:schemeClr val="tx1"/>
-          </a:fontRef>
-        </p:style>
-      </p:cxnSp>
-      <p:sp>
-        <p:nvSpPr>
-          <p:cNvPr id="11" name="Right Arrow 10">
-            <a:extLst>
-              <a:ext uri="{FF2B5EF4-FFF2-40B4-BE49-F238E27FC236}">
-                <a16:creationId xmlns:a16="http://schemas.microsoft.com/office/drawing/2014/main" id="{73922CB2-B0CC-7749-93BD-C7D6EE73F3DF}"/>
-              </a:ext>
-            </a:extLst>
-          </p:cNvPr>
-          <p:cNvSpPr/>
-          <p:nvPr/>
-        </p:nvSpPr>
-        <p:spPr>
-          <a:xfrm>
-            <a:off x="3051718" y="2074127"/>
-            <a:ext cx="2003503" cy="624468"/>
-          </a:xfrm>
-          <a:prstGeom prst="rightArrow">
-            <a:avLst/>
-          </a:prstGeom>
-          <a:solidFill>
-            <a:schemeClr val="bg1">
-              <a:lumMod val="75000"/>
-            </a:schemeClr>
-          </a:solidFill>
-          <a:ln>
-            <a:noFill/>
-          </a:ln>
-        </p:spPr>
-        <p:style>
-          <a:lnRef idx="2">
-            <a:schemeClr val="accent3">
-              <a:shade val="50000"/>
-            </a:schemeClr>
-          </a:lnRef>
-          <a:fillRef idx="1">
-            <a:schemeClr val="accent3"/>
-          </a:fillRef>
-          <a:effectRef idx="0">
-            <a:schemeClr val="accent3"/>
-          </a:effectRef>
-          <a:fontRef idx="minor">
-            <a:schemeClr val="lt1"/>
-          </a:fontRef>
-        </p:style>
-        <p:txBody>
-          <a:bodyPr rot="0" spcFirstLastPara="0" vertOverflow="overflow" horzOverflow="overflow" vert="horz" wrap="square" lIns="91440" tIns="45720" rIns="91440" bIns="45720" numCol="1" spcCol="0" rtlCol="0" fromWordArt="0" anchor="ctr" anchorCtr="0" forceAA="0" compatLnSpc="1">
-            <a:prstTxWarp prst="textNoShape">
+            <a:ln>
+              <a:noFill/>
+              <a:prstDash val="dash"/>
+            </a:ln>
+          </p:spPr>
+          <p:style>
+            <a:lnRef idx="2">
+              <a:schemeClr val="accent6">
+                <a:shade val="50000"/>
+              </a:schemeClr>
+            </a:lnRef>
+            <a:fillRef idx="1">
+              <a:schemeClr val="accent6"/>
+            </a:fillRef>
+            <a:effectRef idx="0">
+              <a:schemeClr val="accent6"/>
+            </a:effectRef>
+            <a:fontRef idx="minor">
+              <a:schemeClr val="lt1"/>
+            </a:fontRef>
+          </p:style>
+          <p:txBody>
+            <a:bodyPr rtlCol="0" anchor="ctr"/>
+            <a:lstStyle/>
+            <a:p>
+              <a:pPr algn="ctr"/>
+              <a:r>
+                <a:rPr lang="en-US" sz="1600" dirty="0">
+                  <a:solidFill>
+                    <a:schemeClr val="bg1"/>
+                  </a:solidFill>
+                </a:rPr>
+                <a:t>Committed Files</a:t>
+              </a:r>
+            </a:p>
+          </p:txBody>
+        </p:sp>
+        <p:sp>
+          <p:nvSpPr>
+            <p:cNvPr id="6" name="Rounded Rectangle 5">
+              <a:extLst>
+                <a:ext uri="{FF2B5EF4-FFF2-40B4-BE49-F238E27FC236}">
+                  <a16:creationId xmlns:a16="http://schemas.microsoft.com/office/drawing/2014/main" id="{58DAFCEC-26B4-844C-ADEA-FE8ECD39185E}"/>
+                </a:ext>
+              </a:extLst>
+            </p:cNvPr>
+            <p:cNvSpPr/>
+            <p:nvPr/>
+          </p:nvSpPr>
+          <p:spPr>
+            <a:xfrm>
+              <a:off x="4170556" y="791736"/>
+              <a:ext cx="1828800" cy="457200"/>
+            </a:xfrm>
+            <a:prstGeom prst="roundRect">
               <a:avLst/>
-            </a:prstTxWarp>
-            <a:noAutofit/>
-          </a:bodyPr>
-          <a:lstStyle/>
-          <a:p>
-            <a:pPr algn="ctr"/>
-            <a:r>
-              <a:rPr lang="en-US" dirty="0">
-                <a:solidFill>
-                  <a:schemeClr val="tx1"/>
-                </a:solidFill>
-                <a:latin typeface="Courier" pitchFamily="2" charset="0"/>
-              </a:rPr>
-              <a:t>add</a:t>
-            </a:r>
-          </a:p>
-        </p:txBody>
-      </p:sp>
-      <p:cxnSp>
-        <p:nvCxnSpPr>
-          <p:cNvPr id="12" name="Straight Connector 11">
-            <a:extLst>
-              <a:ext uri="{FF2B5EF4-FFF2-40B4-BE49-F238E27FC236}">
-                <a16:creationId xmlns:a16="http://schemas.microsoft.com/office/drawing/2014/main" id="{16933E39-C452-3647-914B-E749FE409415}"/>
-              </a:ext>
-            </a:extLst>
-          </p:cNvPr>
-          <p:cNvCxnSpPr>
-            <a:cxnSpLocks/>
-            <a:stCxn id="6" idx="2"/>
-          </p:cNvCxnSpPr>
-          <p:nvPr/>
-        </p:nvCxnSpPr>
-        <p:spPr>
-          <a:xfrm flipH="1">
-            <a:off x="5073806" y="1248936"/>
-            <a:ext cx="11150" cy="2286001"/>
-          </a:xfrm>
-          <a:prstGeom prst="line">
-            <a:avLst/>
-          </a:prstGeom>
-          <a:ln>
+            </a:prstGeom>
             <a:solidFill>
+              <a:schemeClr val="accent1">
+                <a:lumMod val="75000"/>
+              </a:schemeClr>
+            </a:solidFill>
+            <a:ln>
+              <a:noFill/>
+              <a:prstDash val="dash"/>
+            </a:ln>
+          </p:spPr>
+          <p:style>
+            <a:lnRef idx="2">
               <a:schemeClr val="accent6">
+                <a:shade val="50000"/>
+              </a:schemeClr>
+            </a:lnRef>
+            <a:fillRef idx="1">
+              <a:schemeClr val="accent6"/>
+            </a:fillRef>
+            <a:effectRef idx="0">
+              <a:schemeClr val="accent6"/>
+            </a:effectRef>
+            <a:fontRef idx="minor">
+              <a:schemeClr val="lt1"/>
+            </a:fontRef>
+          </p:style>
+          <p:txBody>
+            <a:bodyPr rtlCol="0" anchor="ctr"/>
+            <a:lstStyle/>
+            <a:p>
+              <a:pPr algn="ctr"/>
+              <a:r>
+                <a:rPr lang="en-US" sz="1600" dirty="0">
+                  <a:solidFill>
+                    <a:schemeClr val="bg1"/>
+                  </a:solidFill>
+                </a:rPr>
+                <a:t>Staged Files</a:t>
+              </a:r>
+            </a:p>
+          </p:txBody>
+        </p:sp>
+        <p:cxnSp>
+          <p:nvCxnSpPr>
+            <p:cNvPr id="8" name="Straight Connector 7">
+              <a:extLst>
+                <a:ext uri="{FF2B5EF4-FFF2-40B4-BE49-F238E27FC236}">
+                  <a16:creationId xmlns:a16="http://schemas.microsoft.com/office/drawing/2014/main" id="{326E157E-A233-2E48-82A2-70158E48F4C4}"/>
+                </a:ext>
+              </a:extLst>
+            </p:cNvPr>
+            <p:cNvCxnSpPr>
+              <a:cxnSpLocks/>
+              <a:stCxn id="3" idx="2"/>
+            </p:cNvCxnSpPr>
+            <p:nvPr/>
+          </p:nvCxnSpPr>
+          <p:spPr>
+            <a:xfrm>
+              <a:off x="3033132" y="1248937"/>
+              <a:ext cx="0" cy="2285998"/>
+            </a:xfrm>
+            <a:prstGeom prst="line">
+              <a:avLst/>
+            </a:prstGeom>
+            <a:ln>
+              <a:solidFill>
+                <a:schemeClr val="accent1">
+                  <a:lumMod val="75000"/>
+                </a:schemeClr>
+              </a:solidFill>
+            </a:ln>
+          </p:spPr>
+          <p:style>
+            <a:lnRef idx="3">
+              <a:schemeClr val="accent6"/>
+            </a:lnRef>
+            <a:fillRef idx="0">
+              <a:schemeClr val="accent6"/>
+            </a:fillRef>
+            <a:effectRef idx="2">
+              <a:schemeClr val="accent6"/>
+            </a:effectRef>
+            <a:fontRef idx="minor">
+              <a:schemeClr val="tx1"/>
+            </a:fontRef>
+          </p:style>
+        </p:cxnSp>
+        <p:sp>
+          <p:nvSpPr>
+            <p:cNvPr id="11" name="Right Arrow 10">
+              <a:extLst>
+                <a:ext uri="{FF2B5EF4-FFF2-40B4-BE49-F238E27FC236}">
+                  <a16:creationId xmlns:a16="http://schemas.microsoft.com/office/drawing/2014/main" id="{73922CB2-B0CC-7749-93BD-C7D6EE73F3DF}"/>
+                </a:ext>
+              </a:extLst>
+            </p:cNvPr>
+            <p:cNvSpPr/>
+            <p:nvPr/>
+          </p:nvSpPr>
+          <p:spPr>
+            <a:xfrm>
+              <a:off x="3051718" y="2074127"/>
+              <a:ext cx="2003503" cy="624468"/>
+            </a:xfrm>
+            <a:prstGeom prst="rightArrow">
+              <a:avLst/>
+            </a:prstGeom>
+            <a:solidFill>
+              <a:schemeClr val="bg1">
                 <a:lumMod val="75000"/>
               </a:schemeClr>
             </a:solidFill>
-          </a:ln>
-        </p:spPr>
-        <p:style>
-          <a:lnRef idx="3">
-            <a:schemeClr val="accent6"/>
-          </a:lnRef>
-          <a:fillRef idx="0">
-            <a:schemeClr val="accent6"/>
-          </a:fillRef>
-          <a:effectRef idx="2">
-            <a:schemeClr val="accent6"/>
-          </a:effectRef>
-          <a:fontRef idx="minor">
-            <a:schemeClr val="tx1"/>
-          </a:fontRef>
-        </p:style>
-      </p:cxnSp>
-      <p:cxnSp>
-        <p:nvCxnSpPr>
-          <p:cNvPr id="17" name="Straight Connector 16">
-            <a:extLst>
-              <a:ext uri="{FF2B5EF4-FFF2-40B4-BE49-F238E27FC236}">
-                <a16:creationId xmlns:a16="http://schemas.microsoft.com/office/drawing/2014/main" id="{2280086B-B663-8C49-911E-CF30D1A42506}"/>
-              </a:ext>
-            </a:extLst>
-          </p:cNvPr>
-          <p:cNvCxnSpPr>
-            <a:cxnSpLocks/>
-            <a:stCxn id="5" idx="2"/>
-          </p:cNvCxnSpPr>
-          <p:nvPr/>
-        </p:nvCxnSpPr>
-        <p:spPr>
-          <a:xfrm>
-            <a:off x="7136780" y="1248936"/>
-            <a:ext cx="0" cy="2285999"/>
-          </a:xfrm>
-          <a:prstGeom prst="line">
-            <a:avLst/>
-          </a:prstGeom>
-          <a:ln>
+            <a:ln>
+              <a:noFill/>
+            </a:ln>
+          </p:spPr>
+          <p:style>
+            <a:lnRef idx="2">
+              <a:schemeClr val="accent3">
+                <a:shade val="50000"/>
+              </a:schemeClr>
+            </a:lnRef>
+            <a:fillRef idx="1">
+              <a:schemeClr val="accent3"/>
+            </a:fillRef>
+            <a:effectRef idx="0">
+              <a:schemeClr val="accent3"/>
+            </a:effectRef>
+            <a:fontRef idx="minor">
+              <a:schemeClr val="lt1"/>
+            </a:fontRef>
+          </p:style>
+          <p:txBody>
+            <a:bodyPr rot="0" spcFirstLastPara="0" vertOverflow="overflow" horzOverflow="overflow" vert="horz" wrap="square" lIns="91440" tIns="45720" rIns="91440" bIns="45720" numCol="1" spcCol="0" rtlCol="0" fromWordArt="0" anchor="ctr" anchorCtr="0" forceAA="0" compatLnSpc="1">
+              <a:prstTxWarp prst="textNoShape">
+                <a:avLst/>
+              </a:prstTxWarp>
+              <a:noAutofit/>
+            </a:bodyPr>
+            <a:lstStyle/>
+            <a:p>
+              <a:pPr algn="ctr"/>
+              <a:r>
+                <a:rPr lang="en-US" dirty="0">
+                  <a:solidFill>
+                    <a:schemeClr val="tx1"/>
+                  </a:solidFill>
+                  <a:latin typeface="Courier" pitchFamily="2" charset="0"/>
+                </a:rPr>
+                <a:t>add</a:t>
+              </a:r>
+            </a:p>
+          </p:txBody>
+        </p:sp>
+        <p:cxnSp>
+          <p:nvCxnSpPr>
+            <p:cNvPr id="12" name="Straight Connector 11">
+              <a:extLst>
+                <a:ext uri="{FF2B5EF4-FFF2-40B4-BE49-F238E27FC236}">
+                  <a16:creationId xmlns:a16="http://schemas.microsoft.com/office/drawing/2014/main" id="{16933E39-C452-3647-914B-E749FE409415}"/>
+                </a:ext>
+              </a:extLst>
+            </p:cNvPr>
+            <p:cNvCxnSpPr>
+              <a:cxnSpLocks/>
+              <a:stCxn id="6" idx="2"/>
+            </p:cNvCxnSpPr>
+            <p:nvPr/>
+          </p:nvCxnSpPr>
+          <p:spPr>
+            <a:xfrm flipH="1">
+              <a:off x="5073806" y="1248936"/>
+              <a:ext cx="11150" cy="2286001"/>
+            </a:xfrm>
+            <a:prstGeom prst="line">
+              <a:avLst/>
+            </a:prstGeom>
+            <a:ln>
+              <a:solidFill>
+                <a:schemeClr val="accent1">
+                  <a:lumMod val="75000"/>
+                </a:schemeClr>
+              </a:solidFill>
+            </a:ln>
+          </p:spPr>
+          <p:style>
+            <a:lnRef idx="3">
+              <a:schemeClr val="accent6"/>
+            </a:lnRef>
+            <a:fillRef idx="0">
+              <a:schemeClr val="accent6"/>
+            </a:fillRef>
+            <a:effectRef idx="2">
+              <a:schemeClr val="accent6"/>
+            </a:effectRef>
+            <a:fontRef idx="minor">
+              <a:schemeClr val="tx1"/>
+            </a:fontRef>
+          </p:style>
+        </p:cxnSp>
+        <p:cxnSp>
+          <p:nvCxnSpPr>
+            <p:cNvPr id="17" name="Straight Connector 16">
+              <a:extLst>
+                <a:ext uri="{FF2B5EF4-FFF2-40B4-BE49-F238E27FC236}">
+                  <a16:creationId xmlns:a16="http://schemas.microsoft.com/office/drawing/2014/main" id="{2280086B-B663-8C49-911E-CF30D1A42506}"/>
+                </a:ext>
+              </a:extLst>
+            </p:cNvPr>
+            <p:cNvCxnSpPr>
+              <a:cxnSpLocks/>
+              <a:stCxn id="5" idx="2"/>
+            </p:cNvCxnSpPr>
+            <p:nvPr/>
+          </p:nvCxnSpPr>
+          <p:spPr>
+            <a:xfrm>
+              <a:off x="7136780" y="1248936"/>
+              <a:ext cx="0" cy="2285999"/>
+            </a:xfrm>
+            <a:prstGeom prst="line">
+              <a:avLst/>
+            </a:prstGeom>
+            <a:ln>
+              <a:solidFill>
+                <a:schemeClr val="accent1">
+                  <a:lumMod val="75000"/>
+                </a:schemeClr>
+              </a:solidFill>
+            </a:ln>
+          </p:spPr>
+          <p:style>
+            <a:lnRef idx="3">
+              <a:schemeClr val="accent6"/>
+            </a:lnRef>
+            <a:fillRef idx="0">
+              <a:schemeClr val="accent6"/>
+            </a:fillRef>
+            <a:effectRef idx="2">
+              <a:schemeClr val="accent6"/>
+            </a:effectRef>
+            <a:fontRef idx="minor">
+              <a:schemeClr val="tx1"/>
+            </a:fontRef>
+          </p:style>
+        </p:cxnSp>
+        <p:sp>
+          <p:nvSpPr>
+            <p:cNvPr id="20" name="Right Arrow 19">
+              <a:extLst>
+                <a:ext uri="{FF2B5EF4-FFF2-40B4-BE49-F238E27FC236}">
+                  <a16:creationId xmlns:a16="http://schemas.microsoft.com/office/drawing/2014/main" id="{750A18E1-60F7-1A4C-96ED-5778D2D279C9}"/>
+                </a:ext>
+              </a:extLst>
+            </p:cNvPr>
+            <p:cNvSpPr/>
+            <p:nvPr/>
+          </p:nvSpPr>
+          <p:spPr>
+            <a:xfrm>
+              <a:off x="5103540" y="2754353"/>
+              <a:ext cx="2010939" cy="624468"/>
+            </a:xfrm>
+            <a:prstGeom prst="rightArrow">
+              <a:avLst/>
+            </a:prstGeom>
             <a:solidFill>
-              <a:schemeClr val="accent6">
+              <a:schemeClr val="bg1">
                 <a:lumMod val="75000"/>
               </a:schemeClr>
             </a:solidFill>
-          </a:ln>
-        </p:spPr>
-        <p:style>
-          <a:lnRef idx="3">
-            <a:schemeClr val="accent6"/>
-          </a:lnRef>
-          <a:fillRef idx="0">
-            <a:schemeClr val="accent6"/>
-          </a:fillRef>
-          <a:effectRef idx="2">
-            <a:schemeClr val="accent6"/>
-          </a:effectRef>
-          <a:fontRef idx="minor">
-            <a:schemeClr val="tx1"/>
-          </a:fontRef>
-        </p:style>
-      </p:cxnSp>
-      <p:sp>
-        <p:nvSpPr>
-          <p:cNvPr id="20" name="Right Arrow 19">
-            <a:extLst>
-              <a:ext uri="{FF2B5EF4-FFF2-40B4-BE49-F238E27FC236}">
-                <a16:creationId xmlns:a16="http://schemas.microsoft.com/office/drawing/2014/main" id="{750A18E1-60F7-1A4C-96ED-5778D2D279C9}"/>
-              </a:ext>
-            </a:extLst>
-          </p:cNvPr>
-          <p:cNvSpPr/>
-          <p:nvPr/>
-        </p:nvSpPr>
-        <p:spPr>
-          <a:xfrm>
-            <a:off x="5103540" y="2754353"/>
-            <a:ext cx="2010939" cy="624468"/>
-          </a:xfrm>
-          <a:prstGeom prst="rightArrow">
-            <a:avLst/>
-          </a:prstGeom>
-          <a:solidFill>
-            <a:schemeClr val="bg1">
-              <a:lumMod val="75000"/>
-            </a:schemeClr>
-          </a:solidFill>
-          <a:ln>
-            <a:noFill/>
-          </a:ln>
-        </p:spPr>
-        <p:style>
-          <a:lnRef idx="2">
-            <a:schemeClr val="accent3">
-              <a:shade val="50000"/>
-            </a:schemeClr>
-          </a:lnRef>
-          <a:fillRef idx="1">
-            <a:schemeClr val="accent3"/>
-          </a:fillRef>
-          <a:effectRef idx="0">
-            <a:schemeClr val="accent3"/>
-          </a:effectRef>
-          <a:fontRef idx="minor">
-            <a:schemeClr val="lt1"/>
-          </a:fontRef>
-        </p:style>
-        <p:txBody>
-          <a:bodyPr rot="0" spcFirstLastPara="0" vertOverflow="overflow" horzOverflow="overflow" vert="horz" wrap="square" lIns="91440" tIns="45720" rIns="91440" bIns="45720" numCol="1" spcCol="0" rtlCol="0" fromWordArt="0" anchor="ctr" anchorCtr="0" forceAA="0" compatLnSpc="1">
-            <a:prstTxWarp prst="textNoShape">
+            <a:ln>
+              <a:noFill/>
+            </a:ln>
+          </p:spPr>
+          <p:style>
+            <a:lnRef idx="2">
+              <a:schemeClr val="accent3">
+                <a:shade val="50000"/>
+              </a:schemeClr>
+            </a:lnRef>
+            <a:fillRef idx="1">
+              <a:schemeClr val="accent3"/>
+            </a:fillRef>
+            <a:effectRef idx="0">
+              <a:schemeClr val="accent3"/>
+            </a:effectRef>
+            <a:fontRef idx="minor">
+              <a:schemeClr val="lt1"/>
+            </a:fontRef>
+          </p:style>
+          <p:txBody>
+            <a:bodyPr rot="0" spcFirstLastPara="0" vertOverflow="overflow" horzOverflow="overflow" vert="horz" wrap="square" lIns="91440" tIns="45720" rIns="91440" bIns="45720" numCol="1" spcCol="0" rtlCol="0" fromWordArt="0" anchor="ctr" anchorCtr="0" forceAA="0" compatLnSpc="1">
+              <a:prstTxWarp prst="textNoShape">
+                <a:avLst/>
+              </a:prstTxWarp>
+              <a:noAutofit/>
+            </a:bodyPr>
+            <a:lstStyle/>
+            <a:p>
+              <a:pPr algn="ctr"/>
+              <a:r>
+                <a:rPr lang="en-US" dirty="0">
+                  <a:solidFill>
+                    <a:schemeClr val="tx1"/>
+                  </a:solidFill>
+                  <a:latin typeface="Courier" pitchFamily="2" charset="0"/>
+                </a:rPr>
+                <a:t>commit</a:t>
+              </a:r>
+            </a:p>
+          </p:txBody>
+        </p:sp>
+        <p:sp>
+          <p:nvSpPr>
+            <p:cNvPr id="23" name="Right Arrow 22">
+              <a:extLst>
+                <a:ext uri="{FF2B5EF4-FFF2-40B4-BE49-F238E27FC236}">
+                  <a16:creationId xmlns:a16="http://schemas.microsoft.com/office/drawing/2014/main" id="{72360DB1-1105-C944-AE45-79201332B6B0}"/>
+                </a:ext>
+              </a:extLst>
+            </p:cNvPr>
+            <p:cNvSpPr/>
+            <p:nvPr/>
+          </p:nvSpPr>
+          <p:spPr>
+            <a:xfrm flipH="1">
+              <a:off x="3051717" y="1393902"/>
+              <a:ext cx="4066478" cy="624468"/>
+            </a:xfrm>
+            <a:prstGeom prst="rightArrow">
               <a:avLst/>
-            </a:prstTxWarp>
-            <a:noAutofit/>
-          </a:bodyPr>
-          <a:lstStyle/>
-          <a:p>
-            <a:pPr algn="ctr"/>
-            <a:r>
-              <a:rPr lang="en-US" dirty="0">
-                <a:solidFill>
-                  <a:schemeClr val="tx1"/>
-                </a:solidFill>
-                <a:latin typeface="Courier" pitchFamily="2" charset="0"/>
-              </a:rPr>
-              <a:t>commit</a:t>
-            </a:r>
-          </a:p>
-        </p:txBody>
-      </p:sp>
-      <p:sp>
-        <p:nvSpPr>
-          <p:cNvPr id="23" name="Right Arrow 22">
-            <a:extLst>
-              <a:ext uri="{FF2B5EF4-FFF2-40B4-BE49-F238E27FC236}">
-                <a16:creationId xmlns:a16="http://schemas.microsoft.com/office/drawing/2014/main" id="{72360DB1-1105-C944-AE45-79201332B6B0}"/>
-              </a:ext>
-            </a:extLst>
-          </p:cNvPr>
-          <p:cNvSpPr/>
-          <p:nvPr/>
-        </p:nvSpPr>
-        <p:spPr>
-          <a:xfrm flipH="1">
-            <a:off x="3051717" y="1393902"/>
-            <a:ext cx="4066478" cy="624468"/>
-          </a:xfrm>
-          <a:prstGeom prst="rightArrow">
-            <a:avLst/>
-          </a:prstGeom>
-          <a:solidFill>
-            <a:schemeClr val="bg1">
-              <a:lumMod val="75000"/>
-            </a:schemeClr>
-          </a:solidFill>
-          <a:ln>
-            <a:noFill/>
-          </a:ln>
-        </p:spPr>
-        <p:style>
-          <a:lnRef idx="2">
-            <a:schemeClr val="accent3">
-              <a:shade val="50000"/>
-            </a:schemeClr>
-          </a:lnRef>
-          <a:fillRef idx="1">
-            <a:schemeClr val="accent3"/>
-          </a:fillRef>
-          <a:effectRef idx="0">
-            <a:schemeClr val="accent3"/>
-          </a:effectRef>
-          <a:fontRef idx="minor">
-            <a:schemeClr val="lt1"/>
-          </a:fontRef>
-        </p:style>
-        <p:txBody>
-          <a:bodyPr rtlCol="0" anchor="ctr"/>
-          <a:lstStyle/>
-          <a:p>
-            <a:pPr algn="ctr"/>
-            <a:r>
-              <a:rPr lang="en-US" dirty="0">
-                <a:solidFill>
-                  <a:schemeClr val="tx1"/>
-                </a:solidFill>
-                <a:latin typeface="Courier" pitchFamily="2" charset="0"/>
-              </a:rPr>
-              <a:t>checkout</a:t>
-            </a:r>
-          </a:p>
-        </p:txBody>
-      </p:sp>
+            </a:prstGeom>
+            <a:solidFill>
+              <a:schemeClr val="bg1">
+                <a:lumMod val="75000"/>
+              </a:schemeClr>
+            </a:solidFill>
+            <a:ln>
+              <a:noFill/>
+            </a:ln>
+          </p:spPr>
+          <p:style>
+            <a:lnRef idx="2">
+              <a:schemeClr val="accent3">
+                <a:shade val="50000"/>
+              </a:schemeClr>
+            </a:lnRef>
+            <a:fillRef idx="1">
+              <a:schemeClr val="accent3"/>
+            </a:fillRef>
+            <a:effectRef idx="0">
+              <a:schemeClr val="accent3"/>
+            </a:effectRef>
+            <a:fontRef idx="minor">
+              <a:schemeClr val="lt1"/>
+            </a:fontRef>
+          </p:style>
+          <p:txBody>
+            <a:bodyPr rtlCol="0" anchor="ctr"/>
+            <a:lstStyle/>
+            <a:p>
+              <a:pPr algn="ctr"/>
+              <a:r>
+                <a:rPr lang="en-US" dirty="0">
+                  <a:solidFill>
+                    <a:schemeClr val="tx1"/>
+                  </a:solidFill>
+                  <a:latin typeface="Courier" pitchFamily="2" charset="0"/>
+                </a:rPr>
+                <a:t>checkout</a:t>
+              </a:r>
+            </a:p>
+          </p:txBody>
+        </p:sp>
+      </p:grpSp>
     </p:spTree>
     <p:extLst>
       <p:ext uri="{BB962C8B-B14F-4D97-AF65-F5344CB8AC3E}">
@@ -3849,6 +4322,3783 @@
 </file>
 
 <file path=ppt/slides/slide2.xml><?xml version="1.0" encoding="utf-8"?>
+<p:sld xmlns:a="http://schemas.openxmlformats.org/drawingml/2006/main" xmlns:r="http://schemas.openxmlformats.org/officeDocument/2006/relationships" xmlns:p="http://schemas.openxmlformats.org/presentationml/2006/main">
+  <p:cSld>
+    <p:spTree>
+      <p:nvGrpSpPr>
+        <p:cNvPr id="1" name=""/>
+        <p:cNvGrpSpPr/>
+        <p:nvPr/>
+      </p:nvGrpSpPr>
+      <p:grpSpPr>
+        <a:xfrm>
+          <a:off x="0" y="0"/>
+          <a:ext cx="0" cy="0"/>
+          <a:chOff x="0" y="0"/>
+          <a:chExt cx="0" cy="0"/>
+        </a:xfrm>
+      </p:grpSpPr>
+      <p:grpSp>
+        <p:nvGrpSpPr>
+          <p:cNvPr id="47" name="Group 46">
+            <a:extLst>
+              <a:ext uri="{FF2B5EF4-FFF2-40B4-BE49-F238E27FC236}">
+                <a16:creationId xmlns:a16="http://schemas.microsoft.com/office/drawing/2014/main" id="{078A096E-4B73-584A-9282-606391CA0FC4}"/>
+              </a:ext>
+            </a:extLst>
+          </p:cNvPr>
+          <p:cNvGrpSpPr/>
+          <p:nvPr/>
+        </p:nvGrpSpPr>
+        <p:grpSpPr>
+          <a:xfrm>
+            <a:off x="4363654" y="28189"/>
+            <a:ext cx="3606800" cy="1881742"/>
+            <a:chOff x="503662" y="147042"/>
+            <a:chExt cx="3606800" cy="1881742"/>
+          </a:xfrm>
+        </p:grpSpPr>
+        <p:sp>
+          <p:nvSpPr>
+            <p:cNvPr id="6" name="Rounded Rectangle 5">
+              <a:extLst>
+                <a:ext uri="{FF2B5EF4-FFF2-40B4-BE49-F238E27FC236}">
+                  <a16:creationId xmlns:a16="http://schemas.microsoft.com/office/drawing/2014/main" id="{6FEA9375-47B7-8944-BBEF-84D5A689B6DA}"/>
+                </a:ext>
+              </a:extLst>
+            </p:cNvPr>
+            <p:cNvSpPr/>
+            <p:nvPr/>
+          </p:nvSpPr>
+          <p:spPr>
+            <a:xfrm>
+              <a:off x="503662" y="1297264"/>
+              <a:ext cx="914400" cy="731520"/>
+            </a:xfrm>
+            <a:prstGeom prst="roundRect">
+              <a:avLst/>
+            </a:prstGeom>
+            <a:solidFill>
+              <a:schemeClr val="accent4">
+                <a:lumMod val="75000"/>
+              </a:schemeClr>
+            </a:solidFill>
+            <a:ln>
+              <a:solidFill>
+                <a:schemeClr val="accent4">
+                  <a:lumMod val="75000"/>
+                </a:schemeClr>
+              </a:solidFill>
+            </a:ln>
+          </p:spPr>
+          <p:style>
+            <a:lnRef idx="2">
+              <a:schemeClr val="accent6">
+                <a:shade val="50000"/>
+              </a:schemeClr>
+            </a:lnRef>
+            <a:fillRef idx="1">
+              <a:schemeClr val="accent6"/>
+            </a:fillRef>
+            <a:effectRef idx="0">
+              <a:schemeClr val="accent6"/>
+            </a:effectRef>
+            <a:fontRef idx="minor">
+              <a:schemeClr val="lt1"/>
+            </a:fontRef>
+          </p:style>
+          <p:txBody>
+            <a:bodyPr rtlCol="0" anchor="ctr"/>
+            <a:lstStyle/>
+            <a:p>
+              <a:pPr algn="ctr"/>
+              <a:r>
+                <a:rPr lang="en-US" sz="1400" dirty="0"/>
+                <a:t>C1</a:t>
+              </a:r>
+            </a:p>
+            <a:p>
+              <a:pPr algn="ctr"/>
+              <a:r>
+                <a:rPr lang="en-US" sz="1400" dirty="0"/>
+                <a:t>file-v1</a:t>
+              </a:r>
+            </a:p>
+          </p:txBody>
+        </p:sp>
+        <p:sp>
+          <p:nvSpPr>
+            <p:cNvPr id="7" name="Rounded Rectangle 6">
+              <a:extLst>
+                <a:ext uri="{FF2B5EF4-FFF2-40B4-BE49-F238E27FC236}">
+                  <a16:creationId xmlns:a16="http://schemas.microsoft.com/office/drawing/2014/main" id="{6890257E-E3E9-2845-BF62-649E7C8CD751}"/>
+                </a:ext>
+              </a:extLst>
+            </p:cNvPr>
+            <p:cNvSpPr/>
+            <p:nvPr/>
+          </p:nvSpPr>
+          <p:spPr>
+            <a:xfrm>
+              <a:off x="1735562" y="1297264"/>
+              <a:ext cx="914400" cy="731520"/>
+            </a:xfrm>
+            <a:prstGeom prst="roundRect">
+              <a:avLst/>
+            </a:prstGeom>
+            <a:solidFill>
+              <a:schemeClr val="accent4">
+                <a:lumMod val="75000"/>
+              </a:schemeClr>
+            </a:solidFill>
+            <a:ln>
+              <a:solidFill>
+                <a:schemeClr val="accent4">
+                  <a:lumMod val="75000"/>
+                </a:schemeClr>
+              </a:solidFill>
+            </a:ln>
+          </p:spPr>
+          <p:style>
+            <a:lnRef idx="2">
+              <a:schemeClr val="accent6">
+                <a:shade val="50000"/>
+              </a:schemeClr>
+            </a:lnRef>
+            <a:fillRef idx="1">
+              <a:schemeClr val="accent6"/>
+            </a:fillRef>
+            <a:effectRef idx="0">
+              <a:schemeClr val="accent6"/>
+            </a:effectRef>
+            <a:fontRef idx="minor">
+              <a:schemeClr val="lt1"/>
+            </a:fontRef>
+          </p:style>
+          <p:txBody>
+            <a:bodyPr rtlCol="0" anchor="ctr"/>
+            <a:lstStyle/>
+            <a:p>
+              <a:pPr algn="ctr"/>
+              <a:r>
+                <a:rPr lang="en-US" sz="1400" dirty="0"/>
+                <a:t>C2</a:t>
+              </a:r>
+            </a:p>
+            <a:p>
+              <a:pPr algn="ctr"/>
+              <a:r>
+                <a:rPr lang="en-US" sz="1400" dirty="0"/>
+                <a:t>file-v2</a:t>
+              </a:r>
+            </a:p>
+          </p:txBody>
+        </p:sp>
+        <p:cxnSp>
+          <p:nvCxnSpPr>
+            <p:cNvPr id="8" name="Straight Arrow Connector 7">
+              <a:extLst>
+                <a:ext uri="{FF2B5EF4-FFF2-40B4-BE49-F238E27FC236}">
+                  <a16:creationId xmlns:a16="http://schemas.microsoft.com/office/drawing/2014/main" id="{FB5A5D53-9C07-EE4C-A847-EF5ED91B5DD5}"/>
+                </a:ext>
+              </a:extLst>
+            </p:cNvPr>
+            <p:cNvCxnSpPr>
+              <a:cxnSpLocks/>
+              <a:stCxn id="7" idx="1"/>
+              <a:endCxn id="6" idx="3"/>
+            </p:cNvCxnSpPr>
+            <p:nvPr/>
+          </p:nvCxnSpPr>
+          <p:spPr>
+            <a:xfrm flipH="1">
+              <a:off x="1418062" y="1663024"/>
+              <a:ext cx="317500" cy="0"/>
+            </a:xfrm>
+            <a:prstGeom prst="straightConnector1">
+              <a:avLst/>
+            </a:prstGeom>
+            <a:ln>
+              <a:solidFill>
+                <a:schemeClr val="accent4">
+                  <a:lumMod val="75000"/>
+                </a:schemeClr>
+              </a:solidFill>
+              <a:tailEnd type="triangle"/>
+            </a:ln>
+          </p:spPr>
+          <p:style>
+            <a:lnRef idx="1">
+              <a:schemeClr val="accent1"/>
+            </a:lnRef>
+            <a:fillRef idx="0">
+              <a:schemeClr val="accent1"/>
+            </a:fillRef>
+            <a:effectRef idx="0">
+              <a:schemeClr val="accent1"/>
+            </a:effectRef>
+            <a:fontRef idx="minor">
+              <a:schemeClr val="tx1"/>
+            </a:fontRef>
+          </p:style>
+        </p:cxnSp>
+        <p:sp>
+          <p:nvSpPr>
+            <p:cNvPr id="10" name="Rounded Rectangle 9">
+              <a:extLst>
+                <a:ext uri="{FF2B5EF4-FFF2-40B4-BE49-F238E27FC236}">
+                  <a16:creationId xmlns:a16="http://schemas.microsoft.com/office/drawing/2014/main" id="{8C6EAEB9-68BC-C147-B0DB-5EB2D1F341AF}"/>
+                </a:ext>
+              </a:extLst>
+            </p:cNvPr>
+            <p:cNvSpPr/>
+            <p:nvPr/>
+          </p:nvSpPr>
+          <p:spPr>
+            <a:xfrm>
+              <a:off x="2738862" y="147042"/>
+              <a:ext cx="1371600" cy="457200"/>
+            </a:xfrm>
+            <a:prstGeom prst="roundRect">
+              <a:avLst/>
+            </a:prstGeom>
+            <a:solidFill>
+              <a:schemeClr val="accent6">
+                <a:lumMod val="75000"/>
+              </a:schemeClr>
+            </a:solidFill>
+            <a:ln>
+              <a:noFill/>
+            </a:ln>
+          </p:spPr>
+          <p:style>
+            <a:lnRef idx="2">
+              <a:schemeClr val="accent6">
+                <a:shade val="50000"/>
+              </a:schemeClr>
+            </a:lnRef>
+            <a:fillRef idx="1">
+              <a:schemeClr val="accent6"/>
+            </a:fillRef>
+            <a:effectRef idx="0">
+              <a:schemeClr val="accent6"/>
+            </a:effectRef>
+            <a:fontRef idx="minor">
+              <a:schemeClr val="lt1"/>
+            </a:fontRef>
+          </p:style>
+          <p:txBody>
+            <a:bodyPr rtlCol="0" anchor="ctr"/>
+            <a:lstStyle/>
+            <a:p>
+              <a:pPr algn="ctr"/>
+              <a:r>
+                <a:rPr lang="en-US" sz="1400" dirty="0"/>
+                <a:t>HEAD</a:t>
+              </a:r>
+            </a:p>
+          </p:txBody>
+        </p:sp>
+        <p:cxnSp>
+          <p:nvCxnSpPr>
+            <p:cNvPr id="11" name="Straight Arrow Connector 10">
+              <a:extLst>
+                <a:ext uri="{FF2B5EF4-FFF2-40B4-BE49-F238E27FC236}">
+                  <a16:creationId xmlns:a16="http://schemas.microsoft.com/office/drawing/2014/main" id="{2C8CB5A8-D771-A543-ABCD-55EDCDE55CAD}"/>
+                </a:ext>
+              </a:extLst>
+            </p:cNvPr>
+            <p:cNvCxnSpPr>
+              <a:cxnSpLocks/>
+              <a:stCxn id="12" idx="2"/>
+              <a:endCxn id="14" idx="0"/>
+            </p:cNvCxnSpPr>
+            <p:nvPr/>
+          </p:nvCxnSpPr>
+          <p:spPr>
+            <a:xfrm>
+              <a:off x="3424662" y="1179353"/>
+              <a:ext cx="0" cy="117911"/>
+            </a:xfrm>
+            <a:prstGeom prst="straightConnector1">
+              <a:avLst/>
+            </a:prstGeom>
+            <a:ln>
+              <a:solidFill>
+                <a:schemeClr val="accent6">
+                  <a:lumMod val="75000"/>
+                </a:schemeClr>
+              </a:solidFill>
+              <a:tailEnd type="triangle"/>
+            </a:ln>
+          </p:spPr>
+          <p:style>
+            <a:lnRef idx="1">
+              <a:schemeClr val="accent1"/>
+            </a:lnRef>
+            <a:fillRef idx="0">
+              <a:schemeClr val="accent1"/>
+            </a:fillRef>
+            <a:effectRef idx="0">
+              <a:schemeClr val="accent1"/>
+            </a:effectRef>
+            <a:fontRef idx="minor">
+              <a:schemeClr val="tx1"/>
+            </a:fontRef>
+          </p:style>
+        </p:cxnSp>
+        <p:sp>
+          <p:nvSpPr>
+            <p:cNvPr id="12" name="Rounded Rectangle 11">
+              <a:extLst>
+                <a:ext uri="{FF2B5EF4-FFF2-40B4-BE49-F238E27FC236}">
+                  <a16:creationId xmlns:a16="http://schemas.microsoft.com/office/drawing/2014/main" id="{8F908BE0-ED31-BF43-8595-6D322CBBB755}"/>
+                </a:ext>
+              </a:extLst>
+            </p:cNvPr>
+            <p:cNvSpPr/>
+            <p:nvPr/>
+          </p:nvSpPr>
+          <p:spPr>
+            <a:xfrm>
+              <a:off x="2738862" y="722153"/>
+              <a:ext cx="1371600" cy="457200"/>
+            </a:xfrm>
+            <a:prstGeom prst="roundRect">
+              <a:avLst/>
+            </a:prstGeom>
+            <a:solidFill>
+              <a:schemeClr val="accent6">
+                <a:lumMod val="75000"/>
+              </a:schemeClr>
+            </a:solidFill>
+            <a:ln>
+              <a:noFill/>
+            </a:ln>
+          </p:spPr>
+          <p:style>
+            <a:lnRef idx="2">
+              <a:schemeClr val="accent6">
+                <a:shade val="50000"/>
+              </a:schemeClr>
+            </a:lnRef>
+            <a:fillRef idx="1">
+              <a:schemeClr val="accent6"/>
+            </a:fillRef>
+            <a:effectRef idx="0">
+              <a:schemeClr val="accent6"/>
+            </a:effectRef>
+            <a:fontRef idx="minor">
+              <a:schemeClr val="lt1"/>
+            </a:fontRef>
+          </p:style>
+          <p:txBody>
+            <a:bodyPr rtlCol="0" anchor="ctr"/>
+            <a:lstStyle/>
+            <a:p>
+              <a:pPr algn="ctr"/>
+              <a:r>
+                <a:rPr lang="en-US" sz="1400" dirty="0"/>
+                <a:t>master</a:t>
+              </a:r>
+            </a:p>
+          </p:txBody>
+        </p:sp>
+        <p:cxnSp>
+          <p:nvCxnSpPr>
+            <p:cNvPr id="13" name="Straight Arrow Connector 12">
+              <a:extLst>
+                <a:ext uri="{FF2B5EF4-FFF2-40B4-BE49-F238E27FC236}">
+                  <a16:creationId xmlns:a16="http://schemas.microsoft.com/office/drawing/2014/main" id="{4B2BB0A4-6F5F-274B-960B-1136CB11E5AA}"/>
+                </a:ext>
+              </a:extLst>
+            </p:cNvPr>
+            <p:cNvCxnSpPr>
+              <a:cxnSpLocks/>
+              <a:stCxn id="10" idx="2"/>
+              <a:endCxn id="12" idx="0"/>
+            </p:cNvCxnSpPr>
+            <p:nvPr/>
+          </p:nvCxnSpPr>
+          <p:spPr>
+            <a:xfrm>
+              <a:off x="3424662" y="604242"/>
+              <a:ext cx="0" cy="117911"/>
+            </a:xfrm>
+            <a:prstGeom prst="straightConnector1">
+              <a:avLst/>
+            </a:prstGeom>
+            <a:ln>
+              <a:solidFill>
+                <a:schemeClr val="accent6">
+                  <a:lumMod val="75000"/>
+                </a:schemeClr>
+              </a:solidFill>
+              <a:tailEnd type="triangle"/>
+            </a:ln>
+          </p:spPr>
+          <p:style>
+            <a:lnRef idx="1">
+              <a:schemeClr val="accent1"/>
+            </a:lnRef>
+            <a:fillRef idx="0">
+              <a:schemeClr val="accent1"/>
+            </a:fillRef>
+            <a:effectRef idx="0">
+              <a:schemeClr val="accent1"/>
+            </a:effectRef>
+            <a:fontRef idx="minor">
+              <a:schemeClr val="tx1"/>
+            </a:fontRef>
+          </p:style>
+        </p:cxnSp>
+        <p:sp>
+          <p:nvSpPr>
+            <p:cNvPr id="14" name="Rounded Rectangle 13">
+              <a:extLst>
+                <a:ext uri="{FF2B5EF4-FFF2-40B4-BE49-F238E27FC236}">
+                  <a16:creationId xmlns:a16="http://schemas.microsoft.com/office/drawing/2014/main" id="{02CFD5FD-79EF-5443-B08A-EAC5995F6530}"/>
+                </a:ext>
+              </a:extLst>
+            </p:cNvPr>
+            <p:cNvSpPr/>
+            <p:nvPr/>
+          </p:nvSpPr>
+          <p:spPr>
+            <a:xfrm>
+              <a:off x="2967462" y="1297264"/>
+              <a:ext cx="914400" cy="731520"/>
+            </a:xfrm>
+            <a:prstGeom prst="roundRect">
+              <a:avLst/>
+            </a:prstGeom>
+            <a:solidFill>
+              <a:schemeClr val="accent4">
+                <a:lumMod val="75000"/>
+              </a:schemeClr>
+            </a:solidFill>
+            <a:ln>
+              <a:solidFill>
+                <a:schemeClr val="accent4">
+                  <a:lumMod val="75000"/>
+                </a:schemeClr>
+              </a:solidFill>
+            </a:ln>
+          </p:spPr>
+          <p:style>
+            <a:lnRef idx="2">
+              <a:schemeClr val="accent6">
+                <a:shade val="50000"/>
+              </a:schemeClr>
+            </a:lnRef>
+            <a:fillRef idx="1">
+              <a:schemeClr val="accent6"/>
+            </a:fillRef>
+            <a:effectRef idx="0">
+              <a:schemeClr val="accent6"/>
+            </a:effectRef>
+            <a:fontRef idx="minor">
+              <a:schemeClr val="lt1"/>
+            </a:fontRef>
+          </p:style>
+          <p:txBody>
+            <a:bodyPr rtlCol="0" anchor="ctr"/>
+            <a:lstStyle/>
+            <a:p>
+              <a:pPr algn="ctr"/>
+              <a:r>
+                <a:rPr lang="en-US" sz="1400" dirty="0"/>
+                <a:t>C3</a:t>
+              </a:r>
+            </a:p>
+            <a:p>
+              <a:pPr algn="ctr"/>
+              <a:r>
+                <a:rPr lang="en-US" sz="1400" dirty="0"/>
+                <a:t>file-v3</a:t>
+              </a:r>
+            </a:p>
+          </p:txBody>
+        </p:sp>
+        <p:cxnSp>
+          <p:nvCxnSpPr>
+            <p:cNvPr id="15" name="Straight Arrow Connector 14">
+              <a:extLst>
+                <a:ext uri="{FF2B5EF4-FFF2-40B4-BE49-F238E27FC236}">
+                  <a16:creationId xmlns:a16="http://schemas.microsoft.com/office/drawing/2014/main" id="{A53C224B-5440-BC42-B29B-27A4FAE07840}"/>
+                </a:ext>
+              </a:extLst>
+            </p:cNvPr>
+            <p:cNvCxnSpPr>
+              <a:cxnSpLocks/>
+              <a:stCxn id="14" idx="1"/>
+              <a:endCxn id="7" idx="3"/>
+            </p:cNvCxnSpPr>
+            <p:nvPr/>
+          </p:nvCxnSpPr>
+          <p:spPr>
+            <a:xfrm flipH="1">
+              <a:off x="2649962" y="1663024"/>
+              <a:ext cx="317500" cy="0"/>
+            </a:xfrm>
+            <a:prstGeom prst="straightConnector1">
+              <a:avLst/>
+            </a:prstGeom>
+            <a:ln>
+              <a:solidFill>
+                <a:schemeClr val="accent4">
+                  <a:lumMod val="75000"/>
+                </a:schemeClr>
+              </a:solidFill>
+              <a:tailEnd type="triangle"/>
+            </a:ln>
+          </p:spPr>
+          <p:style>
+            <a:lnRef idx="1">
+              <a:schemeClr val="accent1"/>
+            </a:lnRef>
+            <a:fillRef idx="0">
+              <a:schemeClr val="accent1"/>
+            </a:fillRef>
+            <a:effectRef idx="0">
+              <a:schemeClr val="accent1"/>
+            </a:effectRef>
+            <a:fontRef idx="minor">
+              <a:schemeClr val="tx1"/>
+            </a:fontRef>
+          </p:style>
+        </p:cxnSp>
+      </p:grpSp>
+      <p:sp>
+        <p:nvSpPr>
+          <p:cNvPr id="16" name="TextBox 15">
+            <a:extLst>
+              <a:ext uri="{FF2B5EF4-FFF2-40B4-BE49-F238E27FC236}">
+                <a16:creationId xmlns:a16="http://schemas.microsoft.com/office/drawing/2014/main" id="{5AB729D4-523E-274A-AB86-1180CEBC12B3}"/>
+              </a:ext>
+            </a:extLst>
+          </p:cNvPr>
+          <p:cNvSpPr txBox="1"/>
+          <p:nvPr/>
+        </p:nvSpPr>
+        <p:spPr>
+          <a:xfrm>
+            <a:off x="593380" y="6515338"/>
+            <a:ext cx="2762295" cy="307777"/>
+          </a:xfrm>
+          <a:prstGeom prst="rect">
+            <a:avLst/>
+          </a:prstGeom>
+          <a:noFill/>
+        </p:spPr>
+        <p:txBody>
+          <a:bodyPr wrap="none" rtlCol="0">
+            <a:spAutoFit/>
+          </a:bodyPr>
+          <a:lstStyle/>
+          <a:p>
+            <a:r>
+              <a:rPr lang="en-US" sz="1400" dirty="0">
+                <a:latin typeface="Courier" pitchFamily="2" charset="0"/>
+              </a:rPr>
+              <a:t>$ git reset --soft HEAD~</a:t>
+            </a:r>
+          </a:p>
+        </p:txBody>
+      </p:sp>
+      <p:grpSp>
+        <p:nvGrpSpPr>
+          <p:cNvPr id="104" name="Group 103">
+            <a:extLst>
+              <a:ext uri="{FF2B5EF4-FFF2-40B4-BE49-F238E27FC236}">
+                <a16:creationId xmlns:a16="http://schemas.microsoft.com/office/drawing/2014/main" id="{05E137BC-52D3-104C-88A4-1533DC37FF29}"/>
+              </a:ext>
+            </a:extLst>
+          </p:cNvPr>
+          <p:cNvGrpSpPr/>
+          <p:nvPr/>
+        </p:nvGrpSpPr>
+        <p:grpSpPr>
+          <a:xfrm>
+            <a:off x="4056650" y="2181970"/>
+            <a:ext cx="4142430" cy="764978"/>
+            <a:chOff x="15931" y="2313886"/>
+            <a:chExt cx="4142430" cy="764978"/>
+          </a:xfrm>
+        </p:grpSpPr>
+        <p:sp>
+          <p:nvSpPr>
+            <p:cNvPr id="26" name="Rectangle 25">
+              <a:extLst>
+                <a:ext uri="{FF2B5EF4-FFF2-40B4-BE49-F238E27FC236}">
+                  <a16:creationId xmlns:a16="http://schemas.microsoft.com/office/drawing/2014/main" id="{0494B2D2-D263-B442-AE97-46EF6843CD50}"/>
+                </a:ext>
+              </a:extLst>
+            </p:cNvPr>
+            <p:cNvSpPr/>
+            <p:nvPr/>
+          </p:nvSpPr>
+          <p:spPr>
+            <a:xfrm>
+              <a:off x="216278" y="2621664"/>
+              <a:ext cx="1097280" cy="457200"/>
+            </a:xfrm>
+            <a:prstGeom prst="rect">
+              <a:avLst/>
+            </a:prstGeom>
+            <a:noFill/>
+            <a:ln>
+              <a:solidFill>
+                <a:schemeClr val="accent1">
+                  <a:lumMod val="75000"/>
+                </a:schemeClr>
+              </a:solidFill>
+              <a:prstDash val="dash"/>
+            </a:ln>
+          </p:spPr>
+          <p:style>
+            <a:lnRef idx="2">
+              <a:schemeClr val="accent1">
+                <a:shade val="50000"/>
+              </a:schemeClr>
+            </a:lnRef>
+            <a:fillRef idx="1">
+              <a:schemeClr val="accent1"/>
+            </a:fillRef>
+            <a:effectRef idx="0">
+              <a:schemeClr val="accent1"/>
+            </a:effectRef>
+            <a:fontRef idx="minor">
+              <a:schemeClr val="lt1"/>
+            </a:fontRef>
+          </p:style>
+          <p:txBody>
+            <a:bodyPr rtlCol="0" anchor="ctr"/>
+            <a:lstStyle/>
+            <a:p>
+              <a:pPr algn="ctr"/>
+              <a:r>
+                <a:rPr lang="en-US" sz="1400" dirty="0">
+                  <a:solidFill>
+                    <a:schemeClr val="tx1"/>
+                  </a:solidFill>
+                </a:rPr>
+                <a:t>file-v3</a:t>
+              </a:r>
+            </a:p>
+          </p:txBody>
+        </p:sp>
+        <p:sp>
+          <p:nvSpPr>
+            <p:cNvPr id="27" name="TextBox 26">
+              <a:extLst>
+                <a:ext uri="{FF2B5EF4-FFF2-40B4-BE49-F238E27FC236}">
+                  <a16:creationId xmlns:a16="http://schemas.microsoft.com/office/drawing/2014/main" id="{6E19D704-1524-E347-B81D-86B4D0E41128}"/>
+                </a:ext>
+              </a:extLst>
+            </p:cNvPr>
+            <p:cNvSpPr txBox="1"/>
+            <p:nvPr/>
+          </p:nvSpPr>
+          <p:spPr>
+            <a:xfrm>
+              <a:off x="15931" y="2313886"/>
+              <a:ext cx="1497974" cy="307777"/>
+            </a:xfrm>
+            <a:prstGeom prst="rect">
+              <a:avLst/>
+            </a:prstGeom>
+            <a:noFill/>
+          </p:spPr>
+          <p:txBody>
+            <a:bodyPr wrap="none" rtlCol="0">
+              <a:spAutoFit/>
+            </a:bodyPr>
+            <a:lstStyle/>
+            <a:p>
+              <a:r>
+                <a:rPr lang="en-US" sz="1400" dirty="0">
+                  <a:solidFill>
+                    <a:schemeClr val="accent1">
+                      <a:lumMod val="75000"/>
+                    </a:schemeClr>
+                  </a:solidFill>
+                </a:rPr>
+                <a:t>Working directory</a:t>
+              </a:r>
+            </a:p>
+          </p:txBody>
+        </p:sp>
+        <p:sp>
+          <p:nvSpPr>
+            <p:cNvPr id="28" name="Rectangle 27">
+              <a:extLst>
+                <a:ext uri="{FF2B5EF4-FFF2-40B4-BE49-F238E27FC236}">
+                  <a16:creationId xmlns:a16="http://schemas.microsoft.com/office/drawing/2014/main" id="{078C145F-97B7-6E47-B2E7-F1544FA09E13}"/>
+                </a:ext>
+              </a:extLst>
+            </p:cNvPr>
+            <p:cNvSpPr/>
+            <p:nvPr/>
+          </p:nvSpPr>
+          <p:spPr>
+            <a:xfrm>
+              <a:off x="1521386" y="2621664"/>
+              <a:ext cx="1097280" cy="457200"/>
+            </a:xfrm>
+            <a:prstGeom prst="rect">
+              <a:avLst/>
+            </a:prstGeom>
+            <a:noFill/>
+            <a:ln>
+              <a:solidFill>
+                <a:schemeClr val="accent1">
+                  <a:lumMod val="75000"/>
+                </a:schemeClr>
+              </a:solidFill>
+              <a:prstDash val="dash"/>
+            </a:ln>
+          </p:spPr>
+          <p:style>
+            <a:lnRef idx="2">
+              <a:schemeClr val="accent1">
+                <a:shade val="50000"/>
+              </a:schemeClr>
+            </a:lnRef>
+            <a:fillRef idx="1">
+              <a:schemeClr val="accent1"/>
+            </a:fillRef>
+            <a:effectRef idx="0">
+              <a:schemeClr val="accent1"/>
+            </a:effectRef>
+            <a:fontRef idx="minor">
+              <a:schemeClr val="lt1"/>
+            </a:fontRef>
+          </p:style>
+          <p:txBody>
+            <a:bodyPr rtlCol="0" anchor="ctr"/>
+            <a:lstStyle/>
+            <a:p>
+              <a:pPr algn="ctr"/>
+              <a:r>
+                <a:rPr lang="en-US" sz="1400" dirty="0">
+                  <a:solidFill>
+                    <a:schemeClr val="tx1"/>
+                  </a:solidFill>
+                </a:rPr>
+                <a:t>file-v3</a:t>
+              </a:r>
+            </a:p>
+          </p:txBody>
+        </p:sp>
+        <p:sp>
+          <p:nvSpPr>
+            <p:cNvPr id="29" name="TextBox 28">
+              <a:extLst>
+                <a:ext uri="{FF2B5EF4-FFF2-40B4-BE49-F238E27FC236}">
+                  <a16:creationId xmlns:a16="http://schemas.microsoft.com/office/drawing/2014/main" id="{96167FFA-C733-5249-BE20-018A8A5FE84C}"/>
+                </a:ext>
+              </a:extLst>
+            </p:cNvPr>
+            <p:cNvSpPr txBox="1"/>
+            <p:nvPr/>
+          </p:nvSpPr>
+          <p:spPr>
+            <a:xfrm>
+              <a:off x="1529525" y="2313886"/>
+              <a:ext cx="1081002" cy="307777"/>
+            </a:xfrm>
+            <a:prstGeom prst="rect">
+              <a:avLst/>
+            </a:prstGeom>
+            <a:noFill/>
+          </p:spPr>
+          <p:txBody>
+            <a:bodyPr wrap="none" rtlCol="0">
+              <a:spAutoFit/>
+            </a:bodyPr>
+            <a:lstStyle/>
+            <a:p>
+              <a:r>
+                <a:rPr lang="en-US" sz="1400" dirty="0">
+                  <a:solidFill>
+                    <a:schemeClr val="accent1">
+                      <a:lumMod val="75000"/>
+                    </a:schemeClr>
+                  </a:solidFill>
+                </a:rPr>
+                <a:t>Staging area</a:t>
+              </a:r>
+            </a:p>
+          </p:txBody>
+        </p:sp>
+        <p:sp>
+          <p:nvSpPr>
+            <p:cNvPr id="30" name="Rectangle 29">
+              <a:extLst>
+                <a:ext uri="{FF2B5EF4-FFF2-40B4-BE49-F238E27FC236}">
+                  <a16:creationId xmlns:a16="http://schemas.microsoft.com/office/drawing/2014/main" id="{7CF0CFD6-AA91-2E49-8ECD-0F0487259D26}"/>
+                </a:ext>
+              </a:extLst>
+            </p:cNvPr>
+            <p:cNvSpPr/>
+            <p:nvPr/>
+          </p:nvSpPr>
+          <p:spPr>
+            <a:xfrm>
+              <a:off x="2826494" y="2621664"/>
+              <a:ext cx="1097280" cy="457200"/>
+            </a:xfrm>
+            <a:prstGeom prst="rect">
+              <a:avLst/>
+            </a:prstGeom>
+            <a:noFill/>
+            <a:ln>
+              <a:solidFill>
+                <a:schemeClr val="accent1">
+                  <a:lumMod val="75000"/>
+                </a:schemeClr>
+              </a:solidFill>
+              <a:prstDash val="dash"/>
+            </a:ln>
+          </p:spPr>
+          <p:style>
+            <a:lnRef idx="2">
+              <a:schemeClr val="accent1">
+                <a:shade val="50000"/>
+              </a:schemeClr>
+            </a:lnRef>
+            <a:fillRef idx="1">
+              <a:schemeClr val="accent1"/>
+            </a:fillRef>
+            <a:effectRef idx="0">
+              <a:schemeClr val="accent1"/>
+            </a:effectRef>
+            <a:fontRef idx="minor">
+              <a:schemeClr val="lt1"/>
+            </a:fontRef>
+          </p:style>
+          <p:txBody>
+            <a:bodyPr rtlCol="0" anchor="ctr"/>
+            <a:lstStyle/>
+            <a:p>
+              <a:pPr algn="ctr"/>
+              <a:r>
+                <a:rPr lang="en-US" sz="1400" dirty="0">
+                  <a:solidFill>
+                    <a:schemeClr val="tx1"/>
+                  </a:solidFill>
+                </a:rPr>
+                <a:t>file-v3</a:t>
+              </a:r>
+            </a:p>
+          </p:txBody>
+        </p:sp>
+        <p:sp>
+          <p:nvSpPr>
+            <p:cNvPr id="31" name="TextBox 30">
+              <a:extLst>
+                <a:ext uri="{FF2B5EF4-FFF2-40B4-BE49-F238E27FC236}">
+                  <a16:creationId xmlns:a16="http://schemas.microsoft.com/office/drawing/2014/main" id="{80B06F50-74AB-7E45-A14D-A37014D04F60}"/>
+                </a:ext>
+              </a:extLst>
+            </p:cNvPr>
+            <p:cNvSpPr txBox="1"/>
+            <p:nvPr/>
+          </p:nvSpPr>
+          <p:spPr>
+            <a:xfrm>
+              <a:off x="2591907" y="2313886"/>
+              <a:ext cx="1566454" cy="307777"/>
+            </a:xfrm>
+            <a:prstGeom prst="rect">
+              <a:avLst/>
+            </a:prstGeom>
+            <a:noFill/>
+          </p:spPr>
+          <p:txBody>
+            <a:bodyPr wrap="none" rtlCol="0">
+              <a:spAutoFit/>
+            </a:bodyPr>
+            <a:lstStyle/>
+            <a:p>
+              <a:r>
+                <a:rPr lang="en-US" sz="1400" dirty="0">
+                  <a:solidFill>
+                    <a:schemeClr val="accent1">
+                      <a:lumMod val="75000"/>
+                    </a:schemeClr>
+                  </a:solidFill>
+                </a:rPr>
+                <a:t>Committed (HEAD)</a:t>
+              </a:r>
+            </a:p>
+          </p:txBody>
+        </p:sp>
+      </p:grpSp>
+      <p:grpSp>
+        <p:nvGrpSpPr>
+          <p:cNvPr id="112" name="Group 111">
+            <a:extLst>
+              <a:ext uri="{FF2B5EF4-FFF2-40B4-BE49-F238E27FC236}">
+                <a16:creationId xmlns:a16="http://schemas.microsoft.com/office/drawing/2014/main" id="{AEC33883-0F03-1E4A-B2A4-A2AFAADF8E3B}"/>
+              </a:ext>
+            </a:extLst>
+          </p:cNvPr>
+          <p:cNvGrpSpPr/>
+          <p:nvPr/>
+        </p:nvGrpSpPr>
+        <p:grpSpPr>
+          <a:xfrm>
+            <a:off x="192305" y="3608183"/>
+            <a:ext cx="3378200" cy="1881742"/>
+            <a:chOff x="322935" y="3608183"/>
+            <a:chExt cx="3378200" cy="1881742"/>
+          </a:xfrm>
+        </p:grpSpPr>
+        <p:sp>
+          <p:nvSpPr>
+            <p:cNvPr id="50" name="Rounded Rectangle 49">
+              <a:extLst>
+                <a:ext uri="{FF2B5EF4-FFF2-40B4-BE49-F238E27FC236}">
+                  <a16:creationId xmlns:a16="http://schemas.microsoft.com/office/drawing/2014/main" id="{C4CB355A-488B-BF44-A5D9-2AEF7F3C5E98}"/>
+                </a:ext>
+              </a:extLst>
+            </p:cNvPr>
+            <p:cNvSpPr/>
+            <p:nvPr/>
+          </p:nvSpPr>
+          <p:spPr>
+            <a:xfrm>
+              <a:off x="322935" y="4758405"/>
+              <a:ext cx="914400" cy="731520"/>
+            </a:xfrm>
+            <a:prstGeom prst="roundRect">
+              <a:avLst/>
+            </a:prstGeom>
+            <a:solidFill>
+              <a:schemeClr val="accent4">
+                <a:lumMod val="75000"/>
+              </a:schemeClr>
+            </a:solidFill>
+            <a:ln>
+              <a:solidFill>
+                <a:schemeClr val="accent4">
+                  <a:lumMod val="75000"/>
+                </a:schemeClr>
+              </a:solidFill>
+            </a:ln>
+          </p:spPr>
+          <p:style>
+            <a:lnRef idx="2">
+              <a:schemeClr val="accent6">
+                <a:shade val="50000"/>
+              </a:schemeClr>
+            </a:lnRef>
+            <a:fillRef idx="1">
+              <a:schemeClr val="accent6"/>
+            </a:fillRef>
+            <a:effectRef idx="0">
+              <a:schemeClr val="accent6"/>
+            </a:effectRef>
+            <a:fontRef idx="minor">
+              <a:schemeClr val="lt1"/>
+            </a:fontRef>
+          </p:style>
+          <p:txBody>
+            <a:bodyPr rtlCol="0" anchor="ctr"/>
+            <a:lstStyle/>
+            <a:p>
+              <a:pPr algn="ctr"/>
+              <a:r>
+                <a:rPr lang="en-US" sz="1400" dirty="0"/>
+                <a:t>C1</a:t>
+              </a:r>
+            </a:p>
+            <a:p>
+              <a:pPr algn="ctr"/>
+              <a:r>
+                <a:rPr lang="en-US" sz="1400" dirty="0"/>
+                <a:t>file-v1</a:t>
+              </a:r>
+            </a:p>
+          </p:txBody>
+        </p:sp>
+        <p:sp>
+          <p:nvSpPr>
+            <p:cNvPr id="51" name="Rounded Rectangle 50">
+              <a:extLst>
+                <a:ext uri="{FF2B5EF4-FFF2-40B4-BE49-F238E27FC236}">
+                  <a16:creationId xmlns:a16="http://schemas.microsoft.com/office/drawing/2014/main" id="{C80A2560-E2D6-784E-AFAC-5D52C076D097}"/>
+                </a:ext>
+              </a:extLst>
+            </p:cNvPr>
+            <p:cNvSpPr/>
+            <p:nvPr/>
+          </p:nvSpPr>
+          <p:spPr>
+            <a:xfrm>
+              <a:off x="1554835" y="4758405"/>
+              <a:ext cx="914400" cy="731520"/>
+            </a:xfrm>
+            <a:prstGeom prst="roundRect">
+              <a:avLst/>
+            </a:prstGeom>
+            <a:solidFill>
+              <a:schemeClr val="accent4">
+                <a:lumMod val="75000"/>
+              </a:schemeClr>
+            </a:solidFill>
+            <a:ln>
+              <a:solidFill>
+                <a:schemeClr val="accent4">
+                  <a:lumMod val="75000"/>
+                </a:schemeClr>
+              </a:solidFill>
+            </a:ln>
+          </p:spPr>
+          <p:style>
+            <a:lnRef idx="2">
+              <a:schemeClr val="accent6">
+                <a:shade val="50000"/>
+              </a:schemeClr>
+            </a:lnRef>
+            <a:fillRef idx="1">
+              <a:schemeClr val="accent6"/>
+            </a:fillRef>
+            <a:effectRef idx="0">
+              <a:schemeClr val="accent6"/>
+            </a:effectRef>
+            <a:fontRef idx="minor">
+              <a:schemeClr val="lt1"/>
+            </a:fontRef>
+          </p:style>
+          <p:txBody>
+            <a:bodyPr rtlCol="0" anchor="ctr"/>
+            <a:lstStyle/>
+            <a:p>
+              <a:pPr algn="ctr"/>
+              <a:r>
+                <a:rPr lang="en-US" sz="1400" dirty="0"/>
+                <a:t>C2</a:t>
+              </a:r>
+            </a:p>
+            <a:p>
+              <a:pPr algn="ctr"/>
+              <a:r>
+                <a:rPr lang="en-US" sz="1400" dirty="0"/>
+                <a:t>file-v2</a:t>
+              </a:r>
+            </a:p>
+          </p:txBody>
+        </p:sp>
+        <p:cxnSp>
+          <p:nvCxnSpPr>
+            <p:cNvPr id="52" name="Straight Arrow Connector 51">
+              <a:extLst>
+                <a:ext uri="{FF2B5EF4-FFF2-40B4-BE49-F238E27FC236}">
+                  <a16:creationId xmlns:a16="http://schemas.microsoft.com/office/drawing/2014/main" id="{130EE65D-CBE4-ED47-B8FD-D8D69B3C81C6}"/>
+                </a:ext>
+              </a:extLst>
+            </p:cNvPr>
+            <p:cNvCxnSpPr>
+              <a:cxnSpLocks/>
+              <a:stCxn id="51" idx="1"/>
+              <a:endCxn id="50" idx="3"/>
+            </p:cNvCxnSpPr>
+            <p:nvPr/>
+          </p:nvCxnSpPr>
+          <p:spPr>
+            <a:xfrm flipH="1">
+              <a:off x="1237335" y="5124165"/>
+              <a:ext cx="317500" cy="0"/>
+            </a:xfrm>
+            <a:prstGeom prst="straightConnector1">
+              <a:avLst/>
+            </a:prstGeom>
+            <a:ln>
+              <a:solidFill>
+                <a:schemeClr val="accent4">
+                  <a:lumMod val="75000"/>
+                </a:schemeClr>
+              </a:solidFill>
+              <a:tailEnd type="triangle"/>
+            </a:ln>
+          </p:spPr>
+          <p:style>
+            <a:lnRef idx="1">
+              <a:schemeClr val="accent1"/>
+            </a:lnRef>
+            <a:fillRef idx="0">
+              <a:schemeClr val="accent1"/>
+            </a:fillRef>
+            <a:effectRef idx="0">
+              <a:schemeClr val="accent1"/>
+            </a:effectRef>
+            <a:fontRef idx="minor">
+              <a:schemeClr val="tx1"/>
+            </a:fontRef>
+          </p:style>
+        </p:cxnSp>
+        <p:sp>
+          <p:nvSpPr>
+            <p:cNvPr id="53" name="Rounded Rectangle 52">
+              <a:extLst>
+                <a:ext uri="{FF2B5EF4-FFF2-40B4-BE49-F238E27FC236}">
+                  <a16:creationId xmlns:a16="http://schemas.microsoft.com/office/drawing/2014/main" id="{0680A070-5657-7C49-9DB0-45C938C604C2}"/>
+                </a:ext>
+              </a:extLst>
+            </p:cNvPr>
+            <p:cNvSpPr/>
+            <p:nvPr/>
+          </p:nvSpPr>
+          <p:spPr>
+            <a:xfrm>
+              <a:off x="1326235" y="3608183"/>
+              <a:ext cx="1371600" cy="457200"/>
+            </a:xfrm>
+            <a:prstGeom prst="roundRect">
+              <a:avLst/>
+            </a:prstGeom>
+            <a:solidFill>
+              <a:schemeClr val="accent6">
+                <a:lumMod val="75000"/>
+              </a:schemeClr>
+            </a:solidFill>
+            <a:ln w="25400">
+              <a:solidFill>
+                <a:srgbClr val="FF0000"/>
+              </a:solidFill>
+              <a:prstDash val="solid"/>
+            </a:ln>
+          </p:spPr>
+          <p:style>
+            <a:lnRef idx="2">
+              <a:schemeClr val="accent6">
+                <a:shade val="50000"/>
+              </a:schemeClr>
+            </a:lnRef>
+            <a:fillRef idx="1">
+              <a:schemeClr val="accent6"/>
+            </a:fillRef>
+            <a:effectRef idx="0">
+              <a:schemeClr val="accent6"/>
+            </a:effectRef>
+            <a:fontRef idx="minor">
+              <a:schemeClr val="lt1"/>
+            </a:fontRef>
+          </p:style>
+          <p:txBody>
+            <a:bodyPr rtlCol="0" anchor="ctr"/>
+            <a:lstStyle/>
+            <a:p>
+              <a:pPr algn="ctr"/>
+              <a:r>
+                <a:rPr lang="en-US" sz="1400" dirty="0"/>
+                <a:t>HEAD</a:t>
+              </a:r>
+            </a:p>
+          </p:txBody>
+        </p:sp>
+        <p:cxnSp>
+          <p:nvCxnSpPr>
+            <p:cNvPr id="54" name="Straight Arrow Connector 53">
+              <a:extLst>
+                <a:ext uri="{FF2B5EF4-FFF2-40B4-BE49-F238E27FC236}">
+                  <a16:creationId xmlns:a16="http://schemas.microsoft.com/office/drawing/2014/main" id="{8BCB2AF0-7C99-BD46-8898-EFB1EB23ADEA}"/>
+                </a:ext>
+              </a:extLst>
+            </p:cNvPr>
+            <p:cNvCxnSpPr>
+              <a:cxnSpLocks/>
+              <a:stCxn id="55" idx="2"/>
+              <a:endCxn id="51" idx="0"/>
+            </p:cNvCxnSpPr>
+            <p:nvPr/>
+          </p:nvCxnSpPr>
+          <p:spPr>
+            <a:xfrm>
+              <a:off x="2012035" y="4640494"/>
+              <a:ext cx="0" cy="117911"/>
+            </a:xfrm>
+            <a:prstGeom prst="straightConnector1">
+              <a:avLst/>
+            </a:prstGeom>
+            <a:ln>
+              <a:solidFill>
+                <a:schemeClr val="accent6">
+                  <a:lumMod val="75000"/>
+                </a:schemeClr>
+              </a:solidFill>
+              <a:tailEnd type="triangle"/>
+            </a:ln>
+          </p:spPr>
+          <p:style>
+            <a:lnRef idx="1">
+              <a:schemeClr val="accent1"/>
+            </a:lnRef>
+            <a:fillRef idx="0">
+              <a:schemeClr val="accent1"/>
+            </a:fillRef>
+            <a:effectRef idx="0">
+              <a:schemeClr val="accent1"/>
+            </a:effectRef>
+            <a:fontRef idx="minor">
+              <a:schemeClr val="tx1"/>
+            </a:fontRef>
+          </p:style>
+        </p:cxnSp>
+        <p:sp>
+          <p:nvSpPr>
+            <p:cNvPr id="55" name="Rounded Rectangle 54">
+              <a:extLst>
+                <a:ext uri="{FF2B5EF4-FFF2-40B4-BE49-F238E27FC236}">
+                  <a16:creationId xmlns:a16="http://schemas.microsoft.com/office/drawing/2014/main" id="{686E70BD-9679-024F-8070-E3BEABFD4073}"/>
+                </a:ext>
+              </a:extLst>
+            </p:cNvPr>
+            <p:cNvSpPr/>
+            <p:nvPr/>
+          </p:nvSpPr>
+          <p:spPr>
+            <a:xfrm>
+              <a:off x="1326235" y="4183294"/>
+              <a:ext cx="1371600" cy="457200"/>
+            </a:xfrm>
+            <a:prstGeom prst="roundRect">
+              <a:avLst/>
+            </a:prstGeom>
+            <a:solidFill>
+              <a:schemeClr val="accent6">
+                <a:lumMod val="75000"/>
+              </a:schemeClr>
+            </a:solidFill>
+            <a:ln w="25400">
+              <a:solidFill>
+                <a:srgbClr val="FF0000"/>
+              </a:solidFill>
+              <a:prstDash val="solid"/>
+            </a:ln>
+          </p:spPr>
+          <p:style>
+            <a:lnRef idx="2">
+              <a:schemeClr val="accent6">
+                <a:shade val="50000"/>
+              </a:schemeClr>
+            </a:lnRef>
+            <a:fillRef idx="1">
+              <a:schemeClr val="accent6"/>
+            </a:fillRef>
+            <a:effectRef idx="0">
+              <a:schemeClr val="accent6"/>
+            </a:effectRef>
+            <a:fontRef idx="minor">
+              <a:schemeClr val="lt1"/>
+            </a:fontRef>
+          </p:style>
+          <p:txBody>
+            <a:bodyPr rtlCol="0" anchor="ctr"/>
+            <a:lstStyle/>
+            <a:p>
+              <a:pPr algn="ctr"/>
+              <a:r>
+                <a:rPr lang="en-US" sz="1400" dirty="0"/>
+                <a:t>master</a:t>
+              </a:r>
+            </a:p>
+          </p:txBody>
+        </p:sp>
+        <p:cxnSp>
+          <p:nvCxnSpPr>
+            <p:cNvPr id="56" name="Straight Arrow Connector 55">
+              <a:extLst>
+                <a:ext uri="{FF2B5EF4-FFF2-40B4-BE49-F238E27FC236}">
+                  <a16:creationId xmlns:a16="http://schemas.microsoft.com/office/drawing/2014/main" id="{156F37AC-E02F-2A4F-BB75-E93389AC9BFE}"/>
+                </a:ext>
+              </a:extLst>
+            </p:cNvPr>
+            <p:cNvCxnSpPr>
+              <a:cxnSpLocks/>
+              <a:stCxn id="53" idx="2"/>
+              <a:endCxn id="55" idx="0"/>
+            </p:cNvCxnSpPr>
+            <p:nvPr/>
+          </p:nvCxnSpPr>
+          <p:spPr>
+            <a:xfrm>
+              <a:off x="2012035" y="4065383"/>
+              <a:ext cx="0" cy="117911"/>
+            </a:xfrm>
+            <a:prstGeom prst="straightConnector1">
+              <a:avLst/>
+            </a:prstGeom>
+            <a:ln>
+              <a:solidFill>
+                <a:schemeClr val="accent6">
+                  <a:lumMod val="75000"/>
+                </a:schemeClr>
+              </a:solidFill>
+              <a:tailEnd type="triangle"/>
+            </a:ln>
+          </p:spPr>
+          <p:style>
+            <a:lnRef idx="1">
+              <a:schemeClr val="accent1"/>
+            </a:lnRef>
+            <a:fillRef idx="0">
+              <a:schemeClr val="accent1"/>
+            </a:fillRef>
+            <a:effectRef idx="0">
+              <a:schemeClr val="accent1"/>
+            </a:effectRef>
+            <a:fontRef idx="minor">
+              <a:schemeClr val="tx1"/>
+            </a:fontRef>
+          </p:style>
+        </p:cxnSp>
+        <p:sp>
+          <p:nvSpPr>
+            <p:cNvPr id="57" name="Rounded Rectangle 56">
+              <a:extLst>
+                <a:ext uri="{FF2B5EF4-FFF2-40B4-BE49-F238E27FC236}">
+                  <a16:creationId xmlns:a16="http://schemas.microsoft.com/office/drawing/2014/main" id="{4624E840-1DA6-D845-BA7D-7DC1FE2DCDB5}"/>
+                </a:ext>
+              </a:extLst>
+            </p:cNvPr>
+            <p:cNvSpPr/>
+            <p:nvPr/>
+          </p:nvSpPr>
+          <p:spPr>
+            <a:xfrm>
+              <a:off x="2786735" y="4758405"/>
+              <a:ext cx="914400" cy="731520"/>
+            </a:xfrm>
+            <a:prstGeom prst="roundRect">
+              <a:avLst/>
+            </a:prstGeom>
+            <a:solidFill>
+              <a:schemeClr val="accent4">
+                <a:lumMod val="75000"/>
+              </a:schemeClr>
+            </a:solidFill>
+            <a:ln>
+              <a:solidFill>
+                <a:schemeClr val="accent4">
+                  <a:lumMod val="75000"/>
+                </a:schemeClr>
+              </a:solidFill>
+            </a:ln>
+          </p:spPr>
+          <p:style>
+            <a:lnRef idx="2">
+              <a:schemeClr val="accent6">
+                <a:shade val="50000"/>
+              </a:schemeClr>
+            </a:lnRef>
+            <a:fillRef idx="1">
+              <a:schemeClr val="accent6"/>
+            </a:fillRef>
+            <a:effectRef idx="0">
+              <a:schemeClr val="accent6"/>
+            </a:effectRef>
+            <a:fontRef idx="minor">
+              <a:schemeClr val="lt1"/>
+            </a:fontRef>
+          </p:style>
+          <p:txBody>
+            <a:bodyPr rtlCol="0" anchor="ctr"/>
+            <a:lstStyle/>
+            <a:p>
+              <a:pPr algn="ctr"/>
+              <a:r>
+                <a:rPr lang="en-US" sz="1400" dirty="0"/>
+                <a:t>C3</a:t>
+              </a:r>
+            </a:p>
+            <a:p>
+              <a:pPr algn="ctr"/>
+              <a:r>
+                <a:rPr lang="en-US" sz="1400" dirty="0"/>
+                <a:t>file-v3</a:t>
+              </a:r>
+            </a:p>
+          </p:txBody>
+        </p:sp>
+        <p:cxnSp>
+          <p:nvCxnSpPr>
+            <p:cNvPr id="58" name="Straight Arrow Connector 57">
+              <a:extLst>
+                <a:ext uri="{FF2B5EF4-FFF2-40B4-BE49-F238E27FC236}">
+                  <a16:creationId xmlns:a16="http://schemas.microsoft.com/office/drawing/2014/main" id="{70786514-AFF4-9D47-8E06-9F02BA1F05FD}"/>
+                </a:ext>
+              </a:extLst>
+            </p:cNvPr>
+            <p:cNvCxnSpPr>
+              <a:cxnSpLocks/>
+              <a:stCxn id="57" idx="1"/>
+              <a:endCxn id="51" idx="3"/>
+            </p:cNvCxnSpPr>
+            <p:nvPr/>
+          </p:nvCxnSpPr>
+          <p:spPr>
+            <a:xfrm flipH="1">
+              <a:off x="2469235" y="5124165"/>
+              <a:ext cx="317500" cy="0"/>
+            </a:xfrm>
+            <a:prstGeom prst="straightConnector1">
+              <a:avLst/>
+            </a:prstGeom>
+            <a:ln>
+              <a:solidFill>
+                <a:schemeClr val="accent4">
+                  <a:lumMod val="75000"/>
+                </a:schemeClr>
+              </a:solidFill>
+              <a:tailEnd type="triangle"/>
+            </a:ln>
+          </p:spPr>
+          <p:style>
+            <a:lnRef idx="1">
+              <a:schemeClr val="accent1"/>
+            </a:lnRef>
+            <a:fillRef idx="0">
+              <a:schemeClr val="accent1"/>
+            </a:fillRef>
+            <a:effectRef idx="0">
+              <a:schemeClr val="accent1"/>
+            </a:effectRef>
+            <a:fontRef idx="minor">
+              <a:schemeClr val="tx1"/>
+            </a:fontRef>
+          </p:style>
+        </p:cxnSp>
+      </p:grpSp>
+      <p:grpSp>
+        <p:nvGrpSpPr>
+          <p:cNvPr id="105" name="Group 104">
+            <a:extLst>
+              <a:ext uri="{FF2B5EF4-FFF2-40B4-BE49-F238E27FC236}">
+                <a16:creationId xmlns:a16="http://schemas.microsoft.com/office/drawing/2014/main" id="{578AB6DE-9448-1E41-83E7-E3006DC9B737}"/>
+              </a:ext>
+            </a:extLst>
+          </p:cNvPr>
+          <p:cNvGrpSpPr/>
+          <p:nvPr/>
+        </p:nvGrpSpPr>
+        <p:grpSpPr>
+          <a:xfrm>
+            <a:off x="-79567" y="5607836"/>
+            <a:ext cx="4142430" cy="764978"/>
+            <a:chOff x="15931" y="2313886"/>
+            <a:chExt cx="4142430" cy="764978"/>
+          </a:xfrm>
+        </p:grpSpPr>
+        <p:sp>
+          <p:nvSpPr>
+            <p:cNvPr id="106" name="Rectangle 105">
+              <a:extLst>
+                <a:ext uri="{FF2B5EF4-FFF2-40B4-BE49-F238E27FC236}">
+                  <a16:creationId xmlns:a16="http://schemas.microsoft.com/office/drawing/2014/main" id="{BC82ED17-F51C-8943-A8BD-500266768CCD}"/>
+                </a:ext>
+              </a:extLst>
+            </p:cNvPr>
+            <p:cNvSpPr/>
+            <p:nvPr/>
+          </p:nvSpPr>
+          <p:spPr>
+            <a:xfrm>
+              <a:off x="216278" y="2621664"/>
+              <a:ext cx="1097280" cy="457200"/>
+            </a:xfrm>
+            <a:prstGeom prst="rect">
+              <a:avLst/>
+            </a:prstGeom>
+            <a:noFill/>
+            <a:ln>
+              <a:solidFill>
+                <a:schemeClr val="accent1">
+                  <a:lumMod val="75000"/>
+                </a:schemeClr>
+              </a:solidFill>
+              <a:prstDash val="dash"/>
+            </a:ln>
+          </p:spPr>
+          <p:style>
+            <a:lnRef idx="2">
+              <a:schemeClr val="accent1">
+                <a:shade val="50000"/>
+              </a:schemeClr>
+            </a:lnRef>
+            <a:fillRef idx="1">
+              <a:schemeClr val="accent1"/>
+            </a:fillRef>
+            <a:effectRef idx="0">
+              <a:schemeClr val="accent1"/>
+            </a:effectRef>
+            <a:fontRef idx="minor">
+              <a:schemeClr val="lt1"/>
+            </a:fontRef>
+          </p:style>
+          <p:txBody>
+            <a:bodyPr rtlCol="0" anchor="ctr"/>
+            <a:lstStyle/>
+            <a:p>
+              <a:pPr algn="ctr"/>
+              <a:r>
+                <a:rPr lang="en-US" sz="1400" dirty="0">
+                  <a:solidFill>
+                    <a:schemeClr val="tx1"/>
+                  </a:solidFill>
+                </a:rPr>
+                <a:t>file-v3</a:t>
+              </a:r>
+            </a:p>
+          </p:txBody>
+        </p:sp>
+        <p:sp>
+          <p:nvSpPr>
+            <p:cNvPr id="107" name="TextBox 106">
+              <a:extLst>
+                <a:ext uri="{FF2B5EF4-FFF2-40B4-BE49-F238E27FC236}">
+                  <a16:creationId xmlns:a16="http://schemas.microsoft.com/office/drawing/2014/main" id="{C0CE4BF6-F29D-4046-81C5-FD28367B1526}"/>
+                </a:ext>
+              </a:extLst>
+            </p:cNvPr>
+            <p:cNvSpPr txBox="1"/>
+            <p:nvPr/>
+          </p:nvSpPr>
+          <p:spPr>
+            <a:xfrm>
+              <a:off x="15931" y="2313886"/>
+              <a:ext cx="1497974" cy="307777"/>
+            </a:xfrm>
+            <a:prstGeom prst="rect">
+              <a:avLst/>
+            </a:prstGeom>
+            <a:noFill/>
+          </p:spPr>
+          <p:txBody>
+            <a:bodyPr wrap="none" rtlCol="0">
+              <a:spAutoFit/>
+            </a:bodyPr>
+            <a:lstStyle/>
+            <a:p>
+              <a:r>
+                <a:rPr lang="en-US" sz="1400" dirty="0">
+                  <a:solidFill>
+                    <a:schemeClr val="accent1">
+                      <a:lumMod val="75000"/>
+                    </a:schemeClr>
+                  </a:solidFill>
+                </a:rPr>
+                <a:t>Working directory</a:t>
+              </a:r>
+            </a:p>
+          </p:txBody>
+        </p:sp>
+        <p:sp>
+          <p:nvSpPr>
+            <p:cNvPr id="108" name="Rectangle 107">
+              <a:extLst>
+                <a:ext uri="{FF2B5EF4-FFF2-40B4-BE49-F238E27FC236}">
+                  <a16:creationId xmlns:a16="http://schemas.microsoft.com/office/drawing/2014/main" id="{1D8EDADA-EA5B-6648-9156-E5C5021D9286}"/>
+                </a:ext>
+              </a:extLst>
+            </p:cNvPr>
+            <p:cNvSpPr/>
+            <p:nvPr/>
+          </p:nvSpPr>
+          <p:spPr>
+            <a:xfrm>
+              <a:off x="1521386" y="2621664"/>
+              <a:ext cx="1097280" cy="457200"/>
+            </a:xfrm>
+            <a:prstGeom prst="rect">
+              <a:avLst/>
+            </a:prstGeom>
+            <a:noFill/>
+            <a:ln>
+              <a:solidFill>
+                <a:schemeClr val="accent1">
+                  <a:lumMod val="75000"/>
+                </a:schemeClr>
+              </a:solidFill>
+              <a:prstDash val="dash"/>
+            </a:ln>
+          </p:spPr>
+          <p:style>
+            <a:lnRef idx="2">
+              <a:schemeClr val="accent1">
+                <a:shade val="50000"/>
+              </a:schemeClr>
+            </a:lnRef>
+            <a:fillRef idx="1">
+              <a:schemeClr val="accent1"/>
+            </a:fillRef>
+            <a:effectRef idx="0">
+              <a:schemeClr val="accent1"/>
+            </a:effectRef>
+            <a:fontRef idx="minor">
+              <a:schemeClr val="lt1"/>
+            </a:fontRef>
+          </p:style>
+          <p:txBody>
+            <a:bodyPr rtlCol="0" anchor="ctr"/>
+            <a:lstStyle/>
+            <a:p>
+              <a:pPr algn="ctr"/>
+              <a:r>
+                <a:rPr lang="en-US" sz="1400" dirty="0">
+                  <a:solidFill>
+                    <a:schemeClr val="tx1"/>
+                  </a:solidFill>
+                </a:rPr>
+                <a:t>file-v3</a:t>
+              </a:r>
+            </a:p>
+          </p:txBody>
+        </p:sp>
+        <p:sp>
+          <p:nvSpPr>
+            <p:cNvPr id="109" name="TextBox 108">
+              <a:extLst>
+                <a:ext uri="{FF2B5EF4-FFF2-40B4-BE49-F238E27FC236}">
+                  <a16:creationId xmlns:a16="http://schemas.microsoft.com/office/drawing/2014/main" id="{91D8B45A-D6BE-3A47-85E4-EB6DF7B6D284}"/>
+                </a:ext>
+              </a:extLst>
+            </p:cNvPr>
+            <p:cNvSpPr txBox="1"/>
+            <p:nvPr/>
+          </p:nvSpPr>
+          <p:spPr>
+            <a:xfrm>
+              <a:off x="1529525" y="2313886"/>
+              <a:ext cx="1081002" cy="307777"/>
+            </a:xfrm>
+            <a:prstGeom prst="rect">
+              <a:avLst/>
+            </a:prstGeom>
+            <a:noFill/>
+          </p:spPr>
+          <p:txBody>
+            <a:bodyPr wrap="none" rtlCol="0">
+              <a:spAutoFit/>
+            </a:bodyPr>
+            <a:lstStyle/>
+            <a:p>
+              <a:r>
+                <a:rPr lang="en-US" sz="1400" dirty="0">
+                  <a:solidFill>
+                    <a:schemeClr val="accent1">
+                      <a:lumMod val="75000"/>
+                    </a:schemeClr>
+                  </a:solidFill>
+                </a:rPr>
+                <a:t>Staging area</a:t>
+              </a:r>
+            </a:p>
+          </p:txBody>
+        </p:sp>
+        <p:sp>
+          <p:nvSpPr>
+            <p:cNvPr id="110" name="Rectangle 109">
+              <a:extLst>
+                <a:ext uri="{FF2B5EF4-FFF2-40B4-BE49-F238E27FC236}">
+                  <a16:creationId xmlns:a16="http://schemas.microsoft.com/office/drawing/2014/main" id="{3AD8621E-1A6A-D244-B51F-A721A29091DF}"/>
+                </a:ext>
+              </a:extLst>
+            </p:cNvPr>
+            <p:cNvSpPr/>
+            <p:nvPr/>
+          </p:nvSpPr>
+          <p:spPr>
+            <a:xfrm>
+              <a:off x="2826494" y="2621664"/>
+              <a:ext cx="1097280" cy="457200"/>
+            </a:xfrm>
+            <a:prstGeom prst="rect">
+              <a:avLst/>
+            </a:prstGeom>
+            <a:noFill/>
+            <a:ln w="19050">
+              <a:solidFill>
+                <a:srgbClr val="FF0000"/>
+              </a:solidFill>
+              <a:prstDash val="dash"/>
+            </a:ln>
+          </p:spPr>
+          <p:style>
+            <a:lnRef idx="2">
+              <a:schemeClr val="accent1">
+                <a:shade val="50000"/>
+              </a:schemeClr>
+            </a:lnRef>
+            <a:fillRef idx="1">
+              <a:schemeClr val="accent1"/>
+            </a:fillRef>
+            <a:effectRef idx="0">
+              <a:schemeClr val="accent1"/>
+            </a:effectRef>
+            <a:fontRef idx="minor">
+              <a:schemeClr val="lt1"/>
+            </a:fontRef>
+          </p:style>
+          <p:txBody>
+            <a:bodyPr rtlCol="0" anchor="ctr"/>
+            <a:lstStyle/>
+            <a:p>
+              <a:pPr algn="ctr"/>
+              <a:r>
+                <a:rPr lang="en-US" sz="1400" dirty="0">
+                  <a:solidFill>
+                    <a:schemeClr val="tx1">
+                      <a:lumMod val="95000"/>
+                      <a:lumOff val="5000"/>
+                    </a:schemeClr>
+                  </a:solidFill>
+                </a:rPr>
+                <a:t>file-v2</a:t>
+              </a:r>
+            </a:p>
+          </p:txBody>
+        </p:sp>
+        <p:sp>
+          <p:nvSpPr>
+            <p:cNvPr id="111" name="TextBox 110">
+              <a:extLst>
+                <a:ext uri="{FF2B5EF4-FFF2-40B4-BE49-F238E27FC236}">
+                  <a16:creationId xmlns:a16="http://schemas.microsoft.com/office/drawing/2014/main" id="{9A6E64A8-9DF8-944B-ACCD-86DA53705487}"/>
+                </a:ext>
+              </a:extLst>
+            </p:cNvPr>
+            <p:cNvSpPr txBox="1"/>
+            <p:nvPr/>
+          </p:nvSpPr>
+          <p:spPr>
+            <a:xfrm>
+              <a:off x="2591907" y="2313886"/>
+              <a:ext cx="1566454" cy="307777"/>
+            </a:xfrm>
+            <a:prstGeom prst="rect">
+              <a:avLst/>
+            </a:prstGeom>
+            <a:noFill/>
+          </p:spPr>
+          <p:txBody>
+            <a:bodyPr wrap="none" rtlCol="0">
+              <a:spAutoFit/>
+            </a:bodyPr>
+            <a:lstStyle/>
+            <a:p>
+              <a:r>
+                <a:rPr lang="en-US" sz="1400" dirty="0">
+                  <a:solidFill>
+                    <a:schemeClr val="accent1">
+                      <a:lumMod val="75000"/>
+                    </a:schemeClr>
+                  </a:solidFill>
+                </a:rPr>
+                <a:t>Committed (HEAD)</a:t>
+              </a:r>
+            </a:p>
+          </p:txBody>
+        </p:sp>
+      </p:grpSp>
+      <p:sp>
+        <p:nvSpPr>
+          <p:cNvPr id="113" name="TextBox 112">
+            <a:extLst>
+              <a:ext uri="{FF2B5EF4-FFF2-40B4-BE49-F238E27FC236}">
+                <a16:creationId xmlns:a16="http://schemas.microsoft.com/office/drawing/2014/main" id="{22EAB708-3B94-7C41-8C62-D0308136DB4F}"/>
+              </a:ext>
+            </a:extLst>
+          </p:cNvPr>
+          <p:cNvSpPr txBox="1"/>
+          <p:nvPr/>
+        </p:nvSpPr>
+        <p:spPr>
+          <a:xfrm>
+            <a:off x="4668050" y="6502421"/>
+            <a:ext cx="3084499" cy="307777"/>
+          </a:xfrm>
+          <a:prstGeom prst="rect">
+            <a:avLst/>
+          </a:prstGeom>
+          <a:noFill/>
+        </p:spPr>
+        <p:txBody>
+          <a:bodyPr wrap="none" rtlCol="0">
+            <a:spAutoFit/>
+          </a:bodyPr>
+          <a:lstStyle/>
+          <a:p>
+            <a:r>
+              <a:rPr lang="en-US" sz="1400" dirty="0">
+                <a:latin typeface="Courier" pitchFamily="2" charset="0"/>
+              </a:rPr>
+              <a:t>$ git reset [--mixed] HEAD~</a:t>
+            </a:r>
+          </a:p>
+        </p:txBody>
+      </p:sp>
+      <p:grpSp>
+        <p:nvGrpSpPr>
+          <p:cNvPr id="114" name="Group 113">
+            <a:extLst>
+              <a:ext uri="{FF2B5EF4-FFF2-40B4-BE49-F238E27FC236}">
+                <a16:creationId xmlns:a16="http://schemas.microsoft.com/office/drawing/2014/main" id="{9AFE2490-F48B-8F48-9988-69ABB4BC8234}"/>
+              </a:ext>
+            </a:extLst>
+          </p:cNvPr>
+          <p:cNvGrpSpPr/>
+          <p:nvPr/>
+        </p:nvGrpSpPr>
+        <p:grpSpPr>
+          <a:xfrm>
+            <a:off x="4328522" y="3608183"/>
+            <a:ext cx="3378200" cy="1881742"/>
+            <a:chOff x="322935" y="3608183"/>
+            <a:chExt cx="3378200" cy="1881742"/>
+          </a:xfrm>
+        </p:grpSpPr>
+        <p:sp>
+          <p:nvSpPr>
+            <p:cNvPr id="115" name="Rounded Rectangle 114">
+              <a:extLst>
+                <a:ext uri="{FF2B5EF4-FFF2-40B4-BE49-F238E27FC236}">
+                  <a16:creationId xmlns:a16="http://schemas.microsoft.com/office/drawing/2014/main" id="{F211AE41-215B-5040-B6ED-A825E970A894}"/>
+                </a:ext>
+              </a:extLst>
+            </p:cNvPr>
+            <p:cNvSpPr/>
+            <p:nvPr/>
+          </p:nvSpPr>
+          <p:spPr>
+            <a:xfrm>
+              <a:off x="322935" y="4758405"/>
+              <a:ext cx="914400" cy="731520"/>
+            </a:xfrm>
+            <a:prstGeom prst="roundRect">
+              <a:avLst/>
+            </a:prstGeom>
+            <a:solidFill>
+              <a:schemeClr val="accent4">
+                <a:lumMod val="75000"/>
+              </a:schemeClr>
+            </a:solidFill>
+            <a:ln>
+              <a:solidFill>
+                <a:schemeClr val="accent4">
+                  <a:lumMod val="75000"/>
+                </a:schemeClr>
+              </a:solidFill>
+            </a:ln>
+          </p:spPr>
+          <p:style>
+            <a:lnRef idx="2">
+              <a:schemeClr val="accent6">
+                <a:shade val="50000"/>
+              </a:schemeClr>
+            </a:lnRef>
+            <a:fillRef idx="1">
+              <a:schemeClr val="accent6"/>
+            </a:fillRef>
+            <a:effectRef idx="0">
+              <a:schemeClr val="accent6"/>
+            </a:effectRef>
+            <a:fontRef idx="minor">
+              <a:schemeClr val="lt1"/>
+            </a:fontRef>
+          </p:style>
+          <p:txBody>
+            <a:bodyPr rtlCol="0" anchor="ctr"/>
+            <a:lstStyle/>
+            <a:p>
+              <a:pPr algn="ctr"/>
+              <a:r>
+                <a:rPr lang="en-US" sz="1400" dirty="0"/>
+                <a:t>C1</a:t>
+              </a:r>
+            </a:p>
+            <a:p>
+              <a:pPr algn="ctr"/>
+              <a:r>
+                <a:rPr lang="en-US" sz="1400" dirty="0"/>
+                <a:t>file-v1</a:t>
+              </a:r>
+            </a:p>
+          </p:txBody>
+        </p:sp>
+        <p:sp>
+          <p:nvSpPr>
+            <p:cNvPr id="116" name="Rounded Rectangle 115">
+              <a:extLst>
+                <a:ext uri="{FF2B5EF4-FFF2-40B4-BE49-F238E27FC236}">
+                  <a16:creationId xmlns:a16="http://schemas.microsoft.com/office/drawing/2014/main" id="{4A660B4A-6944-8643-8B2F-DC5FB86B1C9D}"/>
+                </a:ext>
+              </a:extLst>
+            </p:cNvPr>
+            <p:cNvSpPr/>
+            <p:nvPr/>
+          </p:nvSpPr>
+          <p:spPr>
+            <a:xfrm>
+              <a:off x="1554835" y="4758405"/>
+              <a:ext cx="914400" cy="731520"/>
+            </a:xfrm>
+            <a:prstGeom prst="roundRect">
+              <a:avLst/>
+            </a:prstGeom>
+            <a:solidFill>
+              <a:schemeClr val="accent4">
+                <a:lumMod val="75000"/>
+              </a:schemeClr>
+            </a:solidFill>
+            <a:ln>
+              <a:solidFill>
+                <a:schemeClr val="accent4">
+                  <a:lumMod val="75000"/>
+                </a:schemeClr>
+              </a:solidFill>
+            </a:ln>
+          </p:spPr>
+          <p:style>
+            <a:lnRef idx="2">
+              <a:schemeClr val="accent6">
+                <a:shade val="50000"/>
+              </a:schemeClr>
+            </a:lnRef>
+            <a:fillRef idx="1">
+              <a:schemeClr val="accent6"/>
+            </a:fillRef>
+            <a:effectRef idx="0">
+              <a:schemeClr val="accent6"/>
+            </a:effectRef>
+            <a:fontRef idx="minor">
+              <a:schemeClr val="lt1"/>
+            </a:fontRef>
+          </p:style>
+          <p:txBody>
+            <a:bodyPr rtlCol="0" anchor="ctr"/>
+            <a:lstStyle/>
+            <a:p>
+              <a:pPr algn="ctr"/>
+              <a:r>
+                <a:rPr lang="en-US" sz="1400" dirty="0"/>
+                <a:t>C2</a:t>
+              </a:r>
+            </a:p>
+            <a:p>
+              <a:pPr algn="ctr"/>
+              <a:r>
+                <a:rPr lang="en-US" sz="1400" dirty="0"/>
+                <a:t>file-v2</a:t>
+              </a:r>
+            </a:p>
+          </p:txBody>
+        </p:sp>
+        <p:cxnSp>
+          <p:nvCxnSpPr>
+            <p:cNvPr id="117" name="Straight Arrow Connector 116">
+              <a:extLst>
+                <a:ext uri="{FF2B5EF4-FFF2-40B4-BE49-F238E27FC236}">
+                  <a16:creationId xmlns:a16="http://schemas.microsoft.com/office/drawing/2014/main" id="{5B2342A1-313E-0F4B-A751-7F8D3A29CA6A}"/>
+                </a:ext>
+              </a:extLst>
+            </p:cNvPr>
+            <p:cNvCxnSpPr>
+              <a:cxnSpLocks/>
+              <a:stCxn id="116" idx="1"/>
+              <a:endCxn id="115" idx="3"/>
+            </p:cNvCxnSpPr>
+            <p:nvPr/>
+          </p:nvCxnSpPr>
+          <p:spPr>
+            <a:xfrm flipH="1">
+              <a:off x="1237335" y="5124165"/>
+              <a:ext cx="317500" cy="0"/>
+            </a:xfrm>
+            <a:prstGeom prst="straightConnector1">
+              <a:avLst/>
+            </a:prstGeom>
+            <a:ln>
+              <a:solidFill>
+                <a:schemeClr val="accent4">
+                  <a:lumMod val="75000"/>
+                </a:schemeClr>
+              </a:solidFill>
+              <a:tailEnd type="triangle"/>
+            </a:ln>
+          </p:spPr>
+          <p:style>
+            <a:lnRef idx="1">
+              <a:schemeClr val="accent1"/>
+            </a:lnRef>
+            <a:fillRef idx="0">
+              <a:schemeClr val="accent1"/>
+            </a:fillRef>
+            <a:effectRef idx="0">
+              <a:schemeClr val="accent1"/>
+            </a:effectRef>
+            <a:fontRef idx="minor">
+              <a:schemeClr val="tx1"/>
+            </a:fontRef>
+          </p:style>
+        </p:cxnSp>
+        <p:sp>
+          <p:nvSpPr>
+            <p:cNvPr id="118" name="Rounded Rectangle 117">
+              <a:extLst>
+                <a:ext uri="{FF2B5EF4-FFF2-40B4-BE49-F238E27FC236}">
+                  <a16:creationId xmlns:a16="http://schemas.microsoft.com/office/drawing/2014/main" id="{BFBF84EA-E5F4-3D44-B5F0-027BA13FD88D}"/>
+                </a:ext>
+              </a:extLst>
+            </p:cNvPr>
+            <p:cNvSpPr/>
+            <p:nvPr/>
+          </p:nvSpPr>
+          <p:spPr>
+            <a:xfrm>
+              <a:off x="1326235" y="3608183"/>
+              <a:ext cx="1371600" cy="457200"/>
+            </a:xfrm>
+            <a:prstGeom prst="roundRect">
+              <a:avLst/>
+            </a:prstGeom>
+            <a:solidFill>
+              <a:schemeClr val="accent6">
+                <a:lumMod val="75000"/>
+              </a:schemeClr>
+            </a:solidFill>
+            <a:ln w="25400">
+              <a:solidFill>
+                <a:srgbClr val="FF0000"/>
+              </a:solidFill>
+              <a:prstDash val="solid"/>
+            </a:ln>
+          </p:spPr>
+          <p:style>
+            <a:lnRef idx="2">
+              <a:schemeClr val="accent6">
+                <a:shade val="50000"/>
+              </a:schemeClr>
+            </a:lnRef>
+            <a:fillRef idx="1">
+              <a:schemeClr val="accent6"/>
+            </a:fillRef>
+            <a:effectRef idx="0">
+              <a:schemeClr val="accent6"/>
+            </a:effectRef>
+            <a:fontRef idx="minor">
+              <a:schemeClr val="lt1"/>
+            </a:fontRef>
+          </p:style>
+          <p:txBody>
+            <a:bodyPr rtlCol="0" anchor="ctr"/>
+            <a:lstStyle/>
+            <a:p>
+              <a:pPr algn="ctr"/>
+              <a:r>
+                <a:rPr lang="en-US" sz="1400" dirty="0"/>
+                <a:t>HEAD</a:t>
+              </a:r>
+            </a:p>
+          </p:txBody>
+        </p:sp>
+        <p:cxnSp>
+          <p:nvCxnSpPr>
+            <p:cNvPr id="119" name="Straight Arrow Connector 118">
+              <a:extLst>
+                <a:ext uri="{FF2B5EF4-FFF2-40B4-BE49-F238E27FC236}">
+                  <a16:creationId xmlns:a16="http://schemas.microsoft.com/office/drawing/2014/main" id="{99ABBAFE-81FA-E845-AEF7-9BA92E6BA9AB}"/>
+                </a:ext>
+              </a:extLst>
+            </p:cNvPr>
+            <p:cNvCxnSpPr>
+              <a:cxnSpLocks/>
+              <a:stCxn id="120" idx="2"/>
+              <a:endCxn id="116" idx="0"/>
+            </p:cNvCxnSpPr>
+            <p:nvPr/>
+          </p:nvCxnSpPr>
+          <p:spPr>
+            <a:xfrm>
+              <a:off x="2012035" y="4640494"/>
+              <a:ext cx="0" cy="117911"/>
+            </a:xfrm>
+            <a:prstGeom prst="straightConnector1">
+              <a:avLst/>
+            </a:prstGeom>
+            <a:ln>
+              <a:solidFill>
+                <a:schemeClr val="accent6">
+                  <a:lumMod val="75000"/>
+                </a:schemeClr>
+              </a:solidFill>
+              <a:tailEnd type="triangle"/>
+            </a:ln>
+          </p:spPr>
+          <p:style>
+            <a:lnRef idx="1">
+              <a:schemeClr val="accent1"/>
+            </a:lnRef>
+            <a:fillRef idx="0">
+              <a:schemeClr val="accent1"/>
+            </a:fillRef>
+            <a:effectRef idx="0">
+              <a:schemeClr val="accent1"/>
+            </a:effectRef>
+            <a:fontRef idx="minor">
+              <a:schemeClr val="tx1"/>
+            </a:fontRef>
+          </p:style>
+        </p:cxnSp>
+        <p:sp>
+          <p:nvSpPr>
+            <p:cNvPr id="120" name="Rounded Rectangle 119">
+              <a:extLst>
+                <a:ext uri="{FF2B5EF4-FFF2-40B4-BE49-F238E27FC236}">
+                  <a16:creationId xmlns:a16="http://schemas.microsoft.com/office/drawing/2014/main" id="{52FA96A2-4E88-194A-AAF8-11DEA3F35CAB}"/>
+                </a:ext>
+              </a:extLst>
+            </p:cNvPr>
+            <p:cNvSpPr/>
+            <p:nvPr/>
+          </p:nvSpPr>
+          <p:spPr>
+            <a:xfrm>
+              <a:off x="1326235" y="4183294"/>
+              <a:ext cx="1371600" cy="457200"/>
+            </a:xfrm>
+            <a:prstGeom prst="roundRect">
+              <a:avLst/>
+            </a:prstGeom>
+            <a:solidFill>
+              <a:schemeClr val="accent6">
+                <a:lumMod val="75000"/>
+              </a:schemeClr>
+            </a:solidFill>
+            <a:ln w="25400">
+              <a:solidFill>
+                <a:srgbClr val="FF0000"/>
+              </a:solidFill>
+              <a:prstDash val="solid"/>
+            </a:ln>
+          </p:spPr>
+          <p:style>
+            <a:lnRef idx="2">
+              <a:schemeClr val="accent6">
+                <a:shade val="50000"/>
+              </a:schemeClr>
+            </a:lnRef>
+            <a:fillRef idx="1">
+              <a:schemeClr val="accent6"/>
+            </a:fillRef>
+            <a:effectRef idx="0">
+              <a:schemeClr val="accent6"/>
+            </a:effectRef>
+            <a:fontRef idx="minor">
+              <a:schemeClr val="lt1"/>
+            </a:fontRef>
+          </p:style>
+          <p:txBody>
+            <a:bodyPr rtlCol="0" anchor="ctr"/>
+            <a:lstStyle/>
+            <a:p>
+              <a:pPr algn="ctr"/>
+              <a:r>
+                <a:rPr lang="en-US" sz="1400" dirty="0"/>
+                <a:t>master</a:t>
+              </a:r>
+            </a:p>
+          </p:txBody>
+        </p:sp>
+        <p:cxnSp>
+          <p:nvCxnSpPr>
+            <p:cNvPr id="121" name="Straight Arrow Connector 120">
+              <a:extLst>
+                <a:ext uri="{FF2B5EF4-FFF2-40B4-BE49-F238E27FC236}">
+                  <a16:creationId xmlns:a16="http://schemas.microsoft.com/office/drawing/2014/main" id="{3E91C71F-A558-2D44-A9F2-A2F1472A2EF2}"/>
+                </a:ext>
+              </a:extLst>
+            </p:cNvPr>
+            <p:cNvCxnSpPr>
+              <a:cxnSpLocks/>
+              <a:stCxn id="118" idx="2"/>
+              <a:endCxn id="120" idx="0"/>
+            </p:cNvCxnSpPr>
+            <p:nvPr/>
+          </p:nvCxnSpPr>
+          <p:spPr>
+            <a:xfrm>
+              <a:off x="2012035" y="4065383"/>
+              <a:ext cx="0" cy="117911"/>
+            </a:xfrm>
+            <a:prstGeom prst="straightConnector1">
+              <a:avLst/>
+            </a:prstGeom>
+            <a:ln>
+              <a:solidFill>
+                <a:schemeClr val="accent6">
+                  <a:lumMod val="75000"/>
+                </a:schemeClr>
+              </a:solidFill>
+              <a:tailEnd type="triangle"/>
+            </a:ln>
+          </p:spPr>
+          <p:style>
+            <a:lnRef idx="1">
+              <a:schemeClr val="accent1"/>
+            </a:lnRef>
+            <a:fillRef idx="0">
+              <a:schemeClr val="accent1"/>
+            </a:fillRef>
+            <a:effectRef idx="0">
+              <a:schemeClr val="accent1"/>
+            </a:effectRef>
+            <a:fontRef idx="minor">
+              <a:schemeClr val="tx1"/>
+            </a:fontRef>
+          </p:style>
+        </p:cxnSp>
+        <p:sp>
+          <p:nvSpPr>
+            <p:cNvPr id="122" name="Rounded Rectangle 121">
+              <a:extLst>
+                <a:ext uri="{FF2B5EF4-FFF2-40B4-BE49-F238E27FC236}">
+                  <a16:creationId xmlns:a16="http://schemas.microsoft.com/office/drawing/2014/main" id="{259008ED-E7EF-C74F-AB7E-89DEFDF2428B}"/>
+                </a:ext>
+              </a:extLst>
+            </p:cNvPr>
+            <p:cNvSpPr/>
+            <p:nvPr/>
+          </p:nvSpPr>
+          <p:spPr>
+            <a:xfrm>
+              <a:off x="2786735" y="4758405"/>
+              <a:ext cx="914400" cy="731520"/>
+            </a:xfrm>
+            <a:prstGeom prst="roundRect">
+              <a:avLst/>
+            </a:prstGeom>
+            <a:solidFill>
+              <a:schemeClr val="accent4">
+                <a:lumMod val="75000"/>
+              </a:schemeClr>
+            </a:solidFill>
+            <a:ln>
+              <a:solidFill>
+                <a:schemeClr val="accent4">
+                  <a:lumMod val="75000"/>
+                </a:schemeClr>
+              </a:solidFill>
+            </a:ln>
+          </p:spPr>
+          <p:style>
+            <a:lnRef idx="2">
+              <a:schemeClr val="accent6">
+                <a:shade val="50000"/>
+              </a:schemeClr>
+            </a:lnRef>
+            <a:fillRef idx="1">
+              <a:schemeClr val="accent6"/>
+            </a:fillRef>
+            <a:effectRef idx="0">
+              <a:schemeClr val="accent6"/>
+            </a:effectRef>
+            <a:fontRef idx="minor">
+              <a:schemeClr val="lt1"/>
+            </a:fontRef>
+          </p:style>
+          <p:txBody>
+            <a:bodyPr rtlCol="0" anchor="ctr"/>
+            <a:lstStyle/>
+            <a:p>
+              <a:pPr algn="ctr"/>
+              <a:r>
+                <a:rPr lang="en-US" sz="1400" dirty="0"/>
+                <a:t>C3</a:t>
+              </a:r>
+            </a:p>
+            <a:p>
+              <a:pPr algn="ctr"/>
+              <a:r>
+                <a:rPr lang="en-US" sz="1400" dirty="0"/>
+                <a:t>file-v3</a:t>
+              </a:r>
+            </a:p>
+          </p:txBody>
+        </p:sp>
+        <p:cxnSp>
+          <p:nvCxnSpPr>
+            <p:cNvPr id="123" name="Straight Arrow Connector 122">
+              <a:extLst>
+                <a:ext uri="{FF2B5EF4-FFF2-40B4-BE49-F238E27FC236}">
+                  <a16:creationId xmlns:a16="http://schemas.microsoft.com/office/drawing/2014/main" id="{A1E96A13-6D42-F647-BDF5-68F82B5476FA}"/>
+                </a:ext>
+              </a:extLst>
+            </p:cNvPr>
+            <p:cNvCxnSpPr>
+              <a:cxnSpLocks/>
+              <a:stCxn id="122" idx="1"/>
+              <a:endCxn id="116" idx="3"/>
+            </p:cNvCxnSpPr>
+            <p:nvPr/>
+          </p:nvCxnSpPr>
+          <p:spPr>
+            <a:xfrm flipH="1">
+              <a:off x="2469235" y="5124165"/>
+              <a:ext cx="317500" cy="0"/>
+            </a:xfrm>
+            <a:prstGeom prst="straightConnector1">
+              <a:avLst/>
+            </a:prstGeom>
+            <a:ln>
+              <a:solidFill>
+                <a:schemeClr val="accent4">
+                  <a:lumMod val="75000"/>
+                </a:schemeClr>
+              </a:solidFill>
+              <a:tailEnd type="triangle"/>
+            </a:ln>
+          </p:spPr>
+          <p:style>
+            <a:lnRef idx="1">
+              <a:schemeClr val="accent1"/>
+            </a:lnRef>
+            <a:fillRef idx="0">
+              <a:schemeClr val="accent1"/>
+            </a:fillRef>
+            <a:effectRef idx="0">
+              <a:schemeClr val="accent1"/>
+            </a:effectRef>
+            <a:fontRef idx="minor">
+              <a:schemeClr val="tx1"/>
+            </a:fontRef>
+          </p:style>
+        </p:cxnSp>
+      </p:grpSp>
+      <p:grpSp>
+        <p:nvGrpSpPr>
+          <p:cNvPr id="124" name="Group 123">
+            <a:extLst>
+              <a:ext uri="{FF2B5EF4-FFF2-40B4-BE49-F238E27FC236}">
+                <a16:creationId xmlns:a16="http://schemas.microsoft.com/office/drawing/2014/main" id="{3D805EBB-9D19-DA4C-902A-975A176F09B3}"/>
+              </a:ext>
+            </a:extLst>
+          </p:cNvPr>
+          <p:cNvGrpSpPr/>
+          <p:nvPr/>
+        </p:nvGrpSpPr>
+        <p:grpSpPr>
+          <a:xfrm>
+            <a:off x="4056650" y="5607836"/>
+            <a:ext cx="4142430" cy="764978"/>
+            <a:chOff x="15931" y="2313886"/>
+            <a:chExt cx="4142430" cy="764978"/>
+          </a:xfrm>
+        </p:grpSpPr>
+        <p:sp>
+          <p:nvSpPr>
+            <p:cNvPr id="125" name="Rectangle 124">
+              <a:extLst>
+                <a:ext uri="{FF2B5EF4-FFF2-40B4-BE49-F238E27FC236}">
+                  <a16:creationId xmlns:a16="http://schemas.microsoft.com/office/drawing/2014/main" id="{D6F64742-C186-2B4B-BC5F-67C05FD8D5B9}"/>
+                </a:ext>
+              </a:extLst>
+            </p:cNvPr>
+            <p:cNvSpPr/>
+            <p:nvPr/>
+          </p:nvSpPr>
+          <p:spPr>
+            <a:xfrm>
+              <a:off x="216278" y="2621664"/>
+              <a:ext cx="1097280" cy="457200"/>
+            </a:xfrm>
+            <a:prstGeom prst="rect">
+              <a:avLst/>
+            </a:prstGeom>
+            <a:noFill/>
+            <a:ln>
+              <a:solidFill>
+                <a:schemeClr val="accent1">
+                  <a:lumMod val="75000"/>
+                </a:schemeClr>
+              </a:solidFill>
+              <a:prstDash val="dash"/>
+            </a:ln>
+          </p:spPr>
+          <p:style>
+            <a:lnRef idx="2">
+              <a:schemeClr val="accent1">
+                <a:shade val="50000"/>
+              </a:schemeClr>
+            </a:lnRef>
+            <a:fillRef idx="1">
+              <a:schemeClr val="accent1"/>
+            </a:fillRef>
+            <a:effectRef idx="0">
+              <a:schemeClr val="accent1"/>
+            </a:effectRef>
+            <a:fontRef idx="minor">
+              <a:schemeClr val="lt1"/>
+            </a:fontRef>
+          </p:style>
+          <p:txBody>
+            <a:bodyPr rtlCol="0" anchor="ctr"/>
+            <a:lstStyle/>
+            <a:p>
+              <a:pPr algn="ctr"/>
+              <a:r>
+                <a:rPr lang="en-US" sz="1400" dirty="0">
+                  <a:solidFill>
+                    <a:schemeClr val="tx1"/>
+                  </a:solidFill>
+                </a:rPr>
+                <a:t>file-v3</a:t>
+              </a:r>
+            </a:p>
+          </p:txBody>
+        </p:sp>
+        <p:sp>
+          <p:nvSpPr>
+            <p:cNvPr id="126" name="TextBox 125">
+              <a:extLst>
+                <a:ext uri="{FF2B5EF4-FFF2-40B4-BE49-F238E27FC236}">
+                  <a16:creationId xmlns:a16="http://schemas.microsoft.com/office/drawing/2014/main" id="{7AAB1335-4D44-5E4F-8FBF-F3B7D3ABD4D3}"/>
+                </a:ext>
+              </a:extLst>
+            </p:cNvPr>
+            <p:cNvSpPr txBox="1"/>
+            <p:nvPr/>
+          </p:nvSpPr>
+          <p:spPr>
+            <a:xfrm>
+              <a:off x="15931" y="2313886"/>
+              <a:ext cx="1497974" cy="307777"/>
+            </a:xfrm>
+            <a:prstGeom prst="rect">
+              <a:avLst/>
+            </a:prstGeom>
+            <a:noFill/>
+          </p:spPr>
+          <p:txBody>
+            <a:bodyPr wrap="none" rtlCol="0">
+              <a:spAutoFit/>
+            </a:bodyPr>
+            <a:lstStyle/>
+            <a:p>
+              <a:r>
+                <a:rPr lang="en-US" sz="1400" dirty="0">
+                  <a:solidFill>
+                    <a:schemeClr val="accent1">
+                      <a:lumMod val="75000"/>
+                    </a:schemeClr>
+                  </a:solidFill>
+                </a:rPr>
+                <a:t>Working directory</a:t>
+              </a:r>
+            </a:p>
+          </p:txBody>
+        </p:sp>
+        <p:sp>
+          <p:nvSpPr>
+            <p:cNvPr id="127" name="Rectangle 126">
+              <a:extLst>
+                <a:ext uri="{FF2B5EF4-FFF2-40B4-BE49-F238E27FC236}">
+                  <a16:creationId xmlns:a16="http://schemas.microsoft.com/office/drawing/2014/main" id="{6A7D0F1D-48CD-3B42-8DBC-0104E98E19D6}"/>
+                </a:ext>
+              </a:extLst>
+            </p:cNvPr>
+            <p:cNvSpPr/>
+            <p:nvPr/>
+          </p:nvSpPr>
+          <p:spPr>
+            <a:xfrm>
+              <a:off x="1521386" y="2621664"/>
+              <a:ext cx="1097280" cy="457200"/>
+            </a:xfrm>
+            <a:prstGeom prst="rect">
+              <a:avLst/>
+            </a:prstGeom>
+            <a:noFill/>
+            <a:ln w="19050">
+              <a:solidFill>
+                <a:srgbClr val="FF0000"/>
+              </a:solidFill>
+              <a:prstDash val="dash"/>
+            </a:ln>
+          </p:spPr>
+          <p:style>
+            <a:lnRef idx="2">
+              <a:schemeClr val="accent1">
+                <a:shade val="50000"/>
+              </a:schemeClr>
+            </a:lnRef>
+            <a:fillRef idx="1">
+              <a:schemeClr val="accent1"/>
+            </a:fillRef>
+            <a:effectRef idx="0">
+              <a:schemeClr val="accent1"/>
+            </a:effectRef>
+            <a:fontRef idx="minor">
+              <a:schemeClr val="lt1"/>
+            </a:fontRef>
+          </p:style>
+          <p:txBody>
+            <a:bodyPr rtlCol="0" anchor="ctr"/>
+            <a:lstStyle/>
+            <a:p>
+              <a:pPr algn="ctr"/>
+              <a:r>
+                <a:rPr lang="en-US" sz="1400" dirty="0">
+                  <a:solidFill>
+                    <a:schemeClr val="tx1">
+                      <a:lumMod val="95000"/>
+                      <a:lumOff val="5000"/>
+                    </a:schemeClr>
+                  </a:solidFill>
+                </a:rPr>
+                <a:t>file-v2</a:t>
+              </a:r>
+            </a:p>
+          </p:txBody>
+        </p:sp>
+        <p:sp>
+          <p:nvSpPr>
+            <p:cNvPr id="128" name="TextBox 127">
+              <a:extLst>
+                <a:ext uri="{FF2B5EF4-FFF2-40B4-BE49-F238E27FC236}">
+                  <a16:creationId xmlns:a16="http://schemas.microsoft.com/office/drawing/2014/main" id="{C88112BA-FA91-814C-8BA7-523422C2EB50}"/>
+                </a:ext>
+              </a:extLst>
+            </p:cNvPr>
+            <p:cNvSpPr txBox="1"/>
+            <p:nvPr/>
+          </p:nvSpPr>
+          <p:spPr>
+            <a:xfrm>
+              <a:off x="1529525" y="2313886"/>
+              <a:ext cx="1081002" cy="307777"/>
+            </a:xfrm>
+            <a:prstGeom prst="rect">
+              <a:avLst/>
+            </a:prstGeom>
+            <a:noFill/>
+          </p:spPr>
+          <p:txBody>
+            <a:bodyPr wrap="none" rtlCol="0">
+              <a:spAutoFit/>
+            </a:bodyPr>
+            <a:lstStyle/>
+            <a:p>
+              <a:r>
+                <a:rPr lang="en-US" sz="1400" dirty="0">
+                  <a:solidFill>
+                    <a:schemeClr val="accent1">
+                      <a:lumMod val="75000"/>
+                    </a:schemeClr>
+                  </a:solidFill>
+                </a:rPr>
+                <a:t>Staging area</a:t>
+              </a:r>
+            </a:p>
+          </p:txBody>
+        </p:sp>
+        <p:sp>
+          <p:nvSpPr>
+            <p:cNvPr id="129" name="Rectangle 128">
+              <a:extLst>
+                <a:ext uri="{FF2B5EF4-FFF2-40B4-BE49-F238E27FC236}">
+                  <a16:creationId xmlns:a16="http://schemas.microsoft.com/office/drawing/2014/main" id="{8BA6C2E5-6BB7-1041-A50F-7942874550A9}"/>
+                </a:ext>
+              </a:extLst>
+            </p:cNvPr>
+            <p:cNvSpPr/>
+            <p:nvPr/>
+          </p:nvSpPr>
+          <p:spPr>
+            <a:xfrm>
+              <a:off x="2826494" y="2621664"/>
+              <a:ext cx="1097280" cy="457200"/>
+            </a:xfrm>
+            <a:prstGeom prst="rect">
+              <a:avLst/>
+            </a:prstGeom>
+            <a:noFill/>
+            <a:ln w="19050">
+              <a:solidFill>
+                <a:srgbClr val="FF0000"/>
+              </a:solidFill>
+              <a:prstDash val="dash"/>
+            </a:ln>
+          </p:spPr>
+          <p:style>
+            <a:lnRef idx="2">
+              <a:schemeClr val="accent1">
+                <a:shade val="50000"/>
+              </a:schemeClr>
+            </a:lnRef>
+            <a:fillRef idx="1">
+              <a:schemeClr val="accent1"/>
+            </a:fillRef>
+            <a:effectRef idx="0">
+              <a:schemeClr val="accent1"/>
+            </a:effectRef>
+            <a:fontRef idx="minor">
+              <a:schemeClr val="lt1"/>
+            </a:fontRef>
+          </p:style>
+          <p:txBody>
+            <a:bodyPr rtlCol="0" anchor="ctr"/>
+            <a:lstStyle/>
+            <a:p>
+              <a:pPr algn="ctr"/>
+              <a:r>
+                <a:rPr lang="en-US" sz="1400" dirty="0">
+                  <a:solidFill>
+                    <a:schemeClr val="tx1">
+                      <a:lumMod val="95000"/>
+                      <a:lumOff val="5000"/>
+                    </a:schemeClr>
+                  </a:solidFill>
+                </a:rPr>
+                <a:t>file-v2</a:t>
+              </a:r>
+            </a:p>
+          </p:txBody>
+        </p:sp>
+        <p:sp>
+          <p:nvSpPr>
+            <p:cNvPr id="130" name="TextBox 129">
+              <a:extLst>
+                <a:ext uri="{FF2B5EF4-FFF2-40B4-BE49-F238E27FC236}">
+                  <a16:creationId xmlns:a16="http://schemas.microsoft.com/office/drawing/2014/main" id="{0555EC36-DA9F-EF4B-838D-60C1E2F75182}"/>
+                </a:ext>
+              </a:extLst>
+            </p:cNvPr>
+            <p:cNvSpPr txBox="1"/>
+            <p:nvPr/>
+          </p:nvSpPr>
+          <p:spPr>
+            <a:xfrm>
+              <a:off x="2591907" y="2313886"/>
+              <a:ext cx="1566454" cy="307777"/>
+            </a:xfrm>
+            <a:prstGeom prst="rect">
+              <a:avLst/>
+            </a:prstGeom>
+            <a:noFill/>
+          </p:spPr>
+          <p:txBody>
+            <a:bodyPr wrap="none" rtlCol="0">
+              <a:spAutoFit/>
+            </a:bodyPr>
+            <a:lstStyle/>
+            <a:p>
+              <a:r>
+                <a:rPr lang="en-US" sz="1400" dirty="0">
+                  <a:solidFill>
+                    <a:schemeClr val="accent1">
+                      <a:lumMod val="75000"/>
+                    </a:schemeClr>
+                  </a:solidFill>
+                </a:rPr>
+                <a:t>Committed (HEAD)</a:t>
+              </a:r>
+            </a:p>
+          </p:txBody>
+        </p:sp>
+      </p:grpSp>
+      <p:sp>
+        <p:nvSpPr>
+          <p:cNvPr id="131" name="TextBox 130">
+            <a:extLst>
+              <a:ext uri="{FF2B5EF4-FFF2-40B4-BE49-F238E27FC236}">
+                <a16:creationId xmlns:a16="http://schemas.microsoft.com/office/drawing/2014/main" id="{4292CB5F-1E0F-4C4B-9387-19C80C173EE3}"/>
+              </a:ext>
+            </a:extLst>
+          </p:cNvPr>
+          <p:cNvSpPr txBox="1"/>
+          <p:nvPr/>
+        </p:nvSpPr>
+        <p:spPr>
+          <a:xfrm>
+            <a:off x="8828554" y="6515338"/>
+            <a:ext cx="2762295" cy="307777"/>
+          </a:xfrm>
+          <a:prstGeom prst="rect">
+            <a:avLst/>
+          </a:prstGeom>
+          <a:noFill/>
+        </p:spPr>
+        <p:txBody>
+          <a:bodyPr wrap="none" rtlCol="0">
+            <a:spAutoFit/>
+          </a:bodyPr>
+          <a:lstStyle/>
+          <a:p>
+            <a:r>
+              <a:rPr lang="en-US" sz="1400" dirty="0">
+                <a:latin typeface="Courier" pitchFamily="2" charset="0"/>
+              </a:rPr>
+              <a:t>$ git reset --hard HEAD~</a:t>
+            </a:r>
+          </a:p>
+        </p:txBody>
+      </p:sp>
+      <p:grpSp>
+        <p:nvGrpSpPr>
+          <p:cNvPr id="132" name="Group 131">
+            <a:extLst>
+              <a:ext uri="{FF2B5EF4-FFF2-40B4-BE49-F238E27FC236}">
+                <a16:creationId xmlns:a16="http://schemas.microsoft.com/office/drawing/2014/main" id="{A0935DB0-011C-574F-BFF4-597B2B89C5E3}"/>
+              </a:ext>
+            </a:extLst>
+          </p:cNvPr>
+          <p:cNvGrpSpPr/>
+          <p:nvPr/>
+        </p:nvGrpSpPr>
+        <p:grpSpPr>
+          <a:xfrm>
+            <a:off x="8427479" y="3608183"/>
+            <a:ext cx="3378200" cy="1881742"/>
+            <a:chOff x="322935" y="3608183"/>
+            <a:chExt cx="3378200" cy="1881742"/>
+          </a:xfrm>
+        </p:grpSpPr>
+        <p:sp>
+          <p:nvSpPr>
+            <p:cNvPr id="133" name="Rounded Rectangle 132">
+              <a:extLst>
+                <a:ext uri="{FF2B5EF4-FFF2-40B4-BE49-F238E27FC236}">
+                  <a16:creationId xmlns:a16="http://schemas.microsoft.com/office/drawing/2014/main" id="{5565E178-BADC-6744-B93A-2DFBAE1B5667}"/>
+                </a:ext>
+              </a:extLst>
+            </p:cNvPr>
+            <p:cNvSpPr/>
+            <p:nvPr/>
+          </p:nvSpPr>
+          <p:spPr>
+            <a:xfrm>
+              <a:off x="322935" y="4758405"/>
+              <a:ext cx="914400" cy="731520"/>
+            </a:xfrm>
+            <a:prstGeom prst="roundRect">
+              <a:avLst/>
+            </a:prstGeom>
+            <a:solidFill>
+              <a:schemeClr val="accent4">
+                <a:lumMod val="75000"/>
+              </a:schemeClr>
+            </a:solidFill>
+            <a:ln>
+              <a:solidFill>
+                <a:schemeClr val="accent4">
+                  <a:lumMod val="75000"/>
+                </a:schemeClr>
+              </a:solidFill>
+            </a:ln>
+          </p:spPr>
+          <p:style>
+            <a:lnRef idx="2">
+              <a:schemeClr val="accent6">
+                <a:shade val="50000"/>
+              </a:schemeClr>
+            </a:lnRef>
+            <a:fillRef idx="1">
+              <a:schemeClr val="accent6"/>
+            </a:fillRef>
+            <a:effectRef idx="0">
+              <a:schemeClr val="accent6"/>
+            </a:effectRef>
+            <a:fontRef idx="minor">
+              <a:schemeClr val="lt1"/>
+            </a:fontRef>
+          </p:style>
+          <p:txBody>
+            <a:bodyPr rtlCol="0" anchor="ctr"/>
+            <a:lstStyle/>
+            <a:p>
+              <a:pPr algn="ctr"/>
+              <a:r>
+                <a:rPr lang="en-US" sz="1400" dirty="0"/>
+                <a:t>C1</a:t>
+              </a:r>
+            </a:p>
+            <a:p>
+              <a:pPr algn="ctr"/>
+              <a:r>
+                <a:rPr lang="en-US" sz="1400" dirty="0"/>
+                <a:t>file-v1</a:t>
+              </a:r>
+            </a:p>
+          </p:txBody>
+        </p:sp>
+        <p:sp>
+          <p:nvSpPr>
+            <p:cNvPr id="134" name="Rounded Rectangle 133">
+              <a:extLst>
+                <a:ext uri="{FF2B5EF4-FFF2-40B4-BE49-F238E27FC236}">
+                  <a16:creationId xmlns:a16="http://schemas.microsoft.com/office/drawing/2014/main" id="{21BD1E55-D64B-E840-B334-064E521E97B5}"/>
+                </a:ext>
+              </a:extLst>
+            </p:cNvPr>
+            <p:cNvSpPr/>
+            <p:nvPr/>
+          </p:nvSpPr>
+          <p:spPr>
+            <a:xfrm>
+              <a:off x="1554835" y="4758405"/>
+              <a:ext cx="914400" cy="731520"/>
+            </a:xfrm>
+            <a:prstGeom prst="roundRect">
+              <a:avLst/>
+            </a:prstGeom>
+            <a:solidFill>
+              <a:schemeClr val="accent4">
+                <a:lumMod val="75000"/>
+              </a:schemeClr>
+            </a:solidFill>
+            <a:ln>
+              <a:solidFill>
+                <a:schemeClr val="accent4">
+                  <a:lumMod val="75000"/>
+                </a:schemeClr>
+              </a:solidFill>
+            </a:ln>
+          </p:spPr>
+          <p:style>
+            <a:lnRef idx="2">
+              <a:schemeClr val="accent6">
+                <a:shade val="50000"/>
+              </a:schemeClr>
+            </a:lnRef>
+            <a:fillRef idx="1">
+              <a:schemeClr val="accent6"/>
+            </a:fillRef>
+            <a:effectRef idx="0">
+              <a:schemeClr val="accent6"/>
+            </a:effectRef>
+            <a:fontRef idx="minor">
+              <a:schemeClr val="lt1"/>
+            </a:fontRef>
+          </p:style>
+          <p:txBody>
+            <a:bodyPr rtlCol="0" anchor="ctr"/>
+            <a:lstStyle/>
+            <a:p>
+              <a:pPr algn="ctr"/>
+              <a:r>
+                <a:rPr lang="en-US" sz="1400" dirty="0"/>
+                <a:t>C2</a:t>
+              </a:r>
+            </a:p>
+            <a:p>
+              <a:pPr algn="ctr"/>
+              <a:r>
+                <a:rPr lang="en-US" sz="1400" dirty="0"/>
+                <a:t>file-v2</a:t>
+              </a:r>
+            </a:p>
+          </p:txBody>
+        </p:sp>
+        <p:cxnSp>
+          <p:nvCxnSpPr>
+            <p:cNvPr id="135" name="Straight Arrow Connector 134">
+              <a:extLst>
+                <a:ext uri="{FF2B5EF4-FFF2-40B4-BE49-F238E27FC236}">
+                  <a16:creationId xmlns:a16="http://schemas.microsoft.com/office/drawing/2014/main" id="{F5FA269F-40F5-4F48-80F4-B100BC8A9FDD}"/>
+                </a:ext>
+              </a:extLst>
+            </p:cNvPr>
+            <p:cNvCxnSpPr>
+              <a:cxnSpLocks/>
+              <a:stCxn id="134" idx="1"/>
+              <a:endCxn id="133" idx="3"/>
+            </p:cNvCxnSpPr>
+            <p:nvPr/>
+          </p:nvCxnSpPr>
+          <p:spPr>
+            <a:xfrm flipH="1">
+              <a:off x="1237335" y="5124165"/>
+              <a:ext cx="317500" cy="0"/>
+            </a:xfrm>
+            <a:prstGeom prst="straightConnector1">
+              <a:avLst/>
+            </a:prstGeom>
+            <a:ln>
+              <a:solidFill>
+                <a:schemeClr val="accent4">
+                  <a:lumMod val="75000"/>
+                </a:schemeClr>
+              </a:solidFill>
+              <a:tailEnd type="triangle"/>
+            </a:ln>
+          </p:spPr>
+          <p:style>
+            <a:lnRef idx="1">
+              <a:schemeClr val="accent1"/>
+            </a:lnRef>
+            <a:fillRef idx="0">
+              <a:schemeClr val="accent1"/>
+            </a:fillRef>
+            <a:effectRef idx="0">
+              <a:schemeClr val="accent1"/>
+            </a:effectRef>
+            <a:fontRef idx="minor">
+              <a:schemeClr val="tx1"/>
+            </a:fontRef>
+          </p:style>
+        </p:cxnSp>
+        <p:sp>
+          <p:nvSpPr>
+            <p:cNvPr id="136" name="Rounded Rectangle 135">
+              <a:extLst>
+                <a:ext uri="{FF2B5EF4-FFF2-40B4-BE49-F238E27FC236}">
+                  <a16:creationId xmlns:a16="http://schemas.microsoft.com/office/drawing/2014/main" id="{A45ACFDE-5CF4-794B-977E-AD42B10BA578}"/>
+                </a:ext>
+              </a:extLst>
+            </p:cNvPr>
+            <p:cNvSpPr/>
+            <p:nvPr/>
+          </p:nvSpPr>
+          <p:spPr>
+            <a:xfrm>
+              <a:off x="1326235" y="3608183"/>
+              <a:ext cx="1371600" cy="457200"/>
+            </a:xfrm>
+            <a:prstGeom prst="roundRect">
+              <a:avLst/>
+            </a:prstGeom>
+            <a:solidFill>
+              <a:schemeClr val="accent6">
+                <a:lumMod val="75000"/>
+              </a:schemeClr>
+            </a:solidFill>
+            <a:ln w="25400">
+              <a:solidFill>
+                <a:srgbClr val="FF0000"/>
+              </a:solidFill>
+              <a:prstDash val="solid"/>
+            </a:ln>
+          </p:spPr>
+          <p:style>
+            <a:lnRef idx="2">
+              <a:schemeClr val="accent6">
+                <a:shade val="50000"/>
+              </a:schemeClr>
+            </a:lnRef>
+            <a:fillRef idx="1">
+              <a:schemeClr val="accent6"/>
+            </a:fillRef>
+            <a:effectRef idx="0">
+              <a:schemeClr val="accent6"/>
+            </a:effectRef>
+            <a:fontRef idx="minor">
+              <a:schemeClr val="lt1"/>
+            </a:fontRef>
+          </p:style>
+          <p:txBody>
+            <a:bodyPr rtlCol="0" anchor="ctr"/>
+            <a:lstStyle/>
+            <a:p>
+              <a:pPr algn="ctr"/>
+              <a:r>
+                <a:rPr lang="en-US" sz="1400" dirty="0"/>
+                <a:t>HEAD</a:t>
+              </a:r>
+            </a:p>
+          </p:txBody>
+        </p:sp>
+        <p:cxnSp>
+          <p:nvCxnSpPr>
+            <p:cNvPr id="137" name="Straight Arrow Connector 136">
+              <a:extLst>
+                <a:ext uri="{FF2B5EF4-FFF2-40B4-BE49-F238E27FC236}">
+                  <a16:creationId xmlns:a16="http://schemas.microsoft.com/office/drawing/2014/main" id="{6B8A224E-2945-5A4B-AB1F-056D1EC915D7}"/>
+                </a:ext>
+              </a:extLst>
+            </p:cNvPr>
+            <p:cNvCxnSpPr>
+              <a:cxnSpLocks/>
+              <a:stCxn id="138" idx="2"/>
+              <a:endCxn id="134" idx="0"/>
+            </p:cNvCxnSpPr>
+            <p:nvPr/>
+          </p:nvCxnSpPr>
+          <p:spPr>
+            <a:xfrm>
+              <a:off x="2012035" y="4640494"/>
+              <a:ext cx="0" cy="117911"/>
+            </a:xfrm>
+            <a:prstGeom prst="straightConnector1">
+              <a:avLst/>
+            </a:prstGeom>
+            <a:ln>
+              <a:solidFill>
+                <a:schemeClr val="accent6">
+                  <a:lumMod val="75000"/>
+                </a:schemeClr>
+              </a:solidFill>
+              <a:tailEnd type="triangle"/>
+            </a:ln>
+          </p:spPr>
+          <p:style>
+            <a:lnRef idx="1">
+              <a:schemeClr val="accent1"/>
+            </a:lnRef>
+            <a:fillRef idx="0">
+              <a:schemeClr val="accent1"/>
+            </a:fillRef>
+            <a:effectRef idx="0">
+              <a:schemeClr val="accent1"/>
+            </a:effectRef>
+            <a:fontRef idx="minor">
+              <a:schemeClr val="tx1"/>
+            </a:fontRef>
+          </p:style>
+        </p:cxnSp>
+        <p:sp>
+          <p:nvSpPr>
+            <p:cNvPr id="138" name="Rounded Rectangle 137">
+              <a:extLst>
+                <a:ext uri="{FF2B5EF4-FFF2-40B4-BE49-F238E27FC236}">
+                  <a16:creationId xmlns:a16="http://schemas.microsoft.com/office/drawing/2014/main" id="{F1F6D07B-4608-0949-8368-933909BFD984}"/>
+                </a:ext>
+              </a:extLst>
+            </p:cNvPr>
+            <p:cNvSpPr/>
+            <p:nvPr/>
+          </p:nvSpPr>
+          <p:spPr>
+            <a:xfrm>
+              <a:off x="1326235" y="4183294"/>
+              <a:ext cx="1371600" cy="457200"/>
+            </a:xfrm>
+            <a:prstGeom prst="roundRect">
+              <a:avLst/>
+            </a:prstGeom>
+            <a:solidFill>
+              <a:schemeClr val="accent6">
+                <a:lumMod val="75000"/>
+              </a:schemeClr>
+            </a:solidFill>
+            <a:ln w="25400">
+              <a:solidFill>
+                <a:srgbClr val="FF0000"/>
+              </a:solidFill>
+              <a:prstDash val="solid"/>
+            </a:ln>
+          </p:spPr>
+          <p:style>
+            <a:lnRef idx="2">
+              <a:schemeClr val="accent6">
+                <a:shade val="50000"/>
+              </a:schemeClr>
+            </a:lnRef>
+            <a:fillRef idx="1">
+              <a:schemeClr val="accent6"/>
+            </a:fillRef>
+            <a:effectRef idx="0">
+              <a:schemeClr val="accent6"/>
+            </a:effectRef>
+            <a:fontRef idx="minor">
+              <a:schemeClr val="lt1"/>
+            </a:fontRef>
+          </p:style>
+          <p:txBody>
+            <a:bodyPr rtlCol="0" anchor="ctr"/>
+            <a:lstStyle/>
+            <a:p>
+              <a:pPr algn="ctr"/>
+              <a:r>
+                <a:rPr lang="en-US" sz="1400" dirty="0"/>
+                <a:t>master</a:t>
+              </a:r>
+            </a:p>
+          </p:txBody>
+        </p:sp>
+        <p:cxnSp>
+          <p:nvCxnSpPr>
+            <p:cNvPr id="139" name="Straight Arrow Connector 138">
+              <a:extLst>
+                <a:ext uri="{FF2B5EF4-FFF2-40B4-BE49-F238E27FC236}">
+                  <a16:creationId xmlns:a16="http://schemas.microsoft.com/office/drawing/2014/main" id="{B95964A4-4622-CE4B-8F1F-EBCE85C55EC3}"/>
+                </a:ext>
+              </a:extLst>
+            </p:cNvPr>
+            <p:cNvCxnSpPr>
+              <a:cxnSpLocks/>
+              <a:stCxn id="136" idx="2"/>
+              <a:endCxn id="138" idx="0"/>
+            </p:cNvCxnSpPr>
+            <p:nvPr/>
+          </p:nvCxnSpPr>
+          <p:spPr>
+            <a:xfrm>
+              <a:off x="2012035" y="4065383"/>
+              <a:ext cx="0" cy="117911"/>
+            </a:xfrm>
+            <a:prstGeom prst="straightConnector1">
+              <a:avLst/>
+            </a:prstGeom>
+            <a:ln>
+              <a:solidFill>
+                <a:schemeClr val="accent6">
+                  <a:lumMod val="75000"/>
+                </a:schemeClr>
+              </a:solidFill>
+              <a:tailEnd type="triangle"/>
+            </a:ln>
+          </p:spPr>
+          <p:style>
+            <a:lnRef idx="1">
+              <a:schemeClr val="accent1"/>
+            </a:lnRef>
+            <a:fillRef idx="0">
+              <a:schemeClr val="accent1"/>
+            </a:fillRef>
+            <a:effectRef idx="0">
+              <a:schemeClr val="accent1"/>
+            </a:effectRef>
+            <a:fontRef idx="minor">
+              <a:schemeClr val="tx1"/>
+            </a:fontRef>
+          </p:style>
+        </p:cxnSp>
+        <p:sp>
+          <p:nvSpPr>
+            <p:cNvPr id="140" name="Rounded Rectangle 139">
+              <a:extLst>
+                <a:ext uri="{FF2B5EF4-FFF2-40B4-BE49-F238E27FC236}">
+                  <a16:creationId xmlns:a16="http://schemas.microsoft.com/office/drawing/2014/main" id="{D0D36983-AA2F-824B-9FC0-BA917022D0C1}"/>
+                </a:ext>
+              </a:extLst>
+            </p:cNvPr>
+            <p:cNvSpPr/>
+            <p:nvPr/>
+          </p:nvSpPr>
+          <p:spPr>
+            <a:xfrm>
+              <a:off x="2786735" y="4758405"/>
+              <a:ext cx="914400" cy="731520"/>
+            </a:xfrm>
+            <a:prstGeom prst="roundRect">
+              <a:avLst/>
+            </a:prstGeom>
+            <a:solidFill>
+              <a:schemeClr val="accent4">
+                <a:lumMod val="75000"/>
+              </a:schemeClr>
+            </a:solidFill>
+            <a:ln>
+              <a:solidFill>
+                <a:schemeClr val="accent4">
+                  <a:lumMod val="75000"/>
+                </a:schemeClr>
+              </a:solidFill>
+            </a:ln>
+          </p:spPr>
+          <p:style>
+            <a:lnRef idx="2">
+              <a:schemeClr val="accent6">
+                <a:shade val="50000"/>
+              </a:schemeClr>
+            </a:lnRef>
+            <a:fillRef idx="1">
+              <a:schemeClr val="accent6"/>
+            </a:fillRef>
+            <a:effectRef idx="0">
+              <a:schemeClr val="accent6"/>
+            </a:effectRef>
+            <a:fontRef idx="minor">
+              <a:schemeClr val="lt1"/>
+            </a:fontRef>
+          </p:style>
+          <p:txBody>
+            <a:bodyPr rtlCol="0" anchor="ctr"/>
+            <a:lstStyle/>
+            <a:p>
+              <a:pPr algn="ctr"/>
+              <a:r>
+                <a:rPr lang="en-US" sz="1400" dirty="0"/>
+                <a:t>C3</a:t>
+              </a:r>
+            </a:p>
+            <a:p>
+              <a:pPr algn="ctr"/>
+              <a:r>
+                <a:rPr lang="en-US" sz="1400" dirty="0"/>
+                <a:t>file-v3</a:t>
+              </a:r>
+            </a:p>
+          </p:txBody>
+        </p:sp>
+        <p:cxnSp>
+          <p:nvCxnSpPr>
+            <p:cNvPr id="141" name="Straight Arrow Connector 140">
+              <a:extLst>
+                <a:ext uri="{FF2B5EF4-FFF2-40B4-BE49-F238E27FC236}">
+                  <a16:creationId xmlns:a16="http://schemas.microsoft.com/office/drawing/2014/main" id="{C98AFB57-A6DF-BF45-875F-190D196497E1}"/>
+                </a:ext>
+              </a:extLst>
+            </p:cNvPr>
+            <p:cNvCxnSpPr>
+              <a:cxnSpLocks/>
+              <a:stCxn id="140" idx="1"/>
+              <a:endCxn id="134" idx="3"/>
+            </p:cNvCxnSpPr>
+            <p:nvPr/>
+          </p:nvCxnSpPr>
+          <p:spPr>
+            <a:xfrm flipH="1">
+              <a:off x="2469235" y="5124165"/>
+              <a:ext cx="317500" cy="0"/>
+            </a:xfrm>
+            <a:prstGeom prst="straightConnector1">
+              <a:avLst/>
+            </a:prstGeom>
+            <a:ln>
+              <a:solidFill>
+                <a:schemeClr val="accent4">
+                  <a:lumMod val="75000"/>
+                </a:schemeClr>
+              </a:solidFill>
+              <a:tailEnd type="triangle"/>
+            </a:ln>
+          </p:spPr>
+          <p:style>
+            <a:lnRef idx="1">
+              <a:schemeClr val="accent1"/>
+            </a:lnRef>
+            <a:fillRef idx="0">
+              <a:schemeClr val="accent1"/>
+            </a:fillRef>
+            <a:effectRef idx="0">
+              <a:schemeClr val="accent1"/>
+            </a:effectRef>
+            <a:fontRef idx="minor">
+              <a:schemeClr val="tx1"/>
+            </a:fontRef>
+          </p:style>
+        </p:cxnSp>
+      </p:grpSp>
+      <p:grpSp>
+        <p:nvGrpSpPr>
+          <p:cNvPr id="142" name="Group 141">
+            <a:extLst>
+              <a:ext uri="{FF2B5EF4-FFF2-40B4-BE49-F238E27FC236}">
+                <a16:creationId xmlns:a16="http://schemas.microsoft.com/office/drawing/2014/main" id="{4874F1FC-C78E-1E46-911F-E40A39FAD687}"/>
+              </a:ext>
+            </a:extLst>
+          </p:cNvPr>
+          <p:cNvGrpSpPr/>
+          <p:nvPr/>
+        </p:nvGrpSpPr>
+        <p:grpSpPr>
+          <a:xfrm>
+            <a:off x="8155607" y="5607836"/>
+            <a:ext cx="4142430" cy="764978"/>
+            <a:chOff x="15931" y="2313886"/>
+            <a:chExt cx="4142430" cy="764978"/>
+          </a:xfrm>
+        </p:grpSpPr>
+        <p:sp>
+          <p:nvSpPr>
+            <p:cNvPr id="143" name="Rectangle 142">
+              <a:extLst>
+                <a:ext uri="{FF2B5EF4-FFF2-40B4-BE49-F238E27FC236}">
+                  <a16:creationId xmlns:a16="http://schemas.microsoft.com/office/drawing/2014/main" id="{FA3C062F-956E-594A-9016-86A1F0B99371}"/>
+                </a:ext>
+              </a:extLst>
+            </p:cNvPr>
+            <p:cNvSpPr/>
+            <p:nvPr/>
+          </p:nvSpPr>
+          <p:spPr>
+            <a:xfrm>
+              <a:off x="216278" y="2621664"/>
+              <a:ext cx="1097280" cy="457200"/>
+            </a:xfrm>
+            <a:prstGeom prst="rect">
+              <a:avLst/>
+            </a:prstGeom>
+            <a:noFill/>
+            <a:ln w="19050">
+              <a:solidFill>
+                <a:srgbClr val="FF0000"/>
+              </a:solidFill>
+              <a:prstDash val="dash"/>
+            </a:ln>
+          </p:spPr>
+          <p:style>
+            <a:lnRef idx="2">
+              <a:schemeClr val="accent1">
+                <a:shade val="50000"/>
+              </a:schemeClr>
+            </a:lnRef>
+            <a:fillRef idx="1">
+              <a:schemeClr val="accent1"/>
+            </a:fillRef>
+            <a:effectRef idx="0">
+              <a:schemeClr val="accent1"/>
+            </a:effectRef>
+            <a:fontRef idx="minor">
+              <a:schemeClr val="lt1"/>
+            </a:fontRef>
+          </p:style>
+          <p:txBody>
+            <a:bodyPr rtlCol="0" anchor="ctr"/>
+            <a:lstStyle/>
+            <a:p>
+              <a:pPr algn="ctr"/>
+              <a:r>
+                <a:rPr lang="en-US" sz="1400" dirty="0">
+                  <a:solidFill>
+                    <a:schemeClr val="tx1">
+                      <a:lumMod val="95000"/>
+                      <a:lumOff val="5000"/>
+                    </a:schemeClr>
+                  </a:solidFill>
+                </a:rPr>
+                <a:t>file-v2</a:t>
+              </a:r>
+            </a:p>
+          </p:txBody>
+        </p:sp>
+        <p:sp>
+          <p:nvSpPr>
+            <p:cNvPr id="144" name="TextBox 143">
+              <a:extLst>
+                <a:ext uri="{FF2B5EF4-FFF2-40B4-BE49-F238E27FC236}">
+                  <a16:creationId xmlns:a16="http://schemas.microsoft.com/office/drawing/2014/main" id="{A2E51266-4724-0B49-9BAE-E0216F028E8D}"/>
+                </a:ext>
+              </a:extLst>
+            </p:cNvPr>
+            <p:cNvSpPr txBox="1"/>
+            <p:nvPr/>
+          </p:nvSpPr>
+          <p:spPr>
+            <a:xfrm>
+              <a:off x="15931" y="2313886"/>
+              <a:ext cx="1497974" cy="307777"/>
+            </a:xfrm>
+            <a:prstGeom prst="rect">
+              <a:avLst/>
+            </a:prstGeom>
+            <a:noFill/>
+          </p:spPr>
+          <p:txBody>
+            <a:bodyPr wrap="none" rtlCol="0">
+              <a:spAutoFit/>
+            </a:bodyPr>
+            <a:lstStyle/>
+            <a:p>
+              <a:r>
+                <a:rPr lang="en-US" sz="1400" dirty="0">
+                  <a:solidFill>
+                    <a:schemeClr val="accent1">
+                      <a:lumMod val="75000"/>
+                    </a:schemeClr>
+                  </a:solidFill>
+                </a:rPr>
+                <a:t>Working directory</a:t>
+              </a:r>
+            </a:p>
+          </p:txBody>
+        </p:sp>
+        <p:sp>
+          <p:nvSpPr>
+            <p:cNvPr id="145" name="Rectangle 144">
+              <a:extLst>
+                <a:ext uri="{FF2B5EF4-FFF2-40B4-BE49-F238E27FC236}">
+                  <a16:creationId xmlns:a16="http://schemas.microsoft.com/office/drawing/2014/main" id="{5328AD2C-0860-3E46-9552-7D6A0A20CD4A}"/>
+                </a:ext>
+              </a:extLst>
+            </p:cNvPr>
+            <p:cNvSpPr/>
+            <p:nvPr/>
+          </p:nvSpPr>
+          <p:spPr>
+            <a:xfrm>
+              <a:off x="1521386" y="2621664"/>
+              <a:ext cx="1097280" cy="457200"/>
+            </a:xfrm>
+            <a:prstGeom prst="rect">
+              <a:avLst/>
+            </a:prstGeom>
+            <a:noFill/>
+            <a:ln w="19050">
+              <a:solidFill>
+                <a:srgbClr val="FF0000"/>
+              </a:solidFill>
+              <a:prstDash val="dash"/>
+            </a:ln>
+          </p:spPr>
+          <p:style>
+            <a:lnRef idx="2">
+              <a:schemeClr val="accent1">
+                <a:shade val="50000"/>
+              </a:schemeClr>
+            </a:lnRef>
+            <a:fillRef idx="1">
+              <a:schemeClr val="accent1"/>
+            </a:fillRef>
+            <a:effectRef idx="0">
+              <a:schemeClr val="accent1"/>
+            </a:effectRef>
+            <a:fontRef idx="minor">
+              <a:schemeClr val="lt1"/>
+            </a:fontRef>
+          </p:style>
+          <p:txBody>
+            <a:bodyPr rtlCol="0" anchor="ctr"/>
+            <a:lstStyle/>
+            <a:p>
+              <a:pPr algn="ctr"/>
+              <a:r>
+                <a:rPr lang="en-US" sz="1400" dirty="0">
+                  <a:solidFill>
+                    <a:schemeClr val="tx1">
+                      <a:lumMod val="95000"/>
+                      <a:lumOff val="5000"/>
+                    </a:schemeClr>
+                  </a:solidFill>
+                </a:rPr>
+                <a:t>file-v2</a:t>
+              </a:r>
+            </a:p>
+          </p:txBody>
+        </p:sp>
+        <p:sp>
+          <p:nvSpPr>
+            <p:cNvPr id="146" name="TextBox 145">
+              <a:extLst>
+                <a:ext uri="{FF2B5EF4-FFF2-40B4-BE49-F238E27FC236}">
+                  <a16:creationId xmlns:a16="http://schemas.microsoft.com/office/drawing/2014/main" id="{40D55F31-BB23-A145-9B0C-A9348C4EF005}"/>
+                </a:ext>
+              </a:extLst>
+            </p:cNvPr>
+            <p:cNvSpPr txBox="1"/>
+            <p:nvPr/>
+          </p:nvSpPr>
+          <p:spPr>
+            <a:xfrm>
+              <a:off x="1529525" y="2313886"/>
+              <a:ext cx="1081002" cy="307777"/>
+            </a:xfrm>
+            <a:prstGeom prst="rect">
+              <a:avLst/>
+            </a:prstGeom>
+            <a:noFill/>
+          </p:spPr>
+          <p:txBody>
+            <a:bodyPr wrap="none" rtlCol="0">
+              <a:spAutoFit/>
+            </a:bodyPr>
+            <a:lstStyle/>
+            <a:p>
+              <a:r>
+                <a:rPr lang="en-US" sz="1400" dirty="0">
+                  <a:solidFill>
+                    <a:schemeClr val="accent1">
+                      <a:lumMod val="75000"/>
+                    </a:schemeClr>
+                  </a:solidFill>
+                </a:rPr>
+                <a:t>Staging area</a:t>
+              </a:r>
+            </a:p>
+          </p:txBody>
+        </p:sp>
+        <p:sp>
+          <p:nvSpPr>
+            <p:cNvPr id="147" name="Rectangle 146">
+              <a:extLst>
+                <a:ext uri="{FF2B5EF4-FFF2-40B4-BE49-F238E27FC236}">
+                  <a16:creationId xmlns:a16="http://schemas.microsoft.com/office/drawing/2014/main" id="{E1586471-8409-4441-B6E7-486C1889708E}"/>
+                </a:ext>
+              </a:extLst>
+            </p:cNvPr>
+            <p:cNvSpPr/>
+            <p:nvPr/>
+          </p:nvSpPr>
+          <p:spPr>
+            <a:xfrm>
+              <a:off x="2826494" y="2621664"/>
+              <a:ext cx="1097280" cy="457200"/>
+            </a:xfrm>
+            <a:prstGeom prst="rect">
+              <a:avLst/>
+            </a:prstGeom>
+            <a:noFill/>
+            <a:ln w="19050">
+              <a:solidFill>
+                <a:srgbClr val="FF0000"/>
+              </a:solidFill>
+              <a:prstDash val="dash"/>
+            </a:ln>
+          </p:spPr>
+          <p:style>
+            <a:lnRef idx="2">
+              <a:schemeClr val="accent1">
+                <a:shade val="50000"/>
+              </a:schemeClr>
+            </a:lnRef>
+            <a:fillRef idx="1">
+              <a:schemeClr val="accent1"/>
+            </a:fillRef>
+            <a:effectRef idx="0">
+              <a:schemeClr val="accent1"/>
+            </a:effectRef>
+            <a:fontRef idx="minor">
+              <a:schemeClr val="lt1"/>
+            </a:fontRef>
+          </p:style>
+          <p:txBody>
+            <a:bodyPr rtlCol="0" anchor="ctr"/>
+            <a:lstStyle/>
+            <a:p>
+              <a:pPr algn="ctr"/>
+              <a:r>
+                <a:rPr lang="en-US" sz="1400" dirty="0">
+                  <a:solidFill>
+                    <a:schemeClr val="tx1">
+                      <a:lumMod val="95000"/>
+                      <a:lumOff val="5000"/>
+                    </a:schemeClr>
+                  </a:solidFill>
+                </a:rPr>
+                <a:t>file-v2</a:t>
+              </a:r>
+            </a:p>
+          </p:txBody>
+        </p:sp>
+        <p:sp>
+          <p:nvSpPr>
+            <p:cNvPr id="148" name="TextBox 147">
+              <a:extLst>
+                <a:ext uri="{FF2B5EF4-FFF2-40B4-BE49-F238E27FC236}">
+                  <a16:creationId xmlns:a16="http://schemas.microsoft.com/office/drawing/2014/main" id="{AA3DC2E7-D5D7-2D4E-A4D3-701B7E68B0C0}"/>
+                </a:ext>
+              </a:extLst>
+            </p:cNvPr>
+            <p:cNvSpPr txBox="1"/>
+            <p:nvPr/>
+          </p:nvSpPr>
+          <p:spPr>
+            <a:xfrm>
+              <a:off x="2591907" y="2313886"/>
+              <a:ext cx="1566454" cy="307777"/>
+            </a:xfrm>
+            <a:prstGeom prst="rect">
+              <a:avLst/>
+            </a:prstGeom>
+            <a:noFill/>
+          </p:spPr>
+          <p:txBody>
+            <a:bodyPr wrap="none" rtlCol="0">
+              <a:spAutoFit/>
+            </a:bodyPr>
+            <a:lstStyle/>
+            <a:p>
+              <a:r>
+                <a:rPr lang="en-US" sz="1400" dirty="0">
+                  <a:solidFill>
+                    <a:schemeClr val="accent1">
+                      <a:lumMod val="75000"/>
+                    </a:schemeClr>
+                  </a:solidFill>
+                </a:rPr>
+                <a:t>Committed (HEAD)</a:t>
+              </a:r>
+            </a:p>
+          </p:txBody>
+        </p:sp>
+      </p:grpSp>
+      <p:sp>
+        <p:nvSpPr>
+          <p:cNvPr id="149" name="Right Arrow 148">
+            <a:extLst>
+              <a:ext uri="{FF2B5EF4-FFF2-40B4-BE49-F238E27FC236}">
+                <a16:creationId xmlns:a16="http://schemas.microsoft.com/office/drawing/2014/main" id="{ADB66297-0F9A-234A-9A8E-EF4796A6B325}"/>
+              </a:ext>
+            </a:extLst>
+          </p:cNvPr>
+          <p:cNvSpPr/>
+          <p:nvPr/>
+        </p:nvSpPr>
+        <p:spPr>
+          <a:xfrm rot="5400000">
+            <a:off x="6016625" y="3178962"/>
+            <a:ext cx="158750" cy="228600"/>
+          </a:xfrm>
+          <a:prstGeom prst="rightArrow">
+            <a:avLst/>
+          </a:prstGeom>
+          <a:noFill/>
+          <a:ln w="25400">
+            <a:solidFill>
+              <a:srgbClr val="FF0000"/>
+            </a:solidFill>
+          </a:ln>
+        </p:spPr>
+        <p:style>
+          <a:lnRef idx="2">
+            <a:schemeClr val="accent1">
+              <a:shade val="50000"/>
+            </a:schemeClr>
+          </a:lnRef>
+          <a:fillRef idx="1">
+            <a:schemeClr val="accent1"/>
+          </a:fillRef>
+          <a:effectRef idx="0">
+            <a:schemeClr val="accent1"/>
+          </a:effectRef>
+          <a:fontRef idx="minor">
+            <a:schemeClr val="lt1"/>
+          </a:fontRef>
+        </p:style>
+        <p:txBody>
+          <a:bodyPr rtlCol="0" anchor="ctr"/>
+          <a:lstStyle/>
+          <a:p>
+            <a:pPr algn="ctr"/>
+            <a:endParaRPr lang="en-US"/>
+          </a:p>
+        </p:txBody>
+      </p:sp>
+      <p:sp>
+        <p:nvSpPr>
+          <p:cNvPr id="150" name="Right Arrow 149">
+            <a:extLst>
+              <a:ext uri="{FF2B5EF4-FFF2-40B4-BE49-F238E27FC236}">
+                <a16:creationId xmlns:a16="http://schemas.microsoft.com/office/drawing/2014/main" id="{DE81118E-3CFC-9E41-BAF4-8C07651D3C8A}"/>
+              </a:ext>
+            </a:extLst>
+          </p:cNvPr>
+          <p:cNvSpPr/>
+          <p:nvPr/>
+        </p:nvSpPr>
+        <p:spPr>
+          <a:xfrm rot="5400000">
+            <a:off x="8958634" y="3178962"/>
+            <a:ext cx="158750" cy="228600"/>
+          </a:xfrm>
+          <a:prstGeom prst="rightArrow">
+            <a:avLst/>
+          </a:prstGeom>
+          <a:noFill/>
+          <a:ln w="25400">
+            <a:solidFill>
+              <a:srgbClr val="FF0000"/>
+            </a:solidFill>
+          </a:ln>
+          <a:scene3d>
+            <a:camera prst="orthographicFront">
+              <a:rot lat="0" lon="0" rev="3600000"/>
+            </a:camera>
+            <a:lightRig rig="threePt" dir="t"/>
+          </a:scene3d>
+        </p:spPr>
+        <p:style>
+          <a:lnRef idx="2">
+            <a:schemeClr val="accent1">
+              <a:shade val="50000"/>
+            </a:schemeClr>
+          </a:lnRef>
+          <a:fillRef idx="1">
+            <a:schemeClr val="accent1"/>
+          </a:fillRef>
+          <a:effectRef idx="0">
+            <a:schemeClr val="accent1"/>
+          </a:effectRef>
+          <a:fontRef idx="minor">
+            <a:schemeClr val="lt1"/>
+          </a:fontRef>
+        </p:style>
+        <p:txBody>
+          <a:bodyPr rtlCol="0" anchor="ctr"/>
+          <a:lstStyle/>
+          <a:p>
+            <a:pPr algn="ctr"/>
+            <a:endParaRPr lang="en-US"/>
+          </a:p>
+        </p:txBody>
+      </p:sp>
+      <p:sp>
+        <p:nvSpPr>
+          <p:cNvPr id="151" name="Right Arrow 150">
+            <a:extLst>
+              <a:ext uri="{FF2B5EF4-FFF2-40B4-BE49-F238E27FC236}">
+                <a16:creationId xmlns:a16="http://schemas.microsoft.com/office/drawing/2014/main" id="{A3FBAE2D-C4C6-F247-80E2-F2B3A147432E}"/>
+              </a:ext>
+            </a:extLst>
+          </p:cNvPr>
+          <p:cNvSpPr/>
+          <p:nvPr/>
+        </p:nvSpPr>
+        <p:spPr>
+          <a:xfrm rot="5400000">
+            <a:off x="3076552" y="3178962"/>
+            <a:ext cx="158750" cy="228600"/>
+          </a:xfrm>
+          <a:prstGeom prst="rightArrow">
+            <a:avLst/>
+          </a:prstGeom>
+          <a:noFill/>
+          <a:ln w="25400">
+            <a:solidFill>
+              <a:srgbClr val="FF0000"/>
+            </a:solidFill>
+          </a:ln>
+          <a:scene3d>
+            <a:camera prst="orthographicFront">
+              <a:rot lat="0" lon="0" rev="18000000"/>
+            </a:camera>
+            <a:lightRig rig="threePt" dir="t"/>
+          </a:scene3d>
+        </p:spPr>
+        <p:style>
+          <a:lnRef idx="2">
+            <a:schemeClr val="accent1">
+              <a:shade val="50000"/>
+            </a:schemeClr>
+          </a:lnRef>
+          <a:fillRef idx="1">
+            <a:schemeClr val="accent1"/>
+          </a:fillRef>
+          <a:effectRef idx="0">
+            <a:schemeClr val="accent1"/>
+          </a:effectRef>
+          <a:fontRef idx="minor">
+            <a:schemeClr val="lt1"/>
+          </a:fontRef>
+        </p:style>
+        <p:txBody>
+          <a:bodyPr rtlCol="0" anchor="ctr"/>
+          <a:lstStyle/>
+          <a:p>
+            <a:pPr algn="ctr"/>
+            <a:endParaRPr lang="en-US"/>
+          </a:p>
+        </p:txBody>
+      </p:sp>
+    </p:spTree>
+    <p:extLst>
+      <p:ext uri="{BB962C8B-B14F-4D97-AF65-F5344CB8AC3E}">
+        <p14:creationId xmlns:p14="http://schemas.microsoft.com/office/powerpoint/2010/main" val="2894792402"/>
+      </p:ext>
+    </p:extLst>
+  </p:cSld>
+  <p:clrMapOvr>
+    <a:masterClrMapping/>
+  </p:clrMapOvr>
+</p:sld>
+</file>
+
+<file path=ppt/slides/slide3.xml><?xml version="1.0" encoding="utf-8"?>
 <p:sld xmlns:a="http://schemas.openxmlformats.org/drawingml/2006/main" xmlns:r="http://schemas.openxmlformats.org/officeDocument/2006/relationships" xmlns:p="http://schemas.openxmlformats.org/presentationml/2006/main">
   <p:cSld>
     <p:spTree>
@@ -4691,8 +8941,11 @@
                 <a:lumMod val="75000"/>
               </a:schemeClr>
             </a:solidFill>
-            <a:ln>
-              <a:noFill/>
+            <a:ln w="25400" cmpd="sng">
+              <a:solidFill>
+                <a:srgbClr val="FF0000"/>
+              </a:solidFill>
+              <a:prstDash val="solid"/>
             </a:ln>
           </p:spPr>
           <p:style>
@@ -5092,8 +9345,10 @@
                 <a:lumMod val="75000"/>
               </a:schemeClr>
             </a:solidFill>
-            <a:ln>
-              <a:noFill/>
+            <a:ln w="25400">
+              <a:solidFill>
+                <a:srgbClr val="FF0000"/>
+              </a:solidFill>
             </a:ln>
           </p:spPr>
           <p:style>
@@ -5673,8 +9928,10 @@
                 <a:lumMod val="75000"/>
               </a:schemeClr>
             </a:solidFill>
-            <a:ln>
-              <a:noFill/>
+            <a:ln w="25400">
+              <a:solidFill>
+                <a:srgbClr val="FF0000"/>
+              </a:solidFill>
             </a:ln>
           </p:spPr>
           <p:style>
@@ -5778,8 +10035,10 @@
                 <a:lumMod val="75000"/>
               </a:schemeClr>
             </a:solidFill>
-            <a:ln>
-              <a:noFill/>
+            <a:ln w="25400">
+              <a:solidFill>
+                <a:srgbClr val="FF0000"/>
+              </a:solidFill>
             </a:ln>
           </p:spPr>
           <p:style>
@@ -5883,11 +10142,9 @@
                 <a:lumMod val="75000"/>
               </a:schemeClr>
             </a:solidFill>
-            <a:ln>
+            <a:ln w="25400">
               <a:solidFill>
-                <a:schemeClr val="accent4">
-                  <a:lumMod val="75000"/>
-                </a:schemeClr>
+                <a:srgbClr val="FF0000"/>
               </a:solidFill>
             </a:ln>
           </p:spPr>
@@ -6019,7 +10276,7 @@
         </p:nvGrpSpPr>
         <p:grpSpPr>
           <a:xfrm>
-            <a:off x="39962" y="3680170"/>
+            <a:off x="457978" y="3954493"/>
             <a:ext cx="3606800" cy="2181098"/>
             <a:chOff x="39962" y="3680170"/>
             <a:chExt cx="3606800" cy="2181098"/>
@@ -6325,8 +10582,10 @@
                 <a:lumMod val="75000"/>
               </a:schemeClr>
             </a:solidFill>
-            <a:ln>
-              <a:noFill/>
+            <a:ln w="25400">
+              <a:solidFill>
+                <a:srgbClr val="FF0000"/>
+              </a:solidFill>
             </a:ln>
           </p:spPr>
           <p:style>
@@ -6634,7 +10893,7 @@
         </p:nvSpPr>
         <p:spPr>
           <a:xfrm>
-            <a:off x="367498" y="6519446"/>
+            <a:off x="785514" y="6519446"/>
             <a:ext cx="2547492" cy="307777"/>
           </a:xfrm>
           <a:prstGeom prst="rect">
@@ -6671,7 +10930,7 @@
         </p:nvSpPr>
         <p:spPr>
           <a:xfrm>
-            <a:off x="4773290" y="6519446"/>
+            <a:off x="5191306" y="6519446"/>
             <a:ext cx="2977097" cy="307777"/>
           </a:xfrm>
           <a:prstGeom prst="rect">
@@ -6708,7 +10967,7 @@
         </p:nvGrpSpPr>
         <p:grpSpPr>
           <a:xfrm>
-            <a:off x="4315128" y="3405986"/>
+            <a:off x="4733144" y="3680309"/>
             <a:ext cx="3606800" cy="2767514"/>
             <a:chOff x="4561866" y="3405986"/>
             <a:chExt cx="3606800" cy="2767514"/>
@@ -6739,8 +10998,10 @@
                 <a:lumMod val="75000"/>
               </a:schemeClr>
             </a:solidFill>
-            <a:ln>
-              <a:noFill/>
+            <a:ln w="25400">
+              <a:solidFill>
+                <a:srgbClr val="FF0000"/>
+              </a:solidFill>
             </a:ln>
           </p:spPr>
           <p:style>
@@ -7014,8 +11275,10 @@
                 <a:lumMod val="75000"/>
               </a:schemeClr>
             </a:solidFill>
-            <a:ln>
-              <a:noFill/>
+            <a:ln w="25400">
+              <a:solidFill>
+                <a:srgbClr val="FF0000"/>
+              </a:solidFill>
             </a:ln>
           </p:spPr>
           <p:style>
@@ -7333,11 +11596,9 @@
                 <a:lumMod val="75000"/>
               </a:schemeClr>
             </a:solidFill>
-            <a:ln>
+            <a:ln w="25400">
               <a:solidFill>
-                <a:schemeClr val="accent4">
-                  <a:lumMod val="75000"/>
-                </a:schemeClr>
+                <a:srgbClr val="FF0000"/>
               </a:solidFill>
             </a:ln>
           </p:spPr>
@@ -7476,7 +11737,7 @@
             <a:avLst/>
           </a:prstGeom>
           <a:noFill/>
-          <a:ln>
+          <a:ln w="25400">
             <a:solidFill>
               <a:srgbClr val="FF0000"/>
             </a:solidFill>
@@ -7528,7 +11789,7 @@
             <a:avLst/>
           </a:prstGeom>
           <a:noFill/>
-          <a:ln>
+          <a:ln w="25400">
             <a:solidFill>
               <a:srgbClr val="FF0000"/>
             </a:solidFill>
@@ -7580,7 +11841,7 @@
             <a:avLst/>
           </a:prstGeom>
           <a:noFill/>
-          <a:ln>
+          <a:ln w="25400">
             <a:solidFill>
               <a:srgbClr val="FF0000"/>
             </a:solidFill>
@@ -7625,14 +11886,66 @@
         </p:nvSpPr>
         <p:spPr>
           <a:xfrm>
-            <a:off x="3943753" y="4940638"/>
+            <a:off x="4361769" y="5214961"/>
             <a:ext cx="158750" cy="228600"/>
           </a:xfrm>
           <a:prstGeom prst="rightArrow">
             <a:avLst/>
           </a:prstGeom>
           <a:noFill/>
-          <a:ln>
+          <a:ln w="25400">
+            <a:solidFill>
+              <a:srgbClr val="FF0000"/>
+            </a:solidFill>
+          </a:ln>
+        </p:spPr>
+        <p:style>
+          <a:lnRef idx="2">
+            <a:schemeClr val="accent1">
+              <a:shade val="50000"/>
+            </a:schemeClr>
+          </a:lnRef>
+          <a:fillRef idx="1">
+            <a:schemeClr val="accent1"/>
+          </a:fillRef>
+          <a:effectRef idx="0">
+            <a:schemeClr val="accent1"/>
+          </a:effectRef>
+          <a:fontRef idx="minor">
+            <a:schemeClr val="lt1"/>
+          </a:fontRef>
+        </p:style>
+        <p:txBody>
+          <a:bodyPr rtlCol="0" anchor="ctr"/>
+          <a:lstStyle/>
+          <a:p>
+            <a:pPr algn="ctr"/>
+            <a:endParaRPr lang="en-US"/>
+          </a:p>
+        </p:txBody>
+      </p:sp>
+      <p:sp>
+        <p:nvSpPr>
+          <p:cNvPr id="78" name="Right Arrow 77">
+            <a:extLst>
+              <a:ext uri="{FF2B5EF4-FFF2-40B4-BE49-F238E27FC236}">
+                <a16:creationId xmlns:a16="http://schemas.microsoft.com/office/drawing/2014/main" id="{C17A2393-D9F2-F540-9AF4-AA19E16B7385}"/>
+              </a:ext>
+            </a:extLst>
+          </p:cNvPr>
+          <p:cNvSpPr/>
+          <p:nvPr/>
+        </p:nvSpPr>
+        <p:spPr>
+          <a:xfrm>
+            <a:off x="110700" y="5214961"/>
+            <a:ext cx="158750" cy="228600"/>
+          </a:xfrm>
+          <a:prstGeom prst="rightArrow">
+            <a:avLst/>
+          </a:prstGeom>
+          <a:noFill/>
+          <a:ln w="25400">
             <a:solidFill>
               <a:srgbClr val="FF0000"/>
             </a:solidFill>
@@ -7676,7 +11989,7 @@
 </p:sld>
 </file>
 
-<file path=ppt/slides/slide3.xml><?xml version="1.0" encoding="utf-8"?>
+<file path=ppt/slides/slide4.xml><?xml version="1.0" encoding="utf-8"?>
 <p:sld xmlns:a="http://schemas.openxmlformats.org/drawingml/2006/main" xmlns:r="http://schemas.openxmlformats.org/officeDocument/2006/relationships" xmlns:p="http://schemas.openxmlformats.org/presentationml/2006/main">
   <p:cSld>
     <p:spTree>
@@ -8322,7 +12635,7 @@
         </p:nvSpPr>
         <p:spPr>
           <a:xfrm>
-            <a:off x="4683138" y="6519446"/>
+            <a:off x="4683138" y="6545572"/>
             <a:ext cx="2547492" cy="307777"/>
           </a:xfrm>
           <a:prstGeom prst="rect">
@@ -8360,7 +12673,7 @@
         </p:nvGrpSpPr>
         <p:grpSpPr>
           <a:xfrm>
-            <a:off x="4265720" y="3174164"/>
+            <a:off x="4265720" y="3291731"/>
             <a:ext cx="2374900" cy="2767514"/>
             <a:chOff x="5497620" y="3174164"/>
             <a:chExt cx="2374900" cy="2767514"/>
@@ -8557,8 +12870,10 @@
                 <a:lumMod val="75000"/>
               </a:schemeClr>
             </a:solidFill>
-            <a:ln>
-              <a:noFill/>
+            <a:ln w="25400">
+              <a:solidFill>
+                <a:srgbClr val="FF0000"/>
+              </a:solidFill>
             </a:ln>
           </p:spPr>
           <p:style>
@@ -8975,14 +13290,14 @@
         </p:nvSpPr>
         <p:spPr>
           <a:xfrm>
-            <a:off x="3943753" y="4708816"/>
+            <a:off x="3943753" y="4826383"/>
             <a:ext cx="158750" cy="228600"/>
           </a:xfrm>
           <a:prstGeom prst="rightArrow">
             <a:avLst/>
           </a:prstGeom>
           <a:noFill/>
-          <a:ln>
+          <a:ln w="25400">
             <a:solidFill>
               <a:srgbClr val="FF0000"/>
             </a:solidFill>
@@ -9333,8 +13648,10 @@
                 <a:lumMod val="75000"/>
               </a:schemeClr>
             </a:solidFill>
-            <a:ln>
-              <a:noFill/>
+            <a:ln w="25400">
+              <a:solidFill>
+                <a:srgbClr val="FF0000"/>
+              </a:solidFill>
             </a:ln>
           </p:spPr>
           <p:style>
@@ -9710,8 +14027,10 @@
                 <a:lumMod val="75000"/>
               </a:schemeClr>
             </a:solidFill>
-            <a:ln>
-              <a:noFill/>
+            <a:ln w="25400">
+              <a:solidFill>
+                <a:srgbClr val="FF0000"/>
+              </a:solidFill>
             </a:ln>
           </p:spPr>
           <p:style>
@@ -9985,8 +14304,10 @@
                 <a:lumMod val="75000"/>
               </a:schemeClr>
             </a:solidFill>
-            <a:ln>
-              <a:noFill/>
+            <a:ln w="25400">
+              <a:solidFill>
+                <a:srgbClr val="FF0000"/>
+              </a:solidFill>
             </a:ln>
           </p:spPr>
           <p:style>
@@ -10331,7 +14652,7 @@
         </p:nvGrpSpPr>
         <p:grpSpPr>
           <a:xfrm>
-            <a:off x="39962" y="3748108"/>
+            <a:off x="39962" y="3865675"/>
             <a:ext cx="2374900" cy="2767310"/>
             <a:chOff x="1271862" y="3748108"/>
             <a:chExt cx="2374900" cy="2767310"/>
@@ -10946,7 +15267,7 @@
         </p:nvSpPr>
         <p:spPr>
           <a:xfrm>
-            <a:off x="10725253" y="3982455"/>
+            <a:off x="10725253" y="4100022"/>
             <a:ext cx="1371600" cy="457200"/>
           </a:xfrm>
           <a:prstGeom prst="roundRect">
@@ -10957,8 +15278,10 @@
               <a:lumMod val="75000"/>
             </a:schemeClr>
           </a:solidFill>
-          <a:ln>
-            <a:noFill/>
+          <a:ln w="25400">
+            <a:solidFill>
+              <a:srgbClr val="FF0000"/>
+            </a:solidFill>
           </a:ln>
         </p:spPr>
         <p:style>
@@ -11003,7 +15326,7 @@
         </p:nvSpPr>
         <p:spPr>
           <a:xfrm>
-            <a:off x="8491477" y="4596236"/>
+            <a:off x="8491477" y="4713803"/>
             <a:ext cx="914400" cy="457200"/>
           </a:xfrm>
           <a:prstGeom prst="roundRect">
@@ -11016,11 +15339,11 @@
           </a:solidFill>
           <a:ln>
             <a:solidFill>
-              <a:schemeClr val="accent4">
+              <a:schemeClr val="accent5">
                 <a:lumMod val="75000"/>
               </a:schemeClr>
             </a:solidFill>
-            <a:prstDash val="dash"/>
+            <a:prstDash val="solid"/>
           </a:ln>
         </p:spPr>
         <p:style>
@@ -11069,7 +15392,7 @@
         </p:nvCxnSpPr>
         <p:spPr>
           <a:xfrm>
-            <a:off x="11411053" y="4439655"/>
+            <a:off x="11411053" y="4557222"/>
             <a:ext cx="2073" cy="156581"/>
           </a:xfrm>
           <a:prstGeom prst="straightConnector1">
@@ -11113,7 +15436,7 @@
         </p:nvSpPr>
         <p:spPr>
           <a:xfrm>
-            <a:off x="10725253" y="3407344"/>
+            <a:off x="10725253" y="3524911"/>
             <a:ext cx="1371600" cy="457200"/>
           </a:xfrm>
           <a:prstGeom prst="roundRect">
@@ -11124,8 +15447,10 @@
               <a:lumMod val="75000"/>
             </a:schemeClr>
           </a:solidFill>
-          <a:ln>
-            <a:noFill/>
+          <a:ln w="25400">
+            <a:solidFill>
+              <a:srgbClr val="FF0000"/>
+            </a:solidFill>
           </a:ln>
         </p:spPr>
         <p:style>
@@ -11174,7 +15499,7 @@
         </p:nvCxnSpPr>
         <p:spPr>
           <a:xfrm>
-            <a:off x="11411053" y="3864544"/>
+            <a:off x="11411053" y="3982111"/>
             <a:ext cx="0" cy="117911"/>
           </a:xfrm>
           <a:prstGeom prst="straightConnector1">
@@ -11218,7 +15543,7 @@
         </p:nvSpPr>
         <p:spPr>
           <a:xfrm>
-            <a:off x="9494777" y="5482144"/>
+            <a:off x="9494777" y="5599711"/>
             <a:ext cx="1371600" cy="457200"/>
           </a:xfrm>
           <a:prstGeom prst="roundRect">
@@ -11279,7 +15604,7 @@
         </p:nvCxnSpPr>
         <p:spPr>
           <a:xfrm flipV="1">
-            <a:off x="10180577" y="5365668"/>
+            <a:off x="10180577" y="5483235"/>
             <a:ext cx="0" cy="116476"/>
           </a:xfrm>
           <a:prstGeom prst="straightConnector1">
@@ -11323,7 +15648,7 @@
         </p:nvSpPr>
         <p:spPr>
           <a:xfrm>
-            <a:off x="9723377" y="4908468"/>
+            <a:off x="9723377" y="5026035"/>
             <a:ext cx="914400" cy="457200"/>
           </a:xfrm>
           <a:prstGeom prst="roundRect">
@@ -11336,11 +15661,11 @@
           </a:solidFill>
           <a:ln>
             <a:solidFill>
-              <a:schemeClr val="accent4">
+              <a:schemeClr val="accent5">
                 <a:lumMod val="75000"/>
               </a:schemeClr>
             </a:solidFill>
-            <a:prstDash val="dash"/>
+            <a:prstDash val="solid"/>
           </a:ln>
         </p:spPr>
         <p:style>
@@ -11389,7 +15714,7 @@
         </p:nvCxnSpPr>
         <p:spPr>
           <a:xfrm flipH="1" flipV="1">
-            <a:off x="9405877" y="4824836"/>
+            <a:off x="9405877" y="4942403"/>
             <a:ext cx="317500" cy="312232"/>
           </a:xfrm>
           <a:prstGeom prst="straightConnector1">
@@ -11433,7 +15758,7 @@
         </p:nvSpPr>
         <p:spPr>
           <a:xfrm>
-            <a:off x="9723377" y="4325820"/>
+            <a:off x="9723377" y="4443387"/>
             <a:ext cx="914400" cy="457200"/>
           </a:xfrm>
           <a:prstGeom prst="roundRect">
@@ -11446,11 +15771,11 @@
           </a:solidFill>
           <a:ln>
             <a:solidFill>
-              <a:schemeClr val="accent4">
+              <a:schemeClr val="accent5">
                 <a:lumMod val="75000"/>
               </a:schemeClr>
             </a:solidFill>
-            <a:prstDash val="dash"/>
+            <a:prstDash val="solid"/>
           </a:ln>
         </p:spPr>
         <p:style>
@@ -11499,7 +15824,7 @@
         </p:nvCxnSpPr>
         <p:spPr>
           <a:xfrm flipH="1">
-            <a:off x="9405877" y="4554420"/>
+            <a:off x="9405877" y="4671987"/>
             <a:ext cx="317500" cy="270416"/>
           </a:xfrm>
           <a:prstGeom prst="straightConnector1">
@@ -11550,7 +15875,7 @@
             <a:avLst/>
           </a:prstGeom>
           <a:noFill/>
-          <a:ln>
+          <a:ln w="25400">
             <a:solidFill>
               <a:srgbClr val="FF0000"/>
             </a:solidFill>
@@ -11602,7 +15927,7 @@
             <a:avLst/>
           </a:prstGeom>
           <a:noFill/>
-          <a:ln>
+          <a:ln w="25400">
             <a:solidFill>
               <a:srgbClr val="FF0000"/>
             </a:solidFill>
@@ -11647,14 +15972,14 @@
         </p:nvSpPr>
         <p:spPr>
           <a:xfrm>
-            <a:off x="8173977" y="4737468"/>
+            <a:off x="8173977" y="4855035"/>
             <a:ext cx="158750" cy="228600"/>
           </a:xfrm>
           <a:prstGeom prst="rightArrow">
             <a:avLst/>
           </a:prstGeom>
           <a:noFill/>
-          <a:ln>
+          <a:ln w="25400">
             <a:solidFill>
               <a:srgbClr val="FF0000"/>
             </a:solidFill>
@@ -11699,7 +16024,7 @@
         </p:nvSpPr>
         <p:spPr>
           <a:xfrm>
-            <a:off x="8994019" y="6515924"/>
+            <a:off x="8994019" y="6542050"/>
             <a:ext cx="2225289" cy="307777"/>
           </a:xfrm>
           <a:prstGeom prst="rect">
@@ -11736,7 +16061,7 @@
         </p:nvSpPr>
         <p:spPr>
           <a:xfrm>
-            <a:off x="10955926" y="4596236"/>
+            <a:off x="10955926" y="4713803"/>
             <a:ext cx="914400" cy="457200"/>
           </a:xfrm>
           <a:prstGeom prst="roundRect">
@@ -11747,11 +16072,9 @@
               <a:lumMod val="75000"/>
             </a:schemeClr>
           </a:solidFill>
-          <a:ln>
+          <a:ln w="25400">
             <a:solidFill>
-              <a:schemeClr val="accent4">
-                <a:lumMod val="75000"/>
-              </a:schemeClr>
+              <a:srgbClr val="FF0000"/>
             </a:solidFill>
           </a:ln>
         </p:spPr>
@@ -11801,7 +16124,7 @@
         </p:nvCxnSpPr>
         <p:spPr>
           <a:xfrm flipH="1" flipV="1">
-            <a:off x="10637777" y="4554420"/>
+            <a:off x="10637777" y="4671987"/>
             <a:ext cx="318149" cy="270416"/>
           </a:xfrm>
           <a:prstGeom prst="straightConnector1">
@@ -11849,7 +16172,7 @@
         </p:nvCxnSpPr>
         <p:spPr>
           <a:xfrm flipH="1">
-            <a:off x="10637777" y="4824836"/>
+            <a:off x="10637777" y="4942403"/>
             <a:ext cx="318149" cy="312232"/>
           </a:xfrm>
           <a:prstGeom prst="straightConnector1">
@@ -11892,7 +16215,7 @@
 </p:sld>
 </file>
 
-<file path=ppt/slides/slide4.xml><?xml version="1.0" encoding="utf-8"?>
+<file path=ppt/slides/slide5.xml><?xml version="1.0" encoding="utf-8"?>
 <p:sld xmlns:a="http://schemas.openxmlformats.org/drawingml/2006/main" xmlns:r="http://schemas.openxmlformats.org/officeDocument/2006/relationships" xmlns:p="http://schemas.openxmlformats.org/presentationml/2006/main">
   <p:cSld>
     <p:spTree>
@@ -12250,8 +16573,10 @@
                 <a:lumMod val="75000"/>
               </a:schemeClr>
             </a:solidFill>
-            <a:ln>
-              <a:noFill/>
+            <a:ln w="25400">
+              <a:solidFill>
+                <a:srgbClr val="FF0000"/>
+              </a:solidFill>
             </a:ln>
           </p:spPr>
           <p:style>
@@ -12694,8 +17019,7 @@
           <a:ln>
             <a:solidFill>
               <a:schemeClr val="accent1">
-                <a:lumMod val="60000"/>
-                <a:lumOff val="40000"/>
+                <a:lumMod val="75000"/>
               </a:schemeClr>
             </a:solidFill>
             <a:prstDash val="dash"/>
@@ -12722,7 +17046,13 @@
           <a:lstStyle/>
           <a:p>
             <a:pPr algn="ctr"/>
-            <a:endParaRPr lang="en-US"/>
+            <a:endParaRPr lang="en-US">
+              <a:solidFill>
+                <a:schemeClr val="accent1">
+                  <a:lumMod val="75000"/>
+                </a:schemeClr>
+              </a:solidFill>
+            </a:endParaRPr>
           </a:p>
         </p:txBody>
       </p:sp>
@@ -12750,8 +17080,7 @@
           <a:ln>
             <a:solidFill>
               <a:schemeClr val="accent1">
-                <a:lumMod val="60000"/>
-                <a:lumOff val="40000"/>
+                <a:lumMod val="75000"/>
               </a:schemeClr>
             </a:solidFill>
             <a:prstDash val="dash"/>
@@ -12778,7 +17107,13 @@
           <a:lstStyle/>
           <a:p>
             <a:pPr algn="ctr"/>
-            <a:endParaRPr lang="en-US"/>
+            <a:endParaRPr lang="en-US">
+              <a:solidFill>
+                <a:schemeClr val="accent1">
+                  <a:lumMod val="75000"/>
+                </a:schemeClr>
+              </a:solidFill>
+            </a:endParaRPr>
           </a:p>
         </p:txBody>
       </p:sp>
@@ -12814,8 +17149,7 @@
               <a:rPr lang="en-US" sz="1400" dirty="0">
                 <a:solidFill>
                   <a:schemeClr val="accent1">
-                    <a:lumMod val="60000"/>
-                    <a:lumOff val="40000"/>
+                    <a:lumMod val="75000"/>
                   </a:schemeClr>
                 </a:solidFill>
               </a:rPr>
@@ -12856,8 +17190,7 @@
               <a:rPr lang="en-US" sz="1400" dirty="0">
                 <a:solidFill>
                   <a:schemeClr val="accent1">
-                    <a:lumMod val="60000"/>
-                    <a:lumOff val="40000"/>
+                    <a:lumMod val="75000"/>
                   </a:schemeClr>
                 </a:solidFill>
               </a:rPr>
@@ -12916,7 +17249,7 @@
 </p:sld>
 </file>
 
-<file path=ppt/slides/slide5.xml><?xml version="1.0" encoding="utf-8"?>
+<file path=ppt/slides/slide6.xml><?xml version="1.0" encoding="utf-8"?>
 <p:sld xmlns:a="http://schemas.openxmlformats.org/drawingml/2006/main" xmlns:r="http://schemas.openxmlformats.org/officeDocument/2006/relationships" xmlns:p="http://schemas.openxmlformats.org/presentationml/2006/main">
   <p:cSld>
     <p:spTree>
@@ -13369,7 +17702,7 @@
             <a:pPr algn="ctr"/>
             <a:r>
               <a:rPr lang="en-US" sz="1400" dirty="0"/>
-              <a:t>C3”</a:t>
+              <a:t>C3</a:t>
             </a:r>
           </a:p>
         </p:txBody>
@@ -13446,8 +17779,7 @@
           <a:ln>
             <a:solidFill>
               <a:schemeClr val="accent1">
-                <a:lumMod val="60000"/>
-                <a:lumOff val="40000"/>
+                <a:lumMod val="75000"/>
               </a:schemeClr>
             </a:solidFill>
             <a:prstDash val="dash"/>
@@ -13474,7 +17806,13 @@
           <a:lstStyle/>
           <a:p>
             <a:pPr algn="ctr"/>
-            <a:endParaRPr lang="en-US"/>
+            <a:endParaRPr lang="en-US">
+              <a:solidFill>
+                <a:schemeClr val="accent1">
+                  <a:lumMod val="75000"/>
+                </a:schemeClr>
+              </a:solidFill>
+            </a:endParaRPr>
           </a:p>
         </p:txBody>
       </p:sp>
@@ -13502,8 +17840,7 @@
           <a:ln>
             <a:solidFill>
               <a:schemeClr val="accent1">
-                <a:lumMod val="60000"/>
-                <a:lumOff val="40000"/>
+                <a:lumMod val="75000"/>
               </a:schemeClr>
             </a:solidFill>
             <a:prstDash val="dash"/>
@@ -13530,7 +17867,13 @@
           <a:lstStyle/>
           <a:p>
             <a:pPr algn="ctr"/>
-            <a:endParaRPr lang="en-US"/>
+            <a:endParaRPr lang="en-US">
+              <a:solidFill>
+                <a:schemeClr val="accent1">
+                  <a:lumMod val="75000"/>
+                </a:schemeClr>
+              </a:solidFill>
+            </a:endParaRPr>
           </a:p>
         </p:txBody>
       </p:sp>
@@ -13566,8 +17909,7 @@
               <a:rPr lang="en-US" sz="1400" dirty="0">
                 <a:solidFill>
                   <a:schemeClr val="accent1">
-                    <a:lumMod val="60000"/>
-                    <a:lumOff val="40000"/>
+                    <a:lumMod val="75000"/>
                   </a:schemeClr>
                 </a:solidFill>
               </a:rPr>
@@ -13608,8 +17950,7 @@
               <a:rPr lang="en-US" sz="1400" dirty="0">
                 <a:solidFill>
                   <a:schemeClr val="accent1">
-                    <a:lumMod val="60000"/>
-                    <a:lumOff val="40000"/>
+                    <a:lumMod val="75000"/>
                   </a:schemeClr>
                 </a:solidFill>
               </a:rPr>
@@ -14151,7 +18492,7 @@
             <a:pPr algn="ctr"/>
             <a:r>
               <a:rPr lang="en-US" sz="1400" dirty="0"/>
-              <a:t>C3’</a:t>
+              <a:t>C4</a:t>
             </a:r>
           </a:p>
         </p:txBody>
@@ -14474,7 +18815,7 @@
             <a:pPr algn="ctr"/>
             <a:r>
               <a:rPr lang="en-US" sz="1400" dirty="0"/>
-              <a:t>C3”</a:t>
+              <a:t>C3</a:t>
             </a:r>
           </a:p>
         </p:txBody>
@@ -14551,8 +18892,7 @@
           <a:ln>
             <a:solidFill>
               <a:schemeClr val="accent1">
-                <a:lumMod val="60000"/>
-                <a:lumOff val="40000"/>
+                <a:lumMod val="75000"/>
               </a:schemeClr>
             </a:solidFill>
             <a:prstDash val="dash"/>
@@ -14579,7 +18919,13 @@
           <a:lstStyle/>
           <a:p>
             <a:pPr algn="ctr"/>
-            <a:endParaRPr lang="en-US"/>
+            <a:endParaRPr lang="en-US">
+              <a:solidFill>
+                <a:schemeClr val="accent1">
+                  <a:lumMod val="75000"/>
+                </a:schemeClr>
+              </a:solidFill>
+            </a:endParaRPr>
           </a:p>
         </p:txBody>
       </p:sp>
@@ -14607,8 +18953,7 @@
           <a:ln>
             <a:solidFill>
               <a:schemeClr val="accent1">
-                <a:lumMod val="60000"/>
-                <a:lumOff val="40000"/>
+                <a:lumMod val="75000"/>
               </a:schemeClr>
             </a:solidFill>
             <a:prstDash val="dash"/>
@@ -14635,7 +18980,13 @@
           <a:lstStyle/>
           <a:p>
             <a:pPr algn="ctr"/>
-            <a:endParaRPr lang="en-US"/>
+            <a:endParaRPr lang="en-US">
+              <a:solidFill>
+                <a:schemeClr val="accent1">
+                  <a:lumMod val="75000"/>
+                </a:schemeClr>
+              </a:solidFill>
+            </a:endParaRPr>
           </a:p>
         </p:txBody>
       </p:sp>
@@ -14671,8 +19022,7 @@
               <a:rPr lang="en-US" sz="1400" dirty="0">
                 <a:solidFill>
                   <a:schemeClr val="accent1">
-                    <a:lumMod val="60000"/>
-                    <a:lumOff val="40000"/>
+                    <a:lumMod val="75000"/>
                   </a:schemeClr>
                 </a:solidFill>
               </a:rPr>
@@ -14713,8 +19063,7 @@
               <a:rPr lang="en-US" sz="1400" dirty="0">
                 <a:solidFill>
                   <a:schemeClr val="accent1">
-                    <a:lumMod val="60000"/>
-                    <a:lumOff val="40000"/>
+                    <a:lumMod val="75000"/>
                   </a:schemeClr>
                 </a:solidFill>
               </a:rPr>
@@ -14965,8 +19314,10 @@
               <a:lumMod val="75000"/>
             </a:schemeClr>
           </a:solidFill>
-          <a:ln>
-            <a:noFill/>
+          <a:ln w="25400">
+            <a:solidFill>
+              <a:srgbClr val="FF0000"/>
+            </a:solidFill>
           </a:ln>
         </p:spPr>
         <p:style>
@@ -15086,11 +19437,9 @@
               <a:lumMod val="75000"/>
             </a:schemeClr>
           </a:solidFill>
-          <a:ln>
+          <a:ln w="25400">
             <a:solidFill>
-              <a:schemeClr val="accent4">
-                <a:lumMod val="75000"/>
-              </a:schemeClr>
+              <a:srgbClr val="FF0000"/>
             </a:solidFill>
           </a:ln>
         </p:spPr>
@@ -15117,7 +19466,7 @@
             <a:pPr algn="ctr"/>
             <a:r>
               <a:rPr lang="en-US" sz="1400" dirty="0"/>
-              <a:t>C3’</a:t>
+              <a:t>C4</a:t>
             </a:r>
           </a:p>
         </p:txBody>
@@ -15184,14 +19533,66 @@
         </p:nvSpPr>
         <p:spPr>
           <a:xfrm>
-            <a:off x="4085422" y="1539065"/>
+            <a:off x="4106435" y="1539065"/>
             <a:ext cx="158750" cy="228600"/>
           </a:xfrm>
           <a:prstGeom prst="rightArrow">
             <a:avLst/>
           </a:prstGeom>
           <a:noFill/>
-          <a:ln>
+          <a:ln w="25400">
+            <a:solidFill>
+              <a:srgbClr val="FF0000"/>
+            </a:solidFill>
+          </a:ln>
+        </p:spPr>
+        <p:style>
+          <a:lnRef idx="2">
+            <a:schemeClr val="accent1">
+              <a:shade val="50000"/>
+            </a:schemeClr>
+          </a:lnRef>
+          <a:fillRef idx="1">
+            <a:schemeClr val="accent1"/>
+          </a:fillRef>
+          <a:effectRef idx="0">
+            <a:schemeClr val="accent1"/>
+          </a:effectRef>
+          <a:fontRef idx="minor">
+            <a:schemeClr val="lt1"/>
+          </a:fontRef>
+        </p:style>
+        <p:txBody>
+          <a:bodyPr rtlCol="0" anchor="ctr"/>
+          <a:lstStyle/>
+          <a:p>
+            <a:pPr algn="ctr"/>
+            <a:endParaRPr lang="en-US"/>
+          </a:p>
+        </p:txBody>
+      </p:sp>
+      <p:sp>
+        <p:nvSpPr>
+          <p:cNvPr id="58" name="Right Arrow 57">
+            <a:extLst>
+              <a:ext uri="{FF2B5EF4-FFF2-40B4-BE49-F238E27FC236}">
+                <a16:creationId xmlns:a16="http://schemas.microsoft.com/office/drawing/2014/main" id="{1B944EAE-3047-CD4B-B49B-86B7B181FB28}"/>
+              </a:ext>
+            </a:extLst>
+          </p:cNvPr>
+          <p:cNvSpPr/>
+          <p:nvPr/>
+        </p:nvSpPr>
+        <p:spPr>
+          <a:xfrm>
+            <a:off x="4106435" y="4747959"/>
+            <a:ext cx="158750" cy="228600"/>
+          </a:xfrm>
+          <a:prstGeom prst="rightArrow">
+            <a:avLst/>
+          </a:prstGeom>
+          <a:noFill/>
+          <a:ln w="25400">
             <a:solidFill>
               <a:srgbClr val="FF0000"/>
             </a:solidFill>
@@ -15528,4 +19929,299 @@
     </a:ext>
   </a:extLst>
 </a:theme>
+</file>
+
+<file path=ppt/theme/theme2.xml><?xml version="1.0" encoding="utf-8"?>
+<a:theme xmlns:a="http://schemas.openxmlformats.org/drawingml/2006/main" name="Office Theme">
+  <a:themeElements>
+    <a:clrScheme name="Office">
+      <a:dk1>
+        <a:sysClr val="windowText" lastClr="000000"/>
+      </a:dk1>
+      <a:lt1>
+        <a:sysClr val="window" lastClr="FFFFFF"/>
+      </a:lt1>
+      <a:dk2>
+        <a:srgbClr val="44546A"/>
+      </a:dk2>
+      <a:lt2>
+        <a:srgbClr val="E7E6E6"/>
+      </a:lt2>
+      <a:accent1>
+        <a:srgbClr val="4472C4"/>
+      </a:accent1>
+      <a:accent2>
+        <a:srgbClr val="ED7D31"/>
+      </a:accent2>
+      <a:accent3>
+        <a:srgbClr val="A5A5A5"/>
+      </a:accent3>
+      <a:accent4>
+        <a:srgbClr val="FFC000"/>
+      </a:accent4>
+      <a:accent5>
+        <a:srgbClr val="5B9BD5"/>
+      </a:accent5>
+      <a:accent6>
+        <a:srgbClr val="70AD47"/>
+      </a:accent6>
+      <a:hlink>
+        <a:srgbClr val="0563C1"/>
+      </a:hlink>
+      <a:folHlink>
+        <a:srgbClr val="954F72"/>
+      </a:folHlink>
+    </a:clrScheme>
+    <a:fontScheme name="Office">
+      <a:majorFont>
+        <a:latin typeface="Calibri Light" panose="020F0302020204030204"/>
+        <a:ea typeface=""/>
+        <a:cs typeface=""/>
+        <a:font script="Jpan" typeface="游ゴシック Light"/>
+        <a:font script="Hang" typeface="맑은 고딕"/>
+        <a:font script="Hans" typeface="等线 Light"/>
+        <a:font script="Hant" typeface="新細明體"/>
+        <a:font script="Arab" typeface="Times New Roman"/>
+        <a:font script="Hebr" typeface="Times New Roman"/>
+        <a:font script="Thai" typeface="Angsana New"/>
+        <a:font script="Ethi" typeface="Nyala"/>
+        <a:font script="Beng" typeface="Vrinda"/>
+        <a:font script="Gujr" typeface="Shruti"/>
+        <a:font script="Khmr" typeface="MoolBoran"/>
+        <a:font script="Knda" typeface="Tunga"/>
+        <a:font script="Guru" typeface="Raavi"/>
+        <a:font script="Cans" typeface="Euphemia"/>
+        <a:font script="Cher" typeface="Plantagenet Cherokee"/>
+        <a:font script="Yiii" typeface="Microsoft Yi Baiti"/>
+        <a:font script="Tibt" typeface="Microsoft Himalaya"/>
+        <a:font script="Thaa" typeface="MV Boli"/>
+        <a:font script="Deva" typeface="Mangal"/>
+        <a:font script="Telu" typeface="Gautami"/>
+        <a:font script="Taml" typeface="Latha"/>
+        <a:font script="Syrc" typeface="Estrangelo Edessa"/>
+        <a:font script="Orya" typeface="Kalinga"/>
+        <a:font script="Mlym" typeface="Kartika"/>
+        <a:font script="Laoo" typeface="DokChampa"/>
+        <a:font script="Sinh" typeface="Iskoola Pota"/>
+        <a:font script="Mong" typeface="Mongolian Baiti"/>
+        <a:font script="Viet" typeface="Times New Roman"/>
+        <a:font script="Uigh" typeface="Microsoft Uighur"/>
+        <a:font script="Geor" typeface="Sylfaen"/>
+        <a:font script="Armn" typeface="Arial"/>
+        <a:font script="Bugi" typeface="Leelawadee UI"/>
+        <a:font script="Bopo" typeface="Microsoft JhengHei"/>
+        <a:font script="Java" typeface="Javanese Text"/>
+        <a:font script="Lisu" typeface="Segoe UI"/>
+        <a:font script="Mymr" typeface="Myanmar Text"/>
+        <a:font script="Nkoo" typeface="Ebrima"/>
+        <a:font script="Olck" typeface="Nirmala UI"/>
+        <a:font script="Osma" typeface="Ebrima"/>
+        <a:font script="Phag" typeface="Phagspa"/>
+        <a:font script="Syrn" typeface="Estrangelo Edessa"/>
+        <a:font script="Syrj" typeface="Estrangelo Edessa"/>
+        <a:font script="Syre" typeface="Estrangelo Edessa"/>
+        <a:font script="Sora" typeface="Nirmala UI"/>
+        <a:font script="Tale" typeface="Microsoft Tai Le"/>
+        <a:font script="Talu" typeface="Microsoft New Tai Lue"/>
+        <a:font script="Tfng" typeface="Ebrima"/>
+      </a:majorFont>
+      <a:minorFont>
+        <a:latin typeface="Calibri" panose="020F0502020204030204"/>
+        <a:ea typeface=""/>
+        <a:cs typeface=""/>
+        <a:font script="Jpan" typeface="游ゴシック"/>
+        <a:font script="Hang" typeface="맑은 고딕"/>
+        <a:font script="Hans" typeface="等线"/>
+        <a:font script="Hant" typeface="新細明體"/>
+        <a:font script="Arab" typeface="Arial"/>
+        <a:font script="Hebr" typeface="Arial"/>
+        <a:font script="Thai" typeface="Cordia New"/>
+        <a:font script="Ethi" typeface="Nyala"/>
+        <a:font script="Beng" typeface="Vrinda"/>
+        <a:font script="Gujr" typeface="Shruti"/>
+        <a:font script="Khmr" typeface="DaunPenh"/>
+        <a:font script="Knda" typeface="Tunga"/>
+        <a:font script="Guru" typeface="Raavi"/>
+        <a:font script="Cans" typeface="Euphemia"/>
+        <a:font script="Cher" typeface="Plantagenet Cherokee"/>
+        <a:font script="Yiii" typeface="Microsoft Yi Baiti"/>
+        <a:font script="Tibt" typeface="Microsoft Himalaya"/>
+        <a:font script="Thaa" typeface="MV Boli"/>
+        <a:font script="Deva" typeface="Mangal"/>
+        <a:font script="Telu" typeface="Gautami"/>
+        <a:font script="Taml" typeface="Latha"/>
+        <a:font script="Syrc" typeface="Estrangelo Edessa"/>
+        <a:font script="Orya" typeface="Kalinga"/>
+        <a:font script="Mlym" typeface="Kartika"/>
+        <a:font script="Laoo" typeface="DokChampa"/>
+        <a:font script="Sinh" typeface="Iskoola Pota"/>
+        <a:font script="Mong" typeface="Mongolian Baiti"/>
+        <a:font script="Viet" typeface="Arial"/>
+        <a:font script="Uigh" typeface="Microsoft Uighur"/>
+        <a:font script="Geor" typeface="Sylfaen"/>
+        <a:font script="Armn" typeface="Arial"/>
+        <a:font script="Bugi" typeface="Leelawadee UI"/>
+        <a:font script="Bopo" typeface="Microsoft JhengHei"/>
+        <a:font script="Java" typeface="Javanese Text"/>
+        <a:font script="Lisu" typeface="Segoe UI"/>
+        <a:font script="Mymr" typeface="Myanmar Text"/>
+        <a:font script="Nkoo" typeface="Ebrima"/>
+        <a:font script="Olck" typeface="Nirmala UI"/>
+        <a:font script="Osma" typeface="Ebrima"/>
+        <a:font script="Phag" typeface="Phagspa"/>
+        <a:font script="Syrn" typeface="Estrangelo Edessa"/>
+        <a:font script="Syrj" typeface="Estrangelo Edessa"/>
+        <a:font script="Syre" typeface="Estrangelo Edessa"/>
+        <a:font script="Sora" typeface="Nirmala UI"/>
+        <a:font script="Tale" typeface="Microsoft Tai Le"/>
+        <a:font script="Talu" typeface="Microsoft New Tai Lue"/>
+        <a:font script="Tfng" typeface="Ebrima"/>
+      </a:minorFont>
+    </a:fontScheme>
+    <a:fmtScheme name="Office">
+      <a:fillStyleLst>
+        <a:solidFill>
+          <a:schemeClr val="phClr"/>
+        </a:solidFill>
+        <a:gradFill rotWithShape="1">
+          <a:gsLst>
+            <a:gs pos="0">
+              <a:schemeClr val="phClr">
+                <a:lumMod val="110000"/>
+                <a:satMod val="105000"/>
+                <a:tint val="67000"/>
+              </a:schemeClr>
+            </a:gs>
+            <a:gs pos="50000">
+              <a:schemeClr val="phClr">
+                <a:lumMod val="105000"/>
+                <a:satMod val="103000"/>
+                <a:tint val="73000"/>
+              </a:schemeClr>
+            </a:gs>
+            <a:gs pos="100000">
+              <a:schemeClr val="phClr">
+                <a:lumMod val="105000"/>
+                <a:satMod val="109000"/>
+                <a:tint val="81000"/>
+              </a:schemeClr>
+            </a:gs>
+          </a:gsLst>
+          <a:lin ang="5400000" scaled="0"/>
+        </a:gradFill>
+        <a:gradFill rotWithShape="1">
+          <a:gsLst>
+            <a:gs pos="0">
+              <a:schemeClr val="phClr">
+                <a:satMod val="103000"/>
+                <a:lumMod val="102000"/>
+                <a:tint val="94000"/>
+              </a:schemeClr>
+            </a:gs>
+            <a:gs pos="50000">
+              <a:schemeClr val="phClr">
+                <a:satMod val="110000"/>
+                <a:lumMod val="100000"/>
+                <a:shade val="100000"/>
+              </a:schemeClr>
+            </a:gs>
+            <a:gs pos="100000">
+              <a:schemeClr val="phClr">
+                <a:lumMod val="99000"/>
+                <a:satMod val="120000"/>
+                <a:shade val="78000"/>
+              </a:schemeClr>
+            </a:gs>
+          </a:gsLst>
+          <a:lin ang="5400000" scaled="0"/>
+        </a:gradFill>
+      </a:fillStyleLst>
+      <a:lnStyleLst>
+        <a:ln w="6350" cap="flat" cmpd="sng" algn="ctr">
+          <a:solidFill>
+            <a:schemeClr val="phClr"/>
+          </a:solidFill>
+          <a:prstDash val="solid"/>
+          <a:miter lim="800000"/>
+        </a:ln>
+        <a:ln w="12700" cap="flat" cmpd="sng" algn="ctr">
+          <a:solidFill>
+            <a:schemeClr val="phClr"/>
+          </a:solidFill>
+          <a:prstDash val="solid"/>
+          <a:miter lim="800000"/>
+        </a:ln>
+        <a:ln w="19050" cap="flat" cmpd="sng" algn="ctr">
+          <a:solidFill>
+            <a:schemeClr val="phClr"/>
+          </a:solidFill>
+          <a:prstDash val="solid"/>
+          <a:miter lim="800000"/>
+        </a:ln>
+      </a:lnStyleLst>
+      <a:effectStyleLst>
+        <a:effectStyle>
+          <a:effectLst/>
+        </a:effectStyle>
+        <a:effectStyle>
+          <a:effectLst/>
+        </a:effectStyle>
+        <a:effectStyle>
+          <a:effectLst>
+            <a:outerShdw blurRad="57150" dist="19050" dir="5400000" algn="ctr" rotWithShape="0">
+              <a:srgbClr val="000000">
+                <a:alpha val="63000"/>
+              </a:srgbClr>
+            </a:outerShdw>
+          </a:effectLst>
+        </a:effectStyle>
+      </a:effectStyleLst>
+      <a:bgFillStyleLst>
+        <a:solidFill>
+          <a:schemeClr val="phClr"/>
+        </a:solidFill>
+        <a:solidFill>
+          <a:schemeClr val="phClr">
+            <a:tint val="95000"/>
+            <a:satMod val="170000"/>
+          </a:schemeClr>
+        </a:solidFill>
+        <a:gradFill rotWithShape="1">
+          <a:gsLst>
+            <a:gs pos="0">
+              <a:schemeClr val="phClr">
+                <a:tint val="93000"/>
+                <a:satMod val="150000"/>
+                <a:shade val="98000"/>
+                <a:lumMod val="102000"/>
+              </a:schemeClr>
+            </a:gs>
+            <a:gs pos="50000">
+              <a:schemeClr val="phClr">
+                <a:tint val="98000"/>
+                <a:satMod val="130000"/>
+                <a:shade val="90000"/>
+                <a:lumMod val="103000"/>
+              </a:schemeClr>
+            </a:gs>
+            <a:gs pos="100000">
+              <a:schemeClr val="phClr">
+                <a:shade val="63000"/>
+                <a:satMod val="120000"/>
+              </a:schemeClr>
+            </a:gs>
+          </a:gsLst>
+          <a:lin ang="5400000" scaled="0"/>
+        </a:gradFill>
+      </a:bgFillStyleLst>
+    </a:fmtScheme>
+  </a:themeElements>
+  <a:objectDefaults/>
+  <a:extraClrSchemeLst/>
+  <a:extLst>
+    <a:ext uri="{05A4C25C-085E-4340-85A3-A5531E510DB2}">
+      <thm15:themeFamily xmlns:thm15="http://schemas.microsoft.com/office/thememl/2012/main" name="Office Theme" id="{62F939B6-93AF-4DB8-9C6B-D6C7DFDC589F}" vid="{4A3C46E8-61CC-4603-A589-7422A47A8E4A}"/>
+    </a:ext>
+  </a:extLst>
+</a:theme>
 </file>